--- a/Hack_present - 3.pptx
+++ b/Hack_present - 3.pptx
@@ -7,11 +7,12 @@
   </p:sldMasterIdLst>
   <p:sldIdLst>
     <p:sldId id="256" r:id="rId3"/>
-    <p:sldId id="257" r:id="rId4"/>
+    <p:sldId id="264" r:id="rId4"/>
     <p:sldId id="258" r:id="rId5"/>
-    <p:sldId id="262" r:id="rId6"/>
-    <p:sldId id="263" r:id="rId7"/>
-    <p:sldId id="261" r:id="rId8"/>
+    <p:sldId id="257" r:id="rId6"/>
+    <p:sldId id="262" r:id="rId7"/>
+    <p:sldId id="263" r:id="rId8"/>
+    <p:sldId id="261" r:id="rId9"/>
   </p:sldIdLst>
   <p:sldSz cx="12192000" cy="6858000"/>
   <p:notesSz cx="6858000" cy="9144000"/>
@@ -483,11 +484,11 @@
         </c:dLbls>
         <c:gapWidth val="219"/>
         <c:overlap val="-27"/>
-        <c:axId val="214215040"/>
-        <c:axId val="213940704"/>
+        <c:axId val="216605352"/>
+        <c:axId val="87345480"/>
       </c:barChart>
       <c:catAx>
-        <c:axId val="214215040"/>
+        <c:axId val="216605352"/>
         <c:scaling>
           <c:orientation val="minMax"/>
         </c:scaling>
@@ -530,7 +531,7 @@
             <a:endParaRPr lang="ru-RU"/>
           </a:p>
         </c:txPr>
-        <c:crossAx val="213940704"/>
+        <c:crossAx val="87345480"/>
         <c:crosses val="autoZero"/>
         <c:auto val="1"/>
         <c:lblAlgn val="ctr"/>
@@ -538,7 +539,7 @@
         <c:noMultiLvlLbl val="0"/>
       </c:catAx>
       <c:valAx>
-        <c:axId val="213940704"/>
+        <c:axId val="87345480"/>
         <c:scaling>
           <c:orientation val="minMax"/>
         </c:scaling>
@@ -589,7 +590,7 @@
             <a:endParaRPr lang="ru-RU"/>
           </a:p>
         </c:txPr>
-        <c:crossAx val="214215040"/>
+        <c:crossAx val="216605352"/>
         <c:crosses val="autoZero"/>
         <c:crossBetween val="between"/>
       </c:valAx>
@@ -6973,17 +6974,26 @@
         </p:nvSpPr>
         <p:spPr>
           <a:xfrm>
-            <a:off x="1" y="2140856"/>
-            <a:ext cx="12170230" cy="1484087"/>
+            <a:off x="0" y="2125016"/>
+            <a:ext cx="12192001" cy="1712890"/>
           </a:xfrm>
           <a:prstGeom prst="rect">
             <a:avLst/>
           </a:prstGeom>
-          <a:solidFill>
-            <a:srgbClr val="9BC7CA">
-              <a:alpha val="66000"/>
-            </a:srgbClr>
-          </a:solidFill>
+          <a:gradFill flip="none" rotWithShape="1">
+            <a:gsLst>
+              <a:gs pos="60000">
+                <a:srgbClr val="7030A0">
+                  <a:alpha val="60000"/>
+                </a:srgbClr>
+              </a:gs>
+              <a:gs pos="21000">
+                <a:srgbClr val="002060"/>
+              </a:gs>
+            </a:gsLst>
+            <a:lin ang="2700000" scaled="1"/>
+            <a:tileRect/>
+          </a:gradFill>
           <a:ln cap="rnd">
             <a:noFill/>
           </a:ln>
@@ -7043,9 +7053,7 @@
             <a:r>
               <a:rPr lang="ru-RU" sz="4000" dirty="0" smtClean="0">
                 <a:solidFill>
-                  <a:schemeClr val="bg1">
-                    <a:lumMod val="95000"/>
-                  </a:schemeClr>
+                  <a:schemeClr val="bg1"/>
                 </a:solidFill>
                 <a:effectLst>
                   <a:outerShdw blurRad="38100" dist="38100" dir="2700000" algn="tl">
@@ -7062,9 +7070,7 @@
             </a:r>
             <a:endParaRPr lang="ru-RU" sz="4000" dirty="0">
               <a:solidFill>
-                <a:schemeClr val="bg1">
-                  <a:lumMod val="95000"/>
-                </a:schemeClr>
+                <a:schemeClr val="bg1"/>
               </a:solidFill>
               <a:effectLst>
                 <a:outerShdw blurRad="38100" dist="38100" dir="2700000" algn="tl">
@@ -7181,6 +7187,29 @@
       </p:grpSpPr>
       <p:sp>
         <p:nvSpPr>
+          <p:cNvPr id="2" name="Заголовок 1"/>
+          <p:cNvSpPr>
+            <a:spLocks noGrp="1"/>
+          </p:cNvSpPr>
+          <p:nvPr>
+            <p:ph type="title"/>
+          </p:nvPr>
+        </p:nvSpPr>
+        <p:spPr/>
+        <p:txBody>
+          <a:bodyPr/>
+          <a:lstStyle/>
+          <a:p>
+            <a:r>
+              <a:rPr lang="ru-RU" dirty="0" smtClean="0"/>
+              <a:t>Проблематика </a:t>
+            </a:r>
+            <a:endParaRPr lang="ru-RU" dirty="0"/>
+          </a:p>
+        </p:txBody>
+      </p:sp>
+      <p:sp>
+        <p:nvSpPr>
           <p:cNvPr id="3" name="Объект 2"/>
           <p:cNvSpPr>
             <a:spLocks noGrp="1"/>
@@ -7191,48 +7220,355 @@
         </p:nvSpPr>
         <p:spPr>
           <a:xfrm>
-            <a:off x="778848" y="1284909"/>
-            <a:ext cx="5808290" cy="4561348"/>
+            <a:off x="845127" y="1828800"/>
+            <a:ext cx="10515600" cy="2550017"/>
           </a:xfrm>
         </p:spPr>
         <p:txBody>
           <a:bodyPr>
-            <a:normAutofit lnSpcReduction="10000"/>
+            <a:normAutofit/>
           </a:bodyPr>
           <a:lstStyle/>
           <a:p>
-            <a:pPr marL="0" indent="0">
-              <a:buNone/>
-            </a:pPr>
+            <a:r>
+              <a:rPr lang="ru-RU" dirty="0">
+                <a:latin typeface="+mj-lt"/>
+              </a:rPr>
+              <a:t>Уменьшение потока клиентов</a:t>
+            </a:r>
+          </a:p>
+          <a:p>
+            <a:r>
+              <a:rPr lang="ru-RU" dirty="0">
+                <a:latin typeface="+mj-lt"/>
+              </a:rPr>
+              <a:t>Спад процента продаж</a:t>
+            </a:r>
+          </a:p>
+          <a:p>
+            <a:r>
+              <a:rPr lang="ru-RU" dirty="0">
+                <a:latin typeface="+mj-lt"/>
+              </a:rPr>
+              <a:t>Необходимость </a:t>
+            </a:r>
+            <a:r>
+              <a:rPr lang="ru-RU" dirty="0">
+                <a:latin typeface="+mj-lt"/>
+              </a:rPr>
+              <a:t>улучшения</a:t>
+            </a:r>
+            <a:r>
+              <a:rPr lang="ru-RU" dirty="0">
+                <a:latin typeface="+mj-lt"/>
+              </a:rPr>
+              <a:t> оказываемых услуг </a:t>
+            </a:r>
+          </a:p>
+        </p:txBody>
+      </p:sp>
+    </p:spTree>
+    <p:extLst>
+      <p:ext uri="{BB962C8B-B14F-4D97-AF65-F5344CB8AC3E}">
+        <p14:creationId xmlns:p14="http://schemas.microsoft.com/office/powerpoint/2010/main" val="1774969870"/>
+      </p:ext>
+    </p:extLst>
+  </p:cSld>
+  <p:clrMapOvr>
+    <a:masterClrMapping/>
+  </p:clrMapOvr>
+  <p:timing>
+    <p:tnLst>
+      <p:par>
+        <p:cTn id="1" dur="indefinite" restart="never" nodeType="tmRoot"/>
+      </p:par>
+    </p:tnLst>
+  </p:timing>
+</p:sld>
+</file>
+
+<file path=ppt/slides/slide3.xml><?xml version="1.0" encoding="utf-8"?>
+<p:sld xmlns:a="http://schemas.openxmlformats.org/drawingml/2006/main" xmlns:r="http://schemas.openxmlformats.org/officeDocument/2006/relationships" xmlns:p="http://schemas.openxmlformats.org/presentationml/2006/main">
+  <p:cSld>
+    <p:spTree>
+      <p:nvGrpSpPr>
+        <p:cNvPr id="1" name=""/>
+        <p:cNvGrpSpPr/>
+        <p:nvPr/>
+      </p:nvGrpSpPr>
+      <p:grpSpPr>
+        <a:xfrm>
+          <a:off x="0" y="0"/>
+          <a:ext cx="0" cy="0"/>
+          <a:chOff x="0" y="0"/>
+          <a:chExt cx="0" cy="0"/>
+        </a:xfrm>
+      </p:grpSpPr>
+      <p:sp>
+        <p:nvSpPr>
+          <p:cNvPr id="2" name="Заголовок 1"/>
+          <p:cNvSpPr>
+            <a:spLocks noGrp="1"/>
+          </p:cNvSpPr>
+          <p:nvPr>
+            <p:ph type="title"/>
+          </p:nvPr>
+        </p:nvSpPr>
+        <p:spPr>
+          <a:xfrm>
+            <a:off x="639063" y="365760"/>
+            <a:ext cx="10515600" cy="1325562"/>
+          </a:xfrm>
+        </p:spPr>
+        <p:txBody>
+          <a:bodyPr/>
+          <a:lstStyle/>
+          <a:p>
+            <a:r>
+              <a:rPr lang="ru-RU" dirty="0" smtClean="0"/>
+              <a:t>Цель и задачи</a:t>
+            </a:r>
+            <a:endParaRPr lang="ru-RU" dirty="0"/>
+          </a:p>
+        </p:txBody>
+      </p:sp>
+      <p:sp>
+        <p:nvSpPr>
+          <p:cNvPr id="3" name="Объект 2"/>
+          <p:cNvSpPr>
+            <a:spLocks noGrp="1"/>
+          </p:cNvSpPr>
+          <p:nvPr>
+            <p:ph idx="1"/>
+          </p:nvPr>
+        </p:nvSpPr>
+        <p:spPr>
+          <a:xfrm>
+            <a:off x="540326" y="1691321"/>
+            <a:ext cx="10290805" cy="4245840"/>
+          </a:xfrm>
+        </p:spPr>
+        <p:txBody>
+          <a:bodyPr>
+            <a:noAutofit/>
+          </a:bodyPr>
+          <a:lstStyle/>
+          <a:p>
+            <a:r>
+              <a:rPr lang="ru-RU" dirty="0" smtClean="0">
+                <a:solidFill>
+                  <a:srgbClr val="FF0000"/>
+                </a:solidFill>
+                <a:latin typeface="+mj-lt"/>
+              </a:rPr>
+              <a:t>Детектирование </a:t>
+            </a:r>
+            <a:r>
+              <a:rPr lang="ru-RU" dirty="0" smtClean="0">
+                <a:solidFill>
+                  <a:srgbClr val="FF0000"/>
+                </a:solidFill>
+                <a:latin typeface="+mj-lt"/>
+              </a:rPr>
+              <a:t>лиц</a:t>
+            </a:r>
+          </a:p>
+          <a:p>
             <a:r>
               <a:rPr lang="ru-RU" dirty="0" smtClean="0">
                 <a:latin typeface="+mj-lt"/>
               </a:rPr>
-              <a:t>Сбор статистических данных:</a:t>
-            </a:r>
-          </a:p>
-          <a:p>
+              <a:t>Распределение целевой аудитории по категориям</a:t>
+            </a:r>
+            <a:endParaRPr lang="ru-RU" dirty="0" smtClean="0">
+              <a:latin typeface="+mj-lt"/>
+            </a:endParaRPr>
+          </a:p>
+          <a:p>
+            <a:r>
+              <a:rPr lang="ru-RU" dirty="0" smtClean="0">
+                <a:solidFill>
+                  <a:srgbClr val="FF0000"/>
+                </a:solidFill>
+                <a:latin typeface="+mj-lt"/>
+              </a:rPr>
+              <a:t>Определение </a:t>
+            </a:r>
+            <a:r>
+              <a:rPr lang="ru-RU" dirty="0">
+                <a:solidFill>
+                  <a:srgbClr val="FF0000"/>
+                </a:solidFill>
+                <a:latin typeface="+mj-lt"/>
+              </a:rPr>
+              <a:t>категории целевой </a:t>
+            </a:r>
+            <a:r>
+              <a:rPr lang="ru-RU" dirty="0" smtClean="0">
+                <a:solidFill>
+                  <a:srgbClr val="FF0000"/>
+                </a:solidFill>
+                <a:latin typeface="+mj-lt"/>
+              </a:rPr>
+              <a:t>аудитории</a:t>
+            </a:r>
+          </a:p>
+          <a:p>
+            <a:r>
+              <a:rPr lang="ru-RU" dirty="0">
+                <a:solidFill>
+                  <a:srgbClr val="FF0000"/>
+                </a:solidFill>
+                <a:latin typeface="+mj-lt"/>
+              </a:rPr>
+              <a:t>Фиксирование даты и времени входа и выхода посетителя</a:t>
+            </a:r>
+          </a:p>
+          <a:p>
+            <a:r>
+              <a:rPr lang="ru-RU" dirty="0" smtClean="0">
+                <a:solidFill>
+                  <a:srgbClr val="FF0000"/>
+                </a:solidFill>
+                <a:latin typeface="+mj-lt"/>
+              </a:rPr>
+              <a:t>Анализ возраста и пола целевой </a:t>
+            </a:r>
+            <a:r>
+              <a:rPr lang="ru-RU" dirty="0" smtClean="0">
+                <a:solidFill>
+                  <a:srgbClr val="FF0000"/>
+                </a:solidFill>
+                <a:latin typeface="+mj-lt"/>
+              </a:rPr>
+              <a:t>аудитории</a:t>
+            </a:r>
+          </a:p>
+          <a:p>
+            <a:r>
+              <a:rPr lang="ru-RU" dirty="0">
+                <a:latin typeface="+mj-lt"/>
+              </a:rPr>
+              <a:t>Получение статистики посещаемости</a:t>
+            </a:r>
+          </a:p>
+          <a:p>
+            <a:r>
+              <a:rPr lang="ru-RU" dirty="0">
+                <a:latin typeface="+mj-lt"/>
+              </a:rPr>
+              <a:t>Прогнозирование степени загруженности </a:t>
+            </a:r>
             <a:r>
               <a:rPr lang="ru-RU" dirty="0" smtClean="0">
                 <a:latin typeface="+mj-lt"/>
               </a:rPr>
-              <a:t>Возраст</a:t>
-            </a:r>
-          </a:p>
-          <a:p>
+              <a:t>посетителями</a:t>
+            </a:r>
+          </a:p>
+          <a:p>
+            <a:r>
+              <a:rPr lang="ru-RU" dirty="0">
+                <a:latin typeface="+mj-lt"/>
+              </a:rPr>
+              <a:t>Статистический </a:t>
+            </a:r>
             <a:r>
               <a:rPr lang="ru-RU" dirty="0" smtClean="0">
                 <a:latin typeface="+mj-lt"/>
               </a:rPr>
-              <a:t>Пол</a:t>
-            </a:r>
-          </a:p>
+              <a:t>анализ </a:t>
+            </a:r>
+            <a:r>
+              <a:rPr lang="ru-RU" dirty="0">
+                <a:latin typeface="+mj-lt"/>
+              </a:rPr>
+              <a:t>демографии </a:t>
+            </a:r>
+            <a:r>
+              <a:rPr lang="ru-RU" dirty="0">
+                <a:latin typeface="+mj-lt"/>
+              </a:rPr>
+              <a:t>клиентов</a:t>
+            </a:r>
+          </a:p>
+          <a:p>
+            <a:endParaRPr lang="ru-RU" dirty="0">
+              <a:latin typeface="+mj-lt"/>
+            </a:endParaRPr>
+          </a:p>
+        </p:txBody>
+      </p:sp>
+    </p:spTree>
+    <p:extLst>
+      <p:ext uri="{BB962C8B-B14F-4D97-AF65-F5344CB8AC3E}">
+        <p14:creationId xmlns:p14="http://schemas.microsoft.com/office/powerpoint/2010/main" val="1952011160"/>
+      </p:ext>
+    </p:extLst>
+  </p:cSld>
+  <p:clrMapOvr>
+    <a:masterClrMapping/>
+  </p:clrMapOvr>
+  <p:timing>
+    <p:tnLst>
+      <p:par>
+        <p:cTn id="1" dur="indefinite" restart="never" nodeType="tmRoot"/>
+      </p:par>
+    </p:tnLst>
+  </p:timing>
+</p:sld>
+</file>
+
+<file path=ppt/slides/slide4.xml><?xml version="1.0" encoding="utf-8"?>
+<p:sld xmlns:a="http://schemas.openxmlformats.org/drawingml/2006/main" xmlns:r="http://schemas.openxmlformats.org/officeDocument/2006/relationships" xmlns:p="http://schemas.openxmlformats.org/presentationml/2006/main">
+  <p:cSld>
+    <p:spTree>
+      <p:nvGrpSpPr>
+        <p:cNvPr id="1" name=""/>
+        <p:cNvGrpSpPr/>
+        <p:nvPr/>
+      </p:nvGrpSpPr>
+      <p:grpSpPr>
+        <a:xfrm>
+          <a:off x="0" y="0"/>
+          <a:ext cx="0" cy="0"/>
+          <a:chOff x="0" y="0"/>
+          <a:chExt cx="0" cy="0"/>
+        </a:xfrm>
+      </p:grpSpPr>
+      <p:sp>
+        <p:nvSpPr>
+          <p:cNvPr id="3" name="Объект 2"/>
+          <p:cNvSpPr>
+            <a:spLocks noGrp="1"/>
+          </p:cNvSpPr>
+          <p:nvPr>
+            <p:ph idx="1"/>
+          </p:nvPr>
+        </p:nvSpPr>
+        <p:spPr>
+          <a:xfrm>
+            <a:off x="786745" y="2285318"/>
+            <a:ext cx="5808290" cy="2789843"/>
+          </a:xfrm>
+        </p:spPr>
+        <p:txBody>
+          <a:bodyPr>
+            <a:normAutofit/>
+          </a:bodyPr>
+          <a:lstStyle/>
           <a:p>
             <a:r>
               <a:rPr lang="ru-RU" dirty="0" smtClean="0">
                 <a:latin typeface="+mj-lt"/>
               </a:rPr>
-              <a:t>Дата посещения</a:t>
+              <a:t>Дата </a:t>
+            </a:r>
+            <a:r>
+              <a:rPr lang="ru-RU" dirty="0" smtClean="0">
+                <a:latin typeface="+mj-lt"/>
+              </a:rPr>
+              <a:t>посещения</a:t>
             </a:r>
           </a:p>
           <a:p>
@@ -7248,16 +7584,17 @@
               <a:rPr lang="ru-RU" dirty="0" smtClean="0">
                 <a:latin typeface="+mj-lt"/>
               </a:rPr>
-              <a:t>Время выхода</a:t>
-            </a:r>
-          </a:p>
-          <a:p>
+              <a:t>Время </a:t>
+            </a:r>
             <a:r>
               <a:rPr lang="ru-RU" dirty="0" smtClean="0">
                 <a:latin typeface="+mj-lt"/>
               </a:rPr>
-              <a:t>Товары </a:t>
-            </a:r>
+              <a:t>выхода </a:t>
+            </a:r>
+            <a:endParaRPr lang="ru-RU" dirty="0" smtClean="0">
+              <a:latin typeface="+mj-lt"/>
+            </a:endParaRPr>
           </a:p>
           <a:p>
             <a:r>
@@ -7272,7 +7609,25 @@
               <a:rPr lang="ru-RU" dirty="0" smtClean="0">
                 <a:latin typeface="+mj-lt"/>
               </a:rPr>
-              <a:t>Количества людей в помещении</a:t>
+              <a:t>Количеств</a:t>
+            </a:r>
+            <a:r>
+              <a:rPr lang="ru-RU" dirty="0">
+                <a:latin typeface="+mj-lt"/>
+              </a:rPr>
+              <a:t>о</a:t>
+            </a:r>
+            <a:r>
+              <a:rPr lang="ru-RU" dirty="0" smtClean="0">
+                <a:latin typeface="+mj-lt"/>
+              </a:rPr>
+              <a:t> </a:t>
+            </a:r>
+            <a:r>
+              <a:rPr lang="ru-RU" dirty="0" smtClean="0">
+                <a:latin typeface="+mj-lt"/>
+              </a:rPr>
+              <a:t>людей в помещении</a:t>
             </a:r>
             <a:endParaRPr lang="en-US" dirty="0" smtClean="0">
               <a:latin typeface="+mj-lt"/>
@@ -7303,6 +7658,13 @@
         </p:nvPicPr>
         <p:blipFill>
           <a:blip r:embed="rId2">
+            <a:duotone>
+              <a:prstClr val="black"/>
+              <a:srgbClr val="1D5DB5">
+                <a:tint val="45000"/>
+                <a:satMod val="400000"/>
+              </a:srgbClr>
+            </a:duotone>
             <a:extLst>
               <a:ext uri="{28A0092B-C50C-407E-A947-70E740481C1C}">
                 <a14:useLocalDpi xmlns:a14="http://schemas.microsoft.com/office/drawing/2010/main" val="0"/>
@@ -7568,6 +7930,38 @@
             <a:endParaRPr lang="ru-RU" sz="2400" dirty="0">
               <a:latin typeface="+mj-lt"/>
             </a:endParaRPr>
+          </a:p>
+        </p:txBody>
+      </p:sp>
+      <p:sp>
+        <p:nvSpPr>
+          <p:cNvPr id="14" name="Заголовок 1"/>
+          <p:cNvSpPr>
+            <a:spLocks noGrp="1"/>
+          </p:cNvSpPr>
+          <p:nvPr>
+            <p:ph type="title"/>
+          </p:nvPr>
+        </p:nvSpPr>
+        <p:spPr>
+          <a:xfrm>
+            <a:off x="632197" y="445452"/>
+            <a:ext cx="10515600" cy="1325562"/>
+          </a:xfrm>
+        </p:spPr>
+        <p:txBody>
+          <a:bodyPr/>
+          <a:lstStyle/>
+          <a:p>
+            <a:r>
+              <a:rPr lang="ru-RU" dirty="0"/>
+              <a:t>Сбор статистических </a:t>
+            </a:r>
+            <a:r>
+              <a:rPr lang="ru-RU" dirty="0" smtClean="0"/>
+              <a:t>данных</a:t>
+            </a:r>
+            <a:endParaRPr lang="ru-RU" dirty="0"/>
           </a:p>
         </p:txBody>
       </p:sp>
@@ -7993,222 +8387,7 @@
 </p:sld>
 </file>
 
-<file path=ppt/slides/slide3.xml><?xml version="1.0" encoding="utf-8"?>
-<p:sld xmlns:a="http://schemas.openxmlformats.org/drawingml/2006/main" xmlns:r="http://schemas.openxmlformats.org/officeDocument/2006/relationships" xmlns:p="http://schemas.openxmlformats.org/presentationml/2006/main">
-  <p:cSld>
-    <p:spTree>
-      <p:nvGrpSpPr>
-        <p:cNvPr id="1" name=""/>
-        <p:cNvGrpSpPr/>
-        <p:nvPr/>
-      </p:nvGrpSpPr>
-      <p:grpSpPr>
-        <a:xfrm>
-          <a:off x="0" y="0"/>
-          <a:ext cx="0" cy="0"/>
-          <a:chOff x="0" y="0"/>
-          <a:chExt cx="0" cy="0"/>
-        </a:xfrm>
-      </p:grpSpPr>
-      <p:sp>
-        <p:nvSpPr>
-          <p:cNvPr id="2" name="Заголовок 1"/>
-          <p:cNvSpPr>
-            <a:spLocks noGrp="1"/>
-          </p:cNvSpPr>
-          <p:nvPr>
-            <p:ph type="title"/>
-          </p:nvPr>
-        </p:nvSpPr>
-        <p:spPr/>
-        <p:txBody>
-          <a:bodyPr/>
-          <a:lstStyle/>
-          <a:p>
-            <a:r>
-              <a:rPr lang="ru-RU" dirty="0" smtClean="0"/>
-              <a:t>Цель и задачи</a:t>
-            </a:r>
-            <a:endParaRPr lang="ru-RU" dirty="0"/>
-          </a:p>
-        </p:txBody>
-      </p:sp>
-      <p:sp>
-        <p:nvSpPr>
-          <p:cNvPr id="3" name="Объект 2"/>
-          <p:cNvSpPr>
-            <a:spLocks noGrp="1"/>
-          </p:cNvSpPr>
-          <p:nvPr>
-            <p:ph idx="1"/>
-          </p:nvPr>
-        </p:nvSpPr>
-        <p:spPr>
-          <a:xfrm>
-            <a:off x="540327" y="1691322"/>
-            <a:ext cx="5803446" cy="2361996"/>
-          </a:xfrm>
-        </p:spPr>
-        <p:txBody>
-          <a:bodyPr>
-            <a:noAutofit/>
-          </a:bodyPr>
-          <a:lstStyle/>
-          <a:p>
-            <a:r>
-              <a:rPr lang="ru-RU" dirty="0" smtClean="0">
-                <a:latin typeface="+mj-lt"/>
-              </a:rPr>
-              <a:t>Детектирование лиц</a:t>
-            </a:r>
-          </a:p>
-          <a:p>
-            <a:r>
-              <a:rPr lang="ru-RU" dirty="0" smtClean="0">
-                <a:latin typeface="+mj-lt"/>
-              </a:rPr>
-              <a:t>Определение </a:t>
-            </a:r>
-            <a:r>
-              <a:rPr lang="ru-RU" dirty="0">
-                <a:latin typeface="+mj-lt"/>
-              </a:rPr>
-              <a:t>категории целевой </a:t>
-            </a:r>
-            <a:r>
-              <a:rPr lang="ru-RU" dirty="0" smtClean="0">
-                <a:latin typeface="+mj-lt"/>
-              </a:rPr>
-              <a:t>аудитории</a:t>
-            </a:r>
-          </a:p>
-          <a:p>
-            <a:r>
-              <a:rPr lang="ru-RU" dirty="0">
-                <a:latin typeface="+mj-lt"/>
-              </a:rPr>
-              <a:t>Фиксирование даты и времени входа и выхода посетителя</a:t>
-            </a:r>
-          </a:p>
-          <a:p>
-            <a:r>
-              <a:rPr lang="ru-RU" dirty="0" smtClean="0">
-                <a:latin typeface="+mj-lt"/>
-              </a:rPr>
-              <a:t>Анализ возраста и пола целевой аудитории</a:t>
-            </a:r>
-          </a:p>
-        </p:txBody>
-      </p:sp>
-      <p:pic>
-        <p:nvPicPr>
-          <p:cNvPr id="5" name="Рисунок 4"/>
-          <p:cNvPicPr>
-            <a:picLocks noChangeAspect="1"/>
-          </p:cNvPicPr>
-          <p:nvPr/>
-        </p:nvPicPr>
-        <p:blipFill rotWithShape="1">
-          <a:blip r:embed="rId2">
-            <a:extLst>
-              <a:ext uri="{28A0092B-C50C-407E-A947-70E740481C1C}">
-                <a14:useLocalDpi xmlns:a14="http://schemas.microsoft.com/office/drawing/2010/main" val="0"/>
-              </a:ext>
-            </a:extLst>
-          </a:blip>
-          <a:srcRect l="44790" b="13466"/>
-          <a:stretch/>
-        </p:blipFill>
-        <p:spPr>
-          <a:xfrm>
-            <a:off x="7640867" y="1334903"/>
-            <a:ext cx="3813684" cy="3984904"/>
-          </a:xfrm>
-          <a:prstGeom prst="ellipse">
-            <a:avLst/>
-          </a:prstGeom>
-        </p:spPr>
-      </p:pic>
-      <p:sp>
-        <p:nvSpPr>
-          <p:cNvPr id="6" name="TextBox 5"/>
-          <p:cNvSpPr txBox="1"/>
-          <p:nvPr/>
-        </p:nvSpPr>
-        <p:spPr>
-          <a:xfrm>
-            <a:off x="554844" y="4963388"/>
-            <a:ext cx="9229028" cy="996170"/>
-          </a:xfrm>
-          <a:prstGeom prst="rect">
-            <a:avLst/>
-          </a:prstGeom>
-          <a:noFill/>
-        </p:spPr>
-        <p:txBody>
-          <a:bodyPr wrap="square" rtlCol="0">
-            <a:spAutoFit/>
-          </a:bodyPr>
-          <a:lstStyle/>
-          <a:p>
-            <a:pPr marL="228600" indent="-228600">
-              <a:lnSpc>
-                <a:spcPct val="90000"/>
-              </a:lnSpc>
-              <a:spcBef>
-                <a:spcPts val="1000"/>
-              </a:spcBef>
-              <a:buFont typeface="Wingdings 2" pitchFamily="18" charset="2"/>
-              <a:buChar char=""/>
-            </a:pPr>
-            <a:r>
-              <a:rPr lang="ru-RU" sz="2800" dirty="0">
-                <a:latin typeface="+mj-lt"/>
-              </a:rPr>
-              <a:t>Получение статистики посещаемости</a:t>
-            </a:r>
-          </a:p>
-          <a:p>
-            <a:pPr marL="228600" indent="-228600">
-              <a:lnSpc>
-                <a:spcPct val="90000"/>
-              </a:lnSpc>
-              <a:spcBef>
-                <a:spcPts val="1000"/>
-              </a:spcBef>
-              <a:buFont typeface="Wingdings 2" pitchFamily="18" charset="2"/>
-              <a:buChar char=""/>
-            </a:pPr>
-            <a:r>
-              <a:rPr lang="ru-RU" sz="2800" dirty="0">
-                <a:latin typeface="+mj-lt"/>
-              </a:rPr>
-              <a:t>Предсказание степени загруженности посетителями</a:t>
-            </a:r>
-          </a:p>
-        </p:txBody>
-      </p:sp>
-    </p:spTree>
-    <p:extLst>
-      <p:ext uri="{BB962C8B-B14F-4D97-AF65-F5344CB8AC3E}">
-        <p14:creationId xmlns:p14="http://schemas.microsoft.com/office/powerpoint/2010/main" val="1952011160"/>
-      </p:ext>
-    </p:extLst>
-  </p:cSld>
-  <p:clrMapOvr>
-    <a:masterClrMapping/>
-  </p:clrMapOvr>
-  <p:timing>
-    <p:tnLst>
-      <p:par>
-        <p:cTn id="1" dur="indefinite" restart="never" nodeType="tmRoot"/>
-      </p:par>
-    </p:tnLst>
-  </p:timing>
-</p:sld>
-</file>
-
-<file path=ppt/slides/slide4.xml><?xml version="1.0" encoding="utf-8"?>
+<file path=ppt/slides/slide5.xml><?xml version="1.0" encoding="utf-8"?>
 <p:sld xmlns:a="http://schemas.openxmlformats.org/drawingml/2006/main" xmlns:r="http://schemas.openxmlformats.org/officeDocument/2006/relationships" xmlns:p="http://schemas.openxmlformats.org/presentationml/2006/main">
   <p:cSld>
     <p:spTree>
@@ -8227,13 +8406,11 @@
       </p:grpSpPr>
       <p:pic>
         <p:nvPicPr>
-          <p:cNvPr id="10" name="Объект 9"/>
+          <p:cNvPr id="12" name="Рисунок 11"/>
           <p:cNvPicPr>
-            <a:picLocks noGrp="1" noChangeAspect="1"/>
+            <a:picLocks noChangeAspect="1"/>
           </p:cNvPicPr>
-          <p:nvPr>
-            <p:ph idx="1"/>
-          </p:nvPr>
+          <p:nvPr/>
         </p:nvPicPr>
         <p:blipFill>
           <a:blip r:embed="rId2">
@@ -8249,14 +8426,107 @@
         </p:blipFill>
         <p:spPr>
           <a:xfrm>
-            <a:off x="3115028" y="839337"/>
-            <a:ext cx="5822910" cy="5601507"/>
+            <a:off x="2462195" y="188057"/>
+            <a:ext cx="6734098" cy="6481886"/>
           </a:xfrm>
+          <a:prstGeom prst="rect">
+            <a:avLst/>
+          </a:prstGeom>
         </p:spPr>
       </p:pic>
+      <p:sp>
+        <p:nvSpPr>
+          <p:cNvPr id="7" name="TextBox 6"/>
+          <p:cNvSpPr txBox="1"/>
+          <p:nvPr/>
+        </p:nvSpPr>
+        <p:spPr>
+          <a:xfrm>
+            <a:off x="8756469" y="2147442"/>
+            <a:ext cx="1650946" cy="468183"/>
+          </a:xfrm>
+          <a:prstGeom prst="rect">
+            <a:avLst/>
+          </a:prstGeom>
+          <a:noFill/>
+        </p:spPr>
+        <p:txBody>
+          <a:bodyPr wrap="square" rtlCol="0">
+            <a:spAutoFit/>
+          </a:bodyPr>
+          <a:lstStyle/>
+          <a:p>
+            <a:pPr algn="ctr"/>
+            <a:r>
+              <a:rPr lang="en-US" sz="2400" dirty="0" smtClean="0">
+                <a:solidFill>
+                  <a:schemeClr val="accent1">
+                    <a:lumMod val="50000"/>
+                  </a:schemeClr>
+                </a:solidFill>
+                <a:latin typeface="+mj-lt"/>
+              </a:rPr>
+              <a:t>Statistics</a:t>
+            </a:r>
+            <a:endParaRPr lang="ru-RU" sz="2400" dirty="0">
+              <a:solidFill>
+                <a:schemeClr val="accent1">
+                  <a:lumMod val="50000"/>
+                </a:schemeClr>
+              </a:solidFill>
+              <a:latin typeface="+mj-lt"/>
+            </a:endParaRPr>
+          </a:p>
+        </p:txBody>
+      </p:sp>
+      <p:sp>
+        <p:nvSpPr>
+          <p:cNvPr id="8" name="TextBox 7"/>
+          <p:cNvSpPr txBox="1"/>
+          <p:nvPr/>
+        </p:nvSpPr>
+        <p:spPr>
+          <a:xfrm>
+            <a:off x="6518755" y="6048737"/>
+            <a:ext cx="2779138" cy="468183"/>
+          </a:xfrm>
+          <a:prstGeom prst="rect">
+            <a:avLst/>
+          </a:prstGeom>
+          <a:noFill/>
+        </p:spPr>
+        <p:txBody>
+          <a:bodyPr wrap="square" rtlCol="0">
+            <a:spAutoFit/>
+          </a:bodyPr>
+          <a:lstStyle/>
+          <a:p>
+            <a:pPr algn="ctr"/>
+            <a:r>
+              <a:rPr lang="en-US" sz="2400" dirty="0" smtClean="0">
+                <a:solidFill>
+                  <a:schemeClr val="accent1">
+                    <a:lumMod val="50000"/>
+                  </a:schemeClr>
+                </a:solidFill>
+                <a:latin typeface="+mj-lt"/>
+              </a:rPr>
+              <a:t>Knowledge Base</a:t>
+            </a:r>
+            <a:endParaRPr lang="ru-RU" sz="2400" dirty="0">
+              <a:solidFill>
+                <a:schemeClr val="accent1">
+                  <a:lumMod val="50000"/>
+                </a:schemeClr>
+              </a:solidFill>
+              <a:latin typeface="+mj-lt"/>
+            </a:endParaRPr>
+          </a:p>
+        </p:txBody>
+      </p:sp>
       <p:pic>
         <p:nvPicPr>
-          <p:cNvPr id="11" name="Рисунок 10"/>
+          <p:cNvPr id="9" name="Рисунок 8"/>
           <p:cNvPicPr>
             <a:picLocks noChangeAspect="1"/>
           </p:cNvPicPr>
@@ -8276,8 +8546,8 @@
         </p:blipFill>
         <p:spPr>
           <a:xfrm>
-            <a:off x="4884167" y="2591686"/>
-            <a:ext cx="2614107" cy="2116182"/>
+            <a:off x="4646653" y="2255719"/>
+            <a:ext cx="2898694" cy="2346562"/>
           </a:xfrm>
           <a:prstGeom prst="rect">
             <a:avLst/>
@@ -8286,13 +8556,58 @@
       </p:pic>
       <p:sp>
         <p:nvSpPr>
+          <p:cNvPr id="6" name="TextBox 5"/>
+          <p:cNvSpPr txBox="1"/>
+          <p:nvPr/>
+        </p:nvSpPr>
+        <p:spPr>
+          <a:xfrm>
+            <a:off x="6557064" y="305072"/>
+            <a:ext cx="2000498" cy="468183"/>
+          </a:xfrm>
+          <a:prstGeom prst="rect">
+            <a:avLst/>
+          </a:prstGeom>
+          <a:noFill/>
+        </p:spPr>
+        <p:txBody>
+          <a:bodyPr wrap="square" rtlCol="0">
+            <a:spAutoFit/>
+          </a:bodyPr>
+          <a:lstStyle/>
+          <a:p>
+            <a:pPr algn="ctr"/>
+            <a:r>
+              <a:rPr lang="en-US" sz="2400" dirty="0" smtClean="0">
+                <a:solidFill>
+                  <a:schemeClr val="accent1">
+                    <a:lumMod val="50000"/>
+                  </a:schemeClr>
+                </a:solidFill>
+                <a:latin typeface="+mj-lt"/>
+              </a:rPr>
+              <a:t>AI Analytics</a:t>
+            </a:r>
+            <a:endParaRPr lang="ru-RU" sz="2400" dirty="0">
+              <a:solidFill>
+                <a:schemeClr val="accent1">
+                  <a:lumMod val="50000"/>
+                </a:schemeClr>
+              </a:solidFill>
+              <a:latin typeface="+mj-lt"/>
+            </a:endParaRPr>
+          </a:p>
+        </p:txBody>
+      </p:sp>
+      <p:sp>
+        <p:nvSpPr>
           <p:cNvPr id="3" name="TextBox 2"/>
           <p:cNvSpPr txBox="1"/>
           <p:nvPr/>
         </p:nvSpPr>
         <p:spPr>
           <a:xfrm>
-            <a:off x="2454259" y="2003476"/>
+            <a:off x="1666392" y="4337465"/>
             <a:ext cx="1769139" cy="842729"/>
           </a:xfrm>
           <a:prstGeom prst="rect">
@@ -8317,141 +8632,6 @@
                 <a:latin typeface="+mj-lt"/>
               </a:rPr>
               <a:t>Computer Vision</a:t>
-            </a:r>
-            <a:endParaRPr lang="ru-RU" sz="2400" dirty="0">
-              <a:solidFill>
-                <a:schemeClr val="accent1">
-                  <a:lumMod val="50000"/>
-                </a:schemeClr>
-              </a:solidFill>
-              <a:latin typeface="+mj-lt"/>
-            </a:endParaRPr>
-          </a:p>
-        </p:txBody>
-      </p:sp>
-      <p:sp>
-        <p:nvSpPr>
-          <p:cNvPr id="6" name="TextBox 5"/>
-          <p:cNvSpPr txBox="1"/>
-          <p:nvPr/>
-        </p:nvSpPr>
-        <p:spPr>
-          <a:xfrm>
-            <a:off x="6417155" y="839337"/>
-            <a:ext cx="2000498" cy="468183"/>
-          </a:xfrm>
-          <a:prstGeom prst="rect">
-            <a:avLst/>
-          </a:prstGeom>
-          <a:noFill/>
-        </p:spPr>
-        <p:txBody>
-          <a:bodyPr wrap="square" rtlCol="0">
-            <a:spAutoFit/>
-          </a:bodyPr>
-          <a:lstStyle/>
-          <a:p>
-            <a:pPr algn="ctr"/>
-            <a:r>
-              <a:rPr lang="en-US" sz="2400" dirty="0" smtClean="0">
-                <a:solidFill>
-                  <a:schemeClr val="accent1">
-                    <a:lumMod val="50000"/>
-                  </a:schemeClr>
-                </a:solidFill>
-                <a:latin typeface="+mj-lt"/>
-              </a:rPr>
-              <a:t>AI Analytics</a:t>
-            </a:r>
-            <a:endParaRPr lang="ru-RU" sz="2400" dirty="0">
-              <a:solidFill>
-                <a:schemeClr val="accent1">
-                  <a:lumMod val="50000"/>
-                </a:schemeClr>
-              </a:solidFill>
-              <a:latin typeface="+mj-lt"/>
-            </a:endParaRPr>
-          </a:p>
-        </p:txBody>
-      </p:sp>
-      <p:sp>
-        <p:nvSpPr>
-          <p:cNvPr id="7" name="TextBox 6"/>
-          <p:cNvSpPr txBox="1"/>
-          <p:nvPr/>
-        </p:nvSpPr>
-        <p:spPr>
-          <a:xfrm>
-            <a:off x="8464772" y="2637746"/>
-            <a:ext cx="1650946" cy="468183"/>
-          </a:xfrm>
-          <a:prstGeom prst="rect">
-            <a:avLst/>
-          </a:prstGeom>
-          <a:noFill/>
-        </p:spPr>
-        <p:txBody>
-          <a:bodyPr wrap="square" rtlCol="0">
-            <a:spAutoFit/>
-          </a:bodyPr>
-          <a:lstStyle/>
-          <a:p>
-            <a:pPr algn="ctr"/>
-            <a:r>
-              <a:rPr lang="en-US" sz="2400" dirty="0" smtClean="0">
-                <a:solidFill>
-                  <a:schemeClr val="accent1">
-                    <a:lumMod val="50000"/>
-                  </a:schemeClr>
-                </a:solidFill>
-                <a:latin typeface="+mj-lt"/>
-              </a:rPr>
-              <a:t>Statistics</a:t>
-            </a:r>
-            <a:endParaRPr lang="ru-RU" sz="2400" dirty="0">
-              <a:solidFill>
-                <a:schemeClr val="accent1">
-                  <a:lumMod val="50000"/>
-                </a:schemeClr>
-              </a:solidFill>
-              <a:latin typeface="+mj-lt"/>
-            </a:endParaRPr>
-          </a:p>
-        </p:txBody>
-      </p:sp>
-      <p:sp>
-        <p:nvSpPr>
-          <p:cNvPr id="8" name="TextBox 7"/>
-          <p:cNvSpPr txBox="1"/>
-          <p:nvPr/>
-        </p:nvSpPr>
-        <p:spPr>
-          <a:xfrm>
-            <a:off x="6417155" y="5814647"/>
-            <a:ext cx="2779138" cy="468183"/>
-          </a:xfrm>
-          <a:prstGeom prst="rect">
-            <a:avLst/>
-          </a:prstGeom>
-          <a:noFill/>
-        </p:spPr>
-        <p:txBody>
-          <a:bodyPr wrap="square" rtlCol="0">
-            <a:spAutoFit/>
-          </a:bodyPr>
-          <a:lstStyle/>
-          <a:p>
-            <a:pPr algn="ctr"/>
-            <a:r>
-              <a:rPr lang="en-US" sz="2400" dirty="0" smtClean="0">
-                <a:solidFill>
-                  <a:schemeClr val="accent1">
-                    <a:lumMod val="50000"/>
-                  </a:schemeClr>
-                </a:solidFill>
-                <a:latin typeface="+mj-lt"/>
-              </a:rPr>
-              <a:t>Knowledge Base</a:t>
             </a:r>
             <a:endParaRPr lang="ru-RU" sz="2400" dirty="0">
               <a:solidFill>
@@ -8508,7 +8688,7 @@
                                           </p:stCondLst>
                                         </p:cTn>
                                         <p:tgtEl>
-                                          <p:spTgt spid="10"/>
+                                          <p:spTgt spid="12"/>
                                         </p:tgtEl>
                                         <p:attrNameLst>
                                           <p:attrName>r</p:attrName>
@@ -8523,7 +8703,7 @@
                                           </p:stCondLst>
                                         </p:cTn>
                                         <p:tgtEl>
-                                          <p:spTgt spid="10"/>
+                                          <p:spTgt spid="12"/>
                                         </p:tgtEl>
                                         <p:attrNameLst>
                                           <p:attrName>r</p:attrName>
@@ -8538,7 +8718,7 @@
                                           </p:stCondLst>
                                         </p:cTn>
                                         <p:tgtEl>
-                                          <p:spTgt spid="10"/>
+                                          <p:spTgt spid="12"/>
                                         </p:tgtEl>
                                         <p:attrNameLst>
                                           <p:attrName>r</p:attrName>
@@ -8553,7 +8733,7 @@
                                           </p:stCondLst>
                                         </p:cTn>
                                         <p:tgtEl>
-                                          <p:spTgt spid="10"/>
+                                          <p:spTgt spid="12"/>
                                         </p:tgtEl>
                                         <p:attrNameLst>
                                           <p:attrName>r</p:attrName>
@@ -8568,7 +8748,7 @@
                                           </p:stCondLst>
                                         </p:cTn>
                                         <p:tgtEl>
-                                          <p:spTgt spid="10"/>
+                                          <p:spTgt spid="12"/>
                                         </p:tgtEl>
                                         <p:attrNameLst>
                                           <p:attrName>r</p:attrName>
@@ -8609,7 +8789,7 @@
 </p:sld>
 </file>
 
-<file path=ppt/slides/slide5.xml><?xml version="1.0" encoding="utf-8"?>
+<file path=ppt/slides/slide6.xml><?xml version="1.0" encoding="utf-8"?>
 <p:sld xmlns:a="http://schemas.openxmlformats.org/drawingml/2006/main" xmlns:r="http://schemas.openxmlformats.org/officeDocument/2006/relationships" xmlns:p="http://schemas.openxmlformats.org/presentationml/2006/main">
   <p:cSld>
     <p:spTree>
@@ -8628,7 +8808,7 @@
       </p:grpSpPr>
       <p:pic>
         <p:nvPicPr>
-          <p:cNvPr id="6" name="Рисунок 5"/>
+          <p:cNvPr id="2" name="Рисунок 1"/>
           <p:cNvPicPr>
             <a:picLocks noChangeAspect="1"/>
           </p:cNvPicPr>
@@ -8648,8 +8828,8 @@
         </p:blipFill>
         <p:spPr>
           <a:xfrm>
-            <a:off x="1728178" y="793537"/>
-            <a:ext cx="8735644" cy="4601217"/>
+            <a:off x="1167263" y="467435"/>
+            <a:ext cx="9660393" cy="5088299"/>
           </a:xfrm>
           <a:prstGeom prst="rect">
             <a:avLst/>
@@ -9105,7 +9285,7 @@
 </p:sld>
 </file>
 
-<file path=ppt/slides/slide6.xml><?xml version="1.0" encoding="utf-8"?>
+<file path=ppt/slides/slide7.xml><?xml version="1.0" encoding="utf-8"?>
 <p:sld xmlns:a="http://schemas.openxmlformats.org/drawingml/2006/main" xmlns:r="http://schemas.openxmlformats.org/officeDocument/2006/relationships" xmlns:p="http://schemas.openxmlformats.org/presentationml/2006/main">
   <p:cSld>
     <p:spTree>

--- a/Hack_present - 3.pptx
+++ b/Hack_present - 3.pptx
@@ -8,11 +8,13 @@
   <p:sldIdLst>
     <p:sldId id="256" r:id="rId3"/>
     <p:sldId id="264" r:id="rId4"/>
-    <p:sldId id="258" r:id="rId5"/>
+    <p:sldId id="262" r:id="rId5"/>
     <p:sldId id="257" r:id="rId6"/>
-    <p:sldId id="262" r:id="rId7"/>
-    <p:sldId id="263" r:id="rId8"/>
-    <p:sldId id="261" r:id="rId9"/>
+    <p:sldId id="263" r:id="rId7"/>
+    <p:sldId id="261" r:id="rId8"/>
+    <p:sldId id="266" r:id="rId9"/>
+    <p:sldId id="265" r:id="rId10"/>
+    <p:sldId id="258" r:id="rId11"/>
   </p:sldIdLst>
   <p:sldSz cx="12192000" cy="6858000"/>
   <p:notesSz cx="6858000" cy="9144000"/>
@@ -6940,15 +6942,9 @@
   <p:cSld>
     <p:bg>
       <p:bgPr>
-        <a:blipFill dpi="0" rotWithShape="1">
-          <a:blip r:embed="rId2">
-            <a:lum/>
-          </a:blip>
-          <a:srcRect/>
-          <a:stretch>
-            <a:fillRect l="-4000" r="-4000"/>
-          </a:stretch>
-        </a:blipFill>
+        <a:solidFill>
+          <a:schemeClr val="bg1"/>
+        </a:solidFill>
         <a:effectLst/>
       </p:bgPr>
     </p:bg>
@@ -6968,75 +6964,18 @@
       </p:grpSpPr>
       <p:sp>
         <p:nvSpPr>
-          <p:cNvPr id="5" name="Прямоугольник 4"/>
-          <p:cNvSpPr/>
-          <p:nvPr/>
+          <p:cNvPr id="2" name="Заголовок 1"/>
+          <p:cNvSpPr>
+            <a:spLocks noGrp="1"/>
+          </p:cNvSpPr>
+          <p:nvPr>
+            <p:ph type="ctrTitle"/>
+          </p:nvPr>
         </p:nvSpPr>
         <p:spPr>
           <a:xfrm>
-            <a:off x="0" y="2125016"/>
-            <a:ext cx="12192001" cy="1712890"/>
-          </a:xfrm>
-          <a:prstGeom prst="rect">
-            <a:avLst/>
-          </a:prstGeom>
-          <a:gradFill flip="none" rotWithShape="1">
-            <a:gsLst>
-              <a:gs pos="60000">
-                <a:srgbClr val="7030A0">
-                  <a:alpha val="60000"/>
-                </a:srgbClr>
-              </a:gs>
-              <a:gs pos="21000">
-                <a:srgbClr val="002060"/>
-              </a:gs>
-            </a:gsLst>
-            <a:lin ang="2700000" scaled="1"/>
-            <a:tileRect/>
-          </a:gradFill>
-          <a:ln cap="rnd">
-            <a:noFill/>
-          </a:ln>
-        </p:spPr>
-        <p:style>
-          <a:lnRef idx="2">
-            <a:schemeClr val="accent1">
-              <a:shade val="50000"/>
-            </a:schemeClr>
-          </a:lnRef>
-          <a:fillRef idx="1">
-            <a:schemeClr val="accent1"/>
-          </a:fillRef>
-          <a:effectRef idx="0">
-            <a:schemeClr val="accent1"/>
-          </a:effectRef>
-          <a:fontRef idx="minor">
-            <a:schemeClr val="lt1"/>
-          </a:fontRef>
-        </p:style>
-        <p:txBody>
-          <a:bodyPr rtlCol="0" anchor="ctr"/>
-          <a:lstStyle/>
-          <a:p>
-            <a:pPr algn="ctr"/>
-            <a:endParaRPr lang="ru-RU"/>
-          </a:p>
-        </p:txBody>
-      </p:sp>
-      <p:sp>
-        <p:nvSpPr>
-          <p:cNvPr id="2" name="Заголовок 1"/>
-          <p:cNvSpPr>
-            <a:spLocks noGrp="1"/>
-          </p:cNvSpPr>
-          <p:nvPr>
-            <p:ph type="ctrTitle"/>
-          </p:nvPr>
-        </p:nvSpPr>
-        <p:spPr>
-          <a:xfrm>
-            <a:off x="529772" y="2204353"/>
-            <a:ext cx="11001829" cy="1299030"/>
+            <a:off x="3851999" y="3795647"/>
+            <a:ext cx="4339770" cy="2082632"/>
           </a:xfrm>
           <a:noFill/>
           <a:ln w="9525">
@@ -7051,9 +6990,9 @@
           <a:lstStyle/>
           <a:p>
             <a:r>
-              <a:rPr lang="ru-RU" sz="4000" dirty="0" smtClean="0">
+              <a:rPr lang="en-US" sz="14000" dirty="0" smtClean="0">
                 <a:solidFill>
-                  <a:schemeClr val="bg1"/>
+                  <a:srgbClr val="1D2671"/>
                 </a:solidFill>
                 <a:effectLst>
                   <a:outerShdw blurRad="38100" dist="38100" dir="2700000" algn="tl">
@@ -7066,11 +7005,11 @@
                 <a:ea typeface="Verdana" panose="020B0604030504040204" pitchFamily="34" charset="0"/>
                 <a:cs typeface="Verdana" panose="020B0604030504040204" pitchFamily="34" charset="0"/>
               </a:rPr>
-              <a:t>Сервис по предоставлению статистических данных в сфере услуг</a:t>
-            </a:r>
-            <a:endParaRPr lang="ru-RU" sz="4000" dirty="0">
+              <a:t>DSA</a:t>
+            </a:r>
+            <a:endParaRPr lang="ru-RU" sz="14000" dirty="0">
               <a:solidFill>
-                <a:schemeClr val="bg1"/>
+                <a:srgbClr val="1D2671"/>
               </a:solidFill>
               <a:effectLst>
                 <a:outerShdw blurRad="38100" dist="38100" dir="2700000" algn="tl">
@@ -7086,68 +7025,36 @@
           </a:p>
         </p:txBody>
       </p:sp>
-      <p:sp>
-        <p:nvSpPr>
-          <p:cNvPr id="3" name="Подзаголовок 2"/>
-          <p:cNvSpPr>
-            <a:spLocks noGrp="1"/>
-          </p:cNvSpPr>
-          <p:nvPr>
-            <p:ph type="subTitle" idx="1"/>
-          </p:nvPr>
-        </p:nvSpPr>
+      <p:pic>
+        <p:nvPicPr>
+          <p:cNvPr id="4" name="Рисунок 3"/>
+          <p:cNvPicPr>
+            <a:picLocks noChangeAspect="1"/>
+          </p:cNvPicPr>
+          <p:nvPr/>
+        </p:nvPicPr>
+        <p:blipFill>
+          <a:blip r:embed="rId2">
+            <a:extLst>
+              <a:ext uri="{28A0092B-C50C-407E-A947-70E740481C1C}">
+                <a14:useLocalDpi xmlns:a14="http://schemas.microsoft.com/office/drawing/2010/main" val="0"/>
+              </a:ext>
+            </a:extLst>
+          </a:blip>
+          <a:stretch>
+            <a:fillRect/>
+          </a:stretch>
+        </p:blipFill>
         <p:spPr>
           <a:xfrm>
-            <a:off x="5268687" y="5892801"/>
-            <a:ext cx="6923314" cy="965200"/>
+            <a:off x="3654513" y="1122798"/>
+            <a:ext cx="4734743" cy="2907298"/>
           </a:xfrm>
+          <a:prstGeom prst="rect">
+            <a:avLst/>
+          </a:prstGeom>
         </p:spPr>
-        <p:txBody>
-          <a:bodyPr>
-            <a:normAutofit/>
-          </a:bodyPr>
-          <a:lstStyle/>
-          <a:p>
-            <a:pPr algn="r"/>
-            <a:r>
-              <a:rPr lang="ru-RU" dirty="0" smtClean="0">
-                <a:solidFill>
-                  <a:schemeClr val="bg1">
-                    <a:lumMod val="85000"/>
-                  </a:schemeClr>
-                </a:solidFill>
-              </a:rPr>
-              <a:t>Социальные сервисы</a:t>
-            </a:r>
-            <a:br>
-              <a:rPr lang="ru-RU" dirty="0" smtClean="0">
-                <a:solidFill>
-                  <a:schemeClr val="bg1">
-                    <a:lumMod val="85000"/>
-                  </a:schemeClr>
-                </a:solidFill>
-              </a:rPr>
-            </a:br>
-            <a:r>
-              <a:rPr lang="ru-RU" dirty="0" smtClean="0">
-                <a:solidFill>
-                  <a:schemeClr val="bg1">
-                    <a:lumMod val="85000"/>
-                  </a:schemeClr>
-                </a:solidFill>
-              </a:rPr>
-              <a:t>Кейс: свое решение – сделай общую жизнь лучше</a:t>
-            </a:r>
-            <a:endParaRPr lang="ru-RU" dirty="0">
-              <a:solidFill>
-                <a:schemeClr val="bg1">
-                  <a:lumMod val="85000"/>
-                </a:schemeClr>
-              </a:solidFill>
-            </a:endParaRPr>
-          </a:p>
-        </p:txBody>
-      </p:sp>
+      </p:pic>
     </p:spTree>
     <p:extLst>
       <p:ext uri="{BB962C8B-B14F-4D97-AF65-F5344CB8AC3E}">
@@ -7210,7 +7117,7 @@
       </p:sp>
       <p:sp>
         <p:nvSpPr>
-          <p:cNvPr id="3" name="Объект 2"/>
+          <p:cNvPr id="9" name="Объект 2"/>
           <p:cNvSpPr>
             <a:spLocks noGrp="1"/>
           </p:cNvSpPr>
@@ -7220,8 +7127,8 @@
         </p:nvSpPr>
         <p:spPr>
           <a:xfrm>
-            <a:off x="845127" y="1828800"/>
-            <a:ext cx="10515600" cy="2550017"/>
+            <a:off x="845127" y="1870639"/>
+            <a:ext cx="8023426" cy="2789843"/>
           </a:xfrm>
         </p:spPr>
         <p:txBody>
@@ -7231,39 +7138,38 @@
           <a:lstStyle/>
           <a:p>
             <a:r>
-              <a:rPr lang="ru-RU" dirty="0">
-                <a:latin typeface="+mj-lt"/>
-              </a:rPr>
-              <a:t>Уменьшение потока клиентов</a:t>
-            </a:r>
-          </a:p>
-          <a:p>
-            <a:r>
-              <a:rPr lang="ru-RU" dirty="0">
-                <a:latin typeface="+mj-lt"/>
-              </a:rPr>
-              <a:t>Спад процента продаж</a:t>
-            </a:r>
-          </a:p>
-          <a:p>
-            <a:r>
-              <a:rPr lang="ru-RU" dirty="0">
-                <a:latin typeface="+mj-lt"/>
-              </a:rPr>
-              <a:t>Необходимость </a:t>
-            </a:r>
-            <a:r>
-              <a:rPr lang="ru-RU" dirty="0">
-                <a:latin typeface="+mj-lt"/>
-              </a:rPr>
-              <a:t>улучшения</a:t>
-            </a:r>
-            <a:r>
-              <a:rPr lang="ru-RU" dirty="0">
-                <a:latin typeface="+mj-lt"/>
-              </a:rPr>
-              <a:t> оказываемых услуг </a:t>
-            </a:r>
+              <a:rPr lang="ru-RU" dirty="0" smtClean="0"/>
+              <a:t>Упали </a:t>
+            </a:r>
+            <a:r>
+              <a:rPr lang="ru-RU" dirty="0"/>
+              <a:t>проценты продаж</a:t>
+            </a:r>
+            <a:r>
+              <a:rPr lang="ru-RU" dirty="0" smtClean="0"/>
+              <a:t>?</a:t>
+            </a:r>
+          </a:p>
+          <a:p>
+            <a:r>
+              <a:rPr lang="ru-RU" dirty="0" smtClean="0"/>
+              <a:t>Уменьшился </a:t>
+            </a:r>
+            <a:r>
+              <a:rPr lang="ru-RU" dirty="0"/>
+              <a:t>поток клиентов?</a:t>
+            </a:r>
+          </a:p>
+          <a:p>
+            <a:r>
+              <a:rPr lang="ru-RU" dirty="0"/>
+              <a:t>Необходимо улучшить оказываемые услуги</a:t>
+            </a:r>
+            <a:r>
+              <a:rPr lang="ru-RU" dirty="0" smtClean="0"/>
+              <a:t>?</a:t>
+            </a:r>
+            <a:endParaRPr lang="ru-RU" dirty="0"/>
           </a:p>
         </p:txBody>
       </p:sp>
@@ -7304,196 +7210,241 @@
           <a:chExt cx="0" cy="0"/>
         </a:xfrm>
       </p:grpSpPr>
-      <p:sp>
-        <p:nvSpPr>
-          <p:cNvPr id="2" name="Заголовок 1"/>
-          <p:cNvSpPr>
-            <a:spLocks noGrp="1"/>
-          </p:cNvSpPr>
-          <p:nvPr>
-            <p:ph type="title"/>
-          </p:nvPr>
-        </p:nvSpPr>
+      <p:pic>
+        <p:nvPicPr>
+          <p:cNvPr id="12" name="Рисунок 11"/>
+          <p:cNvPicPr>
+            <a:picLocks noChangeAspect="1"/>
+          </p:cNvPicPr>
+          <p:nvPr/>
+        </p:nvPicPr>
+        <p:blipFill>
+          <a:blip r:embed="rId2">
+            <a:extLst>
+              <a:ext uri="{28A0092B-C50C-407E-A947-70E740481C1C}">
+                <a14:useLocalDpi xmlns:a14="http://schemas.microsoft.com/office/drawing/2010/main" val="0"/>
+              </a:ext>
+            </a:extLst>
+          </a:blip>
+          <a:stretch>
+            <a:fillRect/>
+          </a:stretch>
+        </p:blipFill>
         <p:spPr>
           <a:xfrm>
-            <a:off x="639063" y="365760"/>
-            <a:ext cx="10515600" cy="1325562"/>
+            <a:off x="2462195" y="188057"/>
+            <a:ext cx="6734098" cy="6481886"/>
           </a:xfrm>
+          <a:prstGeom prst="rect">
+            <a:avLst/>
+          </a:prstGeom>
         </p:spPr>
-        <p:txBody>
-          <a:bodyPr/>
-          <a:lstStyle/>
-          <a:p>
-            <a:r>
-              <a:rPr lang="ru-RU" dirty="0" smtClean="0"/>
-              <a:t>Цель и задачи</a:t>
-            </a:r>
-            <a:endParaRPr lang="ru-RU" dirty="0"/>
-          </a:p>
-        </p:txBody>
-      </p:sp>
-      <p:sp>
-        <p:nvSpPr>
-          <p:cNvPr id="3" name="Объект 2"/>
-          <p:cNvSpPr>
-            <a:spLocks noGrp="1"/>
-          </p:cNvSpPr>
-          <p:nvPr>
-            <p:ph idx="1"/>
-          </p:nvPr>
+      </p:pic>
+      <p:sp>
+        <p:nvSpPr>
+          <p:cNvPr id="7" name="TextBox 6"/>
+          <p:cNvSpPr txBox="1"/>
+          <p:nvPr/>
         </p:nvSpPr>
         <p:spPr>
           <a:xfrm>
-            <a:off x="540326" y="1691321"/>
-            <a:ext cx="10290805" cy="4245840"/>
+            <a:off x="8756469" y="2147442"/>
+            <a:ext cx="1650946" cy="468183"/>
           </a:xfrm>
+          <a:prstGeom prst="rect">
+            <a:avLst/>
+          </a:prstGeom>
+          <a:noFill/>
         </p:spPr>
         <p:txBody>
-          <a:bodyPr>
-            <a:noAutofit/>
+          <a:bodyPr wrap="square" rtlCol="0">
+            <a:spAutoFit/>
           </a:bodyPr>
           <a:lstStyle/>
           <a:p>
-            <a:r>
-              <a:rPr lang="ru-RU" dirty="0" smtClean="0">
+            <a:pPr algn="ctr"/>
+            <a:r>
+              <a:rPr lang="en-US" sz="2400" dirty="0" smtClean="0">
                 <a:solidFill>
-                  <a:srgbClr val="FF0000"/>
+                  <a:schemeClr val="accent1">
+                    <a:lumMod val="50000"/>
+                  </a:schemeClr>
                 </a:solidFill>
                 <a:latin typeface="+mj-lt"/>
               </a:rPr>
-              <a:t>Детектирование </a:t>
-            </a:r>
-            <a:r>
-              <a:rPr lang="ru-RU" dirty="0" smtClean="0">
+              <a:t>Statistics</a:t>
+            </a:r>
+            <a:endParaRPr lang="ru-RU" sz="2400" dirty="0">
+              <a:solidFill>
+                <a:schemeClr val="accent1">
+                  <a:lumMod val="50000"/>
+                </a:schemeClr>
+              </a:solidFill>
+              <a:latin typeface="+mj-lt"/>
+            </a:endParaRPr>
+          </a:p>
+        </p:txBody>
+      </p:sp>
+      <p:sp>
+        <p:nvSpPr>
+          <p:cNvPr id="8" name="TextBox 7"/>
+          <p:cNvSpPr txBox="1"/>
+          <p:nvPr/>
+        </p:nvSpPr>
+        <p:spPr>
+          <a:xfrm>
+            <a:off x="6518755" y="6048737"/>
+            <a:ext cx="2779138" cy="468183"/>
+          </a:xfrm>
+          <a:prstGeom prst="rect">
+            <a:avLst/>
+          </a:prstGeom>
+          <a:noFill/>
+        </p:spPr>
+        <p:txBody>
+          <a:bodyPr wrap="square" rtlCol="0">
+            <a:spAutoFit/>
+          </a:bodyPr>
+          <a:lstStyle/>
+          <a:p>
+            <a:pPr algn="ctr"/>
+            <a:r>
+              <a:rPr lang="en-US" sz="2400" dirty="0" smtClean="0">
                 <a:solidFill>
-                  <a:srgbClr val="FF0000"/>
+                  <a:schemeClr val="accent1">
+                    <a:lumMod val="50000"/>
+                  </a:schemeClr>
                 </a:solidFill>
                 <a:latin typeface="+mj-lt"/>
               </a:rPr>
-              <a:t>лиц</a:t>
-            </a:r>
-          </a:p>
-          <a:p>
-            <a:r>
-              <a:rPr lang="ru-RU" dirty="0" smtClean="0">
-                <a:latin typeface="+mj-lt"/>
-              </a:rPr>
-              <a:t>Распределение целевой аудитории по категориям</a:t>
-            </a:r>
-            <a:endParaRPr lang="ru-RU" dirty="0" smtClean="0">
+              <a:t>Knowledge Base</a:t>
+            </a:r>
+            <a:endParaRPr lang="ru-RU" sz="2400" dirty="0">
+              <a:solidFill>
+                <a:schemeClr val="accent1">
+                  <a:lumMod val="50000"/>
+                </a:schemeClr>
+              </a:solidFill>
               <a:latin typeface="+mj-lt"/>
             </a:endParaRPr>
           </a:p>
-          <a:p>
-            <a:r>
-              <a:rPr lang="ru-RU" dirty="0" smtClean="0">
+        </p:txBody>
+      </p:sp>
+      <p:pic>
+        <p:nvPicPr>
+          <p:cNvPr id="9" name="Рисунок 8"/>
+          <p:cNvPicPr>
+            <a:picLocks noChangeAspect="1"/>
+          </p:cNvPicPr>
+          <p:nvPr/>
+        </p:nvPicPr>
+        <p:blipFill>
+          <a:blip r:embed="rId3">
+            <a:extLst>
+              <a:ext uri="{28A0092B-C50C-407E-A947-70E740481C1C}">
+                <a14:useLocalDpi xmlns:a14="http://schemas.microsoft.com/office/drawing/2010/main" val="0"/>
+              </a:ext>
+            </a:extLst>
+          </a:blip>
+          <a:stretch>
+            <a:fillRect/>
+          </a:stretch>
+        </p:blipFill>
+        <p:spPr>
+          <a:xfrm>
+            <a:off x="4646653" y="2255719"/>
+            <a:ext cx="2898694" cy="2346562"/>
+          </a:xfrm>
+          <a:prstGeom prst="rect">
+            <a:avLst/>
+          </a:prstGeom>
+        </p:spPr>
+      </p:pic>
+      <p:sp>
+        <p:nvSpPr>
+          <p:cNvPr id="6" name="TextBox 5"/>
+          <p:cNvSpPr txBox="1"/>
+          <p:nvPr/>
+        </p:nvSpPr>
+        <p:spPr>
+          <a:xfrm>
+            <a:off x="6557064" y="305072"/>
+            <a:ext cx="2000498" cy="468183"/>
+          </a:xfrm>
+          <a:prstGeom prst="rect">
+            <a:avLst/>
+          </a:prstGeom>
+          <a:noFill/>
+        </p:spPr>
+        <p:txBody>
+          <a:bodyPr wrap="square" rtlCol="0">
+            <a:spAutoFit/>
+          </a:bodyPr>
+          <a:lstStyle/>
+          <a:p>
+            <a:pPr algn="ctr"/>
+            <a:r>
+              <a:rPr lang="en-US" sz="2400" dirty="0" smtClean="0">
                 <a:solidFill>
-                  <a:srgbClr val="FF0000"/>
+                  <a:schemeClr val="accent1">
+                    <a:lumMod val="50000"/>
+                  </a:schemeClr>
                 </a:solidFill>
                 <a:latin typeface="+mj-lt"/>
               </a:rPr>
-              <a:t>Определение </a:t>
-            </a:r>
-            <a:r>
-              <a:rPr lang="ru-RU" dirty="0">
+              <a:t>AI Analytics</a:t>
+            </a:r>
+            <a:endParaRPr lang="ru-RU" sz="2400" dirty="0">
+              <a:solidFill>
+                <a:schemeClr val="accent1">
+                  <a:lumMod val="50000"/>
+                </a:schemeClr>
+              </a:solidFill>
+              <a:latin typeface="+mj-lt"/>
+            </a:endParaRPr>
+          </a:p>
+        </p:txBody>
+      </p:sp>
+      <p:sp>
+        <p:nvSpPr>
+          <p:cNvPr id="3" name="TextBox 2"/>
+          <p:cNvSpPr txBox="1"/>
+          <p:nvPr/>
+        </p:nvSpPr>
+        <p:spPr>
+          <a:xfrm>
+            <a:off x="1666392" y="4337465"/>
+            <a:ext cx="1769139" cy="842729"/>
+          </a:xfrm>
+          <a:prstGeom prst="rect">
+            <a:avLst/>
+          </a:prstGeom>
+          <a:noFill/>
+        </p:spPr>
+        <p:txBody>
+          <a:bodyPr wrap="square" rtlCol="0">
+            <a:spAutoFit/>
+          </a:bodyPr>
+          <a:lstStyle/>
+          <a:p>
+            <a:pPr algn="ctr"/>
+            <a:r>
+              <a:rPr lang="en-US" sz="2400" dirty="0" smtClean="0">
                 <a:solidFill>
-                  <a:srgbClr val="FF0000"/>
+                  <a:schemeClr val="accent1">
+                    <a:lumMod val="50000"/>
+                  </a:schemeClr>
                 </a:solidFill>
                 <a:latin typeface="+mj-lt"/>
               </a:rPr>
-              <a:t>категории целевой </a:t>
-            </a:r>
-            <a:r>
-              <a:rPr lang="ru-RU" dirty="0" smtClean="0">
-                <a:solidFill>
-                  <a:srgbClr val="FF0000"/>
-                </a:solidFill>
-                <a:latin typeface="+mj-lt"/>
-              </a:rPr>
-              <a:t>аудитории</a:t>
-            </a:r>
-          </a:p>
-          <a:p>
-            <a:r>
-              <a:rPr lang="ru-RU" dirty="0">
-                <a:solidFill>
-                  <a:srgbClr val="FF0000"/>
-                </a:solidFill>
-                <a:latin typeface="+mj-lt"/>
-              </a:rPr>
-              <a:t>Фиксирование даты и времени входа и выхода посетителя</a:t>
-            </a:r>
-          </a:p>
-          <a:p>
-            <a:r>
-              <a:rPr lang="ru-RU" dirty="0" smtClean="0">
-                <a:solidFill>
-                  <a:srgbClr val="FF0000"/>
-                </a:solidFill>
-                <a:latin typeface="+mj-lt"/>
-              </a:rPr>
-              <a:t>Анализ возраста и пола целевой </a:t>
-            </a:r>
-            <a:r>
-              <a:rPr lang="ru-RU" dirty="0" smtClean="0">
-                <a:solidFill>
-                  <a:srgbClr val="FF0000"/>
-                </a:solidFill>
-                <a:latin typeface="+mj-lt"/>
-              </a:rPr>
-              <a:t>аудитории</a:t>
-            </a:r>
-          </a:p>
-          <a:p>
-            <a:r>
-              <a:rPr lang="ru-RU" dirty="0">
-                <a:latin typeface="+mj-lt"/>
-              </a:rPr>
-              <a:t>Получение статистики посещаемости</a:t>
-            </a:r>
-          </a:p>
-          <a:p>
-            <a:r>
-              <a:rPr lang="ru-RU" dirty="0">
-                <a:latin typeface="+mj-lt"/>
-              </a:rPr>
-              <a:t>Прогнозирование степени загруженности </a:t>
-            </a:r>
-            <a:r>
-              <a:rPr lang="ru-RU" dirty="0" smtClean="0">
-                <a:latin typeface="+mj-lt"/>
-              </a:rPr>
-              <a:t>посетителями</a:t>
-            </a:r>
-          </a:p>
-          <a:p>
-            <a:r>
-              <a:rPr lang="ru-RU" dirty="0">
-                <a:latin typeface="+mj-lt"/>
-              </a:rPr>
-              <a:t>Статистический </a:t>
-            </a:r>
-            <a:r>
-              <a:rPr lang="ru-RU" dirty="0" smtClean="0">
-                <a:latin typeface="+mj-lt"/>
-              </a:rPr>
-              <a:t>анализ </a:t>
-            </a:r>
-            <a:r>
-              <a:rPr lang="ru-RU" dirty="0">
-                <a:latin typeface="+mj-lt"/>
-              </a:rPr>
-              <a:t>демографии </a:t>
-            </a:r>
-            <a:r>
-              <a:rPr lang="ru-RU" dirty="0">
-                <a:latin typeface="+mj-lt"/>
-              </a:rPr>
-              <a:t>клиентов</a:t>
-            </a:r>
-          </a:p>
-          <a:p>
-            <a:endParaRPr lang="ru-RU" dirty="0">
+              <a:t>Computer Vision</a:t>
+            </a:r>
+            <a:endParaRPr lang="ru-RU" sz="2400" dirty="0">
+              <a:solidFill>
+                <a:schemeClr val="accent1">
+                  <a:lumMod val="50000"/>
+                </a:schemeClr>
+              </a:solidFill>
               <a:latin typeface="+mj-lt"/>
             </a:endParaRPr>
           </a:p>
@@ -7502,7 +7453,7 @@
     </p:spTree>
     <p:extLst>
       <p:ext uri="{BB962C8B-B14F-4D97-AF65-F5344CB8AC3E}">
-        <p14:creationId xmlns:p14="http://schemas.microsoft.com/office/powerpoint/2010/main" val="1952011160"/>
+        <p14:creationId xmlns:p14="http://schemas.microsoft.com/office/powerpoint/2010/main" val="804315170"/>
       </p:ext>
     </p:extLst>
   </p:cSld>
@@ -7512,7 +7463,132 @@
   <p:timing>
     <p:tnLst>
       <p:par>
-        <p:cTn id="1" dur="indefinite" restart="never" nodeType="tmRoot"/>
+        <p:cTn id="1" dur="indefinite" restart="never" nodeType="tmRoot">
+          <p:childTnLst>
+            <p:seq concurrent="1" nextAc="seek">
+              <p:cTn id="2" dur="indefinite" nodeType="mainSeq">
+                <p:childTnLst>
+                  <p:par>
+                    <p:cTn id="3" fill="hold">
+                      <p:stCondLst>
+                        <p:cond delay="indefinite"/>
+                      </p:stCondLst>
+                      <p:childTnLst>
+                        <p:par>
+                          <p:cTn id="4" fill="hold">
+                            <p:stCondLst>
+                              <p:cond delay="0"/>
+                            </p:stCondLst>
+                            <p:childTnLst>
+                              <p:par>
+                                <p:cTn id="5" presetID="32" presetClass="emph" presetSubtype="0" fill="hold" nodeType="clickEffect">
+                                  <p:stCondLst>
+                                    <p:cond delay="0"/>
+                                  </p:stCondLst>
+                                  <p:childTnLst>
+                                    <p:animRot by="120000">
+                                      <p:cBhvr>
+                                        <p:cTn id="6" dur="100" fill="hold">
+                                          <p:stCondLst>
+                                            <p:cond delay="0"/>
+                                          </p:stCondLst>
+                                        </p:cTn>
+                                        <p:tgtEl>
+                                          <p:spTgt spid="12"/>
+                                        </p:tgtEl>
+                                        <p:attrNameLst>
+                                          <p:attrName>r</p:attrName>
+                                        </p:attrNameLst>
+                                      </p:cBhvr>
+                                    </p:animRot>
+                                    <p:animRot by="-240000">
+                                      <p:cBhvr>
+                                        <p:cTn id="7" dur="200" fill="hold">
+                                          <p:stCondLst>
+                                            <p:cond delay="200"/>
+                                          </p:stCondLst>
+                                        </p:cTn>
+                                        <p:tgtEl>
+                                          <p:spTgt spid="12"/>
+                                        </p:tgtEl>
+                                        <p:attrNameLst>
+                                          <p:attrName>r</p:attrName>
+                                        </p:attrNameLst>
+                                      </p:cBhvr>
+                                    </p:animRot>
+                                    <p:animRot by="240000">
+                                      <p:cBhvr>
+                                        <p:cTn id="8" dur="200" fill="hold">
+                                          <p:stCondLst>
+                                            <p:cond delay="400"/>
+                                          </p:stCondLst>
+                                        </p:cTn>
+                                        <p:tgtEl>
+                                          <p:spTgt spid="12"/>
+                                        </p:tgtEl>
+                                        <p:attrNameLst>
+                                          <p:attrName>r</p:attrName>
+                                        </p:attrNameLst>
+                                      </p:cBhvr>
+                                    </p:animRot>
+                                    <p:animRot by="-240000">
+                                      <p:cBhvr>
+                                        <p:cTn id="9" dur="200" fill="hold">
+                                          <p:stCondLst>
+                                            <p:cond delay="600"/>
+                                          </p:stCondLst>
+                                        </p:cTn>
+                                        <p:tgtEl>
+                                          <p:spTgt spid="12"/>
+                                        </p:tgtEl>
+                                        <p:attrNameLst>
+                                          <p:attrName>r</p:attrName>
+                                        </p:attrNameLst>
+                                      </p:cBhvr>
+                                    </p:animRot>
+                                    <p:animRot by="120000">
+                                      <p:cBhvr>
+                                        <p:cTn id="10" dur="200" fill="hold">
+                                          <p:stCondLst>
+                                            <p:cond delay="800"/>
+                                          </p:stCondLst>
+                                        </p:cTn>
+                                        <p:tgtEl>
+                                          <p:spTgt spid="12"/>
+                                        </p:tgtEl>
+                                        <p:attrNameLst>
+                                          <p:attrName>r</p:attrName>
+                                        </p:attrNameLst>
+                                      </p:cBhvr>
+                                    </p:animRot>
+                                  </p:childTnLst>
+                                </p:cTn>
+                              </p:par>
+                            </p:childTnLst>
+                          </p:cTn>
+                        </p:par>
+                      </p:childTnLst>
+                    </p:cTn>
+                  </p:par>
+                </p:childTnLst>
+              </p:cTn>
+              <p:prevCondLst>
+                <p:cond evt="onPrev" delay="0">
+                  <p:tgtEl>
+                    <p:sldTgt/>
+                  </p:tgtEl>
+                </p:cond>
+              </p:prevCondLst>
+              <p:nextCondLst>
+                <p:cond evt="onNext" delay="0">
+                  <p:tgtEl>
+                    <p:sldTgt/>
+                  </p:tgtEl>
+                </p:cond>
+              </p:nextCondLst>
+            </p:seq>
+          </p:childTnLst>
+        </p:cTn>
       </p:par>
     </p:tnLst>
   </p:timing>
@@ -7677,7 +7753,7 @@
         </p:blipFill>
         <p:spPr>
           <a:xfrm>
-            <a:off x="7740744" y="921119"/>
+            <a:off x="7740744" y="950147"/>
             <a:ext cx="3619983" cy="5265430"/>
           </a:xfrm>
           <a:prstGeom prst="rect">
@@ -8406,408 +8482,6 @@
       </p:grpSpPr>
       <p:pic>
         <p:nvPicPr>
-          <p:cNvPr id="12" name="Рисунок 11"/>
-          <p:cNvPicPr>
-            <a:picLocks noChangeAspect="1"/>
-          </p:cNvPicPr>
-          <p:nvPr/>
-        </p:nvPicPr>
-        <p:blipFill>
-          <a:blip r:embed="rId2">
-            <a:extLst>
-              <a:ext uri="{28A0092B-C50C-407E-A947-70E740481C1C}">
-                <a14:useLocalDpi xmlns:a14="http://schemas.microsoft.com/office/drawing/2010/main" val="0"/>
-              </a:ext>
-            </a:extLst>
-          </a:blip>
-          <a:stretch>
-            <a:fillRect/>
-          </a:stretch>
-        </p:blipFill>
-        <p:spPr>
-          <a:xfrm>
-            <a:off x="2462195" y="188057"/>
-            <a:ext cx="6734098" cy="6481886"/>
-          </a:xfrm>
-          <a:prstGeom prst="rect">
-            <a:avLst/>
-          </a:prstGeom>
-        </p:spPr>
-      </p:pic>
-      <p:sp>
-        <p:nvSpPr>
-          <p:cNvPr id="7" name="TextBox 6"/>
-          <p:cNvSpPr txBox="1"/>
-          <p:nvPr/>
-        </p:nvSpPr>
-        <p:spPr>
-          <a:xfrm>
-            <a:off x="8756469" y="2147442"/>
-            <a:ext cx="1650946" cy="468183"/>
-          </a:xfrm>
-          <a:prstGeom prst="rect">
-            <a:avLst/>
-          </a:prstGeom>
-          <a:noFill/>
-        </p:spPr>
-        <p:txBody>
-          <a:bodyPr wrap="square" rtlCol="0">
-            <a:spAutoFit/>
-          </a:bodyPr>
-          <a:lstStyle/>
-          <a:p>
-            <a:pPr algn="ctr"/>
-            <a:r>
-              <a:rPr lang="en-US" sz="2400" dirty="0" smtClean="0">
-                <a:solidFill>
-                  <a:schemeClr val="accent1">
-                    <a:lumMod val="50000"/>
-                  </a:schemeClr>
-                </a:solidFill>
-                <a:latin typeface="+mj-lt"/>
-              </a:rPr>
-              <a:t>Statistics</a:t>
-            </a:r>
-            <a:endParaRPr lang="ru-RU" sz="2400" dirty="0">
-              <a:solidFill>
-                <a:schemeClr val="accent1">
-                  <a:lumMod val="50000"/>
-                </a:schemeClr>
-              </a:solidFill>
-              <a:latin typeface="+mj-lt"/>
-            </a:endParaRPr>
-          </a:p>
-        </p:txBody>
-      </p:sp>
-      <p:sp>
-        <p:nvSpPr>
-          <p:cNvPr id="8" name="TextBox 7"/>
-          <p:cNvSpPr txBox="1"/>
-          <p:nvPr/>
-        </p:nvSpPr>
-        <p:spPr>
-          <a:xfrm>
-            <a:off x="6518755" y="6048737"/>
-            <a:ext cx="2779138" cy="468183"/>
-          </a:xfrm>
-          <a:prstGeom prst="rect">
-            <a:avLst/>
-          </a:prstGeom>
-          <a:noFill/>
-        </p:spPr>
-        <p:txBody>
-          <a:bodyPr wrap="square" rtlCol="0">
-            <a:spAutoFit/>
-          </a:bodyPr>
-          <a:lstStyle/>
-          <a:p>
-            <a:pPr algn="ctr"/>
-            <a:r>
-              <a:rPr lang="en-US" sz="2400" dirty="0" smtClean="0">
-                <a:solidFill>
-                  <a:schemeClr val="accent1">
-                    <a:lumMod val="50000"/>
-                  </a:schemeClr>
-                </a:solidFill>
-                <a:latin typeface="+mj-lt"/>
-              </a:rPr>
-              <a:t>Knowledge Base</a:t>
-            </a:r>
-            <a:endParaRPr lang="ru-RU" sz="2400" dirty="0">
-              <a:solidFill>
-                <a:schemeClr val="accent1">
-                  <a:lumMod val="50000"/>
-                </a:schemeClr>
-              </a:solidFill>
-              <a:latin typeface="+mj-lt"/>
-            </a:endParaRPr>
-          </a:p>
-        </p:txBody>
-      </p:sp>
-      <p:pic>
-        <p:nvPicPr>
-          <p:cNvPr id="9" name="Рисунок 8"/>
-          <p:cNvPicPr>
-            <a:picLocks noChangeAspect="1"/>
-          </p:cNvPicPr>
-          <p:nvPr/>
-        </p:nvPicPr>
-        <p:blipFill>
-          <a:blip r:embed="rId3">
-            <a:extLst>
-              <a:ext uri="{28A0092B-C50C-407E-A947-70E740481C1C}">
-                <a14:useLocalDpi xmlns:a14="http://schemas.microsoft.com/office/drawing/2010/main" val="0"/>
-              </a:ext>
-            </a:extLst>
-          </a:blip>
-          <a:stretch>
-            <a:fillRect/>
-          </a:stretch>
-        </p:blipFill>
-        <p:spPr>
-          <a:xfrm>
-            <a:off x="4646653" y="2255719"/>
-            <a:ext cx="2898694" cy="2346562"/>
-          </a:xfrm>
-          <a:prstGeom prst="rect">
-            <a:avLst/>
-          </a:prstGeom>
-        </p:spPr>
-      </p:pic>
-      <p:sp>
-        <p:nvSpPr>
-          <p:cNvPr id="6" name="TextBox 5"/>
-          <p:cNvSpPr txBox="1"/>
-          <p:nvPr/>
-        </p:nvSpPr>
-        <p:spPr>
-          <a:xfrm>
-            <a:off x="6557064" y="305072"/>
-            <a:ext cx="2000498" cy="468183"/>
-          </a:xfrm>
-          <a:prstGeom prst="rect">
-            <a:avLst/>
-          </a:prstGeom>
-          <a:noFill/>
-        </p:spPr>
-        <p:txBody>
-          <a:bodyPr wrap="square" rtlCol="0">
-            <a:spAutoFit/>
-          </a:bodyPr>
-          <a:lstStyle/>
-          <a:p>
-            <a:pPr algn="ctr"/>
-            <a:r>
-              <a:rPr lang="en-US" sz="2400" dirty="0" smtClean="0">
-                <a:solidFill>
-                  <a:schemeClr val="accent1">
-                    <a:lumMod val="50000"/>
-                  </a:schemeClr>
-                </a:solidFill>
-                <a:latin typeface="+mj-lt"/>
-              </a:rPr>
-              <a:t>AI Analytics</a:t>
-            </a:r>
-            <a:endParaRPr lang="ru-RU" sz="2400" dirty="0">
-              <a:solidFill>
-                <a:schemeClr val="accent1">
-                  <a:lumMod val="50000"/>
-                </a:schemeClr>
-              </a:solidFill>
-              <a:latin typeface="+mj-lt"/>
-            </a:endParaRPr>
-          </a:p>
-        </p:txBody>
-      </p:sp>
-      <p:sp>
-        <p:nvSpPr>
-          <p:cNvPr id="3" name="TextBox 2"/>
-          <p:cNvSpPr txBox="1"/>
-          <p:nvPr/>
-        </p:nvSpPr>
-        <p:spPr>
-          <a:xfrm>
-            <a:off x="1666392" y="4337465"/>
-            <a:ext cx="1769139" cy="842729"/>
-          </a:xfrm>
-          <a:prstGeom prst="rect">
-            <a:avLst/>
-          </a:prstGeom>
-          <a:noFill/>
-        </p:spPr>
-        <p:txBody>
-          <a:bodyPr wrap="square" rtlCol="0">
-            <a:spAutoFit/>
-          </a:bodyPr>
-          <a:lstStyle/>
-          <a:p>
-            <a:pPr algn="ctr"/>
-            <a:r>
-              <a:rPr lang="en-US" sz="2400" dirty="0" smtClean="0">
-                <a:solidFill>
-                  <a:schemeClr val="accent1">
-                    <a:lumMod val="50000"/>
-                  </a:schemeClr>
-                </a:solidFill>
-                <a:latin typeface="+mj-lt"/>
-              </a:rPr>
-              <a:t>Computer Vision</a:t>
-            </a:r>
-            <a:endParaRPr lang="ru-RU" sz="2400" dirty="0">
-              <a:solidFill>
-                <a:schemeClr val="accent1">
-                  <a:lumMod val="50000"/>
-                </a:schemeClr>
-              </a:solidFill>
-              <a:latin typeface="+mj-lt"/>
-            </a:endParaRPr>
-          </a:p>
-        </p:txBody>
-      </p:sp>
-    </p:spTree>
-    <p:extLst>
-      <p:ext uri="{BB962C8B-B14F-4D97-AF65-F5344CB8AC3E}">
-        <p14:creationId xmlns:p14="http://schemas.microsoft.com/office/powerpoint/2010/main" val="804315170"/>
-      </p:ext>
-    </p:extLst>
-  </p:cSld>
-  <p:clrMapOvr>
-    <a:masterClrMapping/>
-  </p:clrMapOvr>
-  <p:timing>
-    <p:tnLst>
-      <p:par>
-        <p:cTn id="1" dur="indefinite" restart="never" nodeType="tmRoot">
-          <p:childTnLst>
-            <p:seq concurrent="1" nextAc="seek">
-              <p:cTn id="2" dur="indefinite" nodeType="mainSeq">
-                <p:childTnLst>
-                  <p:par>
-                    <p:cTn id="3" fill="hold">
-                      <p:stCondLst>
-                        <p:cond delay="indefinite"/>
-                      </p:stCondLst>
-                      <p:childTnLst>
-                        <p:par>
-                          <p:cTn id="4" fill="hold">
-                            <p:stCondLst>
-                              <p:cond delay="0"/>
-                            </p:stCondLst>
-                            <p:childTnLst>
-                              <p:par>
-                                <p:cTn id="5" presetID="32" presetClass="emph" presetSubtype="0" fill="hold" nodeType="clickEffect">
-                                  <p:stCondLst>
-                                    <p:cond delay="0"/>
-                                  </p:stCondLst>
-                                  <p:childTnLst>
-                                    <p:animRot by="120000">
-                                      <p:cBhvr>
-                                        <p:cTn id="6" dur="100" fill="hold">
-                                          <p:stCondLst>
-                                            <p:cond delay="0"/>
-                                          </p:stCondLst>
-                                        </p:cTn>
-                                        <p:tgtEl>
-                                          <p:spTgt spid="12"/>
-                                        </p:tgtEl>
-                                        <p:attrNameLst>
-                                          <p:attrName>r</p:attrName>
-                                        </p:attrNameLst>
-                                      </p:cBhvr>
-                                    </p:animRot>
-                                    <p:animRot by="-240000">
-                                      <p:cBhvr>
-                                        <p:cTn id="7" dur="200" fill="hold">
-                                          <p:stCondLst>
-                                            <p:cond delay="200"/>
-                                          </p:stCondLst>
-                                        </p:cTn>
-                                        <p:tgtEl>
-                                          <p:spTgt spid="12"/>
-                                        </p:tgtEl>
-                                        <p:attrNameLst>
-                                          <p:attrName>r</p:attrName>
-                                        </p:attrNameLst>
-                                      </p:cBhvr>
-                                    </p:animRot>
-                                    <p:animRot by="240000">
-                                      <p:cBhvr>
-                                        <p:cTn id="8" dur="200" fill="hold">
-                                          <p:stCondLst>
-                                            <p:cond delay="400"/>
-                                          </p:stCondLst>
-                                        </p:cTn>
-                                        <p:tgtEl>
-                                          <p:spTgt spid="12"/>
-                                        </p:tgtEl>
-                                        <p:attrNameLst>
-                                          <p:attrName>r</p:attrName>
-                                        </p:attrNameLst>
-                                      </p:cBhvr>
-                                    </p:animRot>
-                                    <p:animRot by="-240000">
-                                      <p:cBhvr>
-                                        <p:cTn id="9" dur="200" fill="hold">
-                                          <p:stCondLst>
-                                            <p:cond delay="600"/>
-                                          </p:stCondLst>
-                                        </p:cTn>
-                                        <p:tgtEl>
-                                          <p:spTgt spid="12"/>
-                                        </p:tgtEl>
-                                        <p:attrNameLst>
-                                          <p:attrName>r</p:attrName>
-                                        </p:attrNameLst>
-                                      </p:cBhvr>
-                                    </p:animRot>
-                                    <p:animRot by="120000">
-                                      <p:cBhvr>
-                                        <p:cTn id="10" dur="200" fill="hold">
-                                          <p:stCondLst>
-                                            <p:cond delay="800"/>
-                                          </p:stCondLst>
-                                        </p:cTn>
-                                        <p:tgtEl>
-                                          <p:spTgt spid="12"/>
-                                        </p:tgtEl>
-                                        <p:attrNameLst>
-                                          <p:attrName>r</p:attrName>
-                                        </p:attrNameLst>
-                                      </p:cBhvr>
-                                    </p:animRot>
-                                  </p:childTnLst>
-                                </p:cTn>
-                              </p:par>
-                            </p:childTnLst>
-                          </p:cTn>
-                        </p:par>
-                      </p:childTnLst>
-                    </p:cTn>
-                  </p:par>
-                </p:childTnLst>
-              </p:cTn>
-              <p:prevCondLst>
-                <p:cond evt="onPrev" delay="0">
-                  <p:tgtEl>
-                    <p:sldTgt/>
-                  </p:tgtEl>
-                </p:cond>
-              </p:prevCondLst>
-              <p:nextCondLst>
-                <p:cond evt="onNext" delay="0">
-                  <p:tgtEl>
-                    <p:sldTgt/>
-                  </p:tgtEl>
-                </p:cond>
-              </p:nextCondLst>
-            </p:seq>
-          </p:childTnLst>
-        </p:cTn>
-      </p:par>
-    </p:tnLst>
-  </p:timing>
-</p:sld>
-</file>
-
-<file path=ppt/slides/slide6.xml><?xml version="1.0" encoding="utf-8"?>
-<p:sld xmlns:a="http://schemas.openxmlformats.org/drawingml/2006/main" xmlns:r="http://schemas.openxmlformats.org/officeDocument/2006/relationships" xmlns:p="http://schemas.openxmlformats.org/presentationml/2006/main">
-  <p:cSld>
-    <p:spTree>
-      <p:nvGrpSpPr>
-        <p:cNvPr id="1" name=""/>
-        <p:cNvGrpSpPr/>
-        <p:nvPr/>
-      </p:nvGrpSpPr>
-      <p:grpSpPr>
-        <a:xfrm>
-          <a:off x="0" y="0"/>
-          <a:ext cx="0" cy="0"/>
-          <a:chOff x="0" y="0"/>
-          <a:chExt cx="0" cy="0"/>
-        </a:xfrm>
-      </p:grpSpPr>
-      <p:pic>
-        <p:nvPicPr>
           <p:cNvPr id="2" name="Рисунок 1"/>
           <p:cNvPicPr>
             <a:picLocks noChangeAspect="1"/>
@@ -9285,7 +8959,7 @@
 </p:sld>
 </file>
 
-<file path=ppt/slides/slide7.xml><?xml version="1.0" encoding="utf-8"?>
+<file path=ppt/slides/slide6.xml><?xml version="1.0" encoding="utf-8"?>
 <p:sld xmlns:a="http://schemas.openxmlformats.org/drawingml/2006/main" xmlns:r="http://schemas.openxmlformats.org/officeDocument/2006/relationships" xmlns:p="http://schemas.openxmlformats.org/presentationml/2006/main">
   <p:cSld>
     <p:spTree>
@@ -9519,6 +9193,551 @@
   <p:clrMapOvr>
     <a:masterClrMapping/>
   </p:clrMapOvr>
+  <p:timing>
+    <p:tnLst>
+      <p:par>
+        <p:cTn id="1" dur="indefinite" restart="never" nodeType="tmRoot"/>
+      </p:par>
+    </p:tnLst>
+  </p:timing>
+</p:sld>
+</file>
+
+<file path=ppt/slides/slide7.xml><?xml version="1.0" encoding="utf-8"?>
+<p:sld xmlns:a="http://schemas.openxmlformats.org/drawingml/2006/main" xmlns:r="http://schemas.openxmlformats.org/officeDocument/2006/relationships" xmlns:p="http://schemas.openxmlformats.org/presentationml/2006/main">
+  <p:cSld>
+    <p:spTree>
+      <p:nvGrpSpPr>
+        <p:cNvPr id="1" name=""/>
+        <p:cNvGrpSpPr/>
+        <p:nvPr/>
+      </p:nvGrpSpPr>
+      <p:grpSpPr>
+        <a:xfrm>
+          <a:off x="0" y="0"/>
+          <a:ext cx="0" cy="0"/>
+          <a:chOff x="0" y="0"/>
+          <a:chExt cx="0" cy="0"/>
+        </a:xfrm>
+      </p:grpSpPr>
+      <p:sp>
+        <p:nvSpPr>
+          <p:cNvPr id="2" name="Заголовок 1"/>
+          <p:cNvSpPr>
+            <a:spLocks noGrp="1"/>
+          </p:cNvSpPr>
+          <p:nvPr>
+            <p:ph type="title"/>
+          </p:nvPr>
+        </p:nvSpPr>
+        <p:spPr/>
+        <p:txBody>
+          <a:bodyPr/>
+          <a:lstStyle/>
+          <a:p>
+            <a:r>
+              <a:rPr lang="en-US" dirty="0" smtClean="0"/>
+              <a:t>AI Analytics</a:t>
+            </a:r>
+            <a:endParaRPr lang="ru-RU" dirty="0"/>
+          </a:p>
+        </p:txBody>
+      </p:sp>
+      <p:pic>
+        <p:nvPicPr>
+          <p:cNvPr id="4" name="learn">
+            <a:hlinkClick r:id="" action="ppaction://media"/>
+          </p:cNvPr>
+          <p:cNvPicPr>
+            <a:picLocks noChangeAspect="1"/>
+          </p:cNvPicPr>
+          <p:nvPr>
+            <a:videoFile r:link="rId2"/>
+            <p:extLst>
+              <p:ext uri="{DAA4B4D4-6D71-4841-9C94-3DE7FCFB9230}">
+                <p14:media xmlns:p14="http://schemas.microsoft.com/office/powerpoint/2010/main" r:embed="rId1"/>
+              </p:ext>
+            </p:extLst>
+          </p:nvPr>
+        </p:nvPicPr>
+        <p:blipFill>
+          <a:blip r:embed="rId4"/>
+          <a:stretch>
+            <a:fillRect/>
+          </a:stretch>
+        </p:blipFill>
+        <p:spPr>
+          <a:xfrm>
+            <a:off x="2345541" y="1302657"/>
+            <a:ext cx="7514772" cy="5009848"/>
+          </a:xfrm>
+          <a:prstGeom prst="rect">
+            <a:avLst/>
+          </a:prstGeom>
+          <a:ln>
+            <a:noFill/>
+          </a:ln>
+          <a:effectLst>
+            <a:softEdge rad="112500"/>
+          </a:effectLst>
+        </p:spPr>
+      </p:pic>
+    </p:spTree>
+    <p:extLst>
+      <p:ext uri="{BB962C8B-B14F-4D97-AF65-F5344CB8AC3E}">
+        <p14:creationId xmlns:p14="http://schemas.microsoft.com/office/powerpoint/2010/main" val="4051166396"/>
+      </p:ext>
+    </p:extLst>
+  </p:cSld>
+  <p:clrMapOvr>
+    <a:masterClrMapping/>
+  </p:clrMapOvr>
+  <p:timing>
+    <p:tnLst>
+      <p:par>
+        <p:cTn id="1" dur="indefinite" restart="never" nodeType="tmRoot">
+          <p:childTnLst>
+            <p:seq concurrent="1" nextAc="seek">
+              <p:cTn id="2" dur="indefinite" nodeType="mainSeq">
+                <p:childTnLst>
+                  <p:par>
+                    <p:cTn id="3" fill="hold">
+                      <p:stCondLst>
+                        <p:cond delay="indefinite"/>
+                        <p:cond evt="onBegin" delay="0">
+                          <p:tn val="2"/>
+                        </p:cond>
+                      </p:stCondLst>
+                      <p:childTnLst>
+                        <p:par>
+                          <p:cTn id="4" fill="hold">
+                            <p:stCondLst>
+                              <p:cond delay="0"/>
+                            </p:stCondLst>
+                            <p:childTnLst>
+                              <p:par>
+                                <p:cTn id="5" presetID="1" presetClass="mediacall" presetSubtype="0" fill="hold" nodeType="afterEffect">
+                                  <p:stCondLst>
+                                    <p:cond delay="0"/>
+                                  </p:stCondLst>
+                                  <p:childTnLst>
+                                    <p:cmd type="call" cmd="playFrom(0.0)">
+                                      <p:cBhvr>
+                                        <p:cTn id="6" dur="10000" fill="hold"/>
+                                        <p:tgtEl>
+                                          <p:spTgt spid="4"/>
+                                        </p:tgtEl>
+                                      </p:cBhvr>
+                                    </p:cmd>
+                                  </p:childTnLst>
+                                </p:cTn>
+                              </p:par>
+                            </p:childTnLst>
+                          </p:cTn>
+                        </p:par>
+                      </p:childTnLst>
+                    </p:cTn>
+                  </p:par>
+                </p:childTnLst>
+              </p:cTn>
+              <p:prevCondLst>
+                <p:cond evt="onPrev" delay="0">
+                  <p:tgtEl>
+                    <p:sldTgt/>
+                  </p:tgtEl>
+                </p:cond>
+              </p:prevCondLst>
+              <p:nextCondLst>
+                <p:cond evt="onNext" delay="0">
+                  <p:tgtEl>
+                    <p:sldTgt/>
+                  </p:tgtEl>
+                </p:cond>
+              </p:nextCondLst>
+            </p:seq>
+            <p:video>
+              <p:cMediaNode vol="80000">
+                <p:cTn id="7" repeatCount="indefinite" fill="hold" display="0">
+                  <p:stCondLst>
+                    <p:cond delay="indefinite"/>
+                  </p:stCondLst>
+                </p:cTn>
+                <p:tgtEl>
+                  <p:spTgt spid="4"/>
+                </p:tgtEl>
+              </p:cMediaNode>
+            </p:video>
+            <p:seq concurrent="1" nextAc="seek">
+              <p:cTn id="8" restart="whenNotActive" fill="hold" evtFilter="cancelBubble" nodeType="interactiveSeq">
+                <p:stCondLst>
+                  <p:cond evt="onClick" delay="0">
+                    <p:tgtEl>
+                      <p:spTgt spid="4"/>
+                    </p:tgtEl>
+                  </p:cond>
+                </p:stCondLst>
+                <p:endSync evt="end" delay="0">
+                  <p:rtn val="all"/>
+                </p:endSync>
+                <p:childTnLst>
+                  <p:par>
+                    <p:cTn id="9" fill="hold">
+                      <p:stCondLst>
+                        <p:cond delay="0"/>
+                      </p:stCondLst>
+                      <p:childTnLst>
+                        <p:par>
+                          <p:cTn id="10" fill="hold">
+                            <p:stCondLst>
+                              <p:cond delay="0"/>
+                            </p:stCondLst>
+                            <p:childTnLst>
+                              <p:par>
+                                <p:cTn id="11" presetID="2" presetClass="mediacall" presetSubtype="0" fill="hold" nodeType="clickEffect">
+                                  <p:stCondLst>
+                                    <p:cond delay="0"/>
+                                  </p:stCondLst>
+                                  <p:childTnLst>
+                                    <p:cmd type="call" cmd="togglePause">
+                                      <p:cBhvr>
+                                        <p:cTn id="12" dur="1" fill="hold"/>
+                                        <p:tgtEl>
+                                          <p:spTgt spid="4"/>
+                                        </p:tgtEl>
+                                      </p:cBhvr>
+                                    </p:cmd>
+                                  </p:childTnLst>
+                                </p:cTn>
+                              </p:par>
+                            </p:childTnLst>
+                          </p:cTn>
+                        </p:par>
+                      </p:childTnLst>
+                    </p:cTn>
+                  </p:par>
+                </p:childTnLst>
+              </p:cTn>
+              <p:nextCondLst>
+                <p:cond evt="onClick" delay="0">
+                  <p:tgtEl>
+                    <p:spTgt spid="4"/>
+                  </p:tgtEl>
+                </p:cond>
+              </p:nextCondLst>
+            </p:seq>
+          </p:childTnLst>
+        </p:cTn>
+      </p:par>
+    </p:tnLst>
+  </p:timing>
+</p:sld>
+</file>
+
+<file path=ppt/slides/slide8.xml><?xml version="1.0" encoding="utf-8"?>
+<p:sld xmlns:a="http://schemas.openxmlformats.org/drawingml/2006/main" xmlns:r="http://schemas.openxmlformats.org/officeDocument/2006/relationships" xmlns:p="http://schemas.openxmlformats.org/presentationml/2006/main" show="0">
+  <p:cSld>
+    <p:spTree>
+      <p:nvGrpSpPr>
+        <p:cNvPr id="1" name=""/>
+        <p:cNvGrpSpPr/>
+        <p:nvPr/>
+      </p:nvGrpSpPr>
+      <p:grpSpPr>
+        <a:xfrm>
+          <a:off x="0" y="0"/>
+          <a:ext cx="0" cy="0"/>
+          <a:chOff x="0" y="0"/>
+          <a:chExt cx="0" cy="0"/>
+        </a:xfrm>
+      </p:grpSpPr>
+      <p:pic>
+        <p:nvPicPr>
+          <p:cNvPr id="6" name="Рисунок 5"/>
+          <p:cNvPicPr>
+            <a:picLocks noChangeAspect="1"/>
+          </p:cNvPicPr>
+          <p:nvPr/>
+        </p:nvPicPr>
+        <p:blipFill>
+          <a:blip r:embed="rId2">
+            <a:extLst>
+              <a:ext uri="{28A0092B-C50C-407E-A947-70E740481C1C}">
+                <a14:useLocalDpi xmlns:a14="http://schemas.microsoft.com/office/drawing/2010/main" val="0"/>
+              </a:ext>
+            </a:extLst>
+          </a:blip>
+          <a:stretch>
+            <a:fillRect/>
+          </a:stretch>
+        </p:blipFill>
+        <p:spPr>
+          <a:xfrm>
+            <a:off x="2745467" y="918026"/>
+            <a:ext cx="6950075" cy="5372039"/>
+          </a:xfrm>
+          <a:prstGeom prst="rect">
+            <a:avLst/>
+          </a:prstGeom>
+        </p:spPr>
+      </p:pic>
+    </p:spTree>
+    <p:extLst>
+      <p:ext uri="{BB962C8B-B14F-4D97-AF65-F5344CB8AC3E}">
+        <p14:creationId xmlns:p14="http://schemas.microsoft.com/office/powerpoint/2010/main" val="2601776994"/>
+      </p:ext>
+    </p:extLst>
+  </p:cSld>
+  <p:clrMapOvr>
+    <a:masterClrMapping/>
+  </p:clrMapOvr>
+  <mc:AlternateContent xmlns:mc="http://schemas.openxmlformats.org/markup-compatibility/2006">
+    <mc:Choice xmlns:p14="http://schemas.microsoft.com/office/powerpoint/2010/main" Requires="p14">
+      <p:transition spd="slow" p14:dur="2000"/>
+    </mc:Choice>
+    <mc:Fallback>
+      <p:transition spd="slow"/>
+    </mc:Fallback>
+  </mc:AlternateContent>
+  <p:timing>
+    <p:tnLst>
+      <p:par>
+        <p:cTn id="1" dur="indefinite" restart="never" nodeType="tmRoot"/>
+      </p:par>
+    </p:tnLst>
+  </p:timing>
+</p:sld>
+</file>
+
+<file path=ppt/slides/slide9.xml><?xml version="1.0" encoding="utf-8"?>
+<p:sld xmlns:a="http://schemas.openxmlformats.org/drawingml/2006/main" xmlns:r="http://schemas.openxmlformats.org/officeDocument/2006/relationships" xmlns:p="http://schemas.openxmlformats.org/presentationml/2006/main" show="0">
+  <p:cSld>
+    <p:spTree>
+      <p:nvGrpSpPr>
+        <p:cNvPr id="1" name=""/>
+        <p:cNvGrpSpPr/>
+        <p:nvPr/>
+      </p:nvGrpSpPr>
+      <p:grpSpPr>
+        <a:xfrm>
+          <a:off x="0" y="0"/>
+          <a:ext cx="0" cy="0"/>
+          <a:chOff x="0" y="0"/>
+          <a:chExt cx="0" cy="0"/>
+        </a:xfrm>
+      </p:grpSpPr>
+      <p:sp>
+        <p:nvSpPr>
+          <p:cNvPr id="2" name="Заголовок 1"/>
+          <p:cNvSpPr>
+            <a:spLocks noGrp="1"/>
+          </p:cNvSpPr>
+          <p:nvPr>
+            <p:ph type="title"/>
+          </p:nvPr>
+        </p:nvSpPr>
+        <p:spPr>
+          <a:xfrm>
+            <a:off x="639063" y="365760"/>
+            <a:ext cx="10515600" cy="1325562"/>
+          </a:xfrm>
+        </p:spPr>
+        <p:txBody>
+          <a:bodyPr/>
+          <a:lstStyle/>
+          <a:p>
+            <a:r>
+              <a:rPr lang="ru-RU" dirty="0" smtClean="0"/>
+              <a:t>Цель и задачи</a:t>
+            </a:r>
+            <a:endParaRPr lang="ru-RU" dirty="0"/>
+          </a:p>
+        </p:txBody>
+      </p:sp>
+      <p:sp>
+        <p:nvSpPr>
+          <p:cNvPr id="3" name="Объект 2"/>
+          <p:cNvSpPr>
+            <a:spLocks noGrp="1"/>
+          </p:cNvSpPr>
+          <p:nvPr>
+            <p:ph idx="1"/>
+          </p:nvPr>
+        </p:nvSpPr>
+        <p:spPr>
+          <a:xfrm>
+            <a:off x="540326" y="1691321"/>
+            <a:ext cx="10290805" cy="4245840"/>
+          </a:xfrm>
+        </p:spPr>
+        <p:txBody>
+          <a:bodyPr>
+            <a:noAutofit/>
+          </a:bodyPr>
+          <a:lstStyle/>
+          <a:p>
+            <a:r>
+              <a:rPr lang="ru-RU" dirty="0" smtClean="0">
+                <a:solidFill>
+                  <a:srgbClr val="FF0000"/>
+                </a:solidFill>
+                <a:latin typeface="+mj-lt"/>
+              </a:rPr>
+              <a:t>Детектирование </a:t>
+            </a:r>
+            <a:r>
+              <a:rPr lang="ru-RU" dirty="0" smtClean="0">
+                <a:solidFill>
+                  <a:srgbClr val="FF0000"/>
+                </a:solidFill>
+                <a:latin typeface="+mj-lt"/>
+              </a:rPr>
+              <a:t>лиц</a:t>
+            </a:r>
+          </a:p>
+          <a:p>
+            <a:r>
+              <a:rPr lang="ru-RU" dirty="0" smtClean="0">
+                <a:latin typeface="+mj-lt"/>
+              </a:rPr>
+              <a:t>Распределение целевой аудитории по категориям</a:t>
+            </a:r>
+            <a:endParaRPr lang="ru-RU" dirty="0" smtClean="0">
+              <a:latin typeface="+mj-lt"/>
+            </a:endParaRPr>
+          </a:p>
+          <a:p>
+            <a:r>
+              <a:rPr lang="ru-RU" dirty="0" smtClean="0">
+                <a:solidFill>
+                  <a:srgbClr val="FF0000"/>
+                </a:solidFill>
+                <a:latin typeface="+mj-lt"/>
+              </a:rPr>
+              <a:t>Определение </a:t>
+            </a:r>
+            <a:r>
+              <a:rPr lang="ru-RU" dirty="0">
+                <a:solidFill>
+                  <a:srgbClr val="FF0000"/>
+                </a:solidFill>
+                <a:latin typeface="+mj-lt"/>
+              </a:rPr>
+              <a:t>категории целевой </a:t>
+            </a:r>
+            <a:r>
+              <a:rPr lang="ru-RU" dirty="0" smtClean="0">
+                <a:solidFill>
+                  <a:srgbClr val="FF0000"/>
+                </a:solidFill>
+                <a:latin typeface="+mj-lt"/>
+              </a:rPr>
+              <a:t>аудитории</a:t>
+            </a:r>
+          </a:p>
+          <a:p>
+            <a:r>
+              <a:rPr lang="ru-RU" dirty="0">
+                <a:solidFill>
+                  <a:srgbClr val="FF0000"/>
+                </a:solidFill>
+                <a:latin typeface="+mj-lt"/>
+              </a:rPr>
+              <a:t>Фиксирование даты и времени входа и выхода посетителя</a:t>
+            </a:r>
+          </a:p>
+          <a:p>
+            <a:r>
+              <a:rPr lang="ru-RU" dirty="0" smtClean="0">
+                <a:solidFill>
+                  <a:srgbClr val="FF0000"/>
+                </a:solidFill>
+                <a:latin typeface="+mj-lt"/>
+              </a:rPr>
+              <a:t>Анализ возраста и пола целевой </a:t>
+            </a:r>
+            <a:r>
+              <a:rPr lang="ru-RU" dirty="0" smtClean="0">
+                <a:solidFill>
+                  <a:srgbClr val="FF0000"/>
+                </a:solidFill>
+                <a:latin typeface="+mj-lt"/>
+              </a:rPr>
+              <a:t>аудитории</a:t>
+            </a:r>
+          </a:p>
+          <a:p>
+            <a:r>
+              <a:rPr lang="ru-RU" dirty="0">
+                <a:latin typeface="+mj-lt"/>
+              </a:rPr>
+              <a:t>Получение статистики посещаемости</a:t>
+            </a:r>
+          </a:p>
+          <a:p>
+            <a:r>
+              <a:rPr lang="ru-RU" dirty="0">
+                <a:latin typeface="+mj-lt"/>
+              </a:rPr>
+              <a:t>Прогнозирование степени загруженности </a:t>
+            </a:r>
+            <a:r>
+              <a:rPr lang="ru-RU" dirty="0" smtClean="0">
+                <a:latin typeface="+mj-lt"/>
+              </a:rPr>
+              <a:t>посетителями</a:t>
+            </a:r>
+          </a:p>
+          <a:p>
+            <a:r>
+              <a:rPr lang="ru-RU" dirty="0">
+                <a:latin typeface="+mj-lt"/>
+              </a:rPr>
+              <a:t>Статистический </a:t>
+            </a:r>
+            <a:r>
+              <a:rPr lang="ru-RU" dirty="0" smtClean="0">
+                <a:latin typeface="+mj-lt"/>
+              </a:rPr>
+              <a:t>анализ </a:t>
+            </a:r>
+            <a:r>
+              <a:rPr lang="ru-RU" dirty="0">
+                <a:latin typeface="+mj-lt"/>
+              </a:rPr>
+              <a:t>демографии </a:t>
+            </a:r>
+            <a:r>
+              <a:rPr lang="ru-RU" dirty="0">
+                <a:latin typeface="+mj-lt"/>
+              </a:rPr>
+              <a:t>клиентов</a:t>
+            </a:r>
+          </a:p>
+          <a:p>
+            <a:endParaRPr lang="ru-RU" dirty="0">
+              <a:latin typeface="+mj-lt"/>
+            </a:endParaRPr>
+          </a:p>
+        </p:txBody>
+      </p:sp>
+    </p:spTree>
+    <p:extLst>
+      <p:ext uri="{BB962C8B-B14F-4D97-AF65-F5344CB8AC3E}">
+        <p14:creationId xmlns:p14="http://schemas.microsoft.com/office/powerpoint/2010/main" val="1952011160"/>
+      </p:ext>
+    </p:extLst>
+  </p:cSld>
+  <p:clrMapOvr>
+    <a:masterClrMapping/>
+  </p:clrMapOvr>
+  <mc:AlternateContent xmlns:mc="http://schemas.openxmlformats.org/markup-compatibility/2006">
+    <mc:Choice xmlns:p14="http://schemas.microsoft.com/office/powerpoint/2010/main" Requires="p14">
+      <p:transition spd="slow" p14:dur="2000"/>
+    </mc:Choice>
+    <mc:Fallback>
+      <p:transition spd="slow"/>
+    </mc:Fallback>
+  </mc:AlternateContent>
   <p:timing>
     <p:tnLst>
       <p:par>

--- a/Hack_present - 3.pptx
+++ b/Hack_present - 3.pptx
@@ -7,14 +7,13 @@
   </p:sldMasterIdLst>
   <p:sldIdLst>
     <p:sldId id="256" r:id="rId3"/>
-    <p:sldId id="264" r:id="rId4"/>
-    <p:sldId id="262" r:id="rId5"/>
-    <p:sldId id="257" r:id="rId6"/>
+    <p:sldId id="268" r:id="rId4"/>
+    <p:sldId id="257" r:id="rId5"/>
+    <p:sldId id="262" r:id="rId6"/>
     <p:sldId id="263" r:id="rId7"/>
     <p:sldId id="261" r:id="rId8"/>
     <p:sldId id="266" r:id="rId9"/>
-    <p:sldId id="265" r:id="rId10"/>
-    <p:sldId id="258" r:id="rId11"/>
+    <p:sldId id="267" r:id="rId10"/>
   </p:sldIdLst>
   <p:sldSz cx="12192000" cy="6858000"/>
   <p:notesSz cx="6858000" cy="9144000"/>
@@ -6974,7 +6973,7 @@
         </p:nvSpPr>
         <p:spPr>
           <a:xfrm>
-            <a:off x="3851999" y="3795647"/>
+            <a:off x="3851999" y="3922647"/>
             <a:ext cx="4339770" cy="2082632"/>
           </a:xfrm>
           <a:noFill/>
@@ -7027,7 +7026,7 @@
       </p:sp>
       <p:pic>
         <p:nvPicPr>
-          <p:cNvPr id="4" name="Рисунок 3"/>
+          <p:cNvPr id="9" name="Рисунок 8"/>
           <p:cNvPicPr>
             <a:picLocks noChangeAspect="1"/>
           </p:cNvPicPr>
@@ -7047,8 +7046,8 @@
         </p:blipFill>
         <p:spPr>
           <a:xfrm>
-            <a:off x="3654513" y="1122798"/>
-            <a:ext cx="4734743" cy="2907298"/>
+            <a:off x="3043824" y="584200"/>
+            <a:ext cx="5956119" cy="3657266"/>
           </a:xfrm>
           <a:prstGeom prst="rect">
             <a:avLst/>
@@ -7092,91 +7091,1479 @@
           <a:chExt cx="0" cy="0"/>
         </a:xfrm>
       </p:grpSpPr>
-      <p:sp>
-        <p:nvSpPr>
-          <p:cNvPr id="2" name="Заголовок 1"/>
-          <p:cNvSpPr>
-            <a:spLocks noGrp="1"/>
-          </p:cNvSpPr>
-          <p:nvPr>
-            <p:ph type="title"/>
-          </p:nvPr>
-        </p:nvSpPr>
-        <p:spPr/>
-        <p:txBody>
-          <a:bodyPr/>
-          <a:lstStyle/>
-          <a:p>
-            <a:r>
-              <a:rPr lang="ru-RU" dirty="0" smtClean="0"/>
-              <a:t>Проблематика </a:t>
-            </a:r>
-            <a:endParaRPr lang="ru-RU" dirty="0"/>
-          </a:p>
-        </p:txBody>
-      </p:sp>
-      <p:sp>
-        <p:nvSpPr>
-          <p:cNvPr id="9" name="Объект 2"/>
-          <p:cNvSpPr>
-            <a:spLocks noGrp="1"/>
-          </p:cNvSpPr>
-          <p:nvPr>
-            <p:ph idx="1"/>
-          </p:nvPr>
-        </p:nvSpPr>
-        <p:spPr>
+      <p:grpSp>
+        <p:nvGrpSpPr>
+          <p:cNvPr id="5" name="Группа 4"/>
+          <p:cNvGrpSpPr/>
+          <p:nvPr/>
+        </p:nvGrpSpPr>
+        <p:grpSpPr>
           <a:xfrm>
-            <a:off x="845127" y="1870639"/>
-            <a:ext cx="8023426" cy="2789843"/>
+            <a:off x="2032000" y="719666"/>
+            <a:ext cx="8127999" cy="5418666"/>
+            <a:chOff x="2032000" y="719666"/>
+            <a:chExt cx="8127999" cy="5418666"/>
           </a:xfrm>
-        </p:spPr>
-        <p:txBody>
-          <a:bodyPr>
-            <a:normAutofit/>
-          </a:bodyPr>
-          <a:lstStyle/>
-          <a:p>
-            <a:r>
-              <a:rPr lang="ru-RU" dirty="0" smtClean="0"/>
-              <a:t>Упали </a:t>
-            </a:r>
-            <a:r>
-              <a:rPr lang="ru-RU" dirty="0"/>
-              <a:t>проценты продаж</a:t>
-            </a:r>
-            <a:r>
-              <a:rPr lang="ru-RU" dirty="0" smtClean="0"/>
-              <a:t>?</a:t>
-            </a:r>
-          </a:p>
-          <a:p>
-            <a:r>
-              <a:rPr lang="ru-RU" dirty="0" smtClean="0"/>
-              <a:t>Уменьшился </a:t>
-            </a:r>
-            <a:r>
-              <a:rPr lang="ru-RU" dirty="0"/>
-              <a:t>поток клиентов?</a:t>
-            </a:r>
-          </a:p>
-          <a:p>
-            <a:r>
-              <a:rPr lang="ru-RU" dirty="0"/>
-              <a:t>Необходимо улучшить оказываемые услуги</a:t>
-            </a:r>
-            <a:r>
-              <a:rPr lang="ru-RU" dirty="0" smtClean="0"/>
-              <a:t>?</a:t>
-            </a:r>
-            <a:endParaRPr lang="ru-RU" dirty="0"/>
-          </a:p>
-        </p:txBody>
-      </p:sp>
+          <a:gradFill flip="none" rotWithShape="0">
+            <a:gsLst>
+              <a:gs pos="0">
+                <a:srgbClr val="C33764"/>
+              </a:gs>
+              <a:gs pos="100000">
+                <a:srgbClr val="1D2671"/>
+              </a:gs>
+            </a:gsLst>
+            <a:lin ang="5400000" scaled="1"/>
+            <a:tileRect/>
+          </a:gradFill>
+          <a:effectLst>
+            <a:outerShdw blurRad="50800" dist="76200" dir="8100000" algn="tr" rotWithShape="0">
+              <a:prstClr val="black">
+                <a:alpha val="40000"/>
+              </a:prstClr>
+            </a:outerShdw>
+          </a:effectLst>
+        </p:grpSpPr>
+        <p:sp>
+          <p:nvSpPr>
+            <p:cNvPr id="6" name="Полилиния 5"/>
+            <p:cNvSpPr/>
+            <p:nvPr/>
+          </p:nvSpPr>
+          <p:spPr>
+            <a:xfrm>
+              <a:off x="2032000" y="719666"/>
+              <a:ext cx="6258560" cy="975360"/>
+            </a:xfrm>
+            <a:custGeom>
+              <a:avLst/>
+              <a:gdLst>
+                <a:gd name="connsiteX0" fmla="*/ 0 w 6258560"/>
+                <a:gd name="connsiteY0" fmla="*/ 97536 h 975360"/>
+                <a:gd name="connsiteX1" fmla="*/ 97536 w 6258560"/>
+                <a:gd name="connsiteY1" fmla="*/ 0 h 975360"/>
+                <a:gd name="connsiteX2" fmla="*/ 6161024 w 6258560"/>
+                <a:gd name="connsiteY2" fmla="*/ 0 h 975360"/>
+                <a:gd name="connsiteX3" fmla="*/ 6258560 w 6258560"/>
+                <a:gd name="connsiteY3" fmla="*/ 97536 h 975360"/>
+                <a:gd name="connsiteX4" fmla="*/ 6258560 w 6258560"/>
+                <a:gd name="connsiteY4" fmla="*/ 877824 h 975360"/>
+                <a:gd name="connsiteX5" fmla="*/ 6161024 w 6258560"/>
+                <a:gd name="connsiteY5" fmla="*/ 975360 h 975360"/>
+                <a:gd name="connsiteX6" fmla="*/ 97536 w 6258560"/>
+                <a:gd name="connsiteY6" fmla="*/ 975360 h 975360"/>
+                <a:gd name="connsiteX7" fmla="*/ 0 w 6258560"/>
+                <a:gd name="connsiteY7" fmla="*/ 877824 h 975360"/>
+                <a:gd name="connsiteX8" fmla="*/ 0 w 6258560"/>
+                <a:gd name="connsiteY8" fmla="*/ 97536 h 975360"/>
+              </a:gdLst>
+              <a:ahLst/>
+              <a:cxnLst>
+                <a:cxn ang="0">
+                  <a:pos x="connsiteX0" y="connsiteY0"/>
+                </a:cxn>
+                <a:cxn ang="0">
+                  <a:pos x="connsiteX1" y="connsiteY1"/>
+                </a:cxn>
+                <a:cxn ang="0">
+                  <a:pos x="connsiteX2" y="connsiteY2"/>
+                </a:cxn>
+                <a:cxn ang="0">
+                  <a:pos x="connsiteX3" y="connsiteY3"/>
+                </a:cxn>
+                <a:cxn ang="0">
+                  <a:pos x="connsiteX4" y="connsiteY4"/>
+                </a:cxn>
+                <a:cxn ang="0">
+                  <a:pos x="connsiteX5" y="connsiteY5"/>
+                </a:cxn>
+                <a:cxn ang="0">
+                  <a:pos x="connsiteX6" y="connsiteY6"/>
+                </a:cxn>
+                <a:cxn ang="0">
+                  <a:pos x="connsiteX7" y="connsiteY7"/>
+                </a:cxn>
+                <a:cxn ang="0">
+                  <a:pos x="connsiteX8" y="connsiteY8"/>
+                </a:cxn>
+              </a:cxnLst>
+              <a:rect l="l" t="t" r="r" b="b"/>
+              <a:pathLst>
+                <a:path w="6258560" h="975360">
+                  <a:moveTo>
+                    <a:pt x="0" y="97536"/>
+                  </a:moveTo>
+                  <a:cubicBezTo>
+                    <a:pt x="0" y="43668"/>
+                    <a:pt x="43668" y="0"/>
+                    <a:pt x="97536" y="0"/>
+                  </a:cubicBezTo>
+                  <a:lnTo>
+                    <a:pt x="6161024" y="0"/>
+                  </a:lnTo>
+                  <a:cubicBezTo>
+                    <a:pt x="6214892" y="0"/>
+                    <a:pt x="6258560" y="43668"/>
+                    <a:pt x="6258560" y="97536"/>
+                  </a:cubicBezTo>
+                  <a:lnTo>
+                    <a:pt x="6258560" y="877824"/>
+                  </a:lnTo>
+                  <a:cubicBezTo>
+                    <a:pt x="6258560" y="931692"/>
+                    <a:pt x="6214892" y="975360"/>
+                    <a:pt x="6161024" y="975360"/>
+                  </a:cubicBezTo>
+                  <a:lnTo>
+                    <a:pt x="97536" y="975360"/>
+                  </a:lnTo>
+                  <a:cubicBezTo>
+                    <a:pt x="43668" y="975360"/>
+                    <a:pt x="0" y="931692"/>
+                    <a:pt x="0" y="877824"/>
+                  </a:cubicBezTo>
+                  <a:lnTo>
+                    <a:pt x="0" y="97536"/>
+                  </a:lnTo>
+                  <a:close/>
+                </a:path>
+              </a:pathLst>
+            </a:custGeom>
+            <a:grpFill/>
+          </p:spPr>
+          <p:style>
+            <a:lnRef idx="0">
+              <a:schemeClr val="lt1">
+                <a:hueOff val="0"/>
+                <a:satOff val="0"/>
+                <a:lumOff val="0"/>
+                <a:alphaOff val="0"/>
+              </a:schemeClr>
+            </a:lnRef>
+            <a:fillRef idx="3">
+              <a:scrgbClr r="0" g="0" b="0"/>
+            </a:fillRef>
+            <a:effectRef idx="2">
+              <a:schemeClr val="accent1">
+                <a:hueOff val="0"/>
+                <a:satOff val="0"/>
+                <a:lumOff val="0"/>
+                <a:alphaOff val="0"/>
+              </a:schemeClr>
+            </a:effectRef>
+            <a:fontRef idx="minor">
+              <a:schemeClr val="lt1"/>
+            </a:fontRef>
+          </p:style>
+          <p:txBody>
+            <a:bodyPr spcFirstLastPara="0" vert="horz" wrap="square" lIns="97147" tIns="97147" rIns="1206620" bIns="97147" numCol="1" spcCol="1270" anchor="ctr" anchorCtr="0">
+              <a:noAutofit/>
+            </a:bodyPr>
+            <a:lstStyle/>
+            <a:p>
+              <a:pPr lvl="0" defTabSz="800100">
+                <a:lnSpc>
+                  <a:spcPct val="90000"/>
+                </a:lnSpc>
+                <a:spcBef>
+                  <a:spcPct val="0"/>
+                </a:spcBef>
+                <a:spcAft>
+                  <a:spcPct val="35000"/>
+                </a:spcAft>
+              </a:pPr>
+              <a:r>
+                <a:rPr lang="ru-RU" sz="1800" kern="1200" dirty="0" smtClean="0">
+                  <a:latin typeface="Verdana" charset="0"/>
+                  <a:ea typeface="Verdana" charset="0"/>
+                  <a:cs typeface="Verdana" charset="0"/>
+                </a:rPr>
+                <a:t>Сложность </a:t>
+              </a:r>
+              <a:r>
+                <a:rPr lang="ru-RU" dirty="0" smtClean="0">
+                  <a:latin typeface="Verdana" charset="0"/>
+                  <a:ea typeface="Verdana" charset="0"/>
+                  <a:cs typeface="Verdana" charset="0"/>
+                </a:rPr>
+                <a:t>ведения демографического </a:t>
+              </a:r>
+              <a:r>
+                <a:rPr lang="ru-RU" sz="1800" kern="1200" dirty="0" smtClean="0">
+                  <a:latin typeface="Verdana" charset="0"/>
+                  <a:ea typeface="Verdana" charset="0"/>
+                  <a:cs typeface="Verdana" charset="0"/>
+                </a:rPr>
+                <a:t>анализа </a:t>
+              </a:r>
+              <a:r>
+                <a:rPr lang="ru-RU" sz="1800" kern="1200" dirty="0" smtClean="0">
+                  <a:latin typeface="Verdana" charset="0"/>
+                  <a:ea typeface="Verdana" charset="0"/>
+                  <a:cs typeface="Verdana" charset="0"/>
+                </a:rPr>
+                <a:t>целевой аудитории по видеоданным </a:t>
+              </a:r>
+              <a:endParaRPr lang="ru-RU" sz="1800" kern="1200" dirty="0">
+                <a:latin typeface="Verdana" charset="0"/>
+                <a:ea typeface="Verdana" charset="0"/>
+                <a:cs typeface="Verdana" charset="0"/>
+              </a:endParaRPr>
+            </a:p>
+          </p:txBody>
+        </p:sp>
+        <p:sp>
+          <p:nvSpPr>
+            <p:cNvPr id="7" name="Полилиния 6"/>
+            <p:cNvSpPr/>
+            <p:nvPr/>
+          </p:nvSpPr>
+          <p:spPr>
+            <a:xfrm>
+              <a:off x="2499360" y="1830492"/>
+              <a:ext cx="6258560" cy="975360"/>
+            </a:xfrm>
+            <a:custGeom>
+              <a:avLst/>
+              <a:gdLst>
+                <a:gd name="connsiteX0" fmla="*/ 0 w 6258560"/>
+                <a:gd name="connsiteY0" fmla="*/ 97536 h 975360"/>
+                <a:gd name="connsiteX1" fmla="*/ 97536 w 6258560"/>
+                <a:gd name="connsiteY1" fmla="*/ 0 h 975360"/>
+                <a:gd name="connsiteX2" fmla="*/ 6161024 w 6258560"/>
+                <a:gd name="connsiteY2" fmla="*/ 0 h 975360"/>
+                <a:gd name="connsiteX3" fmla="*/ 6258560 w 6258560"/>
+                <a:gd name="connsiteY3" fmla="*/ 97536 h 975360"/>
+                <a:gd name="connsiteX4" fmla="*/ 6258560 w 6258560"/>
+                <a:gd name="connsiteY4" fmla="*/ 877824 h 975360"/>
+                <a:gd name="connsiteX5" fmla="*/ 6161024 w 6258560"/>
+                <a:gd name="connsiteY5" fmla="*/ 975360 h 975360"/>
+                <a:gd name="connsiteX6" fmla="*/ 97536 w 6258560"/>
+                <a:gd name="connsiteY6" fmla="*/ 975360 h 975360"/>
+                <a:gd name="connsiteX7" fmla="*/ 0 w 6258560"/>
+                <a:gd name="connsiteY7" fmla="*/ 877824 h 975360"/>
+                <a:gd name="connsiteX8" fmla="*/ 0 w 6258560"/>
+                <a:gd name="connsiteY8" fmla="*/ 97536 h 975360"/>
+              </a:gdLst>
+              <a:ahLst/>
+              <a:cxnLst>
+                <a:cxn ang="0">
+                  <a:pos x="connsiteX0" y="connsiteY0"/>
+                </a:cxn>
+                <a:cxn ang="0">
+                  <a:pos x="connsiteX1" y="connsiteY1"/>
+                </a:cxn>
+                <a:cxn ang="0">
+                  <a:pos x="connsiteX2" y="connsiteY2"/>
+                </a:cxn>
+                <a:cxn ang="0">
+                  <a:pos x="connsiteX3" y="connsiteY3"/>
+                </a:cxn>
+                <a:cxn ang="0">
+                  <a:pos x="connsiteX4" y="connsiteY4"/>
+                </a:cxn>
+                <a:cxn ang="0">
+                  <a:pos x="connsiteX5" y="connsiteY5"/>
+                </a:cxn>
+                <a:cxn ang="0">
+                  <a:pos x="connsiteX6" y="connsiteY6"/>
+                </a:cxn>
+                <a:cxn ang="0">
+                  <a:pos x="connsiteX7" y="connsiteY7"/>
+                </a:cxn>
+                <a:cxn ang="0">
+                  <a:pos x="connsiteX8" y="connsiteY8"/>
+                </a:cxn>
+              </a:cxnLst>
+              <a:rect l="l" t="t" r="r" b="b"/>
+              <a:pathLst>
+                <a:path w="6258560" h="975360">
+                  <a:moveTo>
+                    <a:pt x="0" y="97536"/>
+                  </a:moveTo>
+                  <a:cubicBezTo>
+                    <a:pt x="0" y="43668"/>
+                    <a:pt x="43668" y="0"/>
+                    <a:pt x="97536" y="0"/>
+                  </a:cubicBezTo>
+                  <a:lnTo>
+                    <a:pt x="6161024" y="0"/>
+                  </a:lnTo>
+                  <a:cubicBezTo>
+                    <a:pt x="6214892" y="0"/>
+                    <a:pt x="6258560" y="43668"/>
+                    <a:pt x="6258560" y="97536"/>
+                  </a:cubicBezTo>
+                  <a:lnTo>
+                    <a:pt x="6258560" y="877824"/>
+                  </a:lnTo>
+                  <a:cubicBezTo>
+                    <a:pt x="6258560" y="931692"/>
+                    <a:pt x="6214892" y="975360"/>
+                    <a:pt x="6161024" y="975360"/>
+                  </a:cubicBezTo>
+                  <a:lnTo>
+                    <a:pt x="97536" y="975360"/>
+                  </a:lnTo>
+                  <a:cubicBezTo>
+                    <a:pt x="43668" y="975360"/>
+                    <a:pt x="0" y="931692"/>
+                    <a:pt x="0" y="877824"/>
+                  </a:cubicBezTo>
+                  <a:lnTo>
+                    <a:pt x="0" y="97536"/>
+                  </a:lnTo>
+                  <a:close/>
+                </a:path>
+              </a:pathLst>
+            </a:custGeom>
+            <a:grpFill/>
+          </p:spPr>
+          <p:style>
+            <a:lnRef idx="0">
+              <a:schemeClr val="lt1">
+                <a:hueOff val="0"/>
+                <a:satOff val="0"/>
+                <a:lumOff val="0"/>
+                <a:alphaOff val="0"/>
+              </a:schemeClr>
+            </a:lnRef>
+            <a:fillRef idx="3">
+              <a:scrgbClr r="0" g="0" b="0"/>
+            </a:fillRef>
+            <a:effectRef idx="2">
+              <a:schemeClr val="accent1">
+                <a:hueOff val="0"/>
+                <a:satOff val="0"/>
+                <a:lumOff val="0"/>
+                <a:alphaOff val="0"/>
+              </a:schemeClr>
+            </a:effectRef>
+            <a:fontRef idx="minor">
+              <a:schemeClr val="lt1"/>
+            </a:fontRef>
+          </p:style>
+          <p:txBody>
+            <a:bodyPr spcFirstLastPara="0" vert="horz" wrap="square" lIns="97147" tIns="97147" rIns="1198492" bIns="97147" numCol="1" spcCol="1270" anchor="ctr" anchorCtr="0">
+              <a:noAutofit/>
+            </a:bodyPr>
+            <a:lstStyle/>
+            <a:p>
+              <a:pPr lvl="0" algn="l" defTabSz="800100">
+                <a:lnSpc>
+                  <a:spcPct val="90000"/>
+                </a:lnSpc>
+                <a:spcBef>
+                  <a:spcPct val="0"/>
+                </a:spcBef>
+                <a:spcAft>
+                  <a:spcPct val="35000"/>
+                </a:spcAft>
+              </a:pPr>
+              <a:r>
+                <a:rPr lang="ru-RU" sz="1800" kern="1200" dirty="0" smtClean="0">
+                  <a:latin typeface="Verdana" charset="0"/>
+                  <a:ea typeface="Verdana" charset="0"/>
+                  <a:cs typeface="Verdana" charset="0"/>
+                </a:rPr>
+                <a:t>Потеря большого количества важных статистических данных</a:t>
+              </a:r>
+              <a:endParaRPr lang="ru-RU" sz="1800" kern="1200" dirty="0">
+                <a:latin typeface="Verdana" charset="0"/>
+                <a:ea typeface="Verdana" charset="0"/>
+                <a:cs typeface="Verdana" charset="0"/>
+              </a:endParaRPr>
+            </a:p>
+          </p:txBody>
+        </p:sp>
+        <p:sp>
+          <p:nvSpPr>
+            <p:cNvPr id="8" name="Полилиния 7"/>
+            <p:cNvSpPr/>
+            <p:nvPr/>
+          </p:nvSpPr>
+          <p:spPr>
+            <a:xfrm>
+              <a:off x="2966719" y="2941319"/>
+              <a:ext cx="6258560" cy="975360"/>
+            </a:xfrm>
+            <a:custGeom>
+              <a:avLst/>
+              <a:gdLst>
+                <a:gd name="connsiteX0" fmla="*/ 0 w 6258560"/>
+                <a:gd name="connsiteY0" fmla="*/ 97536 h 975360"/>
+                <a:gd name="connsiteX1" fmla="*/ 97536 w 6258560"/>
+                <a:gd name="connsiteY1" fmla="*/ 0 h 975360"/>
+                <a:gd name="connsiteX2" fmla="*/ 6161024 w 6258560"/>
+                <a:gd name="connsiteY2" fmla="*/ 0 h 975360"/>
+                <a:gd name="connsiteX3" fmla="*/ 6258560 w 6258560"/>
+                <a:gd name="connsiteY3" fmla="*/ 97536 h 975360"/>
+                <a:gd name="connsiteX4" fmla="*/ 6258560 w 6258560"/>
+                <a:gd name="connsiteY4" fmla="*/ 877824 h 975360"/>
+                <a:gd name="connsiteX5" fmla="*/ 6161024 w 6258560"/>
+                <a:gd name="connsiteY5" fmla="*/ 975360 h 975360"/>
+                <a:gd name="connsiteX6" fmla="*/ 97536 w 6258560"/>
+                <a:gd name="connsiteY6" fmla="*/ 975360 h 975360"/>
+                <a:gd name="connsiteX7" fmla="*/ 0 w 6258560"/>
+                <a:gd name="connsiteY7" fmla="*/ 877824 h 975360"/>
+                <a:gd name="connsiteX8" fmla="*/ 0 w 6258560"/>
+                <a:gd name="connsiteY8" fmla="*/ 97536 h 975360"/>
+              </a:gdLst>
+              <a:ahLst/>
+              <a:cxnLst>
+                <a:cxn ang="0">
+                  <a:pos x="connsiteX0" y="connsiteY0"/>
+                </a:cxn>
+                <a:cxn ang="0">
+                  <a:pos x="connsiteX1" y="connsiteY1"/>
+                </a:cxn>
+                <a:cxn ang="0">
+                  <a:pos x="connsiteX2" y="connsiteY2"/>
+                </a:cxn>
+                <a:cxn ang="0">
+                  <a:pos x="connsiteX3" y="connsiteY3"/>
+                </a:cxn>
+                <a:cxn ang="0">
+                  <a:pos x="connsiteX4" y="connsiteY4"/>
+                </a:cxn>
+                <a:cxn ang="0">
+                  <a:pos x="connsiteX5" y="connsiteY5"/>
+                </a:cxn>
+                <a:cxn ang="0">
+                  <a:pos x="connsiteX6" y="connsiteY6"/>
+                </a:cxn>
+                <a:cxn ang="0">
+                  <a:pos x="connsiteX7" y="connsiteY7"/>
+                </a:cxn>
+                <a:cxn ang="0">
+                  <a:pos x="connsiteX8" y="connsiteY8"/>
+                </a:cxn>
+              </a:cxnLst>
+              <a:rect l="l" t="t" r="r" b="b"/>
+              <a:pathLst>
+                <a:path w="6258560" h="975360">
+                  <a:moveTo>
+                    <a:pt x="0" y="97536"/>
+                  </a:moveTo>
+                  <a:cubicBezTo>
+                    <a:pt x="0" y="43668"/>
+                    <a:pt x="43668" y="0"/>
+                    <a:pt x="97536" y="0"/>
+                  </a:cubicBezTo>
+                  <a:lnTo>
+                    <a:pt x="6161024" y="0"/>
+                  </a:lnTo>
+                  <a:cubicBezTo>
+                    <a:pt x="6214892" y="0"/>
+                    <a:pt x="6258560" y="43668"/>
+                    <a:pt x="6258560" y="97536"/>
+                  </a:cubicBezTo>
+                  <a:lnTo>
+                    <a:pt x="6258560" y="877824"/>
+                  </a:lnTo>
+                  <a:cubicBezTo>
+                    <a:pt x="6258560" y="931692"/>
+                    <a:pt x="6214892" y="975360"/>
+                    <a:pt x="6161024" y="975360"/>
+                  </a:cubicBezTo>
+                  <a:lnTo>
+                    <a:pt x="97536" y="975360"/>
+                  </a:lnTo>
+                  <a:cubicBezTo>
+                    <a:pt x="43668" y="975360"/>
+                    <a:pt x="0" y="931692"/>
+                    <a:pt x="0" y="877824"/>
+                  </a:cubicBezTo>
+                  <a:lnTo>
+                    <a:pt x="0" y="97536"/>
+                  </a:lnTo>
+                  <a:close/>
+                </a:path>
+              </a:pathLst>
+            </a:custGeom>
+            <a:grpFill/>
+          </p:spPr>
+          <p:style>
+            <a:lnRef idx="0">
+              <a:schemeClr val="lt1">
+                <a:hueOff val="0"/>
+                <a:satOff val="0"/>
+                <a:lumOff val="0"/>
+                <a:alphaOff val="0"/>
+              </a:schemeClr>
+            </a:lnRef>
+            <a:fillRef idx="3">
+              <a:scrgbClr r="0" g="0" b="0"/>
+            </a:fillRef>
+            <a:effectRef idx="2">
+              <a:schemeClr val="accent1">
+                <a:hueOff val="0"/>
+                <a:satOff val="0"/>
+                <a:lumOff val="0"/>
+                <a:alphaOff val="0"/>
+              </a:schemeClr>
+            </a:effectRef>
+            <a:fontRef idx="minor">
+              <a:schemeClr val="lt1"/>
+            </a:fontRef>
+          </p:style>
+          <p:txBody>
+            <a:bodyPr spcFirstLastPara="0" vert="horz" wrap="square" lIns="97147" tIns="97147" rIns="1198492" bIns="97147" numCol="1" spcCol="1270" anchor="ctr" anchorCtr="0">
+              <a:noAutofit/>
+            </a:bodyPr>
+            <a:lstStyle/>
+            <a:p>
+              <a:pPr lvl="0" algn="l" defTabSz="800100">
+                <a:lnSpc>
+                  <a:spcPct val="90000"/>
+                </a:lnSpc>
+                <a:spcBef>
+                  <a:spcPct val="0"/>
+                </a:spcBef>
+                <a:spcAft>
+                  <a:spcPct val="35000"/>
+                </a:spcAft>
+              </a:pPr>
+              <a:r>
+                <a:rPr lang="ru-RU" sz="1800" kern="1200" dirty="0" smtClean="0">
+                  <a:latin typeface="Verdana" charset="0"/>
+                  <a:ea typeface="Verdana" charset="0"/>
+                  <a:cs typeface="Verdana" charset="0"/>
+                </a:rPr>
+                <a:t>Невозможность обеспечения количественного и/или качественного уровня предоставления услуг</a:t>
+              </a:r>
+              <a:endParaRPr lang="ru-RU" sz="1800" kern="1200" dirty="0">
+                <a:latin typeface="Verdana" charset="0"/>
+                <a:ea typeface="Verdana" charset="0"/>
+                <a:cs typeface="Verdana" charset="0"/>
+              </a:endParaRPr>
+            </a:p>
+          </p:txBody>
+        </p:sp>
+        <p:sp>
+          <p:nvSpPr>
+            <p:cNvPr id="9" name="Полилиния 8"/>
+            <p:cNvSpPr/>
+            <p:nvPr/>
+          </p:nvSpPr>
+          <p:spPr>
+            <a:xfrm>
+              <a:off x="3434079" y="4052146"/>
+              <a:ext cx="6258560" cy="975360"/>
+            </a:xfrm>
+            <a:custGeom>
+              <a:avLst/>
+              <a:gdLst>
+                <a:gd name="connsiteX0" fmla="*/ 0 w 6258560"/>
+                <a:gd name="connsiteY0" fmla="*/ 97536 h 975360"/>
+                <a:gd name="connsiteX1" fmla="*/ 97536 w 6258560"/>
+                <a:gd name="connsiteY1" fmla="*/ 0 h 975360"/>
+                <a:gd name="connsiteX2" fmla="*/ 6161024 w 6258560"/>
+                <a:gd name="connsiteY2" fmla="*/ 0 h 975360"/>
+                <a:gd name="connsiteX3" fmla="*/ 6258560 w 6258560"/>
+                <a:gd name="connsiteY3" fmla="*/ 97536 h 975360"/>
+                <a:gd name="connsiteX4" fmla="*/ 6258560 w 6258560"/>
+                <a:gd name="connsiteY4" fmla="*/ 877824 h 975360"/>
+                <a:gd name="connsiteX5" fmla="*/ 6161024 w 6258560"/>
+                <a:gd name="connsiteY5" fmla="*/ 975360 h 975360"/>
+                <a:gd name="connsiteX6" fmla="*/ 97536 w 6258560"/>
+                <a:gd name="connsiteY6" fmla="*/ 975360 h 975360"/>
+                <a:gd name="connsiteX7" fmla="*/ 0 w 6258560"/>
+                <a:gd name="connsiteY7" fmla="*/ 877824 h 975360"/>
+                <a:gd name="connsiteX8" fmla="*/ 0 w 6258560"/>
+                <a:gd name="connsiteY8" fmla="*/ 97536 h 975360"/>
+              </a:gdLst>
+              <a:ahLst/>
+              <a:cxnLst>
+                <a:cxn ang="0">
+                  <a:pos x="connsiteX0" y="connsiteY0"/>
+                </a:cxn>
+                <a:cxn ang="0">
+                  <a:pos x="connsiteX1" y="connsiteY1"/>
+                </a:cxn>
+                <a:cxn ang="0">
+                  <a:pos x="connsiteX2" y="connsiteY2"/>
+                </a:cxn>
+                <a:cxn ang="0">
+                  <a:pos x="connsiteX3" y="connsiteY3"/>
+                </a:cxn>
+                <a:cxn ang="0">
+                  <a:pos x="connsiteX4" y="connsiteY4"/>
+                </a:cxn>
+                <a:cxn ang="0">
+                  <a:pos x="connsiteX5" y="connsiteY5"/>
+                </a:cxn>
+                <a:cxn ang="0">
+                  <a:pos x="connsiteX6" y="connsiteY6"/>
+                </a:cxn>
+                <a:cxn ang="0">
+                  <a:pos x="connsiteX7" y="connsiteY7"/>
+                </a:cxn>
+                <a:cxn ang="0">
+                  <a:pos x="connsiteX8" y="connsiteY8"/>
+                </a:cxn>
+              </a:cxnLst>
+              <a:rect l="l" t="t" r="r" b="b"/>
+              <a:pathLst>
+                <a:path w="6258560" h="975360">
+                  <a:moveTo>
+                    <a:pt x="0" y="97536"/>
+                  </a:moveTo>
+                  <a:cubicBezTo>
+                    <a:pt x="0" y="43668"/>
+                    <a:pt x="43668" y="0"/>
+                    <a:pt x="97536" y="0"/>
+                  </a:cubicBezTo>
+                  <a:lnTo>
+                    <a:pt x="6161024" y="0"/>
+                  </a:lnTo>
+                  <a:cubicBezTo>
+                    <a:pt x="6214892" y="0"/>
+                    <a:pt x="6258560" y="43668"/>
+                    <a:pt x="6258560" y="97536"/>
+                  </a:cubicBezTo>
+                  <a:lnTo>
+                    <a:pt x="6258560" y="877824"/>
+                  </a:lnTo>
+                  <a:cubicBezTo>
+                    <a:pt x="6258560" y="931692"/>
+                    <a:pt x="6214892" y="975360"/>
+                    <a:pt x="6161024" y="975360"/>
+                  </a:cubicBezTo>
+                  <a:lnTo>
+                    <a:pt x="97536" y="975360"/>
+                  </a:lnTo>
+                  <a:cubicBezTo>
+                    <a:pt x="43668" y="975360"/>
+                    <a:pt x="0" y="931692"/>
+                    <a:pt x="0" y="877824"/>
+                  </a:cubicBezTo>
+                  <a:lnTo>
+                    <a:pt x="0" y="97536"/>
+                  </a:lnTo>
+                  <a:close/>
+                </a:path>
+              </a:pathLst>
+            </a:custGeom>
+            <a:grpFill/>
+          </p:spPr>
+          <p:style>
+            <a:lnRef idx="0">
+              <a:schemeClr val="lt1">
+                <a:hueOff val="0"/>
+                <a:satOff val="0"/>
+                <a:lumOff val="0"/>
+                <a:alphaOff val="0"/>
+              </a:schemeClr>
+            </a:lnRef>
+            <a:fillRef idx="3">
+              <a:scrgbClr r="0" g="0" b="0"/>
+            </a:fillRef>
+            <a:effectRef idx="2">
+              <a:schemeClr val="accent1">
+                <a:hueOff val="0"/>
+                <a:satOff val="0"/>
+                <a:lumOff val="0"/>
+                <a:alphaOff val="0"/>
+              </a:schemeClr>
+            </a:effectRef>
+            <a:fontRef idx="minor">
+              <a:schemeClr val="lt1"/>
+            </a:fontRef>
+          </p:style>
+          <p:txBody>
+            <a:bodyPr spcFirstLastPara="0" vert="horz" wrap="square" lIns="97147" tIns="97147" rIns="1198492" bIns="97147" numCol="1" spcCol="1270" anchor="ctr" anchorCtr="0">
+              <a:noAutofit/>
+            </a:bodyPr>
+            <a:lstStyle/>
+            <a:p>
+              <a:pPr lvl="0" algn="l" defTabSz="800100">
+                <a:lnSpc>
+                  <a:spcPct val="90000"/>
+                </a:lnSpc>
+                <a:spcBef>
+                  <a:spcPct val="0"/>
+                </a:spcBef>
+                <a:spcAft>
+                  <a:spcPct val="35000"/>
+                </a:spcAft>
+              </a:pPr>
+              <a:r>
+                <a:rPr lang="ru-RU" sz="1800" kern="1200" dirty="0" smtClean="0">
+                  <a:latin typeface="Verdana" charset="0"/>
+                  <a:ea typeface="Verdana" charset="0"/>
+                  <a:cs typeface="Verdana" charset="0"/>
+                </a:rPr>
+                <a:t>Потеря доверия со стороны целевой аудитории</a:t>
+              </a:r>
+              <a:endParaRPr lang="ru-RU" sz="1800" kern="1200" dirty="0">
+                <a:latin typeface="Verdana" charset="0"/>
+                <a:ea typeface="Verdana" charset="0"/>
+                <a:cs typeface="Verdana" charset="0"/>
+              </a:endParaRPr>
+            </a:p>
+          </p:txBody>
+        </p:sp>
+        <p:sp>
+          <p:nvSpPr>
+            <p:cNvPr id="10" name="Полилиния 9"/>
+            <p:cNvSpPr/>
+            <p:nvPr/>
+          </p:nvSpPr>
+          <p:spPr>
+            <a:xfrm>
+              <a:off x="3901439" y="5162972"/>
+              <a:ext cx="6258560" cy="975360"/>
+            </a:xfrm>
+            <a:custGeom>
+              <a:avLst/>
+              <a:gdLst>
+                <a:gd name="connsiteX0" fmla="*/ 0 w 6258560"/>
+                <a:gd name="connsiteY0" fmla="*/ 97536 h 975360"/>
+                <a:gd name="connsiteX1" fmla="*/ 97536 w 6258560"/>
+                <a:gd name="connsiteY1" fmla="*/ 0 h 975360"/>
+                <a:gd name="connsiteX2" fmla="*/ 6161024 w 6258560"/>
+                <a:gd name="connsiteY2" fmla="*/ 0 h 975360"/>
+                <a:gd name="connsiteX3" fmla="*/ 6258560 w 6258560"/>
+                <a:gd name="connsiteY3" fmla="*/ 97536 h 975360"/>
+                <a:gd name="connsiteX4" fmla="*/ 6258560 w 6258560"/>
+                <a:gd name="connsiteY4" fmla="*/ 877824 h 975360"/>
+                <a:gd name="connsiteX5" fmla="*/ 6161024 w 6258560"/>
+                <a:gd name="connsiteY5" fmla="*/ 975360 h 975360"/>
+                <a:gd name="connsiteX6" fmla="*/ 97536 w 6258560"/>
+                <a:gd name="connsiteY6" fmla="*/ 975360 h 975360"/>
+                <a:gd name="connsiteX7" fmla="*/ 0 w 6258560"/>
+                <a:gd name="connsiteY7" fmla="*/ 877824 h 975360"/>
+                <a:gd name="connsiteX8" fmla="*/ 0 w 6258560"/>
+                <a:gd name="connsiteY8" fmla="*/ 97536 h 975360"/>
+              </a:gdLst>
+              <a:ahLst/>
+              <a:cxnLst>
+                <a:cxn ang="0">
+                  <a:pos x="connsiteX0" y="connsiteY0"/>
+                </a:cxn>
+                <a:cxn ang="0">
+                  <a:pos x="connsiteX1" y="connsiteY1"/>
+                </a:cxn>
+                <a:cxn ang="0">
+                  <a:pos x="connsiteX2" y="connsiteY2"/>
+                </a:cxn>
+                <a:cxn ang="0">
+                  <a:pos x="connsiteX3" y="connsiteY3"/>
+                </a:cxn>
+                <a:cxn ang="0">
+                  <a:pos x="connsiteX4" y="connsiteY4"/>
+                </a:cxn>
+                <a:cxn ang="0">
+                  <a:pos x="connsiteX5" y="connsiteY5"/>
+                </a:cxn>
+                <a:cxn ang="0">
+                  <a:pos x="connsiteX6" y="connsiteY6"/>
+                </a:cxn>
+                <a:cxn ang="0">
+                  <a:pos x="connsiteX7" y="connsiteY7"/>
+                </a:cxn>
+                <a:cxn ang="0">
+                  <a:pos x="connsiteX8" y="connsiteY8"/>
+                </a:cxn>
+              </a:cxnLst>
+              <a:rect l="l" t="t" r="r" b="b"/>
+              <a:pathLst>
+                <a:path w="6258560" h="975360">
+                  <a:moveTo>
+                    <a:pt x="0" y="97536"/>
+                  </a:moveTo>
+                  <a:cubicBezTo>
+                    <a:pt x="0" y="43668"/>
+                    <a:pt x="43668" y="0"/>
+                    <a:pt x="97536" y="0"/>
+                  </a:cubicBezTo>
+                  <a:lnTo>
+                    <a:pt x="6161024" y="0"/>
+                  </a:lnTo>
+                  <a:cubicBezTo>
+                    <a:pt x="6214892" y="0"/>
+                    <a:pt x="6258560" y="43668"/>
+                    <a:pt x="6258560" y="97536"/>
+                  </a:cubicBezTo>
+                  <a:lnTo>
+                    <a:pt x="6258560" y="877824"/>
+                  </a:lnTo>
+                  <a:cubicBezTo>
+                    <a:pt x="6258560" y="931692"/>
+                    <a:pt x="6214892" y="975360"/>
+                    <a:pt x="6161024" y="975360"/>
+                  </a:cubicBezTo>
+                  <a:lnTo>
+                    <a:pt x="97536" y="975360"/>
+                  </a:lnTo>
+                  <a:cubicBezTo>
+                    <a:pt x="43668" y="975360"/>
+                    <a:pt x="0" y="931692"/>
+                    <a:pt x="0" y="877824"/>
+                  </a:cubicBezTo>
+                  <a:lnTo>
+                    <a:pt x="0" y="97536"/>
+                  </a:lnTo>
+                  <a:close/>
+                </a:path>
+              </a:pathLst>
+            </a:custGeom>
+            <a:grpFill/>
+          </p:spPr>
+          <p:style>
+            <a:lnRef idx="0">
+              <a:schemeClr val="lt1">
+                <a:hueOff val="0"/>
+                <a:satOff val="0"/>
+                <a:lumOff val="0"/>
+                <a:alphaOff val="0"/>
+              </a:schemeClr>
+            </a:lnRef>
+            <a:fillRef idx="3">
+              <a:scrgbClr r="0" g="0" b="0"/>
+            </a:fillRef>
+            <a:effectRef idx="2">
+              <a:schemeClr val="accent1">
+                <a:hueOff val="0"/>
+                <a:satOff val="0"/>
+                <a:lumOff val="0"/>
+                <a:alphaOff val="0"/>
+              </a:schemeClr>
+            </a:effectRef>
+            <a:fontRef idx="minor">
+              <a:schemeClr val="lt1"/>
+            </a:fontRef>
+          </p:style>
+          <p:txBody>
+            <a:bodyPr spcFirstLastPara="0" vert="horz" wrap="square" lIns="97147" tIns="97147" rIns="1198492" bIns="97147" numCol="1" spcCol="1270" anchor="ctr" anchorCtr="0">
+              <a:noAutofit/>
+            </a:bodyPr>
+            <a:lstStyle/>
+            <a:p>
+              <a:pPr lvl="0" algn="l" defTabSz="800100">
+                <a:lnSpc>
+                  <a:spcPct val="90000"/>
+                </a:lnSpc>
+                <a:spcBef>
+                  <a:spcPct val="0"/>
+                </a:spcBef>
+                <a:spcAft>
+                  <a:spcPct val="35000"/>
+                </a:spcAft>
+              </a:pPr>
+              <a:r>
+                <a:rPr lang="ru-RU" sz="1800" kern="1200" dirty="0" smtClean="0">
+                  <a:latin typeface="Verdana" charset="0"/>
+                  <a:ea typeface="Verdana" charset="0"/>
+                  <a:cs typeface="Verdana" charset="0"/>
+                </a:rPr>
+                <a:t>Уменьшение прибыли</a:t>
+              </a:r>
+            </a:p>
+          </p:txBody>
+        </p:sp>
+        <p:sp>
+          <p:nvSpPr>
+            <p:cNvPr id="11" name="Полилиния 10"/>
+            <p:cNvSpPr/>
+            <p:nvPr/>
+          </p:nvSpPr>
+          <p:spPr>
+            <a:xfrm>
+              <a:off x="7656575" y="1432220"/>
+              <a:ext cx="633984" cy="633984"/>
+            </a:xfrm>
+            <a:custGeom>
+              <a:avLst/>
+              <a:gdLst>
+                <a:gd name="connsiteX0" fmla="*/ 0 w 633984"/>
+                <a:gd name="connsiteY0" fmla="*/ 348691 h 633984"/>
+                <a:gd name="connsiteX1" fmla="*/ 142646 w 633984"/>
+                <a:gd name="connsiteY1" fmla="*/ 348691 h 633984"/>
+                <a:gd name="connsiteX2" fmla="*/ 142646 w 633984"/>
+                <a:gd name="connsiteY2" fmla="*/ 0 h 633984"/>
+                <a:gd name="connsiteX3" fmla="*/ 491338 w 633984"/>
+                <a:gd name="connsiteY3" fmla="*/ 0 h 633984"/>
+                <a:gd name="connsiteX4" fmla="*/ 491338 w 633984"/>
+                <a:gd name="connsiteY4" fmla="*/ 348691 h 633984"/>
+                <a:gd name="connsiteX5" fmla="*/ 633984 w 633984"/>
+                <a:gd name="connsiteY5" fmla="*/ 348691 h 633984"/>
+                <a:gd name="connsiteX6" fmla="*/ 316992 w 633984"/>
+                <a:gd name="connsiteY6" fmla="*/ 633984 h 633984"/>
+                <a:gd name="connsiteX7" fmla="*/ 0 w 633984"/>
+                <a:gd name="connsiteY7" fmla="*/ 348691 h 633984"/>
+              </a:gdLst>
+              <a:ahLst/>
+              <a:cxnLst>
+                <a:cxn ang="0">
+                  <a:pos x="connsiteX0" y="connsiteY0"/>
+                </a:cxn>
+                <a:cxn ang="0">
+                  <a:pos x="connsiteX1" y="connsiteY1"/>
+                </a:cxn>
+                <a:cxn ang="0">
+                  <a:pos x="connsiteX2" y="connsiteY2"/>
+                </a:cxn>
+                <a:cxn ang="0">
+                  <a:pos x="connsiteX3" y="connsiteY3"/>
+                </a:cxn>
+                <a:cxn ang="0">
+                  <a:pos x="connsiteX4" y="connsiteY4"/>
+                </a:cxn>
+                <a:cxn ang="0">
+                  <a:pos x="connsiteX5" y="connsiteY5"/>
+                </a:cxn>
+                <a:cxn ang="0">
+                  <a:pos x="connsiteX6" y="connsiteY6"/>
+                </a:cxn>
+                <a:cxn ang="0">
+                  <a:pos x="connsiteX7" y="connsiteY7"/>
+                </a:cxn>
+              </a:cxnLst>
+              <a:rect l="l" t="t" r="r" b="b"/>
+              <a:pathLst>
+                <a:path w="633984" h="633984">
+                  <a:moveTo>
+                    <a:pt x="0" y="348691"/>
+                  </a:moveTo>
+                  <a:lnTo>
+                    <a:pt x="142646" y="348691"/>
+                  </a:lnTo>
+                  <a:lnTo>
+                    <a:pt x="142646" y="0"/>
+                  </a:lnTo>
+                  <a:lnTo>
+                    <a:pt x="491338" y="0"/>
+                  </a:lnTo>
+                  <a:lnTo>
+                    <a:pt x="491338" y="348691"/>
+                  </a:lnTo>
+                  <a:lnTo>
+                    <a:pt x="633984" y="348691"/>
+                  </a:lnTo>
+                  <a:lnTo>
+                    <a:pt x="316992" y="633984"/>
+                  </a:lnTo>
+                  <a:lnTo>
+                    <a:pt x="0" y="348691"/>
+                  </a:lnTo>
+                  <a:close/>
+                </a:path>
+              </a:pathLst>
+            </a:custGeom>
+            <a:grpFill/>
+          </p:spPr>
+          <p:style>
+            <a:lnRef idx="1">
+              <a:schemeClr val="accent1">
+                <a:alpha val="90000"/>
+                <a:tint val="40000"/>
+                <a:hueOff val="0"/>
+                <a:satOff val="0"/>
+                <a:lumOff val="0"/>
+                <a:alphaOff val="0"/>
+              </a:schemeClr>
+            </a:lnRef>
+            <a:fillRef idx="1">
+              <a:scrgbClr r="0" g="0" b="0"/>
+            </a:fillRef>
+            <a:effectRef idx="0">
+              <a:schemeClr val="accent1">
+                <a:alpha val="90000"/>
+                <a:tint val="40000"/>
+                <a:hueOff val="0"/>
+                <a:satOff val="0"/>
+                <a:lumOff val="0"/>
+                <a:alphaOff val="0"/>
+              </a:schemeClr>
+            </a:effectRef>
+            <a:fontRef idx="minor">
+              <a:schemeClr val="dk1">
+                <a:hueOff val="0"/>
+                <a:satOff val="0"/>
+                <a:lumOff val="0"/>
+                <a:alphaOff val="0"/>
+              </a:schemeClr>
+            </a:fontRef>
+          </p:style>
+          <p:txBody>
+            <a:bodyPr spcFirstLastPara="0" vert="horz" wrap="square" lIns="178206" tIns="35560" rIns="178206" bIns="192471" numCol="1" spcCol="1270" anchor="ctr" anchorCtr="0">
+              <a:noAutofit/>
+            </a:bodyPr>
+            <a:lstStyle/>
+            <a:p>
+              <a:pPr lvl="0" algn="ctr" defTabSz="1244600">
+                <a:lnSpc>
+                  <a:spcPct val="90000"/>
+                </a:lnSpc>
+                <a:spcBef>
+                  <a:spcPct val="0"/>
+                </a:spcBef>
+                <a:spcAft>
+                  <a:spcPct val="35000"/>
+                </a:spcAft>
+              </a:pPr>
+              <a:endParaRPr lang="ru-RU" sz="2800" kern="1200">
+                <a:latin typeface="Verdana" charset="0"/>
+                <a:ea typeface="Verdana" charset="0"/>
+                <a:cs typeface="Verdana" charset="0"/>
+              </a:endParaRPr>
+            </a:p>
+          </p:txBody>
+        </p:sp>
+        <p:sp>
+          <p:nvSpPr>
+            <p:cNvPr id="12" name="Полилиния 11"/>
+            <p:cNvSpPr/>
+            <p:nvPr/>
+          </p:nvSpPr>
+          <p:spPr>
+            <a:xfrm>
+              <a:off x="8123935" y="2543047"/>
+              <a:ext cx="633984" cy="633984"/>
+            </a:xfrm>
+            <a:custGeom>
+              <a:avLst/>
+              <a:gdLst>
+                <a:gd name="connsiteX0" fmla="*/ 0 w 633984"/>
+                <a:gd name="connsiteY0" fmla="*/ 348691 h 633984"/>
+                <a:gd name="connsiteX1" fmla="*/ 142646 w 633984"/>
+                <a:gd name="connsiteY1" fmla="*/ 348691 h 633984"/>
+                <a:gd name="connsiteX2" fmla="*/ 142646 w 633984"/>
+                <a:gd name="connsiteY2" fmla="*/ 0 h 633984"/>
+                <a:gd name="connsiteX3" fmla="*/ 491338 w 633984"/>
+                <a:gd name="connsiteY3" fmla="*/ 0 h 633984"/>
+                <a:gd name="connsiteX4" fmla="*/ 491338 w 633984"/>
+                <a:gd name="connsiteY4" fmla="*/ 348691 h 633984"/>
+                <a:gd name="connsiteX5" fmla="*/ 633984 w 633984"/>
+                <a:gd name="connsiteY5" fmla="*/ 348691 h 633984"/>
+                <a:gd name="connsiteX6" fmla="*/ 316992 w 633984"/>
+                <a:gd name="connsiteY6" fmla="*/ 633984 h 633984"/>
+                <a:gd name="connsiteX7" fmla="*/ 0 w 633984"/>
+                <a:gd name="connsiteY7" fmla="*/ 348691 h 633984"/>
+              </a:gdLst>
+              <a:ahLst/>
+              <a:cxnLst>
+                <a:cxn ang="0">
+                  <a:pos x="connsiteX0" y="connsiteY0"/>
+                </a:cxn>
+                <a:cxn ang="0">
+                  <a:pos x="connsiteX1" y="connsiteY1"/>
+                </a:cxn>
+                <a:cxn ang="0">
+                  <a:pos x="connsiteX2" y="connsiteY2"/>
+                </a:cxn>
+                <a:cxn ang="0">
+                  <a:pos x="connsiteX3" y="connsiteY3"/>
+                </a:cxn>
+                <a:cxn ang="0">
+                  <a:pos x="connsiteX4" y="connsiteY4"/>
+                </a:cxn>
+                <a:cxn ang="0">
+                  <a:pos x="connsiteX5" y="connsiteY5"/>
+                </a:cxn>
+                <a:cxn ang="0">
+                  <a:pos x="connsiteX6" y="connsiteY6"/>
+                </a:cxn>
+                <a:cxn ang="0">
+                  <a:pos x="connsiteX7" y="connsiteY7"/>
+                </a:cxn>
+              </a:cxnLst>
+              <a:rect l="l" t="t" r="r" b="b"/>
+              <a:pathLst>
+                <a:path w="633984" h="633984">
+                  <a:moveTo>
+                    <a:pt x="0" y="348691"/>
+                  </a:moveTo>
+                  <a:lnTo>
+                    <a:pt x="142646" y="348691"/>
+                  </a:lnTo>
+                  <a:lnTo>
+                    <a:pt x="142646" y="0"/>
+                  </a:lnTo>
+                  <a:lnTo>
+                    <a:pt x="491338" y="0"/>
+                  </a:lnTo>
+                  <a:lnTo>
+                    <a:pt x="491338" y="348691"/>
+                  </a:lnTo>
+                  <a:lnTo>
+                    <a:pt x="633984" y="348691"/>
+                  </a:lnTo>
+                  <a:lnTo>
+                    <a:pt x="316992" y="633984"/>
+                  </a:lnTo>
+                  <a:lnTo>
+                    <a:pt x="0" y="348691"/>
+                  </a:lnTo>
+                  <a:close/>
+                </a:path>
+              </a:pathLst>
+            </a:custGeom>
+            <a:grpFill/>
+          </p:spPr>
+          <p:style>
+            <a:lnRef idx="1">
+              <a:schemeClr val="accent1">
+                <a:alpha val="90000"/>
+                <a:tint val="40000"/>
+                <a:hueOff val="0"/>
+                <a:satOff val="0"/>
+                <a:lumOff val="0"/>
+                <a:alphaOff val="0"/>
+              </a:schemeClr>
+            </a:lnRef>
+            <a:fillRef idx="1">
+              <a:scrgbClr r="0" g="0" b="0"/>
+            </a:fillRef>
+            <a:effectRef idx="0">
+              <a:schemeClr val="accent1">
+                <a:alpha val="90000"/>
+                <a:tint val="40000"/>
+                <a:hueOff val="0"/>
+                <a:satOff val="0"/>
+                <a:lumOff val="0"/>
+                <a:alphaOff val="0"/>
+              </a:schemeClr>
+            </a:effectRef>
+            <a:fontRef idx="minor">
+              <a:schemeClr val="dk1">
+                <a:hueOff val="0"/>
+                <a:satOff val="0"/>
+                <a:lumOff val="0"/>
+                <a:alphaOff val="0"/>
+              </a:schemeClr>
+            </a:fontRef>
+          </p:style>
+          <p:txBody>
+            <a:bodyPr spcFirstLastPara="0" vert="horz" wrap="square" lIns="178206" tIns="35560" rIns="178206" bIns="192471" numCol="1" spcCol="1270" anchor="ctr" anchorCtr="0">
+              <a:noAutofit/>
+            </a:bodyPr>
+            <a:lstStyle/>
+            <a:p>
+              <a:pPr lvl="0" algn="ctr" defTabSz="1244600">
+                <a:lnSpc>
+                  <a:spcPct val="90000"/>
+                </a:lnSpc>
+                <a:spcBef>
+                  <a:spcPct val="0"/>
+                </a:spcBef>
+                <a:spcAft>
+                  <a:spcPct val="35000"/>
+                </a:spcAft>
+              </a:pPr>
+              <a:endParaRPr lang="ru-RU" sz="2800" kern="1200">
+                <a:latin typeface="Verdana" charset="0"/>
+                <a:ea typeface="Verdana" charset="0"/>
+                <a:cs typeface="Verdana" charset="0"/>
+              </a:endParaRPr>
+            </a:p>
+          </p:txBody>
+        </p:sp>
+        <p:sp>
+          <p:nvSpPr>
+            <p:cNvPr id="13" name="Полилиния 12"/>
+            <p:cNvSpPr/>
+            <p:nvPr/>
+          </p:nvSpPr>
+          <p:spPr>
+            <a:xfrm>
+              <a:off x="8591295" y="3637618"/>
+              <a:ext cx="633984" cy="633984"/>
+            </a:xfrm>
+            <a:custGeom>
+              <a:avLst/>
+              <a:gdLst>
+                <a:gd name="connsiteX0" fmla="*/ 0 w 633984"/>
+                <a:gd name="connsiteY0" fmla="*/ 348691 h 633984"/>
+                <a:gd name="connsiteX1" fmla="*/ 142646 w 633984"/>
+                <a:gd name="connsiteY1" fmla="*/ 348691 h 633984"/>
+                <a:gd name="connsiteX2" fmla="*/ 142646 w 633984"/>
+                <a:gd name="connsiteY2" fmla="*/ 0 h 633984"/>
+                <a:gd name="connsiteX3" fmla="*/ 491338 w 633984"/>
+                <a:gd name="connsiteY3" fmla="*/ 0 h 633984"/>
+                <a:gd name="connsiteX4" fmla="*/ 491338 w 633984"/>
+                <a:gd name="connsiteY4" fmla="*/ 348691 h 633984"/>
+                <a:gd name="connsiteX5" fmla="*/ 633984 w 633984"/>
+                <a:gd name="connsiteY5" fmla="*/ 348691 h 633984"/>
+                <a:gd name="connsiteX6" fmla="*/ 316992 w 633984"/>
+                <a:gd name="connsiteY6" fmla="*/ 633984 h 633984"/>
+                <a:gd name="connsiteX7" fmla="*/ 0 w 633984"/>
+                <a:gd name="connsiteY7" fmla="*/ 348691 h 633984"/>
+              </a:gdLst>
+              <a:ahLst/>
+              <a:cxnLst>
+                <a:cxn ang="0">
+                  <a:pos x="connsiteX0" y="connsiteY0"/>
+                </a:cxn>
+                <a:cxn ang="0">
+                  <a:pos x="connsiteX1" y="connsiteY1"/>
+                </a:cxn>
+                <a:cxn ang="0">
+                  <a:pos x="connsiteX2" y="connsiteY2"/>
+                </a:cxn>
+                <a:cxn ang="0">
+                  <a:pos x="connsiteX3" y="connsiteY3"/>
+                </a:cxn>
+                <a:cxn ang="0">
+                  <a:pos x="connsiteX4" y="connsiteY4"/>
+                </a:cxn>
+                <a:cxn ang="0">
+                  <a:pos x="connsiteX5" y="connsiteY5"/>
+                </a:cxn>
+                <a:cxn ang="0">
+                  <a:pos x="connsiteX6" y="connsiteY6"/>
+                </a:cxn>
+                <a:cxn ang="0">
+                  <a:pos x="connsiteX7" y="connsiteY7"/>
+                </a:cxn>
+              </a:cxnLst>
+              <a:rect l="l" t="t" r="r" b="b"/>
+              <a:pathLst>
+                <a:path w="633984" h="633984">
+                  <a:moveTo>
+                    <a:pt x="0" y="348691"/>
+                  </a:moveTo>
+                  <a:lnTo>
+                    <a:pt x="142646" y="348691"/>
+                  </a:lnTo>
+                  <a:lnTo>
+                    <a:pt x="142646" y="0"/>
+                  </a:lnTo>
+                  <a:lnTo>
+                    <a:pt x="491338" y="0"/>
+                  </a:lnTo>
+                  <a:lnTo>
+                    <a:pt x="491338" y="348691"/>
+                  </a:lnTo>
+                  <a:lnTo>
+                    <a:pt x="633984" y="348691"/>
+                  </a:lnTo>
+                  <a:lnTo>
+                    <a:pt x="316992" y="633984"/>
+                  </a:lnTo>
+                  <a:lnTo>
+                    <a:pt x="0" y="348691"/>
+                  </a:lnTo>
+                  <a:close/>
+                </a:path>
+              </a:pathLst>
+            </a:custGeom>
+            <a:grpFill/>
+          </p:spPr>
+          <p:style>
+            <a:lnRef idx="1">
+              <a:schemeClr val="accent1">
+                <a:alpha val="90000"/>
+                <a:tint val="40000"/>
+                <a:hueOff val="0"/>
+                <a:satOff val="0"/>
+                <a:lumOff val="0"/>
+                <a:alphaOff val="0"/>
+              </a:schemeClr>
+            </a:lnRef>
+            <a:fillRef idx="1">
+              <a:scrgbClr r="0" g="0" b="0"/>
+            </a:fillRef>
+            <a:effectRef idx="0">
+              <a:schemeClr val="accent1">
+                <a:alpha val="90000"/>
+                <a:tint val="40000"/>
+                <a:hueOff val="0"/>
+                <a:satOff val="0"/>
+                <a:lumOff val="0"/>
+                <a:alphaOff val="0"/>
+              </a:schemeClr>
+            </a:effectRef>
+            <a:fontRef idx="minor">
+              <a:schemeClr val="dk1">
+                <a:hueOff val="0"/>
+                <a:satOff val="0"/>
+                <a:lumOff val="0"/>
+                <a:alphaOff val="0"/>
+              </a:schemeClr>
+            </a:fontRef>
+          </p:style>
+          <p:txBody>
+            <a:bodyPr spcFirstLastPara="0" vert="horz" wrap="square" lIns="178206" tIns="35560" rIns="178206" bIns="192471" numCol="1" spcCol="1270" anchor="ctr" anchorCtr="0">
+              <a:noAutofit/>
+            </a:bodyPr>
+            <a:lstStyle/>
+            <a:p>
+              <a:pPr lvl="0" algn="ctr" defTabSz="1244600">
+                <a:lnSpc>
+                  <a:spcPct val="90000"/>
+                </a:lnSpc>
+                <a:spcBef>
+                  <a:spcPct val="0"/>
+                </a:spcBef>
+                <a:spcAft>
+                  <a:spcPct val="35000"/>
+                </a:spcAft>
+              </a:pPr>
+              <a:endParaRPr lang="ru-RU" sz="2800" kern="1200">
+                <a:latin typeface="Verdana" charset="0"/>
+                <a:ea typeface="Verdana" charset="0"/>
+                <a:cs typeface="Verdana" charset="0"/>
+              </a:endParaRPr>
+            </a:p>
+          </p:txBody>
+        </p:sp>
+        <p:sp>
+          <p:nvSpPr>
+            <p:cNvPr id="14" name="Полилиния 13"/>
+            <p:cNvSpPr/>
+            <p:nvPr/>
+          </p:nvSpPr>
+          <p:spPr>
+            <a:xfrm>
+              <a:off x="9058655" y="4759282"/>
+              <a:ext cx="633984" cy="633984"/>
+            </a:xfrm>
+            <a:custGeom>
+              <a:avLst/>
+              <a:gdLst>
+                <a:gd name="connsiteX0" fmla="*/ 0 w 633984"/>
+                <a:gd name="connsiteY0" fmla="*/ 348691 h 633984"/>
+                <a:gd name="connsiteX1" fmla="*/ 142646 w 633984"/>
+                <a:gd name="connsiteY1" fmla="*/ 348691 h 633984"/>
+                <a:gd name="connsiteX2" fmla="*/ 142646 w 633984"/>
+                <a:gd name="connsiteY2" fmla="*/ 0 h 633984"/>
+                <a:gd name="connsiteX3" fmla="*/ 491338 w 633984"/>
+                <a:gd name="connsiteY3" fmla="*/ 0 h 633984"/>
+                <a:gd name="connsiteX4" fmla="*/ 491338 w 633984"/>
+                <a:gd name="connsiteY4" fmla="*/ 348691 h 633984"/>
+                <a:gd name="connsiteX5" fmla="*/ 633984 w 633984"/>
+                <a:gd name="connsiteY5" fmla="*/ 348691 h 633984"/>
+                <a:gd name="connsiteX6" fmla="*/ 316992 w 633984"/>
+                <a:gd name="connsiteY6" fmla="*/ 633984 h 633984"/>
+                <a:gd name="connsiteX7" fmla="*/ 0 w 633984"/>
+                <a:gd name="connsiteY7" fmla="*/ 348691 h 633984"/>
+              </a:gdLst>
+              <a:ahLst/>
+              <a:cxnLst>
+                <a:cxn ang="0">
+                  <a:pos x="connsiteX0" y="connsiteY0"/>
+                </a:cxn>
+                <a:cxn ang="0">
+                  <a:pos x="connsiteX1" y="connsiteY1"/>
+                </a:cxn>
+                <a:cxn ang="0">
+                  <a:pos x="connsiteX2" y="connsiteY2"/>
+                </a:cxn>
+                <a:cxn ang="0">
+                  <a:pos x="connsiteX3" y="connsiteY3"/>
+                </a:cxn>
+                <a:cxn ang="0">
+                  <a:pos x="connsiteX4" y="connsiteY4"/>
+                </a:cxn>
+                <a:cxn ang="0">
+                  <a:pos x="connsiteX5" y="connsiteY5"/>
+                </a:cxn>
+                <a:cxn ang="0">
+                  <a:pos x="connsiteX6" y="connsiteY6"/>
+                </a:cxn>
+                <a:cxn ang="0">
+                  <a:pos x="connsiteX7" y="connsiteY7"/>
+                </a:cxn>
+              </a:cxnLst>
+              <a:rect l="l" t="t" r="r" b="b"/>
+              <a:pathLst>
+                <a:path w="633984" h="633984">
+                  <a:moveTo>
+                    <a:pt x="0" y="348691"/>
+                  </a:moveTo>
+                  <a:lnTo>
+                    <a:pt x="142646" y="348691"/>
+                  </a:lnTo>
+                  <a:lnTo>
+                    <a:pt x="142646" y="0"/>
+                  </a:lnTo>
+                  <a:lnTo>
+                    <a:pt x="491338" y="0"/>
+                  </a:lnTo>
+                  <a:lnTo>
+                    <a:pt x="491338" y="348691"/>
+                  </a:lnTo>
+                  <a:lnTo>
+                    <a:pt x="633984" y="348691"/>
+                  </a:lnTo>
+                  <a:lnTo>
+                    <a:pt x="316992" y="633984"/>
+                  </a:lnTo>
+                  <a:lnTo>
+                    <a:pt x="0" y="348691"/>
+                  </a:lnTo>
+                  <a:close/>
+                </a:path>
+              </a:pathLst>
+            </a:custGeom>
+            <a:grpFill/>
+          </p:spPr>
+          <p:style>
+            <a:lnRef idx="1">
+              <a:schemeClr val="accent1">
+                <a:alpha val="90000"/>
+                <a:tint val="40000"/>
+                <a:hueOff val="0"/>
+                <a:satOff val="0"/>
+                <a:lumOff val="0"/>
+                <a:alphaOff val="0"/>
+              </a:schemeClr>
+            </a:lnRef>
+            <a:fillRef idx="1">
+              <a:scrgbClr r="0" g="0" b="0"/>
+            </a:fillRef>
+            <a:effectRef idx="0">
+              <a:schemeClr val="accent1">
+                <a:alpha val="90000"/>
+                <a:tint val="40000"/>
+                <a:hueOff val="0"/>
+                <a:satOff val="0"/>
+                <a:lumOff val="0"/>
+                <a:alphaOff val="0"/>
+              </a:schemeClr>
+            </a:effectRef>
+            <a:fontRef idx="minor">
+              <a:schemeClr val="dk1">
+                <a:hueOff val="0"/>
+                <a:satOff val="0"/>
+                <a:lumOff val="0"/>
+                <a:alphaOff val="0"/>
+              </a:schemeClr>
+            </a:fontRef>
+          </p:style>
+          <p:txBody>
+            <a:bodyPr spcFirstLastPara="0" vert="horz" wrap="square" lIns="178206" tIns="35560" rIns="178206" bIns="192471" numCol="1" spcCol="1270" anchor="ctr" anchorCtr="0">
+              <a:noAutofit/>
+            </a:bodyPr>
+            <a:lstStyle/>
+            <a:p>
+              <a:pPr lvl="0" algn="ctr" defTabSz="1244600">
+                <a:lnSpc>
+                  <a:spcPct val="90000"/>
+                </a:lnSpc>
+                <a:spcBef>
+                  <a:spcPct val="0"/>
+                </a:spcBef>
+                <a:spcAft>
+                  <a:spcPct val="35000"/>
+                </a:spcAft>
+              </a:pPr>
+              <a:endParaRPr lang="ru-RU" sz="2800" kern="1200">
+                <a:latin typeface="Verdana" charset="0"/>
+                <a:ea typeface="Verdana" charset="0"/>
+                <a:cs typeface="Verdana" charset="0"/>
+              </a:endParaRPr>
+            </a:p>
+          </p:txBody>
+        </p:sp>
+      </p:grpSp>
     </p:spTree>
     <p:extLst>
       <p:ext uri="{BB962C8B-B14F-4D97-AF65-F5344CB8AC3E}">
-        <p14:creationId xmlns:p14="http://schemas.microsoft.com/office/powerpoint/2010/main" val="1774969870"/>
+        <p14:creationId xmlns:p14="http://schemas.microsoft.com/office/powerpoint/2010/main" val="3831217354"/>
       </p:ext>
     </p:extLst>
   </p:cSld>
@@ -7194,6 +8581,687 @@
 </file>
 
 <file path=ppt/slides/slide3.xml><?xml version="1.0" encoding="utf-8"?>
+<p:sld xmlns:a="http://schemas.openxmlformats.org/drawingml/2006/main" xmlns:r="http://schemas.openxmlformats.org/officeDocument/2006/relationships" xmlns:p="http://schemas.openxmlformats.org/presentationml/2006/main">
+  <p:cSld>
+    <p:spTree>
+      <p:nvGrpSpPr>
+        <p:cNvPr id="1" name=""/>
+        <p:cNvGrpSpPr/>
+        <p:nvPr/>
+      </p:nvGrpSpPr>
+      <p:grpSpPr>
+        <a:xfrm>
+          <a:off x="0" y="0"/>
+          <a:ext cx="0" cy="0"/>
+          <a:chOff x="0" y="0"/>
+          <a:chExt cx="0" cy="0"/>
+        </a:xfrm>
+      </p:grpSpPr>
+      <p:sp>
+        <p:nvSpPr>
+          <p:cNvPr id="3" name="Объект 2"/>
+          <p:cNvSpPr>
+            <a:spLocks noGrp="1"/>
+          </p:cNvSpPr>
+          <p:nvPr>
+            <p:ph idx="1"/>
+          </p:nvPr>
+        </p:nvSpPr>
+        <p:spPr>
+          <a:xfrm>
+            <a:off x="786745" y="2285318"/>
+            <a:ext cx="5808290" cy="2789843"/>
+          </a:xfrm>
+        </p:spPr>
+        <p:txBody>
+          <a:bodyPr>
+            <a:normAutofit/>
+          </a:bodyPr>
+          <a:lstStyle/>
+          <a:p>
+            <a:r>
+              <a:rPr lang="ru-RU" dirty="0" smtClean="0">
+                <a:latin typeface="+mj-lt"/>
+              </a:rPr>
+              <a:t>Дата </a:t>
+            </a:r>
+            <a:r>
+              <a:rPr lang="ru-RU" dirty="0" smtClean="0">
+                <a:latin typeface="+mj-lt"/>
+              </a:rPr>
+              <a:t>посещения</a:t>
+            </a:r>
+          </a:p>
+          <a:p>
+            <a:r>
+              <a:rPr lang="ru-RU" dirty="0" smtClean="0">
+                <a:latin typeface="+mj-lt"/>
+              </a:rPr>
+              <a:t>Время входа</a:t>
+            </a:r>
+          </a:p>
+          <a:p>
+            <a:r>
+              <a:rPr lang="ru-RU" dirty="0" smtClean="0">
+                <a:latin typeface="+mj-lt"/>
+              </a:rPr>
+              <a:t>Время </a:t>
+            </a:r>
+            <a:r>
+              <a:rPr lang="ru-RU" dirty="0" smtClean="0">
+                <a:latin typeface="+mj-lt"/>
+              </a:rPr>
+              <a:t>выхода </a:t>
+            </a:r>
+            <a:endParaRPr lang="ru-RU" dirty="0" smtClean="0">
+              <a:latin typeface="+mj-lt"/>
+            </a:endParaRPr>
+          </a:p>
+          <a:p>
+            <a:r>
+              <a:rPr lang="ru-RU" dirty="0" smtClean="0">
+                <a:latin typeface="+mj-lt"/>
+              </a:rPr>
+              <a:t>Предоставленные услуги</a:t>
+            </a:r>
+          </a:p>
+          <a:p>
+            <a:r>
+              <a:rPr lang="ru-RU" dirty="0" smtClean="0">
+                <a:latin typeface="+mj-lt"/>
+              </a:rPr>
+              <a:t>Количеств</a:t>
+            </a:r>
+            <a:r>
+              <a:rPr lang="ru-RU" dirty="0">
+                <a:latin typeface="+mj-lt"/>
+              </a:rPr>
+              <a:t>о</a:t>
+            </a:r>
+            <a:r>
+              <a:rPr lang="ru-RU" dirty="0" smtClean="0">
+                <a:latin typeface="+mj-lt"/>
+              </a:rPr>
+              <a:t> </a:t>
+            </a:r>
+            <a:r>
+              <a:rPr lang="ru-RU" dirty="0" smtClean="0">
+                <a:latin typeface="+mj-lt"/>
+              </a:rPr>
+              <a:t>людей в помещении</a:t>
+            </a:r>
+            <a:endParaRPr lang="en-US" dirty="0" smtClean="0">
+              <a:latin typeface="+mj-lt"/>
+            </a:endParaRPr>
+          </a:p>
+          <a:p>
+            <a:pPr marL="0" indent="0">
+              <a:buNone/>
+            </a:pPr>
+            <a:endParaRPr lang="en-US" dirty="0" smtClean="0">
+              <a:latin typeface="+mj-lt"/>
+            </a:endParaRPr>
+          </a:p>
+          <a:p>
+            <a:endParaRPr lang="ru-RU" dirty="0" smtClean="0">
+              <a:latin typeface="+mj-lt"/>
+            </a:endParaRPr>
+          </a:p>
+        </p:txBody>
+      </p:sp>
+      <p:sp>
+        <p:nvSpPr>
+          <p:cNvPr id="14" name="Заголовок 1"/>
+          <p:cNvSpPr>
+            <a:spLocks noGrp="1"/>
+          </p:cNvSpPr>
+          <p:nvPr>
+            <p:ph type="title"/>
+          </p:nvPr>
+        </p:nvSpPr>
+        <p:spPr>
+          <a:xfrm>
+            <a:off x="632197" y="445452"/>
+            <a:ext cx="10515600" cy="1325562"/>
+          </a:xfrm>
+        </p:spPr>
+        <p:txBody>
+          <a:bodyPr/>
+          <a:lstStyle/>
+          <a:p>
+            <a:r>
+              <a:rPr lang="ru-RU" dirty="0"/>
+              <a:t>Сбор статистических </a:t>
+            </a:r>
+            <a:r>
+              <a:rPr lang="ru-RU" dirty="0" smtClean="0"/>
+              <a:t>данных</a:t>
+            </a:r>
+            <a:endParaRPr lang="ru-RU" dirty="0"/>
+          </a:p>
+        </p:txBody>
+      </p:sp>
+      <p:pic>
+        <p:nvPicPr>
+          <p:cNvPr id="2" name="Рисунок 1"/>
+          <p:cNvPicPr>
+            <a:picLocks noChangeAspect="1"/>
+          </p:cNvPicPr>
+          <p:nvPr/>
+        </p:nvPicPr>
+        <p:blipFill>
+          <a:blip r:embed="rId2">
+            <a:extLst>
+              <a:ext uri="{28A0092B-C50C-407E-A947-70E740481C1C}">
+                <a14:useLocalDpi xmlns:a14="http://schemas.microsoft.com/office/drawing/2010/main" val="0"/>
+              </a:ext>
+            </a:extLst>
+          </a:blip>
+          <a:stretch>
+            <a:fillRect/>
+          </a:stretch>
+        </p:blipFill>
+        <p:spPr>
+          <a:xfrm>
+            <a:off x="7827986" y="1108233"/>
+            <a:ext cx="3629016" cy="5278568"/>
+          </a:xfrm>
+          <a:prstGeom prst="rect">
+            <a:avLst/>
+          </a:prstGeom>
+        </p:spPr>
+      </p:pic>
+      <p:sp>
+        <p:nvSpPr>
+          <p:cNvPr id="6" name="TextBox 5"/>
+          <p:cNvSpPr txBox="1"/>
+          <p:nvPr/>
+        </p:nvSpPr>
+        <p:spPr>
+          <a:xfrm>
+            <a:off x="8337921" y="1846547"/>
+            <a:ext cx="1200970" cy="461665"/>
+          </a:xfrm>
+          <a:prstGeom prst="rect">
+            <a:avLst/>
+          </a:prstGeom>
+          <a:noFill/>
+        </p:spPr>
+        <p:txBody>
+          <a:bodyPr wrap="none" rtlCol="0">
+            <a:spAutoFit/>
+          </a:bodyPr>
+          <a:lstStyle/>
+          <a:p>
+            <a:r>
+              <a:rPr lang="ru-RU" sz="2400" dirty="0" smtClean="0">
+                <a:latin typeface="+mj-lt"/>
+              </a:rPr>
+              <a:t>Возраст</a:t>
+            </a:r>
+            <a:endParaRPr lang="ru-RU" sz="2400" dirty="0">
+              <a:latin typeface="+mj-lt"/>
+            </a:endParaRPr>
+          </a:p>
+        </p:txBody>
+      </p:sp>
+      <p:sp>
+        <p:nvSpPr>
+          <p:cNvPr id="8" name="TextBox 7"/>
+          <p:cNvSpPr txBox="1"/>
+          <p:nvPr/>
+        </p:nvSpPr>
+        <p:spPr>
+          <a:xfrm>
+            <a:off x="9156252" y="2311198"/>
+            <a:ext cx="688715" cy="461665"/>
+          </a:xfrm>
+          <a:prstGeom prst="rect">
+            <a:avLst/>
+          </a:prstGeom>
+          <a:noFill/>
+        </p:spPr>
+        <p:txBody>
+          <a:bodyPr wrap="none" rtlCol="0">
+            <a:spAutoFit/>
+          </a:bodyPr>
+          <a:lstStyle/>
+          <a:p>
+            <a:r>
+              <a:rPr lang="ru-RU" sz="2400" dirty="0" smtClean="0">
+                <a:latin typeface="+mj-lt"/>
+              </a:rPr>
+              <a:t>Пол</a:t>
+            </a:r>
+            <a:endParaRPr lang="ru-RU" sz="2400" dirty="0">
+              <a:latin typeface="+mj-lt"/>
+            </a:endParaRPr>
+          </a:p>
+        </p:txBody>
+      </p:sp>
+      <p:sp>
+        <p:nvSpPr>
+          <p:cNvPr id="9" name="TextBox 8"/>
+          <p:cNvSpPr txBox="1"/>
+          <p:nvPr/>
+        </p:nvSpPr>
+        <p:spPr>
+          <a:xfrm>
+            <a:off x="9214648" y="1401021"/>
+            <a:ext cx="1097095" cy="461665"/>
+          </a:xfrm>
+          <a:prstGeom prst="rect">
+            <a:avLst/>
+          </a:prstGeom>
+          <a:noFill/>
+        </p:spPr>
+        <p:txBody>
+          <a:bodyPr wrap="none" rtlCol="0">
+            <a:spAutoFit/>
+          </a:bodyPr>
+          <a:lstStyle/>
+          <a:p>
+            <a:r>
+              <a:rPr lang="ru-RU" sz="2400" dirty="0" smtClean="0">
+                <a:latin typeface="+mj-lt"/>
+              </a:rPr>
+              <a:t>Услуги </a:t>
+            </a:r>
+            <a:endParaRPr lang="ru-RU" sz="2400" dirty="0">
+              <a:latin typeface="+mj-lt"/>
+            </a:endParaRPr>
+          </a:p>
+        </p:txBody>
+      </p:sp>
+      <p:sp>
+        <p:nvSpPr>
+          <p:cNvPr id="10" name="TextBox 9"/>
+          <p:cNvSpPr txBox="1"/>
+          <p:nvPr/>
+        </p:nvSpPr>
+        <p:spPr>
+          <a:xfrm>
+            <a:off x="9762988" y="1886614"/>
+            <a:ext cx="1131335" cy="461665"/>
+          </a:xfrm>
+          <a:prstGeom prst="rect">
+            <a:avLst/>
+          </a:prstGeom>
+          <a:noFill/>
+        </p:spPr>
+        <p:txBody>
+          <a:bodyPr wrap="none" rtlCol="0">
+            <a:spAutoFit/>
+          </a:bodyPr>
+          <a:lstStyle/>
+          <a:p>
+            <a:r>
+              <a:rPr lang="ru-RU" sz="2400" dirty="0" smtClean="0">
+                <a:latin typeface="+mj-lt"/>
+              </a:rPr>
+              <a:t>Товары</a:t>
+            </a:r>
+            <a:endParaRPr lang="ru-RU" sz="2400" dirty="0">
+              <a:latin typeface="+mj-lt"/>
+            </a:endParaRPr>
+          </a:p>
+        </p:txBody>
+      </p:sp>
+      <p:sp>
+        <p:nvSpPr>
+          <p:cNvPr id="11" name="TextBox 10"/>
+          <p:cNvSpPr txBox="1"/>
+          <p:nvPr/>
+        </p:nvSpPr>
+        <p:spPr>
+          <a:xfrm>
+            <a:off x="8047424" y="5555289"/>
+            <a:ext cx="3275777" cy="830997"/>
+          </a:xfrm>
+          <a:prstGeom prst="rect">
+            <a:avLst/>
+          </a:prstGeom>
+          <a:noFill/>
+        </p:spPr>
+        <p:txBody>
+          <a:bodyPr wrap="square" rtlCol="0">
+            <a:spAutoFit/>
+          </a:bodyPr>
+          <a:lstStyle/>
+          <a:p>
+            <a:pPr algn="ctr"/>
+            <a:r>
+              <a:rPr lang="ru-RU" sz="2400" dirty="0" smtClean="0">
+                <a:solidFill>
+                  <a:schemeClr val="bg1"/>
+                </a:solidFill>
+                <a:latin typeface="+mj-lt"/>
+              </a:rPr>
+              <a:t>Повышение качества предоставляемых услуг</a:t>
+            </a:r>
+            <a:endParaRPr lang="ru-RU" sz="2400" dirty="0">
+              <a:solidFill>
+                <a:schemeClr val="bg1"/>
+              </a:solidFill>
+              <a:latin typeface="+mj-lt"/>
+            </a:endParaRPr>
+          </a:p>
+        </p:txBody>
+      </p:sp>
+      <p:sp>
+        <p:nvSpPr>
+          <p:cNvPr id="13" name="TextBox 12"/>
+          <p:cNvSpPr txBox="1"/>
+          <p:nvPr/>
+        </p:nvSpPr>
+        <p:spPr>
+          <a:xfrm>
+            <a:off x="10350039" y="3425063"/>
+            <a:ext cx="1569982" cy="461665"/>
+          </a:xfrm>
+          <a:prstGeom prst="rect">
+            <a:avLst/>
+          </a:prstGeom>
+          <a:noFill/>
+        </p:spPr>
+        <p:txBody>
+          <a:bodyPr wrap="none" rtlCol="0">
+            <a:spAutoFit/>
+          </a:bodyPr>
+          <a:lstStyle/>
+          <a:p>
+            <a:r>
+              <a:rPr lang="ru-RU" sz="2400" dirty="0" smtClean="0">
+                <a:latin typeface="+mj-lt"/>
+              </a:rPr>
+              <a:t>Аналитика</a:t>
+            </a:r>
+            <a:endParaRPr lang="ru-RU" sz="2400" dirty="0">
+              <a:latin typeface="+mj-lt"/>
+            </a:endParaRPr>
+          </a:p>
+        </p:txBody>
+      </p:sp>
+    </p:spTree>
+    <p:extLst>
+      <p:ext uri="{BB962C8B-B14F-4D97-AF65-F5344CB8AC3E}">
+        <p14:creationId xmlns:p14="http://schemas.microsoft.com/office/powerpoint/2010/main" val="1963864163"/>
+      </p:ext>
+    </p:extLst>
+  </p:cSld>
+  <p:clrMapOvr>
+    <a:masterClrMapping/>
+  </p:clrMapOvr>
+  <p:timing>
+    <p:tnLst>
+      <p:par>
+        <p:cTn id="1" dur="indefinite" restart="never" nodeType="tmRoot">
+          <p:childTnLst>
+            <p:seq concurrent="1" nextAc="seek">
+              <p:cTn id="2" dur="indefinite" nodeType="mainSeq">
+                <p:childTnLst>
+                  <p:par>
+                    <p:cTn id="3" fill="hold">
+                      <p:stCondLst>
+                        <p:cond delay="indefinite"/>
+                      </p:stCondLst>
+                      <p:childTnLst>
+                        <p:par>
+                          <p:cTn id="4" fill="hold">
+                            <p:stCondLst>
+                              <p:cond delay="0"/>
+                            </p:stCondLst>
+                            <p:childTnLst>
+                              <p:par>
+                                <p:cTn id="5" presetID="10" presetClass="entr" presetSubtype="0" fill="hold" grpId="0" nodeType="clickEffect">
+                                  <p:stCondLst>
+                                    <p:cond delay="0"/>
+                                  </p:stCondLst>
+                                  <p:childTnLst>
+                                    <p:set>
+                                      <p:cBhvr>
+                                        <p:cTn id="6" dur="1" fill="hold">
+                                          <p:stCondLst>
+                                            <p:cond delay="0"/>
+                                          </p:stCondLst>
+                                        </p:cTn>
+                                        <p:tgtEl>
+                                          <p:spTgt spid="9"/>
+                                        </p:tgtEl>
+                                        <p:attrNameLst>
+                                          <p:attrName>style.visibility</p:attrName>
+                                        </p:attrNameLst>
+                                      </p:cBhvr>
+                                      <p:to>
+                                        <p:strVal val="visible"/>
+                                      </p:to>
+                                    </p:set>
+                                    <p:animEffect transition="in" filter="fade">
+                                      <p:cBhvr>
+                                        <p:cTn id="7" dur="500"/>
+                                        <p:tgtEl>
+                                          <p:spTgt spid="9"/>
+                                        </p:tgtEl>
+                                      </p:cBhvr>
+                                    </p:animEffect>
+                                  </p:childTnLst>
+                                </p:cTn>
+                              </p:par>
+                              <p:par>
+                                <p:cTn id="8" presetID="10" presetClass="entr" presetSubtype="0" fill="hold" grpId="0" nodeType="withEffect">
+                                  <p:stCondLst>
+                                    <p:cond delay="0"/>
+                                  </p:stCondLst>
+                                  <p:childTnLst>
+                                    <p:set>
+                                      <p:cBhvr>
+                                        <p:cTn id="9" dur="1" fill="hold">
+                                          <p:stCondLst>
+                                            <p:cond delay="0"/>
+                                          </p:stCondLst>
+                                        </p:cTn>
+                                        <p:tgtEl>
+                                          <p:spTgt spid="6"/>
+                                        </p:tgtEl>
+                                        <p:attrNameLst>
+                                          <p:attrName>style.visibility</p:attrName>
+                                        </p:attrNameLst>
+                                      </p:cBhvr>
+                                      <p:to>
+                                        <p:strVal val="visible"/>
+                                      </p:to>
+                                    </p:set>
+                                    <p:animEffect transition="in" filter="fade">
+                                      <p:cBhvr>
+                                        <p:cTn id="10" dur="500"/>
+                                        <p:tgtEl>
+                                          <p:spTgt spid="6"/>
+                                        </p:tgtEl>
+                                      </p:cBhvr>
+                                    </p:animEffect>
+                                  </p:childTnLst>
+                                </p:cTn>
+                              </p:par>
+                              <p:par>
+                                <p:cTn id="11" presetID="10" presetClass="entr" presetSubtype="0" fill="hold" grpId="0" nodeType="withEffect">
+                                  <p:stCondLst>
+                                    <p:cond delay="0"/>
+                                  </p:stCondLst>
+                                  <p:childTnLst>
+                                    <p:set>
+                                      <p:cBhvr>
+                                        <p:cTn id="12" dur="1" fill="hold">
+                                          <p:stCondLst>
+                                            <p:cond delay="0"/>
+                                          </p:stCondLst>
+                                        </p:cTn>
+                                        <p:tgtEl>
+                                          <p:spTgt spid="10"/>
+                                        </p:tgtEl>
+                                        <p:attrNameLst>
+                                          <p:attrName>style.visibility</p:attrName>
+                                        </p:attrNameLst>
+                                      </p:cBhvr>
+                                      <p:to>
+                                        <p:strVal val="visible"/>
+                                      </p:to>
+                                    </p:set>
+                                    <p:animEffect transition="in" filter="fade">
+                                      <p:cBhvr>
+                                        <p:cTn id="13" dur="500"/>
+                                        <p:tgtEl>
+                                          <p:spTgt spid="10"/>
+                                        </p:tgtEl>
+                                      </p:cBhvr>
+                                    </p:animEffect>
+                                  </p:childTnLst>
+                                </p:cTn>
+                              </p:par>
+                              <p:par>
+                                <p:cTn id="14" presetID="10" presetClass="entr" presetSubtype="0" fill="hold" grpId="0" nodeType="withEffect">
+                                  <p:stCondLst>
+                                    <p:cond delay="0"/>
+                                  </p:stCondLst>
+                                  <p:childTnLst>
+                                    <p:set>
+                                      <p:cBhvr>
+                                        <p:cTn id="15" dur="1" fill="hold">
+                                          <p:stCondLst>
+                                            <p:cond delay="0"/>
+                                          </p:stCondLst>
+                                        </p:cTn>
+                                        <p:tgtEl>
+                                          <p:spTgt spid="8"/>
+                                        </p:tgtEl>
+                                        <p:attrNameLst>
+                                          <p:attrName>style.visibility</p:attrName>
+                                        </p:attrNameLst>
+                                      </p:cBhvr>
+                                      <p:to>
+                                        <p:strVal val="visible"/>
+                                      </p:to>
+                                    </p:set>
+                                    <p:animEffect transition="in" filter="fade">
+                                      <p:cBhvr>
+                                        <p:cTn id="16" dur="500"/>
+                                        <p:tgtEl>
+                                          <p:spTgt spid="8"/>
+                                        </p:tgtEl>
+                                      </p:cBhvr>
+                                    </p:animEffect>
+                                  </p:childTnLst>
+                                </p:cTn>
+                              </p:par>
+                              <p:par>
+                                <p:cTn id="17" presetID="10" presetClass="entr" presetSubtype="0" fill="hold" grpId="0" nodeType="withEffect">
+                                  <p:stCondLst>
+                                    <p:cond delay="0"/>
+                                  </p:stCondLst>
+                                  <p:childTnLst>
+                                    <p:set>
+                                      <p:cBhvr>
+                                        <p:cTn id="18" dur="1" fill="hold">
+                                          <p:stCondLst>
+                                            <p:cond delay="0"/>
+                                          </p:stCondLst>
+                                        </p:cTn>
+                                        <p:tgtEl>
+                                          <p:spTgt spid="13"/>
+                                        </p:tgtEl>
+                                        <p:attrNameLst>
+                                          <p:attrName>style.visibility</p:attrName>
+                                        </p:attrNameLst>
+                                      </p:cBhvr>
+                                      <p:to>
+                                        <p:strVal val="visible"/>
+                                      </p:to>
+                                    </p:set>
+                                    <p:animEffect transition="in" filter="fade">
+                                      <p:cBhvr>
+                                        <p:cTn id="19" dur="500"/>
+                                        <p:tgtEl>
+                                          <p:spTgt spid="13"/>
+                                        </p:tgtEl>
+                                      </p:cBhvr>
+                                    </p:animEffect>
+                                  </p:childTnLst>
+                                </p:cTn>
+                              </p:par>
+                              <p:par>
+                                <p:cTn id="20" presetID="10" presetClass="entr" presetSubtype="0" fill="hold" grpId="0" nodeType="withEffect">
+                                  <p:stCondLst>
+                                    <p:cond delay="0"/>
+                                  </p:stCondLst>
+                                  <p:childTnLst>
+                                    <p:set>
+                                      <p:cBhvr>
+                                        <p:cTn id="21" dur="1" fill="hold">
+                                          <p:stCondLst>
+                                            <p:cond delay="0"/>
+                                          </p:stCondLst>
+                                        </p:cTn>
+                                        <p:tgtEl>
+                                          <p:spTgt spid="11"/>
+                                        </p:tgtEl>
+                                        <p:attrNameLst>
+                                          <p:attrName>style.visibility</p:attrName>
+                                        </p:attrNameLst>
+                                      </p:cBhvr>
+                                      <p:to>
+                                        <p:strVal val="visible"/>
+                                      </p:to>
+                                    </p:set>
+                                    <p:animEffect transition="in" filter="fade">
+                                      <p:cBhvr>
+                                        <p:cTn id="22" dur="500"/>
+                                        <p:tgtEl>
+                                          <p:spTgt spid="11"/>
+                                        </p:tgtEl>
+                                      </p:cBhvr>
+                                    </p:animEffect>
+                                  </p:childTnLst>
+                                </p:cTn>
+                              </p:par>
+                            </p:childTnLst>
+                          </p:cTn>
+                        </p:par>
+                      </p:childTnLst>
+                    </p:cTn>
+                  </p:par>
+                </p:childTnLst>
+              </p:cTn>
+              <p:prevCondLst>
+                <p:cond evt="onPrev" delay="0">
+                  <p:tgtEl>
+                    <p:sldTgt/>
+                  </p:tgtEl>
+                </p:cond>
+              </p:prevCondLst>
+              <p:nextCondLst>
+                <p:cond evt="onNext" delay="0">
+                  <p:tgtEl>
+                    <p:sldTgt/>
+                  </p:tgtEl>
+                </p:cond>
+              </p:nextCondLst>
+            </p:seq>
+          </p:childTnLst>
+        </p:cTn>
+      </p:par>
+    </p:tnLst>
+    <p:bldLst>
+      <p:bldP spid="6" grpId="0"/>
+      <p:bldP spid="8" grpId="0"/>
+      <p:bldP spid="9" grpId="0"/>
+      <p:bldP spid="10" grpId="0"/>
+      <p:bldP spid="11" grpId="0"/>
+      <p:bldP spid="13" grpId="0"/>
+    </p:bldLst>
+  </p:timing>
+</p:sld>
+</file>
+
+<file path=ppt/slides/slide4.xml><?xml version="1.0" encoding="utf-8"?>
 <p:sld xmlns:a="http://schemas.openxmlformats.org/drawingml/2006/main" xmlns:r="http://schemas.openxmlformats.org/officeDocument/2006/relationships" xmlns:p="http://schemas.openxmlformats.org/presentationml/2006/main">
   <p:cSld>
     <p:spTree>
@@ -7595,874 +9663,6 @@
 </p:sld>
 </file>
 
-<file path=ppt/slides/slide4.xml><?xml version="1.0" encoding="utf-8"?>
-<p:sld xmlns:a="http://schemas.openxmlformats.org/drawingml/2006/main" xmlns:r="http://schemas.openxmlformats.org/officeDocument/2006/relationships" xmlns:p="http://schemas.openxmlformats.org/presentationml/2006/main">
-  <p:cSld>
-    <p:spTree>
-      <p:nvGrpSpPr>
-        <p:cNvPr id="1" name=""/>
-        <p:cNvGrpSpPr/>
-        <p:nvPr/>
-      </p:nvGrpSpPr>
-      <p:grpSpPr>
-        <a:xfrm>
-          <a:off x="0" y="0"/>
-          <a:ext cx="0" cy="0"/>
-          <a:chOff x="0" y="0"/>
-          <a:chExt cx="0" cy="0"/>
-        </a:xfrm>
-      </p:grpSpPr>
-      <p:sp>
-        <p:nvSpPr>
-          <p:cNvPr id="3" name="Объект 2"/>
-          <p:cNvSpPr>
-            <a:spLocks noGrp="1"/>
-          </p:cNvSpPr>
-          <p:nvPr>
-            <p:ph idx="1"/>
-          </p:nvPr>
-        </p:nvSpPr>
-        <p:spPr>
-          <a:xfrm>
-            <a:off x="786745" y="2285318"/>
-            <a:ext cx="5808290" cy="2789843"/>
-          </a:xfrm>
-        </p:spPr>
-        <p:txBody>
-          <a:bodyPr>
-            <a:normAutofit/>
-          </a:bodyPr>
-          <a:lstStyle/>
-          <a:p>
-            <a:r>
-              <a:rPr lang="ru-RU" dirty="0" smtClean="0">
-                <a:latin typeface="+mj-lt"/>
-              </a:rPr>
-              <a:t>Дата </a:t>
-            </a:r>
-            <a:r>
-              <a:rPr lang="ru-RU" dirty="0" smtClean="0">
-                <a:latin typeface="+mj-lt"/>
-              </a:rPr>
-              <a:t>посещения</a:t>
-            </a:r>
-          </a:p>
-          <a:p>
-            <a:r>
-              <a:rPr lang="ru-RU" dirty="0" smtClean="0">
-                <a:latin typeface="+mj-lt"/>
-              </a:rPr>
-              <a:t>Время входа</a:t>
-            </a:r>
-          </a:p>
-          <a:p>
-            <a:r>
-              <a:rPr lang="ru-RU" dirty="0" smtClean="0">
-                <a:latin typeface="+mj-lt"/>
-              </a:rPr>
-              <a:t>Время </a:t>
-            </a:r>
-            <a:r>
-              <a:rPr lang="ru-RU" dirty="0" smtClean="0">
-                <a:latin typeface="+mj-lt"/>
-              </a:rPr>
-              <a:t>выхода </a:t>
-            </a:r>
-            <a:endParaRPr lang="ru-RU" dirty="0" smtClean="0">
-              <a:latin typeface="+mj-lt"/>
-            </a:endParaRPr>
-          </a:p>
-          <a:p>
-            <a:r>
-              <a:rPr lang="ru-RU" dirty="0" smtClean="0">
-                <a:latin typeface="+mj-lt"/>
-              </a:rPr>
-              <a:t>Предоставленные услуги</a:t>
-            </a:r>
-          </a:p>
-          <a:p>
-            <a:r>
-              <a:rPr lang="ru-RU" dirty="0" smtClean="0">
-                <a:latin typeface="+mj-lt"/>
-              </a:rPr>
-              <a:t>Количеств</a:t>
-            </a:r>
-            <a:r>
-              <a:rPr lang="ru-RU" dirty="0">
-                <a:latin typeface="+mj-lt"/>
-              </a:rPr>
-              <a:t>о</a:t>
-            </a:r>
-            <a:r>
-              <a:rPr lang="ru-RU" dirty="0" smtClean="0">
-                <a:latin typeface="+mj-lt"/>
-              </a:rPr>
-              <a:t> </a:t>
-            </a:r>
-            <a:r>
-              <a:rPr lang="ru-RU" dirty="0" smtClean="0">
-                <a:latin typeface="+mj-lt"/>
-              </a:rPr>
-              <a:t>людей в помещении</a:t>
-            </a:r>
-            <a:endParaRPr lang="en-US" dirty="0" smtClean="0">
-              <a:latin typeface="+mj-lt"/>
-            </a:endParaRPr>
-          </a:p>
-          <a:p>
-            <a:pPr marL="0" indent="0">
-              <a:buNone/>
-            </a:pPr>
-            <a:endParaRPr lang="en-US" dirty="0" smtClean="0">
-              <a:latin typeface="+mj-lt"/>
-            </a:endParaRPr>
-          </a:p>
-          <a:p>
-            <a:endParaRPr lang="ru-RU" dirty="0" smtClean="0">
-              <a:latin typeface="+mj-lt"/>
-            </a:endParaRPr>
-          </a:p>
-        </p:txBody>
-      </p:sp>
-      <p:pic>
-        <p:nvPicPr>
-          <p:cNvPr id="5" name="Рисунок 4"/>
-          <p:cNvPicPr>
-            <a:picLocks noChangeAspect="1"/>
-          </p:cNvPicPr>
-          <p:nvPr/>
-        </p:nvPicPr>
-        <p:blipFill>
-          <a:blip r:embed="rId2">
-            <a:duotone>
-              <a:prstClr val="black"/>
-              <a:srgbClr val="1D5DB5">
-                <a:tint val="45000"/>
-                <a:satMod val="400000"/>
-              </a:srgbClr>
-            </a:duotone>
-            <a:extLst>
-              <a:ext uri="{28A0092B-C50C-407E-A947-70E740481C1C}">
-                <a14:useLocalDpi xmlns:a14="http://schemas.microsoft.com/office/drawing/2010/main" val="0"/>
-              </a:ext>
-            </a:extLst>
-          </a:blip>
-          <a:stretch>
-            <a:fillRect/>
-          </a:stretch>
-        </p:blipFill>
-        <p:spPr>
-          <a:xfrm>
-            <a:off x="7740744" y="950147"/>
-            <a:ext cx="3619983" cy="5265430"/>
-          </a:xfrm>
-          <a:prstGeom prst="rect">
-            <a:avLst/>
-          </a:prstGeom>
-        </p:spPr>
-      </p:pic>
-      <p:sp>
-        <p:nvSpPr>
-          <p:cNvPr id="6" name="TextBox 5"/>
-          <p:cNvSpPr txBox="1"/>
-          <p:nvPr/>
-        </p:nvSpPr>
-        <p:spPr>
-          <a:xfrm>
-            <a:off x="8207293" y="1657865"/>
-            <a:ext cx="1200970" cy="461665"/>
-          </a:xfrm>
-          <a:prstGeom prst="rect">
-            <a:avLst/>
-          </a:prstGeom>
-          <a:noFill/>
-        </p:spPr>
-        <p:txBody>
-          <a:bodyPr wrap="none" rtlCol="0">
-            <a:spAutoFit/>
-          </a:bodyPr>
-          <a:lstStyle/>
-          <a:p>
-            <a:r>
-              <a:rPr lang="ru-RU" sz="2400" dirty="0" smtClean="0">
-                <a:latin typeface="+mj-lt"/>
-              </a:rPr>
-              <a:t>Возраст</a:t>
-            </a:r>
-            <a:endParaRPr lang="ru-RU" sz="2400" dirty="0">
-              <a:latin typeface="+mj-lt"/>
-            </a:endParaRPr>
-          </a:p>
-        </p:txBody>
-      </p:sp>
-      <p:sp>
-        <p:nvSpPr>
-          <p:cNvPr id="8" name="TextBox 7"/>
-          <p:cNvSpPr txBox="1"/>
-          <p:nvPr/>
-        </p:nvSpPr>
-        <p:spPr>
-          <a:xfrm>
-            <a:off x="9025626" y="2209600"/>
-            <a:ext cx="688715" cy="461665"/>
-          </a:xfrm>
-          <a:prstGeom prst="rect">
-            <a:avLst/>
-          </a:prstGeom>
-          <a:noFill/>
-        </p:spPr>
-        <p:txBody>
-          <a:bodyPr wrap="none" rtlCol="0">
-            <a:spAutoFit/>
-          </a:bodyPr>
-          <a:lstStyle/>
-          <a:p>
-            <a:r>
-              <a:rPr lang="ru-RU" sz="2400" dirty="0" smtClean="0">
-                <a:latin typeface="+mj-lt"/>
-              </a:rPr>
-              <a:t>Пол</a:t>
-            </a:r>
-            <a:endParaRPr lang="ru-RU" sz="2400" dirty="0">
-              <a:latin typeface="+mj-lt"/>
-            </a:endParaRPr>
-          </a:p>
-        </p:txBody>
-      </p:sp>
-      <p:sp>
-        <p:nvSpPr>
-          <p:cNvPr id="9" name="TextBox 8"/>
-          <p:cNvSpPr txBox="1"/>
-          <p:nvPr/>
-        </p:nvSpPr>
-        <p:spPr>
-          <a:xfrm>
-            <a:off x="9156592" y="1284909"/>
-            <a:ext cx="1097095" cy="461665"/>
-          </a:xfrm>
-          <a:prstGeom prst="rect">
-            <a:avLst/>
-          </a:prstGeom>
-          <a:noFill/>
-        </p:spPr>
-        <p:txBody>
-          <a:bodyPr wrap="none" rtlCol="0">
-            <a:spAutoFit/>
-          </a:bodyPr>
-          <a:lstStyle/>
-          <a:p>
-            <a:r>
-              <a:rPr lang="ru-RU" sz="2400" dirty="0" smtClean="0">
-                <a:latin typeface="+mj-lt"/>
-              </a:rPr>
-              <a:t>Услуги </a:t>
-            </a:r>
-            <a:endParaRPr lang="ru-RU" sz="2400" dirty="0">
-              <a:latin typeface="+mj-lt"/>
-            </a:endParaRPr>
-          </a:p>
-        </p:txBody>
-      </p:sp>
-      <p:sp>
-        <p:nvSpPr>
-          <p:cNvPr id="10" name="TextBox 9"/>
-          <p:cNvSpPr txBox="1"/>
-          <p:nvPr/>
-        </p:nvSpPr>
-        <p:spPr>
-          <a:xfrm>
-            <a:off x="9574302" y="1785016"/>
-            <a:ext cx="1131335" cy="461665"/>
-          </a:xfrm>
-          <a:prstGeom prst="rect">
-            <a:avLst/>
-          </a:prstGeom>
-          <a:noFill/>
-        </p:spPr>
-        <p:txBody>
-          <a:bodyPr wrap="none" rtlCol="0">
-            <a:spAutoFit/>
-          </a:bodyPr>
-          <a:lstStyle/>
-          <a:p>
-            <a:r>
-              <a:rPr lang="ru-RU" sz="2400" dirty="0" smtClean="0">
-                <a:latin typeface="+mj-lt"/>
-              </a:rPr>
-              <a:t>Товары</a:t>
-            </a:r>
-            <a:endParaRPr lang="ru-RU" sz="2400" dirty="0">
-              <a:latin typeface="+mj-lt"/>
-            </a:endParaRPr>
-          </a:p>
-        </p:txBody>
-      </p:sp>
-      <p:sp>
-        <p:nvSpPr>
-          <p:cNvPr id="11" name="TextBox 10"/>
-          <p:cNvSpPr txBox="1"/>
-          <p:nvPr/>
-        </p:nvSpPr>
-        <p:spPr>
-          <a:xfrm>
-            <a:off x="7936413" y="5355552"/>
-            <a:ext cx="3275777" cy="830997"/>
-          </a:xfrm>
-          <a:prstGeom prst="rect">
-            <a:avLst/>
-          </a:prstGeom>
-          <a:noFill/>
-        </p:spPr>
-        <p:txBody>
-          <a:bodyPr wrap="square" rtlCol="0">
-            <a:spAutoFit/>
-          </a:bodyPr>
-          <a:lstStyle/>
-          <a:p>
-            <a:pPr algn="ctr"/>
-            <a:r>
-              <a:rPr lang="ru-RU" sz="2400" dirty="0" smtClean="0">
-                <a:solidFill>
-                  <a:schemeClr val="bg1"/>
-                </a:solidFill>
-                <a:latin typeface="+mj-lt"/>
-              </a:rPr>
-              <a:t>Повышение качества предоставляемых услуг</a:t>
-            </a:r>
-            <a:endParaRPr lang="ru-RU" sz="2400" dirty="0">
-              <a:solidFill>
-                <a:schemeClr val="bg1"/>
-              </a:solidFill>
-              <a:latin typeface="+mj-lt"/>
-            </a:endParaRPr>
-          </a:p>
-        </p:txBody>
-      </p:sp>
-      <p:cxnSp>
-        <p:nvCxnSpPr>
-          <p:cNvPr id="12" name="Прямая соединительная линия 11"/>
-          <p:cNvCxnSpPr/>
-          <p:nvPr/>
-        </p:nvCxnSpPr>
-        <p:spPr>
-          <a:xfrm>
-            <a:off x="9832479" y="3427579"/>
-            <a:ext cx="862283" cy="13648"/>
-          </a:xfrm>
-          <a:prstGeom prst="line">
-            <a:avLst/>
-          </a:prstGeom>
-          <a:ln>
-            <a:solidFill>
-              <a:schemeClr val="accent1">
-                <a:lumMod val="50000"/>
-              </a:schemeClr>
-            </a:solidFill>
-          </a:ln>
-        </p:spPr>
-        <p:style>
-          <a:lnRef idx="1">
-            <a:schemeClr val="accent1"/>
-          </a:lnRef>
-          <a:fillRef idx="0">
-            <a:schemeClr val="accent1"/>
-          </a:fillRef>
-          <a:effectRef idx="0">
-            <a:schemeClr val="accent1"/>
-          </a:effectRef>
-          <a:fontRef idx="minor">
-            <a:schemeClr val="tx1"/>
-          </a:fontRef>
-        </p:style>
-      </p:cxnSp>
-      <p:sp>
-        <p:nvSpPr>
-          <p:cNvPr id="13" name="TextBox 12"/>
-          <p:cNvSpPr txBox="1"/>
-          <p:nvPr/>
-        </p:nvSpPr>
-        <p:spPr>
-          <a:xfrm>
-            <a:off x="10705637" y="3242913"/>
-            <a:ext cx="1569982" cy="461665"/>
-          </a:xfrm>
-          <a:prstGeom prst="rect">
-            <a:avLst/>
-          </a:prstGeom>
-          <a:noFill/>
-        </p:spPr>
-        <p:txBody>
-          <a:bodyPr wrap="none" rtlCol="0">
-            <a:spAutoFit/>
-          </a:bodyPr>
-          <a:lstStyle/>
-          <a:p>
-            <a:r>
-              <a:rPr lang="ru-RU" sz="2400" dirty="0" smtClean="0">
-                <a:latin typeface="+mj-lt"/>
-              </a:rPr>
-              <a:t>Аналитика</a:t>
-            </a:r>
-            <a:endParaRPr lang="ru-RU" sz="2400" dirty="0">
-              <a:latin typeface="+mj-lt"/>
-            </a:endParaRPr>
-          </a:p>
-        </p:txBody>
-      </p:sp>
-      <p:sp>
-        <p:nvSpPr>
-          <p:cNvPr id="14" name="Заголовок 1"/>
-          <p:cNvSpPr>
-            <a:spLocks noGrp="1"/>
-          </p:cNvSpPr>
-          <p:nvPr>
-            <p:ph type="title"/>
-          </p:nvPr>
-        </p:nvSpPr>
-        <p:spPr>
-          <a:xfrm>
-            <a:off x="632197" y="445452"/>
-            <a:ext cx="10515600" cy="1325562"/>
-          </a:xfrm>
-        </p:spPr>
-        <p:txBody>
-          <a:bodyPr/>
-          <a:lstStyle/>
-          <a:p>
-            <a:r>
-              <a:rPr lang="ru-RU" dirty="0"/>
-              <a:t>Сбор статистических </a:t>
-            </a:r>
-            <a:r>
-              <a:rPr lang="ru-RU" dirty="0" smtClean="0"/>
-              <a:t>данных</a:t>
-            </a:r>
-            <a:endParaRPr lang="ru-RU" dirty="0"/>
-          </a:p>
-        </p:txBody>
-      </p:sp>
-    </p:spTree>
-    <p:extLst>
-      <p:ext uri="{BB962C8B-B14F-4D97-AF65-F5344CB8AC3E}">
-        <p14:creationId xmlns:p14="http://schemas.microsoft.com/office/powerpoint/2010/main" val="1963864163"/>
-      </p:ext>
-    </p:extLst>
-  </p:cSld>
-  <p:clrMapOvr>
-    <a:masterClrMapping/>
-  </p:clrMapOvr>
-  <p:timing>
-    <p:tnLst>
-      <p:par>
-        <p:cTn id="1" dur="indefinite" restart="never" nodeType="tmRoot">
-          <p:childTnLst>
-            <p:seq concurrent="1" nextAc="seek">
-              <p:cTn id="2" dur="indefinite" nodeType="mainSeq">
-                <p:childTnLst>
-                  <p:par>
-                    <p:cTn id="3" fill="hold">
-                      <p:stCondLst>
-                        <p:cond delay="indefinite"/>
-                      </p:stCondLst>
-                      <p:childTnLst>
-                        <p:par>
-                          <p:cTn id="4" fill="hold">
-                            <p:stCondLst>
-                              <p:cond delay="0"/>
-                            </p:stCondLst>
-                            <p:childTnLst>
-                              <p:par>
-                                <p:cTn id="5" presetID="10" presetClass="entr" presetSubtype="0" fill="hold" grpId="0" nodeType="clickEffect">
-                                  <p:stCondLst>
-                                    <p:cond delay="0"/>
-                                  </p:stCondLst>
-                                  <p:childTnLst>
-                                    <p:set>
-                                      <p:cBhvr>
-                                        <p:cTn id="6" dur="1" fill="hold">
-                                          <p:stCondLst>
-                                            <p:cond delay="0"/>
-                                          </p:stCondLst>
-                                        </p:cTn>
-                                        <p:tgtEl>
-                                          <p:spTgt spid="9"/>
-                                        </p:tgtEl>
-                                        <p:attrNameLst>
-                                          <p:attrName>style.visibility</p:attrName>
-                                        </p:attrNameLst>
-                                      </p:cBhvr>
-                                      <p:to>
-                                        <p:strVal val="visible"/>
-                                      </p:to>
-                                    </p:set>
-                                    <p:animEffect transition="in" filter="fade">
-                                      <p:cBhvr>
-                                        <p:cTn id="7" dur="500"/>
-                                        <p:tgtEl>
-                                          <p:spTgt spid="9"/>
-                                        </p:tgtEl>
-                                      </p:cBhvr>
-                                    </p:animEffect>
-                                  </p:childTnLst>
-                                </p:cTn>
-                              </p:par>
-                            </p:childTnLst>
-                          </p:cTn>
-                        </p:par>
-                      </p:childTnLst>
-                    </p:cTn>
-                  </p:par>
-                  <p:par>
-                    <p:cTn id="8" fill="hold">
-                      <p:stCondLst>
-                        <p:cond delay="indefinite"/>
-                      </p:stCondLst>
-                      <p:childTnLst>
-                        <p:par>
-                          <p:cTn id="9" fill="hold">
-                            <p:stCondLst>
-                              <p:cond delay="0"/>
-                            </p:stCondLst>
-                            <p:childTnLst>
-                              <p:par>
-                                <p:cTn id="10" presetID="10" presetClass="entr" presetSubtype="0" fill="hold" grpId="0" nodeType="clickEffect">
-                                  <p:stCondLst>
-                                    <p:cond delay="0"/>
-                                  </p:stCondLst>
-                                  <p:childTnLst>
-                                    <p:set>
-                                      <p:cBhvr>
-                                        <p:cTn id="11" dur="1" fill="hold">
-                                          <p:stCondLst>
-                                            <p:cond delay="0"/>
-                                          </p:stCondLst>
-                                        </p:cTn>
-                                        <p:tgtEl>
-                                          <p:spTgt spid="6"/>
-                                        </p:tgtEl>
-                                        <p:attrNameLst>
-                                          <p:attrName>style.visibility</p:attrName>
-                                        </p:attrNameLst>
-                                      </p:cBhvr>
-                                      <p:to>
-                                        <p:strVal val="visible"/>
-                                      </p:to>
-                                    </p:set>
-                                    <p:animEffect transition="in" filter="fade">
-                                      <p:cBhvr>
-                                        <p:cTn id="12" dur="500"/>
-                                        <p:tgtEl>
-                                          <p:spTgt spid="6"/>
-                                        </p:tgtEl>
-                                      </p:cBhvr>
-                                    </p:animEffect>
-                                  </p:childTnLst>
-                                </p:cTn>
-                              </p:par>
-                            </p:childTnLst>
-                          </p:cTn>
-                        </p:par>
-                      </p:childTnLst>
-                    </p:cTn>
-                  </p:par>
-                  <p:par>
-                    <p:cTn id="13" fill="hold">
-                      <p:stCondLst>
-                        <p:cond delay="indefinite"/>
-                      </p:stCondLst>
-                      <p:childTnLst>
-                        <p:par>
-                          <p:cTn id="14" fill="hold">
-                            <p:stCondLst>
-                              <p:cond delay="0"/>
-                            </p:stCondLst>
-                            <p:childTnLst>
-                              <p:par>
-                                <p:cTn id="15" presetID="10" presetClass="entr" presetSubtype="0" fill="hold" grpId="0" nodeType="clickEffect">
-                                  <p:stCondLst>
-                                    <p:cond delay="0"/>
-                                  </p:stCondLst>
-                                  <p:childTnLst>
-                                    <p:set>
-                                      <p:cBhvr>
-                                        <p:cTn id="16" dur="1" fill="hold">
-                                          <p:stCondLst>
-                                            <p:cond delay="0"/>
-                                          </p:stCondLst>
-                                        </p:cTn>
-                                        <p:tgtEl>
-                                          <p:spTgt spid="10"/>
-                                        </p:tgtEl>
-                                        <p:attrNameLst>
-                                          <p:attrName>style.visibility</p:attrName>
-                                        </p:attrNameLst>
-                                      </p:cBhvr>
-                                      <p:to>
-                                        <p:strVal val="visible"/>
-                                      </p:to>
-                                    </p:set>
-                                    <p:animEffect transition="in" filter="fade">
-                                      <p:cBhvr>
-                                        <p:cTn id="17" dur="500"/>
-                                        <p:tgtEl>
-                                          <p:spTgt spid="10"/>
-                                        </p:tgtEl>
-                                      </p:cBhvr>
-                                    </p:animEffect>
-                                  </p:childTnLst>
-                                </p:cTn>
-                              </p:par>
-                            </p:childTnLst>
-                          </p:cTn>
-                        </p:par>
-                      </p:childTnLst>
-                    </p:cTn>
-                  </p:par>
-                  <p:par>
-                    <p:cTn id="18" fill="hold">
-                      <p:stCondLst>
-                        <p:cond delay="indefinite"/>
-                      </p:stCondLst>
-                      <p:childTnLst>
-                        <p:par>
-                          <p:cTn id="19" fill="hold">
-                            <p:stCondLst>
-                              <p:cond delay="0"/>
-                            </p:stCondLst>
-                            <p:childTnLst>
-                              <p:par>
-                                <p:cTn id="20" presetID="10" presetClass="entr" presetSubtype="0" fill="hold" grpId="0" nodeType="clickEffect">
-                                  <p:stCondLst>
-                                    <p:cond delay="0"/>
-                                  </p:stCondLst>
-                                  <p:childTnLst>
-                                    <p:set>
-                                      <p:cBhvr>
-                                        <p:cTn id="21" dur="1" fill="hold">
-                                          <p:stCondLst>
-                                            <p:cond delay="0"/>
-                                          </p:stCondLst>
-                                        </p:cTn>
-                                        <p:tgtEl>
-                                          <p:spTgt spid="8"/>
-                                        </p:tgtEl>
-                                        <p:attrNameLst>
-                                          <p:attrName>style.visibility</p:attrName>
-                                        </p:attrNameLst>
-                                      </p:cBhvr>
-                                      <p:to>
-                                        <p:strVal val="visible"/>
-                                      </p:to>
-                                    </p:set>
-                                    <p:animEffect transition="in" filter="fade">
-                                      <p:cBhvr>
-                                        <p:cTn id="22" dur="500"/>
-                                        <p:tgtEl>
-                                          <p:spTgt spid="8"/>
-                                        </p:tgtEl>
-                                      </p:cBhvr>
-                                    </p:animEffect>
-                                  </p:childTnLst>
-                                </p:cTn>
-                              </p:par>
-                            </p:childTnLst>
-                          </p:cTn>
-                        </p:par>
-                      </p:childTnLst>
-                    </p:cTn>
-                  </p:par>
-                  <p:par>
-                    <p:cTn id="23" fill="hold">
-                      <p:stCondLst>
-                        <p:cond delay="indefinite"/>
-                      </p:stCondLst>
-                      <p:childTnLst>
-                        <p:par>
-                          <p:cTn id="24" fill="hold">
-                            <p:stCondLst>
-                              <p:cond delay="0"/>
-                            </p:stCondLst>
-                            <p:childTnLst>
-                              <p:par>
-                                <p:cTn id="25" presetID="10" presetClass="entr" presetSubtype="0" fill="hold" nodeType="clickEffect">
-                                  <p:stCondLst>
-                                    <p:cond delay="0"/>
-                                  </p:stCondLst>
-                                  <p:childTnLst>
-                                    <p:set>
-                                      <p:cBhvr>
-                                        <p:cTn id="26" dur="1" fill="hold">
-                                          <p:stCondLst>
-                                            <p:cond delay="0"/>
-                                          </p:stCondLst>
-                                        </p:cTn>
-                                        <p:tgtEl>
-                                          <p:spTgt spid="12"/>
-                                        </p:tgtEl>
-                                        <p:attrNameLst>
-                                          <p:attrName>style.visibility</p:attrName>
-                                        </p:attrNameLst>
-                                      </p:cBhvr>
-                                      <p:to>
-                                        <p:strVal val="visible"/>
-                                      </p:to>
-                                    </p:set>
-                                    <p:animEffect transition="in" filter="fade">
-                                      <p:cBhvr>
-                                        <p:cTn id="27" dur="500"/>
-                                        <p:tgtEl>
-                                          <p:spTgt spid="12"/>
-                                        </p:tgtEl>
-                                      </p:cBhvr>
-                                    </p:animEffect>
-                                  </p:childTnLst>
-                                </p:cTn>
-                              </p:par>
-                            </p:childTnLst>
-                          </p:cTn>
-                        </p:par>
-                      </p:childTnLst>
-                    </p:cTn>
-                  </p:par>
-                  <p:par>
-                    <p:cTn id="28" fill="hold">
-                      <p:stCondLst>
-                        <p:cond delay="indefinite"/>
-                      </p:stCondLst>
-                      <p:childTnLst>
-                        <p:par>
-                          <p:cTn id="29" fill="hold">
-                            <p:stCondLst>
-                              <p:cond delay="0"/>
-                            </p:stCondLst>
-                            <p:childTnLst>
-                              <p:par>
-                                <p:cTn id="30" presetID="10" presetClass="entr" presetSubtype="0" fill="hold" grpId="0" nodeType="clickEffect">
-                                  <p:stCondLst>
-                                    <p:cond delay="0"/>
-                                  </p:stCondLst>
-                                  <p:childTnLst>
-                                    <p:set>
-                                      <p:cBhvr>
-                                        <p:cTn id="31" dur="1" fill="hold">
-                                          <p:stCondLst>
-                                            <p:cond delay="0"/>
-                                          </p:stCondLst>
-                                        </p:cTn>
-                                        <p:tgtEl>
-                                          <p:spTgt spid="13"/>
-                                        </p:tgtEl>
-                                        <p:attrNameLst>
-                                          <p:attrName>style.visibility</p:attrName>
-                                        </p:attrNameLst>
-                                      </p:cBhvr>
-                                      <p:to>
-                                        <p:strVal val="visible"/>
-                                      </p:to>
-                                    </p:set>
-                                    <p:animEffect transition="in" filter="fade">
-                                      <p:cBhvr>
-                                        <p:cTn id="32" dur="500"/>
-                                        <p:tgtEl>
-                                          <p:spTgt spid="13"/>
-                                        </p:tgtEl>
-                                      </p:cBhvr>
-                                    </p:animEffect>
-                                  </p:childTnLst>
-                                </p:cTn>
-                              </p:par>
-                            </p:childTnLst>
-                          </p:cTn>
-                        </p:par>
-                      </p:childTnLst>
-                    </p:cTn>
-                  </p:par>
-                  <p:par>
-                    <p:cTn id="33" fill="hold">
-                      <p:stCondLst>
-                        <p:cond delay="indefinite"/>
-                      </p:stCondLst>
-                      <p:childTnLst>
-                        <p:par>
-                          <p:cTn id="34" fill="hold">
-                            <p:stCondLst>
-                              <p:cond delay="0"/>
-                            </p:stCondLst>
-                            <p:childTnLst>
-                              <p:par>
-                                <p:cTn id="35" presetID="10" presetClass="entr" presetSubtype="0" fill="hold" grpId="0" nodeType="clickEffect">
-                                  <p:stCondLst>
-                                    <p:cond delay="0"/>
-                                  </p:stCondLst>
-                                  <p:childTnLst>
-                                    <p:set>
-                                      <p:cBhvr>
-                                        <p:cTn id="36" dur="1" fill="hold">
-                                          <p:stCondLst>
-                                            <p:cond delay="0"/>
-                                          </p:stCondLst>
-                                        </p:cTn>
-                                        <p:tgtEl>
-                                          <p:spTgt spid="11"/>
-                                        </p:tgtEl>
-                                        <p:attrNameLst>
-                                          <p:attrName>style.visibility</p:attrName>
-                                        </p:attrNameLst>
-                                      </p:cBhvr>
-                                      <p:to>
-                                        <p:strVal val="visible"/>
-                                      </p:to>
-                                    </p:set>
-                                    <p:animEffect transition="in" filter="fade">
-                                      <p:cBhvr>
-                                        <p:cTn id="37" dur="500"/>
-                                        <p:tgtEl>
-                                          <p:spTgt spid="11"/>
-                                        </p:tgtEl>
-                                      </p:cBhvr>
-                                    </p:animEffect>
-                                  </p:childTnLst>
-                                </p:cTn>
-                              </p:par>
-                            </p:childTnLst>
-                          </p:cTn>
-                        </p:par>
-                      </p:childTnLst>
-                    </p:cTn>
-                  </p:par>
-                </p:childTnLst>
-              </p:cTn>
-              <p:prevCondLst>
-                <p:cond evt="onPrev" delay="0">
-                  <p:tgtEl>
-                    <p:sldTgt/>
-                  </p:tgtEl>
-                </p:cond>
-              </p:prevCondLst>
-              <p:nextCondLst>
-                <p:cond evt="onNext" delay="0">
-                  <p:tgtEl>
-                    <p:sldTgt/>
-                  </p:tgtEl>
-                </p:cond>
-              </p:nextCondLst>
-            </p:seq>
-          </p:childTnLst>
-        </p:cTn>
-      </p:par>
-    </p:tnLst>
-    <p:bldLst>
-      <p:bldP spid="6" grpId="0"/>
-      <p:bldP spid="8" grpId="0"/>
-      <p:bldP spid="9" grpId="0"/>
-      <p:bldP spid="10" grpId="0"/>
-      <p:bldP spid="11" grpId="0"/>
-      <p:bldP spid="13" grpId="0"/>
-    </p:bldLst>
-  </p:timing>
-</p:sld>
-</file>
-
 <file path=ppt/slides/slide5.xml><?xml version="1.0" encoding="utf-8"?>
 <p:sld xmlns:a="http://schemas.openxmlformats.org/drawingml/2006/main" xmlns:r="http://schemas.openxmlformats.org/officeDocument/2006/relationships" xmlns:p="http://schemas.openxmlformats.org/presentationml/2006/main">
   <p:cSld>
@@ -8502,7 +9702,7 @@
         </p:blipFill>
         <p:spPr>
           <a:xfrm>
-            <a:off x="1167263" y="467435"/>
+            <a:off x="1160119" y="497597"/>
             <a:ext cx="9660393" cy="5088299"/>
           </a:xfrm>
           <a:prstGeom prst="rect">
@@ -8512,13 +9712,13 @@
       </p:pic>
       <p:pic>
         <p:nvPicPr>
-          <p:cNvPr id="7" name="Рисунок 6"/>
+          <p:cNvPr id="4" name="Рисунок 3"/>
           <p:cNvPicPr>
             <a:picLocks noChangeAspect="1"/>
           </p:cNvPicPr>
           <p:nvPr/>
         </p:nvPicPr>
-        <p:blipFill rotWithShape="1">
+        <p:blipFill>
           <a:blip r:embed="rId3">
             <a:extLst>
               <a:ext uri="{28A0092B-C50C-407E-A947-70E740481C1C}">
@@ -8526,13 +9726,14 @@
               </a:ext>
             </a:extLst>
           </a:blip>
-          <a:srcRect l="31400" r="31291"/>
-          <a:stretch/>
+          <a:stretch>
+            <a:fillRect/>
+          </a:stretch>
         </p:blipFill>
         <p:spPr>
           <a:xfrm>
-            <a:off x="5363514" y="2740113"/>
-            <a:ext cx="1464972" cy="3926625"/>
+            <a:off x="5300441" y="2652273"/>
+            <a:ext cx="1443874" cy="3674249"/>
           </a:xfrm>
           <a:prstGeom prst="rect">
             <a:avLst/>
@@ -8547,7 +9748,7 @@
         </p:nvSpPr>
         <p:spPr>
           <a:xfrm>
-            <a:off x="5709257" y="2674619"/>
+            <a:off x="5633053" y="2539658"/>
             <a:ext cx="770689" cy="770689"/>
           </a:xfrm>
           <a:prstGeom prst="rect">
@@ -8593,8 +9794,8 @@
         </p:nvCxnSpPr>
         <p:spPr>
           <a:xfrm>
-            <a:off x="6479946" y="3445308"/>
-            <a:ext cx="2083029" cy="1360055"/>
+            <a:off x="6403742" y="3307172"/>
+            <a:ext cx="1802046" cy="1499779"/>
           </a:xfrm>
           <a:prstGeom prst="line">
             <a:avLst/>
@@ -8642,13 +9843,13 @@
         </p:blipFill>
         <p:spPr>
           <a:xfrm>
-            <a:off x="8258175" y="4805363"/>
+            <a:off x="7848644" y="4806951"/>
             <a:ext cx="3258005" cy="1038370"/>
           </a:xfrm>
           <a:prstGeom prst="rect">
             <a:avLst/>
           </a:prstGeom>
-          <a:ln>
+          <a:ln w="19050">
             <a:solidFill>
               <a:srgbClr val="FF0000"/>
             </a:solidFill>
@@ -8699,7 +9900,7 @@
                                           </p:stCondLst>
                                         </p:cTn>
                                         <p:tgtEl>
-                                          <p:spTgt spid="7"/>
+                                          <p:spTgt spid="4"/>
                                         </p:tgtEl>
                                         <p:attrNameLst>
                                           <p:attrName>style.visibility</p:attrName>
@@ -8713,7 +9914,7 @@
                                       <p:cBhvr>
                                         <p:cTn id="7" dur="1000"/>
                                         <p:tgtEl>
-                                          <p:spTgt spid="7"/>
+                                          <p:spTgt spid="4"/>
                                         </p:tgtEl>
                                       </p:cBhvr>
                                     </p:animEffect>
@@ -8721,7 +9922,7 @@
                                       <p:cBhvr>
                                         <p:cTn id="8" dur="1000" fill="hold"/>
                                         <p:tgtEl>
-                                          <p:spTgt spid="7"/>
+                                          <p:spTgt spid="4"/>
                                         </p:tgtEl>
                                         <p:attrNameLst>
                                           <p:attrName>ppt_x</p:attrName>
@@ -8744,7 +9945,7 @@
                                       <p:cBhvr>
                                         <p:cTn id="9" dur="1000" fill="hold"/>
                                         <p:tgtEl>
-                                          <p:spTgt spid="7"/>
+                                          <p:spTgt spid="4"/>
                                         </p:tgtEl>
                                         <p:attrNameLst>
                                           <p:attrName>ppt_y</p:attrName>
@@ -8819,33 +10020,15 @@
                                   </p:childTnLst>
                                 </p:cTn>
                               </p:par>
-                            </p:childTnLst>
-                          </p:cTn>
-                        </p:par>
-                      </p:childTnLst>
-                    </p:cTn>
-                  </p:par>
-                  <p:par>
-                    <p:cTn id="15" fill="hold">
-                      <p:stCondLst>
-                        <p:cond delay="indefinite"/>
-                      </p:stCondLst>
-                      <p:childTnLst>
-                        <p:par>
-                          <p:cTn id="16" fill="hold">
-                            <p:stCondLst>
-                              <p:cond delay="0"/>
-                            </p:stCondLst>
-                            <p:childTnLst>
                               <p:par>
-                                <p:cTn id="17" presetID="10" presetClass="entr" presetSubtype="0" fill="hold" nodeType="clickEffect">
+                                <p:cTn id="15" presetID="10" presetClass="entr" presetSubtype="0" fill="hold" nodeType="withEffect">
                                   <p:stCondLst>
                                     <p:cond delay="0"/>
                                   </p:stCondLst>
                                   <p:childTnLst>
                                     <p:set>
                                       <p:cBhvr>
-                                        <p:cTn id="18" dur="1" fill="hold">
+                                        <p:cTn id="16" dur="1" fill="hold">
                                           <p:stCondLst>
                                             <p:cond delay="0"/>
                                           </p:stCondLst>
@@ -8863,7 +10046,7 @@
                                     </p:set>
                                     <p:animEffect transition="in" filter="fade">
                                       <p:cBhvr>
-                                        <p:cTn id="19" dur="500"/>
+                                        <p:cTn id="17" dur="500"/>
                                         <p:tgtEl>
                                           <p:spTgt spid="11"/>
                                         </p:tgtEl>
@@ -8872,33 +10055,15 @@
                                   </p:childTnLst>
                                 </p:cTn>
                               </p:par>
-                            </p:childTnLst>
-                          </p:cTn>
-                        </p:par>
-                      </p:childTnLst>
-                    </p:cTn>
-                  </p:par>
-                  <p:par>
-                    <p:cTn id="20" fill="hold">
-                      <p:stCondLst>
-                        <p:cond delay="indefinite"/>
-                      </p:stCondLst>
-                      <p:childTnLst>
-                        <p:par>
-                          <p:cTn id="21" fill="hold">
-                            <p:stCondLst>
-                              <p:cond delay="0"/>
-                            </p:stCondLst>
-                            <p:childTnLst>
                               <p:par>
-                                <p:cTn id="22" presetID="10" presetClass="entr" presetSubtype="0" fill="hold" nodeType="clickEffect">
+                                <p:cTn id="18" presetID="10" presetClass="entr" presetSubtype="0" fill="hold" nodeType="withEffect">
                                   <p:stCondLst>
                                     <p:cond delay="0"/>
                                   </p:stCondLst>
                                   <p:childTnLst>
                                     <p:set>
                                       <p:cBhvr>
-                                        <p:cTn id="23" dur="1" fill="hold">
+                                        <p:cTn id="19" dur="1" fill="hold">
                                           <p:stCondLst>
                                             <p:cond delay="0"/>
                                           </p:stCondLst>
@@ -8916,7 +10081,7 @@
                                     </p:set>
                                     <p:animEffect transition="in" filter="fade">
                                       <p:cBhvr>
-                                        <p:cTn id="24" dur="500"/>
+                                        <p:cTn id="20" dur="500"/>
                                         <p:tgtEl>
                                           <p:spTgt spid="12"/>
                                         </p:tgtEl>
@@ -9282,6 +10447,40 @@
           </a:effectLst>
         </p:spPr>
       </p:pic>
+      <p:sp>
+        <p:nvSpPr>
+          <p:cNvPr id="5" name="TextBox 4"/>
+          <p:cNvSpPr txBox="1"/>
+          <p:nvPr/>
+        </p:nvSpPr>
+        <p:spPr>
+          <a:xfrm>
+            <a:off x="571500" y="6311900"/>
+            <a:ext cx="776175" cy="369332"/>
+          </a:xfrm>
+          <a:prstGeom prst="rect">
+            <a:avLst/>
+          </a:prstGeom>
+          <a:noFill/>
+        </p:spPr>
+        <p:txBody>
+          <a:bodyPr wrap="none" rtlCol="0">
+            <a:spAutoFit/>
+          </a:bodyPr>
+          <a:lstStyle/>
+          <a:p>
+            <a:r>
+              <a:rPr lang="ru-RU" dirty="0" smtClean="0"/>
+              <a:t>* </a:t>
+            </a:r>
+            <a:r>
+              <a:rPr lang="en-US" dirty="0" smtClean="0"/>
+              <a:t>RNN</a:t>
+            </a:r>
+            <a:endParaRPr lang="ru-RU" dirty="0"/>
+          </a:p>
+        </p:txBody>
+      </p:sp>
     </p:spTree>
     <p:extLst>
       <p:ext uri="{BB962C8B-B14F-4D97-AF65-F5344CB8AC3E}">
@@ -9434,7 +10633,7 @@
 </file>
 
 <file path=ppt/slides/slide8.xml><?xml version="1.0" encoding="utf-8"?>
-<p:sld xmlns:a="http://schemas.openxmlformats.org/drawingml/2006/main" xmlns:r="http://schemas.openxmlformats.org/officeDocument/2006/relationships" xmlns:p="http://schemas.openxmlformats.org/presentationml/2006/main" show="0">
+<p:sld xmlns:a="http://schemas.openxmlformats.org/drawingml/2006/main" xmlns:r="http://schemas.openxmlformats.org/officeDocument/2006/relationships" xmlns:p="http://schemas.openxmlformats.org/presentationml/2006/main">
   <p:cSld>
     <p:spTree>
       <p:nvGrpSpPr>
@@ -9450,9 +10649,33 @@
           <a:chExt cx="0" cy="0"/>
         </a:xfrm>
       </p:grpSpPr>
+      <p:sp>
+        <p:nvSpPr>
+          <p:cNvPr id="2" name="Заголовок 1"/>
+          <p:cNvSpPr>
+            <a:spLocks noGrp="1"/>
+          </p:cNvSpPr>
+          <p:nvPr>
+            <p:ph type="title"/>
+          </p:nvPr>
+        </p:nvSpPr>
+        <p:spPr/>
+        <p:txBody>
+          <a:bodyPr/>
+          <a:lstStyle/>
+          <a:p>
+            <a:pPr algn="ctr"/>
+            <a:r>
+              <a:rPr lang="ru-RU" dirty="0" smtClean="0"/>
+              <a:t>Команда 404</a:t>
+            </a:r>
+            <a:endParaRPr lang="ru-RU" dirty="0"/>
+          </a:p>
+        </p:txBody>
+      </p:sp>
       <p:pic>
         <p:nvPicPr>
-          <p:cNvPr id="6" name="Рисунок 5"/>
+          <p:cNvPr id="4" name="Рисунок 3"/>
           <p:cNvPicPr>
             <a:picLocks noChangeAspect="1"/>
           </p:cNvPicPr>
@@ -9472,10 +10695,350 @@
         </p:blipFill>
         <p:spPr>
           <a:xfrm>
-            <a:off x="2745467" y="918026"/>
-            <a:ext cx="6950075" cy="5372039"/>
+            <a:off x="845127" y="2441419"/>
+            <a:ext cx="7579000" cy="2473481"/>
           </a:xfrm>
           <a:prstGeom prst="rect">
+            <a:avLst/>
+          </a:prstGeom>
+        </p:spPr>
+      </p:pic>
+      <p:pic>
+        <p:nvPicPr>
+          <p:cNvPr id="5" name="Рисунок 4"/>
+          <p:cNvPicPr>
+            <a:picLocks noChangeAspect="1"/>
+          </p:cNvPicPr>
+          <p:nvPr/>
+        </p:nvPicPr>
+        <p:blipFill rotWithShape="1">
+          <a:blip r:embed="rId3">
+            <a:extLst>
+              <a:ext uri="{28A0092B-C50C-407E-A947-70E740481C1C}">
+                <a14:useLocalDpi xmlns:a14="http://schemas.microsoft.com/office/drawing/2010/main" val="0"/>
+              </a:ext>
+            </a:extLst>
+          </a:blip>
+          <a:srcRect t="5489" b="9810"/>
+          <a:stretch/>
+        </p:blipFill>
+        <p:spPr>
+          <a:xfrm>
+            <a:off x="8600312" y="2559663"/>
+            <a:ext cx="2231173" cy="2264102"/>
+          </a:xfrm>
+          <a:prstGeom prst="ellipse">
+            <a:avLst/>
+          </a:prstGeom>
+        </p:spPr>
+      </p:pic>
+      <p:sp>
+        <p:nvSpPr>
+          <p:cNvPr id="6" name="TextBox 5"/>
+          <p:cNvSpPr txBox="1"/>
+          <p:nvPr/>
+        </p:nvSpPr>
+        <p:spPr>
+          <a:xfrm>
+            <a:off x="1485900" y="5054600"/>
+            <a:ext cx="1045479" cy="461665"/>
+          </a:xfrm>
+          <a:prstGeom prst="rect">
+            <a:avLst/>
+          </a:prstGeom>
+          <a:noFill/>
+        </p:spPr>
+        <p:txBody>
+          <a:bodyPr wrap="none" rtlCol="0">
+            <a:spAutoFit/>
+          </a:bodyPr>
+          <a:lstStyle/>
+          <a:p>
+            <a:r>
+              <a:rPr lang="ru-RU" sz="2400" dirty="0" smtClean="0"/>
+              <a:t>Вадим</a:t>
+            </a:r>
+            <a:endParaRPr lang="ru-RU" sz="2400" dirty="0"/>
+          </a:p>
+        </p:txBody>
+      </p:sp>
+      <p:sp>
+        <p:nvSpPr>
+          <p:cNvPr id="7" name="TextBox 6"/>
+          <p:cNvSpPr txBox="1"/>
+          <p:nvPr/>
+        </p:nvSpPr>
+        <p:spPr>
+          <a:xfrm>
+            <a:off x="4002947" y="5054599"/>
+            <a:ext cx="1263359" cy="461665"/>
+          </a:xfrm>
+          <a:prstGeom prst="rect">
+            <a:avLst/>
+          </a:prstGeom>
+          <a:noFill/>
+        </p:spPr>
+        <p:txBody>
+          <a:bodyPr wrap="none" rtlCol="0">
+            <a:spAutoFit/>
+          </a:bodyPr>
+          <a:lstStyle/>
+          <a:p>
+            <a:r>
+              <a:rPr lang="ru-RU" sz="2400" dirty="0" smtClean="0"/>
+              <a:t>Алексей</a:t>
+            </a:r>
+            <a:endParaRPr lang="ru-RU" sz="2400" dirty="0"/>
+          </a:p>
+        </p:txBody>
+      </p:sp>
+      <p:sp>
+        <p:nvSpPr>
+          <p:cNvPr id="8" name="TextBox 7"/>
+          <p:cNvSpPr txBox="1"/>
+          <p:nvPr/>
+        </p:nvSpPr>
+        <p:spPr>
+          <a:xfrm>
+            <a:off x="6737874" y="5054598"/>
+            <a:ext cx="761491" cy="461665"/>
+          </a:xfrm>
+          <a:prstGeom prst="rect">
+            <a:avLst/>
+          </a:prstGeom>
+          <a:noFill/>
+        </p:spPr>
+        <p:txBody>
+          <a:bodyPr wrap="none" rtlCol="0">
+            <a:spAutoFit/>
+          </a:bodyPr>
+          <a:lstStyle/>
+          <a:p>
+            <a:r>
+              <a:rPr lang="ru-RU" sz="2400" dirty="0" smtClean="0"/>
+              <a:t>Егор</a:t>
+            </a:r>
+            <a:endParaRPr lang="ru-RU" sz="2400" dirty="0"/>
+          </a:p>
+        </p:txBody>
+      </p:sp>
+      <p:sp>
+        <p:nvSpPr>
+          <p:cNvPr id="9" name="TextBox 8"/>
+          <p:cNvSpPr txBox="1"/>
+          <p:nvPr/>
+        </p:nvSpPr>
+        <p:spPr>
+          <a:xfrm>
+            <a:off x="8950337" y="5054597"/>
+            <a:ext cx="1531125" cy="461665"/>
+          </a:xfrm>
+          <a:prstGeom prst="rect">
+            <a:avLst/>
+          </a:prstGeom>
+          <a:noFill/>
+        </p:spPr>
+        <p:txBody>
+          <a:bodyPr wrap="none" rtlCol="0">
+            <a:spAutoFit/>
+          </a:bodyPr>
+          <a:lstStyle/>
+          <a:p>
+            <a:r>
+              <a:rPr lang="ru-RU" sz="2400" dirty="0" smtClean="0"/>
+              <a:t>Екатерина</a:t>
+            </a:r>
+            <a:endParaRPr lang="ru-RU" sz="2400" dirty="0"/>
+          </a:p>
+        </p:txBody>
+      </p:sp>
+      <p:sp>
+        <p:nvSpPr>
+          <p:cNvPr id="10" name="TextBox 9"/>
+          <p:cNvSpPr txBox="1"/>
+          <p:nvPr/>
+        </p:nvSpPr>
+        <p:spPr>
+          <a:xfrm>
+            <a:off x="916353" y="5516262"/>
+            <a:ext cx="2184572" cy="400110"/>
+          </a:xfrm>
+          <a:prstGeom prst="rect">
+            <a:avLst/>
+          </a:prstGeom>
+          <a:noFill/>
+        </p:spPr>
+        <p:txBody>
+          <a:bodyPr wrap="none" rtlCol="0">
+            <a:spAutoFit/>
+          </a:bodyPr>
+          <a:lstStyle/>
+          <a:p>
+            <a:r>
+              <a:rPr lang="ru-RU" sz="2000" dirty="0" err="1" smtClean="0">
+                <a:solidFill>
+                  <a:schemeClr val="bg1">
+                    <a:lumMod val="50000"/>
+                  </a:schemeClr>
+                </a:solidFill>
+              </a:rPr>
+              <a:t>ГазИнформСервис</a:t>
+            </a:r>
+            <a:endParaRPr lang="ru-RU" sz="2000" dirty="0">
+              <a:solidFill>
+                <a:schemeClr val="bg1">
+                  <a:lumMod val="50000"/>
+                </a:schemeClr>
+              </a:solidFill>
+            </a:endParaRPr>
+          </a:p>
+        </p:txBody>
+      </p:sp>
+      <p:sp>
+        <p:nvSpPr>
+          <p:cNvPr id="11" name="TextBox 10"/>
+          <p:cNvSpPr txBox="1"/>
+          <p:nvPr/>
+        </p:nvSpPr>
+        <p:spPr>
+          <a:xfrm>
+            <a:off x="3300749" y="5516262"/>
+            <a:ext cx="2655727" cy="400110"/>
+          </a:xfrm>
+          <a:prstGeom prst="rect">
+            <a:avLst/>
+          </a:prstGeom>
+          <a:noFill/>
+        </p:spPr>
+        <p:txBody>
+          <a:bodyPr wrap="none" rtlCol="0">
+            <a:spAutoFit/>
+          </a:bodyPr>
+          <a:lstStyle/>
+          <a:p>
+            <a:r>
+              <a:rPr lang="en-US" sz="2000" dirty="0" smtClean="0">
+                <a:solidFill>
+                  <a:schemeClr val="bg1">
+                    <a:lumMod val="50000"/>
+                  </a:schemeClr>
+                </a:solidFill>
+              </a:rPr>
+              <a:t>Digital Security Services</a:t>
+            </a:r>
+          </a:p>
+        </p:txBody>
+      </p:sp>
+      <p:sp>
+        <p:nvSpPr>
+          <p:cNvPr id="12" name="TextBox 11"/>
+          <p:cNvSpPr txBox="1"/>
+          <p:nvPr/>
+        </p:nvSpPr>
+        <p:spPr>
+          <a:xfrm>
+            <a:off x="6218949" y="5516262"/>
+            <a:ext cx="1799339" cy="400110"/>
+          </a:xfrm>
+          <a:prstGeom prst="rect">
+            <a:avLst/>
+          </a:prstGeom>
+          <a:noFill/>
+        </p:spPr>
+        <p:txBody>
+          <a:bodyPr wrap="none" rtlCol="0">
+            <a:spAutoFit/>
+          </a:bodyPr>
+          <a:lstStyle/>
+          <a:p>
+            <a:r>
+              <a:rPr lang="en-US" sz="2000" dirty="0" smtClean="0">
+                <a:solidFill>
+                  <a:schemeClr val="bg1">
+                    <a:lumMod val="50000"/>
+                  </a:schemeClr>
+                </a:solidFill>
+              </a:rPr>
+              <a:t>Quest Software</a:t>
+            </a:r>
+            <a:endParaRPr lang="ru-RU" sz="2000" dirty="0">
+              <a:solidFill>
+                <a:schemeClr val="bg1">
+                  <a:lumMod val="50000"/>
+                </a:schemeClr>
+              </a:solidFill>
+            </a:endParaRPr>
+          </a:p>
+        </p:txBody>
+      </p:sp>
+      <p:sp>
+        <p:nvSpPr>
+          <p:cNvPr id="13" name="TextBox 12"/>
+          <p:cNvSpPr txBox="1"/>
+          <p:nvPr/>
+        </p:nvSpPr>
+        <p:spPr>
+          <a:xfrm>
+            <a:off x="8018288" y="5516262"/>
+            <a:ext cx="3395225" cy="400110"/>
+          </a:xfrm>
+          <a:prstGeom prst="rect">
+            <a:avLst/>
+          </a:prstGeom>
+          <a:noFill/>
+        </p:spPr>
+        <p:txBody>
+          <a:bodyPr wrap="none" rtlCol="0">
+            <a:spAutoFit/>
+          </a:bodyPr>
+          <a:lstStyle/>
+          <a:p>
+            <a:r>
+              <a:rPr lang="ru-RU" sz="2000" dirty="0" smtClean="0">
+                <a:solidFill>
+                  <a:schemeClr val="bg1">
+                    <a:lumMod val="50000"/>
+                  </a:schemeClr>
+                </a:solidFill>
+              </a:rPr>
+              <a:t>Институт Сетевых Технологий</a:t>
+            </a:r>
+            <a:endParaRPr lang="ru-RU" sz="2000" dirty="0">
+              <a:solidFill>
+                <a:schemeClr val="bg1">
+                  <a:lumMod val="50000"/>
+                </a:schemeClr>
+              </a:solidFill>
+            </a:endParaRPr>
+          </a:p>
+        </p:txBody>
+      </p:sp>
+      <p:pic>
+        <p:nvPicPr>
+          <p:cNvPr id="14" name="Рисунок 13"/>
+          <p:cNvPicPr>
+            <a:picLocks noChangeAspect="1"/>
+          </p:cNvPicPr>
+          <p:nvPr/>
+        </p:nvPicPr>
+        <p:blipFill>
+          <a:blip r:embed="rId4" cstate="print">
+            <a:extLst>
+              <a:ext uri="{28A0092B-C50C-407E-A947-70E740481C1C}">
+                <a14:useLocalDpi xmlns:a14="http://schemas.microsoft.com/office/drawing/2010/main" val="0"/>
+              </a:ext>
+            </a:extLst>
+          </a:blip>
+          <a:stretch>
+            <a:fillRect/>
+          </a:stretch>
+        </p:blipFill>
+        <p:spPr>
+          <a:xfrm>
+            <a:off x="5956476" y="2558811"/>
+            <a:ext cx="2313592" cy="2251399"/>
+          </a:xfrm>
+          <a:prstGeom prst="ellipse">
             <a:avLst/>
           </a:prstGeom>
         </p:spPr>
@@ -9483,261 +11046,13 @@
     </p:spTree>
     <p:extLst>
       <p:ext uri="{BB962C8B-B14F-4D97-AF65-F5344CB8AC3E}">
-        <p14:creationId xmlns:p14="http://schemas.microsoft.com/office/powerpoint/2010/main" val="2601776994"/>
+        <p14:creationId xmlns:p14="http://schemas.microsoft.com/office/powerpoint/2010/main" val="2388013125"/>
       </p:ext>
     </p:extLst>
   </p:cSld>
   <p:clrMapOvr>
     <a:masterClrMapping/>
   </p:clrMapOvr>
-  <mc:AlternateContent xmlns:mc="http://schemas.openxmlformats.org/markup-compatibility/2006">
-    <mc:Choice xmlns:p14="http://schemas.microsoft.com/office/powerpoint/2010/main" Requires="p14">
-      <p:transition spd="slow" p14:dur="2000"/>
-    </mc:Choice>
-    <mc:Fallback>
-      <p:transition spd="slow"/>
-    </mc:Fallback>
-  </mc:AlternateContent>
-  <p:timing>
-    <p:tnLst>
-      <p:par>
-        <p:cTn id="1" dur="indefinite" restart="never" nodeType="tmRoot"/>
-      </p:par>
-    </p:tnLst>
-  </p:timing>
-</p:sld>
-</file>
-
-<file path=ppt/slides/slide9.xml><?xml version="1.0" encoding="utf-8"?>
-<p:sld xmlns:a="http://schemas.openxmlformats.org/drawingml/2006/main" xmlns:r="http://schemas.openxmlformats.org/officeDocument/2006/relationships" xmlns:p="http://schemas.openxmlformats.org/presentationml/2006/main" show="0">
-  <p:cSld>
-    <p:spTree>
-      <p:nvGrpSpPr>
-        <p:cNvPr id="1" name=""/>
-        <p:cNvGrpSpPr/>
-        <p:nvPr/>
-      </p:nvGrpSpPr>
-      <p:grpSpPr>
-        <a:xfrm>
-          <a:off x="0" y="0"/>
-          <a:ext cx="0" cy="0"/>
-          <a:chOff x="0" y="0"/>
-          <a:chExt cx="0" cy="0"/>
-        </a:xfrm>
-      </p:grpSpPr>
-      <p:sp>
-        <p:nvSpPr>
-          <p:cNvPr id="2" name="Заголовок 1"/>
-          <p:cNvSpPr>
-            <a:spLocks noGrp="1"/>
-          </p:cNvSpPr>
-          <p:nvPr>
-            <p:ph type="title"/>
-          </p:nvPr>
-        </p:nvSpPr>
-        <p:spPr>
-          <a:xfrm>
-            <a:off x="639063" y="365760"/>
-            <a:ext cx="10515600" cy="1325562"/>
-          </a:xfrm>
-        </p:spPr>
-        <p:txBody>
-          <a:bodyPr/>
-          <a:lstStyle/>
-          <a:p>
-            <a:r>
-              <a:rPr lang="ru-RU" dirty="0" smtClean="0"/>
-              <a:t>Цель и задачи</a:t>
-            </a:r>
-            <a:endParaRPr lang="ru-RU" dirty="0"/>
-          </a:p>
-        </p:txBody>
-      </p:sp>
-      <p:sp>
-        <p:nvSpPr>
-          <p:cNvPr id="3" name="Объект 2"/>
-          <p:cNvSpPr>
-            <a:spLocks noGrp="1"/>
-          </p:cNvSpPr>
-          <p:nvPr>
-            <p:ph idx="1"/>
-          </p:nvPr>
-        </p:nvSpPr>
-        <p:spPr>
-          <a:xfrm>
-            <a:off x="540326" y="1691321"/>
-            <a:ext cx="10290805" cy="4245840"/>
-          </a:xfrm>
-        </p:spPr>
-        <p:txBody>
-          <a:bodyPr>
-            <a:noAutofit/>
-          </a:bodyPr>
-          <a:lstStyle/>
-          <a:p>
-            <a:r>
-              <a:rPr lang="ru-RU" dirty="0" smtClean="0">
-                <a:solidFill>
-                  <a:srgbClr val="FF0000"/>
-                </a:solidFill>
-                <a:latin typeface="+mj-lt"/>
-              </a:rPr>
-              <a:t>Детектирование </a:t>
-            </a:r>
-            <a:r>
-              <a:rPr lang="ru-RU" dirty="0" smtClean="0">
-                <a:solidFill>
-                  <a:srgbClr val="FF0000"/>
-                </a:solidFill>
-                <a:latin typeface="+mj-lt"/>
-              </a:rPr>
-              <a:t>лиц</a:t>
-            </a:r>
-          </a:p>
-          <a:p>
-            <a:r>
-              <a:rPr lang="ru-RU" dirty="0" smtClean="0">
-                <a:latin typeface="+mj-lt"/>
-              </a:rPr>
-              <a:t>Распределение целевой аудитории по категориям</a:t>
-            </a:r>
-            <a:endParaRPr lang="ru-RU" dirty="0" smtClean="0">
-              <a:latin typeface="+mj-lt"/>
-            </a:endParaRPr>
-          </a:p>
-          <a:p>
-            <a:r>
-              <a:rPr lang="ru-RU" dirty="0" smtClean="0">
-                <a:solidFill>
-                  <a:srgbClr val="FF0000"/>
-                </a:solidFill>
-                <a:latin typeface="+mj-lt"/>
-              </a:rPr>
-              <a:t>Определение </a:t>
-            </a:r>
-            <a:r>
-              <a:rPr lang="ru-RU" dirty="0">
-                <a:solidFill>
-                  <a:srgbClr val="FF0000"/>
-                </a:solidFill>
-                <a:latin typeface="+mj-lt"/>
-              </a:rPr>
-              <a:t>категории целевой </a:t>
-            </a:r>
-            <a:r>
-              <a:rPr lang="ru-RU" dirty="0" smtClean="0">
-                <a:solidFill>
-                  <a:srgbClr val="FF0000"/>
-                </a:solidFill>
-                <a:latin typeface="+mj-lt"/>
-              </a:rPr>
-              <a:t>аудитории</a:t>
-            </a:r>
-          </a:p>
-          <a:p>
-            <a:r>
-              <a:rPr lang="ru-RU" dirty="0">
-                <a:solidFill>
-                  <a:srgbClr val="FF0000"/>
-                </a:solidFill>
-                <a:latin typeface="+mj-lt"/>
-              </a:rPr>
-              <a:t>Фиксирование даты и времени входа и выхода посетителя</a:t>
-            </a:r>
-          </a:p>
-          <a:p>
-            <a:r>
-              <a:rPr lang="ru-RU" dirty="0" smtClean="0">
-                <a:solidFill>
-                  <a:srgbClr val="FF0000"/>
-                </a:solidFill>
-                <a:latin typeface="+mj-lt"/>
-              </a:rPr>
-              <a:t>Анализ возраста и пола целевой </a:t>
-            </a:r>
-            <a:r>
-              <a:rPr lang="ru-RU" dirty="0" smtClean="0">
-                <a:solidFill>
-                  <a:srgbClr val="FF0000"/>
-                </a:solidFill>
-                <a:latin typeface="+mj-lt"/>
-              </a:rPr>
-              <a:t>аудитории</a:t>
-            </a:r>
-          </a:p>
-          <a:p>
-            <a:r>
-              <a:rPr lang="ru-RU" dirty="0">
-                <a:latin typeface="+mj-lt"/>
-              </a:rPr>
-              <a:t>Получение статистики посещаемости</a:t>
-            </a:r>
-          </a:p>
-          <a:p>
-            <a:r>
-              <a:rPr lang="ru-RU" dirty="0">
-                <a:latin typeface="+mj-lt"/>
-              </a:rPr>
-              <a:t>Прогнозирование степени загруженности </a:t>
-            </a:r>
-            <a:r>
-              <a:rPr lang="ru-RU" dirty="0" smtClean="0">
-                <a:latin typeface="+mj-lt"/>
-              </a:rPr>
-              <a:t>посетителями</a:t>
-            </a:r>
-          </a:p>
-          <a:p>
-            <a:r>
-              <a:rPr lang="ru-RU" dirty="0">
-                <a:latin typeface="+mj-lt"/>
-              </a:rPr>
-              <a:t>Статистический </a:t>
-            </a:r>
-            <a:r>
-              <a:rPr lang="ru-RU" dirty="0" smtClean="0">
-                <a:latin typeface="+mj-lt"/>
-              </a:rPr>
-              <a:t>анализ </a:t>
-            </a:r>
-            <a:r>
-              <a:rPr lang="ru-RU" dirty="0">
-                <a:latin typeface="+mj-lt"/>
-              </a:rPr>
-              <a:t>демографии </a:t>
-            </a:r>
-            <a:r>
-              <a:rPr lang="ru-RU" dirty="0">
-                <a:latin typeface="+mj-lt"/>
-              </a:rPr>
-              <a:t>клиентов</a:t>
-            </a:r>
-          </a:p>
-          <a:p>
-            <a:endParaRPr lang="ru-RU" dirty="0">
-              <a:latin typeface="+mj-lt"/>
-            </a:endParaRPr>
-          </a:p>
-        </p:txBody>
-      </p:sp>
-    </p:spTree>
-    <p:extLst>
-      <p:ext uri="{BB962C8B-B14F-4D97-AF65-F5344CB8AC3E}">
-        <p14:creationId xmlns:p14="http://schemas.microsoft.com/office/powerpoint/2010/main" val="1952011160"/>
-      </p:ext>
-    </p:extLst>
-  </p:cSld>
-  <p:clrMapOvr>
-    <a:masterClrMapping/>
-  </p:clrMapOvr>
-  <mc:AlternateContent xmlns:mc="http://schemas.openxmlformats.org/markup-compatibility/2006">
-    <mc:Choice xmlns:p14="http://schemas.microsoft.com/office/powerpoint/2010/main" Requires="p14">
-      <p:transition spd="slow" p14:dur="2000"/>
-    </mc:Choice>
-    <mc:Fallback>
-      <p:transition spd="slow"/>
-    </mc:Fallback>
-  </mc:AlternateContent>
   <p:timing>
     <p:tnLst>
       <p:par>

--- a/Hack_present - 3.pptx
+++ b/Hack_present - 3.pptx
@@ -8,12 +8,12 @@
   <p:sldIdLst>
     <p:sldId id="256" r:id="rId3"/>
     <p:sldId id="268" r:id="rId4"/>
-    <p:sldId id="257" r:id="rId5"/>
-    <p:sldId id="262" r:id="rId6"/>
-    <p:sldId id="263" r:id="rId7"/>
-    <p:sldId id="261" r:id="rId8"/>
-    <p:sldId id="266" r:id="rId9"/>
-    <p:sldId id="267" r:id="rId10"/>
+    <p:sldId id="262" r:id="rId5"/>
+    <p:sldId id="257" r:id="rId6"/>
+    <p:sldId id="269" r:id="rId7"/>
+    <p:sldId id="266" r:id="rId8"/>
+    <p:sldId id="267" r:id="rId9"/>
+    <p:sldId id="263" r:id="rId10"/>
   </p:sldIdLst>
   <p:sldSz cx="12192000" cy="6858000"/>
   <p:notesSz cx="6858000" cy="9144000"/>
@@ -118,1088 +118,6 @@
     </p:ext>
   </p:extLst>
 </p:presentation>
-</file>
-
-<file path=ppt/charts/chart1.xml><?xml version="1.0" encoding="utf-8"?>
-<c:chartSpace xmlns:c="http://schemas.openxmlformats.org/drawingml/2006/chart" xmlns:a="http://schemas.openxmlformats.org/drawingml/2006/main" xmlns:r="http://schemas.openxmlformats.org/officeDocument/2006/relationships">
-  <c:date1904 val="0"/>
-  <c:lang val="ru-RU"/>
-  <c:roundedCorners val="0"/>
-  <mc:AlternateContent xmlns:mc="http://schemas.openxmlformats.org/markup-compatibility/2006">
-    <mc:Choice xmlns:c14="http://schemas.microsoft.com/office/drawing/2007/8/2/chart" Requires="c14">
-      <c14:style val="102"/>
-    </mc:Choice>
-    <mc:Fallback>
-      <c:style val="2"/>
-    </mc:Fallback>
-  </mc:AlternateContent>
-  <c:chart>
-    <c:title>
-      <c:tx>
-        <c:rich>
-          <a:bodyPr rot="0" spcFirstLastPara="1" vertOverflow="ellipsis" vert="horz" wrap="square" anchor="ctr" anchorCtr="1"/>
-          <a:lstStyle/>
-          <a:p>
-            <a:pPr>
-              <a:defRPr sz="1862" b="0" i="0" u="none" strike="noStrike" kern="1200" spc="0" baseline="0">
-                <a:solidFill>
-                  <a:schemeClr val="tx1">
-                    <a:lumMod val="65000"/>
-                    <a:lumOff val="35000"/>
-                  </a:schemeClr>
-                </a:solidFill>
-                <a:latin typeface="+mn-lt"/>
-                <a:ea typeface="+mn-ea"/>
-                <a:cs typeface="+mn-cs"/>
-              </a:defRPr>
-            </a:pPr>
-            <a:r>
-              <a:rPr lang="ru-RU"/>
-              <a:t>Возраст</a:t>
-            </a:r>
-          </a:p>
-        </c:rich>
-      </c:tx>
-      <c:layout/>
-      <c:overlay val="0"/>
-      <c:spPr>
-        <a:noFill/>
-        <a:ln>
-          <a:noFill/>
-        </a:ln>
-        <a:effectLst/>
-      </c:spPr>
-      <c:txPr>
-        <a:bodyPr rot="0" spcFirstLastPara="1" vertOverflow="ellipsis" vert="horz" wrap="square" anchor="ctr" anchorCtr="1"/>
-        <a:lstStyle/>
-        <a:p>
-          <a:pPr>
-            <a:defRPr sz="1862" b="0" i="0" u="none" strike="noStrike" kern="1200" spc="0" baseline="0">
-              <a:solidFill>
-                <a:schemeClr val="tx1">
-                  <a:lumMod val="65000"/>
-                  <a:lumOff val="35000"/>
-                </a:schemeClr>
-              </a:solidFill>
-              <a:latin typeface="+mn-lt"/>
-              <a:ea typeface="+mn-ea"/>
-              <a:cs typeface="+mn-cs"/>
-            </a:defRPr>
-          </a:pPr>
-          <a:endParaRPr lang="ru-RU"/>
-        </a:p>
-      </c:txPr>
-    </c:title>
-    <c:autoTitleDeleted val="0"/>
-    <c:plotArea>
-      <c:layout/>
-      <c:barChart>
-        <c:barDir val="col"/>
-        <c:grouping val="clustered"/>
-        <c:varyColors val="0"/>
-        <c:ser>
-          <c:idx val="0"/>
-          <c:order val="0"/>
-          <c:tx>
-            <c:strRef>
-              <c:f>Лист1!$B$1</c:f>
-              <c:strCache>
-                <c:ptCount val="1"/>
-                <c:pt idx="0">
-                  <c:v>Man</c:v>
-                </c:pt>
-              </c:strCache>
-            </c:strRef>
-          </c:tx>
-          <c:spPr>
-            <a:solidFill>
-              <a:schemeClr val="accent1">
-                <a:lumMod val="60000"/>
-                <a:lumOff val="40000"/>
-              </a:schemeClr>
-            </a:solidFill>
-            <a:ln>
-              <a:noFill/>
-            </a:ln>
-            <a:effectLst/>
-          </c:spPr>
-          <c:invertIfNegative val="0"/>
-          <c:dLbls>
-            <c:spPr>
-              <a:noFill/>
-              <a:ln>
-                <a:noFill/>
-              </a:ln>
-              <a:effectLst/>
-            </c:spPr>
-            <c:txPr>
-              <a:bodyPr rot="0" spcFirstLastPara="1" vertOverflow="ellipsis" vert="horz" wrap="square" lIns="38100" tIns="19050" rIns="38100" bIns="19050" anchor="ctr" anchorCtr="1">
-                <a:spAutoFit/>
-              </a:bodyPr>
-              <a:lstStyle/>
-              <a:p>
-                <a:pPr>
-                  <a:defRPr sz="1197" b="0" i="0" u="none" strike="noStrike" kern="1200" baseline="0">
-                    <a:solidFill>
-                      <a:schemeClr val="tx1">
-                        <a:lumMod val="75000"/>
-                        <a:lumOff val="25000"/>
-                      </a:schemeClr>
-                    </a:solidFill>
-                    <a:latin typeface="+mn-lt"/>
-                    <a:ea typeface="+mn-ea"/>
-                    <a:cs typeface="+mn-cs"/>
-                  </a:defRPr>
-                </a:pPr>
-                <a:endParaRPr lang="ru-RU"/>
-              </a:p>
-            </c:txPr>
-            <c:dLblPos val="outEnd"/>
-            <c:showLegendKey val="0"/>
-            <c:showVal val="1"/>
-            <c:showCatName val="0"/>
-            <c:showSerName val="0"/>
-            <c:showPercent val="0"/>
-            <c:showBubbleSize val="0"/>
-            <c:showLeaderLines val="0"/>
-            <c:extLst>
-              <c:ext xmlns:c15="http://schemas.microsoft.com/office/drawing/2012/chart" uri="{CE6537A1-D6FC-4f65-9D91-7224C49458BB}">
-                <c15:layout/>
-                <c15:showLeaderLines val="1"/>
-                <c15:leaderLines>
-                  <c:spPr>
-                    <a:ln w="9525" cap="flat" cmpd="sng" algn="ctr">
-                      <a:solidFill>
-                        <a:schemeClr val="tx1">
-                          <a:lumMod val="35000"/>
-                          <a:lumOff val="65000"/>
-                        </a:schemeClr>
-                      </a:solidFill>
-                      <a:round/>
-                    </a:ln>
-                    <a:effectLst/>
-                  </c:spPr>
-                </c15:leaderLines>
-              </c:ext>
-            </c:extLst>
-          </c:dLbls>
-          <c:cat>
-            <c:strRef>
-              <c:f>Лист1!$A$2:$A$7</c:f>
-              <c:strCache>
-                <c:ptCount val="6"/>
-                <c:pt idx="0">
-                  <c:v>до 15</c:v>
-                </c:pt>
-                <c:pt idx="1">
-                  <c:v>15-25</c:v>
-                </c:pt>
-                <c:pt idx="2">
-                  <c:v>25-35</c:v>
-                </c:pt>
-                <c:pt idx="3">
-                  <c:v>35-45</c:v>
-                </c:pt>
-                <c:pt idx="4">
-                  <c:v>45-55</c:v>
-                </c:pt>
-                <c:pt idx="5">
-                  <c:v>старше 55</c:v>
-                </c:pt>
-              </c:strCache>
-            </c:strRef>
-          </c:cat>
-          <c:val>
-            <c:numRef>
-              <c:f>Лист1!$B$2:$B$7</c:f>
-              <c:numCache>
-                <c:formatCode>General</c:formatCode>
-                <c:ptCount val="6"/>
-                <c:pt idx="0">
-                  <c:v>4.3</c:v>
-                </c:pt>
-                <c:pt idx="1">
-                  <c:v>2.5</c:v>
-                </c:pt>
-                <c:pt idx="2">
-                  <c:v>3.5</c:v>
-                </c:pt>
-                <c:pt idx="3">
-                  <c:v>4.5</c:v>
-                </c:pt>
-                <c:pt idx="4">
-                  <c:v>3.2</c:v>
-                </c:pt>
-                <c:pt idx="5">
-                  <c:v>1.6</c:v>
-                </c:pt>
-              </c:numCache>
-            </c:numRef>
-          </c:val>
-        </c:ser>
-        <c:ser>
-          <c:idx val="1"/>
-          <c:order val="1"/>
-          <c:tx>
-            <c:strRef>
-              <c:f>Лист1!$C$1</c:f>
-              <c:strCache>
-                <c:ptCount val="1"/>
-                <c:pt idx="0">
-                  <c:v>Woman</c:v>
-                </c:pt>
-              </c:strCache>
-            </c:strRef>
-          </c:tx>
-          <c:spPr>
-            <a:solidFill>
-              <a:srgbClr val="D9A3C6"/>
-            </a:solidFill>
-            <a:ln>
-              <a:noFill/>
-            </a:ln>
-            <a:effectLst/>
-          </c:spPr>
-          <c:invertIfNegative val="0"/>
-          <c:dLbls>
-            <c:spPr>
-              <a:noFill/>
-              <a:ln>
-                <a:noFill/>
-              </a:ln>
-              <a:effectLst/>
-            </c:spPr>
-            <c:txPr>
-              <a:bodyPr rot="0" spcFirstLastPara="1" vertOverflow="ellipsis" vert="horz" wrap="square" lIns="38100" tIns="19050" rIns="38100" bIns="19050" anchor="ctr" anchorCtr="1">
-                <a:spAutoFit/>
-              </a:bodyPr>
-              <a:lstStyle/>
-              <a:p>
-                <a:pPr>
-                  <a:defRPr sz="1197" b="0" i="0" u="none" strike="noStrike" kern="1200" baseline="0">
-                    <a:solidFill>
-                      <a:schemeClr val="tx1">
-                        <a:lumMod val="75000"/>
-                        <a:lumOff val="25000"/>
-                      </a:schemeClr>
-                    </a:solidFill>
-                    <a:latin typeface="+mn-lt"/>
-                    <a:ea typeface="+mn-ea"/>
-                    <a:cs typeface="+mn-cs"/>
-                  </a:defRPr>
-                </a:pPr>
-                <a:endParaRPr lang="ru-RU"/>
-              </a:p>
-            </c:txPr>
-            <c:dLblPos val="outEnd"/>
-            <c:showLegendKey val="0"/>
-            <c:showVal val="1"/>
-            <c:showCatName val="0"/>
-            <c:showSerName val="0"/>
-            <c:showPercent val="0"/>
-            <c:showBubbleSize val="0"/>
-            <c:showLeaderLines val="0"/>
-            <c:extLst>
-              <c:ext xmlns:c15="http://schemas.microsoft.com/office/drawing/2012/chart" uri="{CE6537A1-D6FC-4f65-9D91-7224C49458BB}">
-                <c15:layout/>
-                <c15:showLeaderLines val="1"/>
-                <c15:leaderLines>
-                  <c:spPr>
-                    <a:ln w="9525" cap="flat" cmpd="sng" algn="ctr">
-                      <a:solidFill>
-                        <a:schemeClr val="tx1">
-                          <a:lumMod val="35000"/>
-                          <a:lumOff val="65000"/>
-                        </a:schemeClr>
-                      </a:solidFill>
-                      <a:round/>
-                    </a:ln>
-                    <a:effectLst/>
-                  </c:spPr>
-                </c15:leaderLines>
-              </c:ext>
-            </c:extLst>
-          </c:dLbls>
-          <c:cat>
-            <c:strRef>
-              <c:f>Лист1!$A$2:$A$7</c:f>
-              <c:strCache>
-                <c:ptCount val="6"/>
-                <c:pt idx="0">
-                  <c:v>до 15</c:v>
-                </c:pt>
-                <c:pt idx="1">
-                  <c:v>15-25</c:v>
-                </c:pt>
-                <c:pt idx="2">
-                  <c:v>25-35</c:v>
-                </c:pt>
-                <c:pt idx="3">
-                  <c:v>35-45</c:v>
-                </c:pt>
-                <c:pt idx="4">
-                  <c:v>45-55</c:v>
-                </c:pt>
-                <c:pt idx="5">
-                  <c:v>старше 55</c:v>
-                </c:pt>
-              </c:strCache>
-            </c:strRef>
-          </c:cat>
-          <c:val>
-            <c:numRef>
-              <c:f>Лист1!$C$2:$C$7</c:f>
-              <c:numCache>
-                <c:formatCode>General</c:formatCode>
-                <c:ptCount val="6"/>
-                <c:pt idx="0">
-                  <c:v>2.4</c:v>
-                </c:pt>
-                <c:pt idx="1">
-                  <c:v>4.4000000000000004</c:v>
-                </c:pt>
-                <c:pt idx="2">
-                  <c:v>1.8</c:v>
-                </c:pt>
-                <c:pt idx="3">
-                  <c:v>2.8</c:v>
-                </c:pt>
-                <c:pt idx="4">
-                  <c:v>2.1</c:v>
-                </c:pt>
-                <c:pt idx="5">
-                  <c:v>0.9</c:v>
-                </c:pt>
-              </c:numCache>
-            </c:numRef>
-          </c:val>
-        </c:ser>
-        <c:dLbls>
-          <c:dLblPos val="outEnd"/>
-          <c:showLegendKey val="0"/>
-          <c:showVal val="1"/>
-          <c:showCatName val="0"/>
-          <c:showSerName val="0"/>
-          <c:showPercent val="0"/>
-          <c:showBubbleSize val="0"/>
-        </c:dLbls>
-        <c:gapWidth val="219"/>
-        <c:overlap val="-27"/>
-        <c:axId val="216605352"/>
-        <c:axId val="87345480"/>
-      </c:barChart>
-      <c:catAx>
-        <c:axId val="216605352"/>
-        <c:scaling>
-          <c:orientation val="minMax"/>
-        </c:scaling>
-        <c:delete val="0"/>
-        <c:axPos val="b"/>
-        <c:numFmt formatCode="General" sourceLinked="1"/>
-        <c:majorTickMark val="none"/>
-        <c:minorTickMark val="none"/>
-        <c:tickLblPos val="nextTo"/>
-        <c:spPr>
-          <a:noFill/>
-          <a:ln w="9525" cap="flat" cmpd="sng" algn="ctr">
-            <a:solidFill>
-              <a:schemeClr val="tx1">
-                <a:lumMod val="15000"/>
-                <a:lumOff val="85000"/>
-              </a:schemeClr>
-            </a:solidFill>
-            <a:round/>
-          </a:ln>
-          <a:effectLst/>
-        </c:spPr>
-        <c:txPr>
-          <a:bodyPr rot="-60000000" spcFirstLastPara="1" vertOverflow="ellipsis" vert="horz" wrap="square" anchor="ctr" anchorCtr="1"/>
-          <a:lstStyle/>
-          <a:p>
-            <a:pPr>
-              <a:defRPr sz="1197" b="0" i="0" u="none" strike="noStrike" kern="1200" baseline="0">
-                <a:solidFill>
-                  <a:schemeClr val="tx1">
-                    <a:lumMod val="65000"/>
-                    <a:lumOff val="35000"/>
-                  </a:schemeClr>
-                </a:solidFill>
-                <a:latin typeface="+mn-lt"/>
-                <a:ea typeface="+mn-ea"/>
-                <a:cs typeface="+mn-cs"/>
-              </a:defRPr>
-            </a:pPr>
-            <a:endParaRPr lang="ru-RU"/>
-          </a:p>
-        </c:txPr>
-        <c:crossAx val="87345480"/>
-        <c:crosses val="autoZero"/>
-        <c:auto val="1"/>
-        <c:lblAlgn val="ctr"/>
-        <c:lblOffset val="100"/>
-        <c:noMultiLvlLbl val="0"/>
-      </c:catAx>
-      <c:valAx>
-        <c:axId val="87345480"/>
-        <c:scaling>
-          <c:orientation val="minMax"/>
-        </c:scaling>
-        <c:delete val="0"/>
-        <c:axPos val="l"/>
-        <c:majorGridlines>
-          <c:spPr>
-            <a:ln w="9525" cap="flat" cmpd="sng" algn="ctr">
-              <a:solidFill>
-                <a:schemeClr val="tx1">
-                  <a:lumMod val="15000"/>
-                  <a:lumOff val="85000"/>
-                </a:schemeClr>
-              </a:solidFill>
-              <a:round/>
-            </a:ln>
-            <a:effectLst/>
-          </c:spPr>
-        </c:majorGridlines>
-        <c:numFmt formatCode="General" sourceLinked="1"/>
-        <c:majorTickMark val="none"/>
-        <c:minorTickMark val="none"/>
-        <c:tickLblPos val="nextTo"/>
-        <c:spPr>
-          <a:noFill/>
-          <a:ln>
-            <a:noFill/>
-          </a:ln>
-          <a:effectLst/>
-        </c:spPr>
-        <c:txPr>
-          <a:bodyPr rot="-60000000" spcFirstLastPara="1" vertOverflow="ellipsis" vert="horz" wrap="square" anchor="ctr" anchorCtr="1"/>
-          <a:lstStyle/>
-          <a:p>
-            <a:pPr>
-              <a:defRPr sz="1197" b="0" i="0" u="none" strike="noStrike" kern="1200" baseline="0">
-                <a:solidFill>
-                  <a:schemeClr val="tx1">
-                    <a:lumMod val="65000"/>
-                    <a:lumOff val="35000"/>
-                  </a:schemeClr>
-                </a:solidFill>
-                <a:latin typeface="+mn-lt"/>
-                <a:ea typeface="+mn-ea"/>
-                <a:cs typeface="+mn-cs"/>
-              </a:defRPr>
-            </a:pPr>
-            <a:endParaRPr lang="ru-RU"/>
-          </a:p>
-        </c:txPr>
-        <c:crossAx val="216605352"/>
-        <c:crosses val="autoZero"/>
-        <c:crossBetween val="between"/>
-      </c:valAx>
-      <c:spPr>
-        <a:noFill/>
-        <a:ln>
-          <a:noFill/>
-        </a:ln>
-        <a:effectLst/>
-      </c:spPr>
-    </c:plotArea>
-    <c:legend>
-      <c:legendPos val="b"/>
-      <c:layout/>
-      <c:overlay val="0"/>
-      <c:spPr>
-        <a:noFill/>
-        <a:ln>
-          <a:noFill/>
-        </a:ln>
-        <a:effectLst/>
-      </c:spPr>
-      <c:txPr>
-        <a:bodyPr rot="0" spcFirstLastPara="1" vertOverflow="ellipsis" vert="horz" wrap="square" anchor="ctr" anchorCtr="1"/>
-        <a:lstStyle/>
-        <a:p>
-          <a:pPr>
-            <a:defRPr sz="1197" b="0" i="0" u="none" strike="noStrike" kern="1200" baseline="0">
-              <a:solidFill>
-                <a:schemeClr val="tx1">
-                  <a:lumMod val="65000"/>
-                  <a:lumOff val="35000"/>
-                </a:schemeClr>
-              </a:solidFill>
-              <a:latin typeface="+mn-lt"/>
-              <a:ea typeface="+mn-ea"/>
-              <a:cs typeface="+mn-cs"/>
-            </a:defRPr>
-          </a:pPr>
-          <a:endParaRPr lang="ru-RU"/>
-        </a:p>
-      </c:txPr>
-    </c:legend>
-    <c:plotVisOnly val="1"/>
-    <c:dispBlanksAs val="gap"/>
-    <c:showDLblsOverMax val="0"/>
-  </c:chart>
-  <c:spPr>
-    <a:noFill/>
-    <a:ln>
-      <a:noFill/>
-    </a:ln>
-    <a:effectLst/>
-  </c:spPr>
-  <c:txPr>
-    <a:bodyPr/>
-    <a:lstStyle/>
-    <a:p>
-      <a:pPr>
-        <a:defRPr/>
-      </a:pPr>
-      <a:endParaRPr lang="ru-RU"/>
-    </a:p>
-  </c:txPr>
-  <c:externalData r:id="rId3">
-    <c:autoUpdate val="0"/>
-  </c:externalData>
-</c:chartSpace>
-</file>
-
-<file path=ppt/charts/colors1.xml><?xml version="1.0" encoding="utf-8"?>
-<cs:colorStyle xmlns:cs="http://schemas.microsoft.com/office/drawing/2012/chartStyle" xmlns:a="http://schemas.openxmlformats.org/drawingml/2006/main" meth="cycle" id="13">
-  <a:schemeClr val="accent6"/>
-  <a:schemeClr val="accent5"/>
-  <a:schemeClr val="accent4"/>
-  <cs:variation/>
-  <cs:variation>
-    <a:lumMod val="60000"/>
-  </cs:variation>
-  <cs:variation>
-    <a:lumMod val="80000"/>
-    <a:lumOff val="20000"/>
-  </cs:variation>
-  <cs:variation>
-    <a:lumMod val="80000"/>
-  </cs:variation>
-  <cs:variation>
-    <a:lumMod val="60000"/>
-    <a:lumOff val="40000"/>
-  </cs:variation>
-  <cs:variation>
-    <a:lumMod val="50000"/>
-  </cs:variation>
-  <cs:variation>
-    <a:lumMod val="70000"/>
-    <a:lumOff val="30000"/>
-  </cs:variation>
-  <cs:variation>
-    <a:lumMod val="70000"/>
-  </cs:variation>
-  <cs:variation>
-    <a:lumMod val="50000"/>
-    <a:lumOff val="50000"/>
-  </cs:variation>
-</cs:colorStyle>
-</file>
-
-<file path=ppt/charts/style1.xml><?xml version="1.0" encoding="utf-8"?>
-<cs:chartStyle xmlns:cs="http://schemas.microsoft.com/office/drawing/2012/chartStyle" xmlns:a="http://schemas.openxmlformats.org/drawingml/2006/main" id="201">
-  <cs:axisTitle>
-    <cs:lnRef idx="0"/>
-    <cs:fillRef idx="0"/>
-    <cs:effectRef idx="0"/>
-    <cs:fontRef idx="minor">
-      <a:schemeClr val="tx1">
-        <a:lumMod val="65000"/>
-        <a:lumOff val="35000"/>
-      </a:schemeClr>
-    </cs:fontRef>
-    <cs:defRPr sz="1330" kern="1200"/>
-  </cs:axisTitle>
-  <cs:categoryAxis>
-    <cs:lnRef idx="0"/>
-    <cs:fillRef idx="0"/>
-    <cs:effectRef idx="0"/>
-    <cs:fontRef idx="minor">
-      <a:schemeClr val="tx1">
-        <a:lumMod val="65000"/>
-        <a:lumOff val="35000"/>
-      </a:schemeClr>
-    </cs:fontRef>
-    <cs:spPr>
-      <a:ln w="9525" cap="flat" cmpd="sng" algn="ctr">
-        <a:solidFill>
-          <a:schemeClr val="tx1">
-            <a:lumMod val="15000"/>
-            <a:lumOff val="85000"/>
-          </a:schemeClr>
-        </a:solidFill>
-        <a:round/>
-      </a:ln>
-    </cs:spPr>
-    <cs:defRPr sz="1197" kern="1200"/>
-  </cs:categoryAxis>
-  <cs:chartArea mods="allowNoFillOverride allowNoLineOverride">
-    <cs:lnRef idx="0"/>
-    <cs:fillRef idx="0"/>
-    <cs:effectRef idx="0"/>
-    <cs:fontRef idx="minor">
-      <a:schemeClr val="tx1"/>
-    </cs:fontRef>
-    <cs:spPr>
-      <a:solidFill>
-        <a:schemeClr val="bg1"/>
-      </a:solidFill>
-      <a:ln w="9525" cap="flat" cmpd="sng" algn="ctr">
-        <a:solidFill>
-          <a:schemeClr val="tx1">
-            <a:lumMod val="15000"/>
-            <a:lumOff val="85000"/>
-          </a:schemeClr>
-        </a:solidFill>
-        <a:round/>
-      </a:ln>
-    </cs:spPr>
-    <cs:defRPr sz="1330" kern="1200"/>
-  </cs:chartArea>
-  <cs:dataLabel>
-    <cs:lnRef idx="0"/>
-    <cs:fillRef idx="0"/>
-    <cs:effectRef idx="0"/>
-    <cs:fontRef idx="minor">
-      <a:schemeClr val="tx1">
-        <a:lumMod val="75000"/>
-        <a:lumOff val="25000"/>
-      </a:schemeClr>
-    </cs:fontRef>
-    <cs:defRPr sz="1197" kern="1200"/>
-  </cs:dataLabel>
-  <cs:dataLabelCallout>
-    <cs:lnRef idx="0"/>
-    <cs:fillRef idx="0"/>
-    <cs:effectRef idx="0"/>
-    <cs:fontRef idx="minor">
-      <a:schemeClr val="dk1">
-        <a:lumMod val="65000"/>
-        <a:lumOff val="35000"/>
-      </a:schemeClr>
-    </cs:fontRef>
-    <cs:spPr>
-      <a:solidFill>
-        <a:schemeClr val="lt1"/>
-      </a:solidFill>
-      <a:ln>
-        <a:solidFill>
-          <a:schemeClr val="dk1">
-            <a:lumMod val="25000"/>
-            <a:lumOff val="75000"/>
-          </a:schemeClr>
-        </a:solidFill>
-      </a:ln>
-    </cs:spPr>
-    <cs:defRPr sz="1197" kern="1200"/>
-    <cs:bodyPr rot="0" spcFirstLastPara="1" vertOverflow="clip" horzOverflow="clip" vert="horz" wrap="square" lIns="36576" tIns="18288" rIns="36576" bIns="18288" anchor="ctr" anchorCtr="1">
-      <a:spAutoFit/>
-    </cs:bodyPr>
-  </cs:dataLabelCallout>
-  <cs:dataPoint>
-    <cs:lnRef idx="0"/>
-    <cs:fillRef idx="1">
-      <cs:styleClr val="auto"/>
-    </cs:fillRef>
-    <cs:effectRef idx="0"/>
-    <cs:fontRef idx="minor">
-      <a:schemeClr val="tx1"/>
-    </cs:fontRef>
-  </cs:dataPoint>
-  <cs:dataPoint3D>
-    <cs:lnRef idx="0"/>
-    <cs:fillRef idx="1">
-      <cs:styleClr val="auto"/>
-    </cs:fillRef>
-    <cs:effectRef idx="0"/>
-    <cs:fontRef idx="minor">
-      <a:schemeClr val="tx1"/>
-    </cs:fontRef>
-  </cs:dataPoint3D>
-  <cs:dataPointLine>
-    <cs:lnRef idx="0">
-      <cs:styleClr val="auto"/>
-    </cs:lnRef>
-    <cs:fillRef idx="1"/>
-    <cs:effectRef idx="0"/>
-    <cs:fontRef idx="minor">
-      <a:schemeClr val="tx1"/>
-    </cs:fontRef>
-    <cs:spPr>
-      <a:ln w="28575" cap="rnd">
-        <a:solidFill>
-          <a:schemeClr val="phClr"/>
-        </a:solidFill>
-        <a:round/>
-      </a:ln>
-    </cs:spPr>
-  </cs:dataPointLine>
-  <cs:dataPointMarker>
-    <cs:lnRef idx="0">
-      <cs:styleClr val="auto"/>
-    </cs:lnRef>
-    <cs:fillRef idx="1">
-      <cs:styleClr val="auto"/>
-    </cs:fillRef>
-    <cs:effectRef idx="0"/>
-    <cs:fontRef idx="minor">
-      <a:schemeClr val="tx1"/>
-    </cs:fontRef>
-    <cs:spPr>
-      <a:ln w="9525">
-        <a:solidFill>
-          <a:schemeClr val="phClr"/>
-        </a:solidFill>
-      </a:ln>
-    </cs:spPr>
-  </cs:dataPointMarker>
-  <cs:dataPointMarkerLayout symbol="circle" size="5"/>
-  <cs:dataPointWireframe>
-    <cs:lnRef idx="0">
-      <cs:styleClr val="auto"/>
-    </cs:lnRef>
-    <cs:fillRef idx="1"/>
-    <cs:effectRef idx="0"/>
-    <cs:fontRef idx="minor">
-      <a:schemeClr val="tx1"/>
-    </cs:fontRef>
-    <cs:spPr>
-      <a:ln w="9525" cap="rnd">
-        <a:solidFill>
-          <a:schemeClr val="phClr"/>
-        </a:solidFill>
-        <a:round/>
-      </a:ln>
-    </cs:spPr>
-  </cs:dataPointWireframe>
-  <cs:dataTable>
-    <cs:lnRef idx="0"/>
-    <cs:fillRef idx="0"/>
-    <cs:effectRef idx="0"/>
-    <cs:fontRef idx="minor">
-      <a:schemeClr val="tx1">
-        <a:lumMod val="65000"/>
-        <a:lumOff val="35000"/>
-      </a:schemeClr>
-    </cs:fontRef>
-    <cs:spPr>
-      <a:noFill/>
-      <a:ln w="9525" cap="flat" cmpd="sng" algn="ctr">
-        <a:solidFill>
-          <a:schemeClr val="tx1">
-            <a:lumMod val="15000"/>
-            <a:lumOff val="85000"/>
-          </a:schemeClr>
-        </a:solidFill>
-        <a:round/>
-      </a:ln>
-    </cs:spPr>
-    <cs:defRPr sz="1197" kern="1200"/>
-  </cs:dataTable>
-  <cs:downBar>
-    <cs:lnRef idx="0"/>
-    <cs:fillRef idx="0"/>
-    <cs:effectRef idx="0"/>
-    <cs:fontRef idx="minor">
-      <a:schemeClr val="dk1"/>
-    </cs:fontRef>
-    <cs:spPr>
-      <a:solidFill>
-        <a:schemeClr val="dk1">
-          <a:lumMod val="65000"/>
-          <a:lumOff val="35000"/>
-        </a:schemeClr>
-      </a:solidFill>
-      <a:ln w="9525">
-        <a:solidFill>
-          <a:schemeClr val="tx1">
-            <a:lumMod val="65000"/>
-            <a:lumOff val="35000"/>
-          </a:schemeClr>
-        </a:solidFill>
-      </a:ln>
-    </cs:spPr>
-  </cs:downBar>
-  <cs:dropLine>
-    <cs:lnRef idx="0"/>
-    <cs:fillRef idx="0"/>
-    <cs:effectRef idx="0"/>
-    <cs:fontRef idx="minor">
-      <a:schemeClr val="tx1"/>
-    </cs:fontRef>
-    <cs:spPr>
-      <a:ln w="9525" cap="flat" cmpd="sng" algn="ctr">
-        <a:solidFill>
-          <a:schemeClr val="tx1">
-            <a:lumMod val="35000"/>
-            <a:lumOff val="65000"/>
-          </a:schemeClr>
-        </a:solidFill>
-        <a:round/>
-      </a:ln>
-    </cs:spPr>
-  </cs:dropLine>
-  <cs:errorBar>
-    <cs:lnRef idx="0"/>
-    <cs:fillRef idx="0"/>
-    <cs:effectRef idx="0"/>
-    <cs:fontRef idx="minor">
-      <a:schemeClr val="tx1"/>
-    </cs:fontRef>
-    <cs:spPr>
-      <a:ln w="9525" cap="flat" cmpd="sng" algn="ctr">
-        <a:solidFill>
-          <a:schemeClr val="tx1">
-            <a:lumMod val="65000"/>
-            <a:lumOff val="35000"/>
-          </a:schemeClr>
-        </a:solidFill>
-        <a:round/>
-      </a:ln>
-    </cs:spPr>
-  </cs:errorBar>
-  <cs:floor>
-    <cs:lnRef idx="0"/>
-    <cs:fillRef idx="0"/>
-    <cs:effectRef idx="0"/>
-    <cs:fontRef idx="minor">
-      <a:schemeClr val="tx1"/>
-    </cs:fontRef>
-    <cs:spPr>
-      <a:noFill/>
-      <a:ln>
-        <a:noFill/>
-      </a:ln>
-    </cs:spPr>
-  </cs:floor>
-  <cs:gridlineMajor>
-    <cs:lnRef idx="0"/>
-    <cs:fillRef idx="0"/>
-    <cs:effectRef idx="0"/>
-    <cs:fontRef idx="minor">
-      <a:schemeClr val="tx1"/>
-    </cs:fontRef>
-    <cs:spPr>
-      <a:ln w="9525" cap="flat" cmpd="sng" algn="ctr">
-        <a:solidFill>
-          <a:schemeClr val="tx1">
-            <a:lumMod val="15000"/>
-            <a:lumOff val="85000"/>
-          </a:schemeClr>
-        </a:solidFill>
-        <a:round/>
-      </a:ln>
-    </cs:spPr>
-  </cs:gridlineMajor>
-  <cs:gridlineMinor>
-    <cs:lnRef idx="0"/>
-    <cs:fillRef idx="0"/>
-    <cs:effectRef idx="0"/>
-    <cs:fontRef idx="minor">
-      <a:schemeClr val="tx1"/>
-    </cs:fontRef>
-    <cs:spPr>
-      <a:ln w="9525" cap="flat" cmpd="sng" algn="ctr">
-        <a:solidFill>
-          <a:schemeClr val="tx1">
-            <a:lumMod val="5000"/>
-            <a:lumOff val="95000"/>
-          </a:schemeClr>
-        </a:solidFill>
-        <a:round/>
-      </a:ln>
-    </cs:spPr>
-  </cs:gridlineMinor>
-  <cs:hiLoLine>
-    <cs:lnRef idx="0"/>
-    <cs:fillRef idx="0"/>
-    <cs:effectRef idx="0"/>
-    <cs:fontRef idx="minor">
-      <a:schemeClr val="tx1"/>
-    </cs:fontRef>
-    <cs:spPr>
-      <a:ln w="9525" cap="flat" cmpd="sng" algn="ctr">
-        <a:solidFill>
-          <a:schemeClr val="tx1">
-            <a:lumMod val="75000"/>
-            <a:lumOff val="25000"/>
-          </a:schemeClr>
-        </a:solidFill>
-        <a:round/>
-      </a:ln>
-    </cs:spPr>
-  </cs:hiLoLine>
-  <cs:leaderLine>
-    <cs:lnRef idx="0"/>
-    <cs:fillRef idx="0"/>
-    <cs:effectRef idx="0"/>
-    <cs:fontRef idx="minor">
-      <a:schemeClr val="tx1"/>
-    </cs:fontRef>
-    <cs:spPr>
-      <a:ln w="9525" cap="flat" cmpd="sng" algn="ctr">
-        <a:solidFill>
-          <a:schemeClr val="tx1">
-            <a:lumMod val="35000"/>
-            <a:lumOff val="65000"/>
-          </a:schemeClr>
-        </a:solidFill>
-        <a:round/>
-      </a:ln>
-    </cs:spPr>
-  </cs:leaderLine>
-  <cs:legend>
-    <cs:lnRef idx="0"/>
-    <cs:fillRef idx="0"/>
-    <cs:effectRef idx="0"/>
-    <cs:fontRef idx="minor">
-      <a:schemeClr val="tx1">
-        <a:lumMod val="65000"/>
-        <a:lumOff val="35000"/>
-      </a:schemeClr>
-    </cs:fontRef>
-    <cs:defRPr sz="1197" kern="1200"/>
-  </cs:legend>
-  <cs:plotArea mods="allowNoFillOverride allowNoLineOverride">
-    <cs:lnRef idx="0"/>
-    <cs:fillRef idx="0"/>
-    <cs:effectRef idx="0"/>
-    <cs:fontRef idx="minor">
-      <a:schemeClr val="tx1"/>
-    </cs:fontRef>
-  </cs:plotArea>
-  <cs:plotArea3D mods="allowNoFillOverride allowNoLineOverride">
-    <cs:lnRef idx="0"/>
-    <cs:fillRef idx="0"/>
-    <cs:effectRef idx="0"/>
-    <cs:fontRef idx="minor">
-      <a:schemeClr val="tx1"/>
-    </cs:fontRef>
-  </cs:plotArea3D>
-  <cs:seriesAxis>
-    <cs:lnRef idx="0"/>
-    <cs:fillRef idx="0"/>
-    <cs:effectRef idx="0"/>
-    <cs:fontRef idx="minor">
-      <a:schemeClr val="tx1">
-        <a:lumMod val="65000"/>
-        <a:lumOff val="35000"/>
-      </a:schemeClr>
-    </cs:fontRef>
-    <cs:defRPr sz="1197" kern="1200"/>
-  </cs:seriesAxis>
-  <cs:seriesLine>
-    <cs:lnRef idx="0"/>
-    <cs:fillRef idx="0"/>
-    <cs:effectRef idx="0"/>
-    <cs:fontRef idx="minor">
-      <a:schemeClr val="tx1"/>
-    </cs:fontRef>
-    <cs:spPr>
-      <a:ln w="9525" cap="flat" cmpd="sng" algn="ctr">
-        <a:solidFill>
-          <a:schemeClr val="tx1">
-            <a:lumMod val="35000"/>
-            <a:lumOff val="65000"/>
-          </a:schemeClr>
-        </a:solidFill>
-        <a:round/>
-      </a:ln>
-    </cs:spPr>
-  </cs:seriesLine>
-  <cs:title>
-    <cs:lnRef idx="0"/>
-    <cs:fillRef idx="0"/>
-    <cs:effectRef idx="0"/>
-    <cs:fontRef idx="minor">
-      <a:schemeClr val="tx1">
-        <a:lumMod val="65000"/>
-        <a:lumOff val="35000"/>
-      </a:schemeClr>
-    </cs:fontRef>
-    <cs:defRPr sz="1862" b="0" kern="1200" spc="0" baseline="0"/>
-  </cs:title>
-  <cs:trendline>
-    <cs:lnRef idx="0">
-      <cs:styleClr val="auto"/>
-    </cs:lnRef>
-    <cs:fillRef idx="0"/>
-    <cs:effectRef idx="0"/>
-    <cs:fontRef idx="minor">
-      <a:schemeClr val="tx1"/>
-    </cs:fontRef>
-    <cs:spPr>
-      <a:ln w="19050" cap="rnd">
-        <a:solidFill>
-          <a:schemeClr val="phClr"/>
-        </a:solidFill>
-        <a:prstDash val="sysDot"/>
-      </a:ln>
-    </cs:spPr>
-  </cs:trendline>
-  <cs:trendlineLabel>
-    <cs:lnRef idx="0"/>
-    <cs:fillRef idx="0"/>
-    <cs:effectRef idx="0"/>
-    <cs:fontRef idx="minor">
-      <a:schemeClr val="tx1">
-        <a:lumMod val="65000"/>
-        <a:lumOff val="35000"/>
-      </a:schemeClr>
-    </cs:fontRef>
-    <cs:defRPr sz="1197" kern="1200"/>
-  </cs:trendlineLabel>
-  <cs:upBar>
-    <cs:lnRef idx="0"/>
-    <cs:fillRef idx="0"/>
-    <cs:effectRef idx="0"/>
-    <cs:fontRef idx="minor">
-      <a:schemeClr val="dk1"/>
-    </cs:fontRef>
-    <cs:spPr>
-      <a:solidFill>
-        <a:schemeClr val="lt1"/>
-      </a:solidFill>
-      <a:ln w="9525">
-        <a:solidFill>
-          <a:schemeClr val="tx1">
-            <a:lumMod val="15000"/>
-            <a:lumOff val="85000"/>
-          </a:schemeClr>
-        </a:solidFill>
-      </a:ln>
-    </cs:spPr>
-  </cs:upBar>
-  <cs:valueAxis>
-    <cs:lnRef idx="0"/>
-    <cs:fillRef idx="0"/>
-    <cs:effectRef idx="0"/>
-    <cs:fontRef idx="minor">
-      <a:schemeClr val="tx1">
-        <a:lumMod val="65000"/>
-        <a:lumOff val="35000"/>
-      </a:schemeClr>
-    </cs:fontRef>
-    <cs:defRPr sz="1197" kern="1200"/>
-  </cs:valueAxis>
-  <cs:wall>
-    <cs:lnRef idx="0"/>
-    <cs:fillRef idx="0"/>
-    <cs:effectRef idx="0"/>
-    <cs:fontRef idx="minor">
-      <a:schemeClr val="tx1"/>
-    </cs:fontRef>
-    <cs:spPr>
-      <a:noFill/>
-      <a:ln>
-        <a:noFill/>
-      </a:ln>
-    </cs:spPr>
-  </cs:wall>
-</cs:chartStyle>
 </file>
 
 <file path=ppt/slideLayouts/slideLayout1.xml><?xml version="1.0" encoding="utf-8"?>
@@ -8597,687 +7515,6 @@
           <a:chExt cx="0" cy="0"/>
         </a:xfrm>
       </p:grpSpPr>
-      <p:sp>
-        <p:nvSpPr>
-          <p:cNvPr id="3" name="Объект 2"/>
-          <p:cNvSpPr>
-            <a:spLocks noGrp="1"/>
-          </p:cNvSpPr>
-          <p:nvPr>
-            <p:ph idx="1"/>
-          </p:nvPr>
-        </p:nvSpPr>
-        <p:spPr>
-          <a:xfrm>
-            <a:off x="786745" y="2285318"/>
-            <a:ext cx="5808290" cy="2789843"/>
-          </a:xfrm>
-        </p:spPr>
-        <p:txBody>
-          <a:bodyPr>
-            <a:normAutofit/>
-          </a:bodyPr>
-          <a:lstStyle/>
-          <a:p>
-            <a:r>
-              <a:rPr lang="ru-RU" dirty="0" smtClean="0">
-                <a:latin typeface="+mj-lt"/>
-              </a:rPr>
-              <a:t>Дата </a:t>
-            </a:r>
-            <a:r>
-              <a:rPr lang="ru-RU" dirty="0" smtClean="0">
-                <a:latin typeface="+mj-lt"/>
-              </a:rPr>
-              <a:t>посещения</a:t>
-            </a:r>
-          </a:p>
-          <a:p>
-            <a:r>
-              <a:rPr lang="ru-RU" dirty="0" smtClean="0">
-                <a:latin typeface="+mj-lt"/>
-              </a:rPr>
-              <a:t>Время входа</a:t>
-            </a:r>
-          </a:p>
-          <a:p>
-            <a:r>
-              <a:rPr lang="ru-RU" dirty="0" smtClean="0">
-                <a:latin typeface="+mj-lt"/>
-              </a:rPr>
-              <a:t>Время </a:t>
-            </a:r>
-            <a:r>
-              <a:rPr lang="ru-RU" dirty="0" smtClean="0">
-                <a:latin typeface="+mj-lt"/>
-              </a:rPr>
-              <a:t>выхода </a:t>
-            </a:r>
-            <a:endParaRPr lang="ru-RU" dirty="0" smtClean="0">
-              <a:latin typeface="+mj-lt"/>
-            </a:endParaRPr>
-          </a:p>
-          <a:p>
-            <a:r>
-              <a:rPr lang="ru-RU" dirty="0" smtClean="0">
-                <a:latin typeface="+mj-lt"/>
-              </a:rPr>
-              <a:t>Предоставленные услуги</a:t>
-            </a:r>
-          </a:p>
-          <a:p>
-            <a:r>
-              <a:rPr lang="ru-RU" dirty="0" smtClean="0">
-                <a:latin typeface="+mj-lt"/>
-              </a:rPr>
-              <a:t>Количеств</a:t>
-            </a:r>
-            <a:r>
-              <a:rPr lang="ru-RU" dirty="0">
-                <a:latin typeface="+mj-lt"/>
-              </a:rPr>
-              <a:t>о</a:t>
-            </a:r>
-            <a:r>
-              <a:rPr lang="ru-RU" dirty="0" smtClean="0">
-                <a:latin typeface="+mj-lt"/>
-              </a:rPr>
-              <a:t> </a:t>
-            </a:r>
-            <a:r>
-              <a:rPr lang="ru-RU" dirty="0" smtClean="0">
-                <a:latin typeface="+mj-lt"/>
-              </a:rPr>
-              <a:t>людей в помещении</a:t>
-            </a:r>
-            <a:endParaRPr lang="en-US" dirty="0" smtClean="0">
-              <a:latin typeface="+mj-lt"/>
-            </a:endParaRPr>
-          </a:p>
-          <a:p>
-            <a:pPr marL="0" indent="0">
-              <a:buNone/>
-            </a:pPr>
-            <a:endParaRPr lang="en-US" dirty="0" smtClean="0">
-              <a:latin typeface="+mj-lt"/>
-            </a:endParaRPr>
-          </a:p>
-          <a:p>
-            <a:endParaRPr lang="ru-RU" dirty="0" smtClean="0">
-              <a:latin typeface="+mj-lt"/>
-            </a:endParaRPr>
-          </a:p>
-        </p:txBody>
-      </p:sp>
-      <p:sp>
-        <p:nvSpPr>
-          <p:cNvPr id="14" name="Заголовок 1"/>
-          <p:cNvSpPr>
-            <a:spLocks noGrp="1"/>
-          </p:cNvSpPr>
-          <p:nvPr>
-            <p:ph type="title"/>
-          </p:nvPr>
-        </p:nvSpPr>
-        <p:spPr>
-          <a:xfrm>
-            <a:off x="632197" y="445452"/>
-            <a:ext cx="10515600" cy="1325562"/>
-          </a:xfrm>
-        </p:spPr>
-        <p:txBody>
-          <a:bodyPr/>
-          <a:lstStyle/>
-          <a:p>
-            <a:r>
-              <a:rPr lang="ru-RU" dirty="0"/>
-              <a:t>Сбор статистических </a:t>
-            </a:r>
-            <a:r>
-              <a:rPr lang="ru-RU" dirty="0" smtClean="0"/>
-              <a:t>данных</a:t>
-            </a:r>
-            <a:endParaRPr lang="ru-RU" dirty="0"/>
-          </a:p>
-        </p:txBody>
-      </p:sp>
-      <p:pic>
-        <p:nvPicPr>
-          <p:cNvPr id="2" name="Рисунок 1"/>
-          <p:cNvPicPr>
-            <a:picLocks noChangeAspect="1"/>
-          </p:cNvPicPr>
-          <p:nvPr/>
-        </p:nvPicPr>
-        <p:blipFill>
-          <a:blip r:embed="rId2">
-            <a:extLst>
-              <a:ext uri="{28A0092B-C50C-407E-A947-70E740481C1C}">
-                <a14:useLocalDpi xmlns:a14="http://schemas.microsoft.com/office/drawing/2010/main" val="0"/>
-              </a:ext>
-            </a:extLst>
-          </a:blip>
-          <a:stretch>
-            <a:fillRect/>
-          </a:stretch>
-        </p:blipFill>
-        <p:spPr>
-          <a:xfrm>
-            <a:off x="7827986" y="1108233"/>
-            <a:ext cx="3629016" cy="5278568"/>
-          </a:xfrm>
-          <a:prstGeom prst="rect">
-            <a:avLst/>
-          </a:prstGeom>
-        </p:spPr>
-      </p:pic>
-      <p:sp>
-        <p:nvSpPr>
-          <p:cNvPr id="6" name="TextBox 5"/>
-          <p:cNvSpPr txBox="1"/>
-          <p:nvPr/>
-        </p:nvSpPr>
-        <p:spPr>
-          <a:xfrm>
-            <a:off x="8337921" y="1846547"/>
-            <a:ext cx="1200970" cy="461665"/>
-          </a:xfrm>
-          <a:prstGeom prst="rect">
-            <a:avLst/>
-          </a:prstGeom>
-          <a:noFill/>
-        </p:spPr>
-        <p:txBody>
-          <a:bodyPr wrap="none" rtlCol="0">
-            <a:spAutoFit/>
-          </a:bodyPr>
-          <a:lstStyle/>
-          <a:p>
-            <a:r>
-              <a:rPr lang="ru-RU" sz="2400" dirty="0" smtClean="0">
-                <a:latin typeface="+mj-lt"/>
-              </a:rPr>
-              <a:t>Возраст</a:t>
-            </a:r>
-            <a:endParaRPr lang="ru-RU" sz="2400" dirty="0">
-              <a:latin typeface="+mj-lt"/>
-            </a:endParaRPr>
-          </a:p>
-        </p:txBody>
-      </p:sp>
-      <p:sp>
-        <p:nvSpPr>
-          <p:cNvPr id="8" name="TextBox 7"/>
-          <p:cNvSpPr txBox="1"/>
-          <p:nvPr/>
-        </p:nvSpPr>
-        <p:spPr>
-          <a:xfrm>
-            <a:off x="9156252" y="2311198"/>
-            <a:ext cx="688715" cy="461665"/>
-          </a:xfrm>
-          <a:prstGeom prst="rect">
-            <a:avLst/>
-          </a:prstGeom>
-          <a:noFill/>
-        </p:spPr>
-        <p:txBody>
-          <a:bodyPr wrap="none" rtlCol="0">
-            <a:spAutoFit/>
-          </a:bodyPr>
-          <a:lstStyle/>
-          <a:p>
-            <a:r>
-              <a:rPr lang="ru-RU" sz="2400" dirty="0" smtClean="0">
-                <a:latin typeface="+mj-lt"/>
-              </a:rPr>
-              <a:t>Пол</a:t>
-            </a:r>
-            <a:endParaRPr lang="ru-RU" sz="2400" dirty="0">
-              <a:latin typeface="+mj-lt"/>
-            </a:endParaRPr>
-          </a:p>
-        </p:txBody>
-      </p:sp>
-      <p:sp>
-        <p:nvSpPr>
-          <p:cNvPr id="9" name="TextBox 8"/>
-          <p:cNvSpPr txBox="1"/>
-          <p:nvPr/>
-        </p:nvSpPr>
-        <p:spPr>
-          <a:xfrm>
-            <a:off x="9214648" y="1401021"/>
-            <a:ext cx="1097095" cy="461665"/>
-          </a:xfrm>
-          <a:prstGeom prst="rect">
-            <a:avLst/>
-          </a:prstGeom>
-          <a:noFill/>
-        </p:spPr>
-        <p:txBody>
-          <a:bodyPr wrap="none" rtlCol="0">
-            <a:spAutoFit/>
-          </a:bodyPr>
-          <a:lstStyle/>
-          <a:p>
-            <a:r>
-              <a:rPr lang="ru-RU" sz="2400" dirty="0" smtClean="0">
-                <a:latin typeface="+mj-lt"/>
-              </a:rPr>
-              <a:t>Услуги </a:t>
-            </a:r>
-            <a:endParaRPr lang="ru-RU" sz="2400" dirty="0">
-              <a:latin typeface="+mj-lt"/>
-            </a:endParaRPr>
-          </a:p>
-        </p:txBody>
-      </p:sp>
-      <p:sp>
-        <p:nvSpPr>
-          <p:cNvPr id="10" name="TextBox 9"/>
-          <p:cNvSpPr txBox="1"/>
-          <p:nvPr/>
-        </p:nvSpPr>
-        <p:spPr>
-          <a:xfrm>
-            <a:off x="9762988" y="1886614"/>
-            <a:ext cx="1131335" cy="461665"/>
-          </a:xfrm>
-          <a:prstGeom prst="rect">
-            <a:avLst/>
-          </a:prstGeom>
-          <a:noFill/>
-        </p:spPr>
-        <p:txBody>
-          <a:bodyPr wrap="none" rtlCol="0">
-            <a:spAutoFit/>
-          </a:bodyPr>
-          <a:lstStyle/>
-          <a:p>
-            <a:r>
-              <a:rPr lang="ru-RU" sz="2400" dirty="0" smtClean="0">
-                <a:latin typeface="+mj-lt"/>
-              </a:rPr>
-              <a:t>Товары</a:t>
-            </a:r>
-            <a:endParaRPr lang="ru-RU" sz="2400" dirty="0">
-              <a:latin typeface="+mj-lt"/>
-            </a:endParaRPr>
-          </a:p>
-        </p:txBody>
-      </p:sp>
-      <p:sp>
-        <p:nvSpPr>
-          <p:cNvPr id="11" name="TextBox 10"/>
-          <p:cNvSpPr txBox="1"/>
-          <p:nvPr/>
-        </p:nvSpPr>
-        <p:spPr>
-          <a:xfrm>
-            <a:off x="8047424" y="5555289"/>
-            <a:ext cx="3275777" cy="830997"/>
-          </a:xfrm>
-          <a:prstGeom prst="rect">
-            <a:avLst/>
-          </a:prstGeom>
-          <a:noFill/>
-        </p:spPr>
-        <p:txBody>
-          <a:bodyPr wrap="square" rtlCol="0">
-            <a:spAutoFit/>
-          </a:bodyPr>
-          <a:lstStyle/>
-          <a:p>
-            <a:pPr algn="ctr"/>
-            <a:r>
-              <a:rPr lang="ru-RU" sz="2400" dirty="0" smtClean="0">
-                <a:solidFill>
-                  <a:schemeClr val="bg1"/>
-                </a:solidFill>
-                <a:latin typeface="+mj-lt"/>
-              </a:rPr>
-              <a:t>Повышение качества предоставляемых услуг</a:t>
-            </a:r>
-            <a:endParaRPr lang="ru-RU" sz="2400" dirty="0">
-              <a:solidFill>
-                <a:schemeClr val="bg1"/>
-              </a:solidFill>
-              <a:latin typeface="+mj-lt"/>
-            </a:endParaRPr>
-          </a:p>
-        </p:txBody>
-      </p:sp>
-      <p:sp>
-        <p:nvSpPr>
-          <p:cNvPr id="13" name="TextBox 12"/>
-          <p:cNvSpPr txBox="1"/>
-          <p:nvPr/>
-        </p:nvSpPr>
-        <p:spPr>
-          <a:xfrm>
-            <a:off x="10350039" y="3425063"/>
-            <a:ext cx="1569982" cy="461665"/>
-          </a:xfrm>
-          <a:prstGeom prst="rect">
-            <a:avLst/>
-          </a:prstGeom>
-          <a:noFill/>
-        </p:spPr>
-        <p:txBody>
-          <a:bodyPr wrap="none" rtlCol="0">
-            <a:spAutoFit/>
-          </a:bodyPr>
-          <a:lstStyle/>
-          <a:p>
-            <a:r>
-              <a:rPr lang="ru-RU" sz="2400" dirty="0" smtClean="0">
-                <a:latin typeface="+mj-lt"/>
-              </a:rPr>
-              <a:t>Аналитика</a:t>
-            </a:r>
-            <a:endParaRPr lang="ru-RU" sz="2400" dirty="0">
-              <a:latin typeface="+mj-lt"/>
-            </a:endParaRPr>
-          </a:p>
-        </p:txBody>
-      </p:sp>
-    </p:spTree>
-    <p:extLst>
-      <p:ext uri="{BB962C8B-B14F-4D97-AF65-F5344CB8AC3E}">
-        <p14:creationId xmlns:p14="http://schemas.microsoft.com/office/powerpoint/2010/main" val="1963864163"/>
-      </p:ext>
-    </p:extLst>
-  </p:cSld>
-  <p:clrMapOvr>
-    <a:masterClrMapping/>
-  </p:clrMapOvr>
-  <p:timing>
-    <p:tnLst>
-      <p:par>
-        <p:cTn id="1" dur="indefinite" restart="never" nodeType="tmRoot">
-          <p:childTnLst>
-            <p:seq concurrent="1" nextAc="seek">
-              <p:cTn id="2" dur="indefinite" nodeType="mainSeq">
-                <p:childTnLst>
-                  <p:par>
-                    <p:cTn id="3" fill="hold">
-                      <p:stCondLst>
-                        <p:cond delay="indefinite"/>
-                      </p:stCondLst>
-                      <p:childTnLst>
-                        <p:par>
-                          <p:cTn id="4" fill="hold">
-                            <p:stCondLst>
-                              <p:cond delay="0"/>
-                            </p:stCondLst>
-                            <p:childTnLst>
-                              <p:par>
-                                <p:cTn id="5" presetID="10" presetClass="entr" presetSubtype="0" fill="hold" grpId="0" nodeType="clickEffect">
-                                  <p:stCondLst>
-                                    <p:cond delay="0"/>
-                                  </p:stCondLst>
-                                  <p:childTnLst>
-                                    <p:set>
-                                      <p:cBhvr>
-                                        <p:cTn id="6" dur="1" fill="hold">
-                                          <p:stCondLst>
-                                            <p:cond delay="0"/>
-                                          </p:stCondLst>
-                                        </p:cTn>
-                                        <p:tgtEl>
-                                          <p:spTgt spid="9"/>
-                                        </p:tgtEl>
-                                        <p:attrNameLst>
-                                          <p:attrName>style.visibility</p:attrName>
-                                        </p:attrNameLst>
-                                      </p:cBhvr>
-                                      <p:to>
-                                        <p:strVal val="visible"/>
-                                      </p:to>
-                                    </p:set>
-                                    <p:animEffect transition="in" filter="fade">
-                                      <p:cBhvr>
-                                        <p:cTn id="7" dur="500"/>
-                                        <p:tgtEl>
-                                          <p:spTgt spid="9"/>
-                                        </p:tgtEl>
-                                      </p:cBhvr>
-                                    </p:animEffect>
-                                  </p:childTnLst>
-                                </p:cTn>
-                              </p:par>
-                              <p:par>
-                                <p:cTn id="8" presetID="10" presetClass="entr" presetSubtype="0" fill="hold" grpId="0" nodeType="withEffect">
-                                  <p:stCondLst>
-                                    <p:cond delay="0"/>
-                                  </p:stCondLst>
-                                  <p:childTnLst>
-                                    <p:set>
-                                      <p:cBhvr>
-                                        <p:cTn id="9" dur="1" fill="hold">
-                                          <p:stCondLst>
-                                            <p:cond delay="0"/>
-                                          </p:stCondLst>
-                                        </p:cTn>
-                                        <p:tgtEl>
-                                          <p:spTgt spid="6"/>
-                                        </p:tgtEl>
-                                        <p:attrNameLst>
-                                          <p:attrName>style.visibility</p:attrName>
-                                        </p:attrNameLst>
-                                      </p:cBhvr>
-                                      <p:to>
-                                        <p:strVal val="visible"/>
-                                      </p:to>
-                                    </p:set>
-                                    <p:animEffect transition="in" filter="fade">
-                                      <p:cBhvr>
-                                        <p:cTn id="10" dur="500"/>
-                                        <p:tgtEl>
-                                          <p:spTgt spid="6"/>
-                                        </p:tgtEl>
-                                      </p:cBhvr>
-                                    </p:animEffect>
-                                  </p:childTnLst>
-                                </p:cTn>
-                              </p:par>
-                              <p:par>
-                                <p:cTn id="11" presetID="10" presetClass="entr" presetSubtype="0" fill="hold" grpId="0" nodeType="withEffect">
-                                  <p:stCondLst>
-                                    <p:cond delay="0"/>
-                                  </p:stCondLst>
-                                  <p:childTnLst>
-                                    <p:set>
-                                      <p:cBhvr>
-                                        <p:cTn id="12" dur="1" fill="hold">
-                                          <p:stCondLst>
-                                            <p:cond delay="0"/>
-                                          </p:stCondLst>
-                                        </p:cTn>
-                                        <p:tgtEl>
-                                          <p:spTgt spid="10"/>
-                                        </p:tgtEl>
-                                        <p:attrNameLst>
-                                          <p:attrName>style.visibility</p:attrName>
-                                        </p:attrNameLst>
-                                      </p:cBhvr>
-                                      <p:to>
-                                        <p:strVal val="visible"/>
-                                      </p:to>
-                                    </p:set>
-                                    <p:animEffect transition="in" filter="fade">
-                                      <p:cBhvr>
-                                        <p:cTn id="13" dur="500"/>
-                                        <p:tgtEl>
-                                          <p:spTgt spid="10"/>
-                                        </p:tgtEl>
-                                      </p:cBhvr>
-                                    </p:animEffect>
-                                  </p:childTnLst>
-                                </p:cTn>
-                              </p:par>
-                              <p:par>
-                                <p:cTn id="14" presetID="10" presetClass="entr" presetSubtype="0" fill="hold" grpId="0" nodeType="withEffect">
-                                  <p:stCondLst>
-                                    <p:cond delay="0"/>
-                                  </p:stCondLst>
-                                  <p:childTnLst>
-                                    <p:set>
-                                      <p:cBhvr>
-                                        <p:cTn id="15" dur="1" fill="hold">
-                                          <p:stCondLst>
-                                            <p:cond delay="0"/>
-                                          </p:stCondLst>
-                                        </p:cTn>
-                                        <p:tgtEl>
-                                          <p:spTgt spid="8"/>
-                                        </p:tgtEl>
-                                        <p:attrNameLst>
-                                          <p:attrName>style.visibility</p:attrName>
-                                        </p:attrNameLst>
-                                      </p:cBhvr>
-                                      <p:to>
-                                        <p:strVal val="visible"/>
-                                      </p:to>
-                                    </p:set>
-                                    <p:animEffect transition="in" filter="fade">
-                                      <p:cBhvr>
-                                        <p:cTn id="16" dur="500"/>
-                                        <p:tgtEl>
-                                          <p:spTgt spid="8"/>
-                                        </p:tgtEl>
-                                      </p:cBhvr>
-                                    </p:animEffect>
-                                  </p:childTnLst>
-                                </p:cTn>
-                              </p:par>
-                              <p:par>
-                                <p:cTn id="17" presetID="10" presetClass="entr" presetSubtype="0" fill="hold" grpId="0" nodeType="withEffect">
-                                  <p:stCondLst>
-                                    <p:cond delay="0"/>
-                                  </p:stCondLst>
-                                  <p:childTnLst>
-                                    <p:set>
-                                      <p:cBhvr>
-                                        <p:cTn id="18" dur="1" fill="hold">
-                                          <p:stCondLst>
-                                            <p:cond delay="0"/>
-                                          </p:stCondLst>
-                                        </p:cTn>
-                                        <p:tgtEl>
-                                          <p:spTgt spid="13"/>
-                                        </p:tgtEl>
-                                        <p:attrNameLst>
-                                          <p:attrName>style.visibility</p:attrName>
-                                        </p:attrNameLst>
-                                      </p:cBhvr>
-                                      <p:to>
-                                        <p:strVal val="visible"/>
-                                      </p:to>
-                                    </p:set>
-                                    <p:animEffect transition="in" filter="fade">
-                                      <p:cBhvr>
-                                        <p:cTn id="19" dur="500"/>
-                                        <p:tgtEl>
-                                          <p:spTgt spid="13"/>
-                                        </p:tgtEl>
-                                      </p:cBhvr>
-                                    </p:animEffect>
-                                  </p:childTnLst>
-                                </p:cTn>
-                              </p:par>
-                              <p:par>
-                                <p:cTn id="20" presetID="10" presetClass="entr" presetSubtype="0" fill="hold" grpId="0" nodeType="withEffect">
-                                  <p:stCondLst>
-                                    <p:cond delay="0"/>
-                                  </p:stCondLst>
-                                  <p:childTnLst>
-                                    <p:set>
-                                      <p:cBhvr>
-                                        <p:cTn id="21" dur="1" fill="hold">
-                                          <p:stCondLst>
-                                            <p:cond delay="0"/>
-                                          </p:stCondLst>
-                                        </p:cTn>
-                                        <p:tgtEl>
-                                          <p:spTgt spid="11"/>
-                                        </p:tgtEl>
-                                        <p:attrNameLst>
-                                          <p:attrName>style.visibility</p:attrName>
-                                        </p:attrNameLst>
-                                      </p:cBhvr>
-                                      <p:to>
-                                        <p:strVal val="visible"/>
-                                      </p:to>
-                                    </p:set>
-                                    <p:animEffect transition="in" filter="fade">
-                                      <p:cBhvr>
-                                        <p:cTn id="22" dur="500"/>
-                                        <p:tgtEl>
-                                          <p:spTgt spid="11"/>
-                                        </p:tgtEl>
-                                      </p:cBhvr>
-                                    </p:animEffect>
-                                  </p:childTnLst>
-                                </p:cTn>
-                              </p:par>
-                            </p:childTnLst>
-                          </p:cTn>
-                        </p:par>
-                      </p:childTnLst>
-                    </p:cTn>
-                  </p:par>
-                </p:childTnLst>
-              </p:cTn>
-              <p:prevCondLst>
-                <p:cond evt="onPrev" delay="0">
-                  <p:tgtEl>
-                    <p:sldTgt/>
-                  </p:tgtEl>
-                </p:cond>
-              </p:prevCondLst>
-              <p:nextCondLst>
-                <p:cond evt="onNext" delay="0">
-                  <p:tgtEl>
-                    <p:sldTgt/>
-                  </p:tgtEl>
-                </p:cond>
-              </p:nextCondLst>
-            </p:seq>
-          </p:childTnLst>
-        </p:cTn>
-      </p:par>
-    </p:tnLst>
-    <p:bldLst>
-      <p:bldP spid="6" grpId="0"/>
-      <p:bldP spid="8" grpId="0"/>
-      <p:bldP spid="9" grpId="0"/>
-      <p:bldP spid="10" grpId="0"/>
-      <p:bldP spid="11" grpId="0"/>
-      <p:bldP spid="13" grpId="0"/>
-    </p:bldLst>
-  </p:timing>
-</p:sld>
-</file>
-
-<file path=ppt/slides/slide4.xml><?xml version="1.0" encoding="utf-8"?>
-<p:sld xmlns:a="http://schemas.openxmlformats.org/drawingml/2006/main" xmlns:r="http://schemas.openxmlformats.org/officeDocument/2006/relationships" xmlns:p="http://schemas.openxmlformats.org/presentationml/2006/main">
-  <p:cSld>
-    <p:spTree>
-      <p:nvGrpSpPr>
-        <p:cNvPr id="1" name=""/>
-        <p:cNvGrpSpPr/>
-        <p:nvPr/>
-      </p:nvGrpSpPr>
-      <p:grpSpPr>
-        <a:xfrm>
-          <a:off x="0" y="0"/>
-          <a:ext cx="0" cy="0"/>
-          <a:chOff x="0" y="0"/>
-          <a:chExt cx="0" cy="0"/>
-        </a:xfrm>
-      </p:grpSpPr>
       <p:pic>
         <p:nvPicPr>
           <p:cNvPr id="12" name="Рисунок 11"/>
@@ -9316,7 +7553,7 @@
         </p:nvSpPr>
         <p:spPr>
           <a:xfrm>
-            <a:off x="8756469" y="2147442"/>
+            <a:off x="8756469" y="2263554"/>
             <a:ext cx="1650946" cy="468183"/>
           </a:xfrm>
           <a:prstGeom prst="rect">
@@ -9338,7 +7575,9 @@
                     <a:lumMod val="50000"/>
                   </a:schemeClr>
                 </a:solidFill>
-                <a:latin typeface="+mj-lt"/>
+                <a:latin typeface="Verdana" panose="020B0604030504040204" pitchFamily="34" charset="0"/>
+                <a:ea typeface="Verdana" panose="020B0604030504040204" pitchFamily="34" charset="0"/>
+                <a:cs typeface="Verdana" panose="020B0604030504040204" pitchFamily="34" charset="0"/>
               </a:rPr>
               <a:t>Statistics</a:t>
             </a:r>
@@ -9348,7 +7587,9 @@
                   <a:lumMod val="50000"/>
                 </a:schemeClr>
               </a:solidFill>
-              <a:latin typeface="+mj-lt"/>
+              <a:latin typeface="Verdana" panose="020B0604030504040204" pitchFamily="34" charset="0"/>
+              <a:ea typeface="Verdana" panose="020B0604030504040204" pitchFamily="34" charset="0"/>
+              <a:cs typeface="Verdana" panose="020B0604030504040204" pitchFamily="34" charset="0"/>
             </a:endParaRPr>
           </a:p>
         </p:txBody>
@@ -9361,7 +7602,7 @@
         </p:nvSpPr>
         <p:spPr>
           <a:xfrm>
-            <a:off x="6518755" y="6048737"/>
+            <a:off x="6518755" y="5976167"/>
             <a:ext cx="2779138" cy="468183"/>
           </a:xfrm>
           <a:prstGeom prst="rect">
@@ -9383,7 +7624,9 @@
                     <a:lumMod val="50000"/>
                   </a:schemeClr>
                 </a:solidFill>
-                <a:latin typeface="+mj-lt"/>
+                <a:latin typeface="Verdana" panose="020B0604030504040204" pitchFamily="34" charset="0"/>
+                <a:ea typeface="Verdana" panose="020B0604030504040204" pitchFamily="34" charset="0"/>
+                <a:cs typeface="Verdana" panose="020B0604030504040204" pitchFamily="34" charset="0"/>
               </a:rPr>
               <a:t>Knowledge Base</a:t>
             </a:r>
@@ -9393,7 +7636,9 @@
                   <a:lumMod val="50000"/>
                 </a:schemeClr>
               </a:solidFill>
-              <a:latin typeface="+mj-lt"/>
+              <a:latin typeface="Verdana" panose="020B0604030504040204" pitchFamily="34" charset="0"/>
+              <a:ea typeface="Verdana" panose="020B0604030504040204" pitchFamily="34" charset="0"/>
+              <a:cs typeface="Verdana" panose="020B0604030504040204" pitchFamily="34" charset="0"/>
             </a:endParaRPr>
           </a:p>
         </p:txBody>
@@ -9458,7 +7703,9 @@
                     <a:lumMod val="50000"/>
                   </a:schemeClr>
                 </a:solidFill>
-                <a:latin typeface="+mj-lt"/>
+                <a:latin typeface="Verdana" panose="020B0604030504040204" pitchFamily="34" charset="0"/>
+                <a:ea typeface="Verdana" panose="020B0604030504040204" pitchFamily="34" charset="0"/>
+                <a:cs typeface="Verdana" panose="020B0604030504040204" pitchFamily="34" charset="0"/>
               </a:rPr>
               <a:t>AI Analytics</a:t>
             </a:r>
@@ -9468,7 +7715,9 @@
                   <a:lumMod val="50000"/>
                 </a:schemeClr>
               </a:solidFill>
-              <a:latin typeface="+mj-lt"/>
+              <a:latin typeface="Verdana" panose="020B0604030504040204" pitchFamily="34" charset="0"/>
+              <a:ea typeface="Verdana" panose="020B0604030504040204" pitchFamily="34" charset="0"/>
+              <a:cs typeface="Verdana" panose="020B0604030504040204" pitchFamily="34" charset="0"/>
             </a:endParaRPr>
           </a:p>
         </p:txBody>
@@ -9481,7 +7730,7 @@
         </p:nvSpPr>
         <p:spPr>
           <a:xfrm>
-            <a:off x="1666392" y="4337465"/>
+            <a:off x="1695420" y="4279409"/>
             <a:ext cx="1769139" cy="842729"/>
           </a:xfrm>
           <a:prstGeom prst="rect">
@@ -9503,7 +7752,9 @@
                     <a:lumMod val="50000"/>
                   </a:schemeClr>
                 </a:solidFill>
-                <a:latin typeface="+mj-lt"/>
+                <a:latin typeface="Verdana" panose="020B0604030504040204" pitchFamily="34" charset="0"/>
+                <a:ea typeface="Verdana" panose="020B0604030504040204" pitchFamily="34" charset="0"/>
+                <a:cs typeface="Verdana" panose="020B0604030504040204" pitchFamily="34" charset="0"/>
               </a:rPr>
               <a:t>Computer Vision</a:t>
             </a:r>
@@ -9513,7 +7764,9 @@
                   <a:lumMod val="50000"/>
                 </a:schemeClr>
               </a:solidFill>
-              <a:latin typeface="+mj-lt"/>
+              <a:latin typeface="Verdana" panose="020B0604030504040204" pitchFamily="34" charset="0"/>
+              <a:ea typeface="Verdana" panose="020B0604030504040204" pitchFamily="34" charset="0"/>
+              <a:cs typeface="Verdana" panose="020B0604030504040204" pitchFamily="34" charset="0"/>
             </a:endParaRPr>
           </a:p>
         </p:txBody>
@@ -9663,7 +7916,7 @@
 </p:sld>
 </file>
 
-<file path=ppt/slides/slide5.xml><?xml version="1.0" encoding="utf-8"?>
+<file path=ppt/slides/slide4.xml><?xml version="1.0" encoding="utf-8"?>
 <p:sld xmlns:a="http://schemas.openxmlformats.org/drawingml/2006/main" xmlns:r="http://schemas.openxmlformats.org/officeDocument/2006/relationships" xmlns:p="http://schemas.openxmlformats.org/presentationml/2006/main">
   <p:cSld>
     <p:spTree>
@@ -9702,7 +7955,1031 @@
         </p:blipFill>
         <p:spPr>
           <a:xfrm>
-            <a:off x="1160119" y="497597"/>
+            <a:off x="4155871" y="992122"/>
+            <a:ext cx="3629016" cy="5278568"/>
+          </a:xfrm>
+          <a:prstGeom prst="rect">
+            <a:avLst/>
+          </a:prstGeom>
+        </p:spPr>
+      </p:pic>
+      <p:sp>
+        <p:nvSpPr>
+          <p:cNvPr id="6" name="TextBox 5"/>
+          <p:cNvSpPr txBox="1"/>
+          <p:nvPr/>
+        </p:nvSpPr>
+        <p:spPr>
+          <a:xfrm>
+            <a:off x="4665806" y="1730436"/>
+            <a:ext cx="1200970" cy="461665"/>
+          </a:xfrm>
+          <a:prstGeom prst="rect">
+            <a:avLst/>
+          </a:prstGeom>
+          <a:noFill/>
+        </p:spPr>
+        <p:txBody>
+          <a:bodyPr wrap="none" rtlCol="0">
+            <a:spAutoFit/>
+          </a:bodyPr>
+          <a:lstStyle/>
+          <a:p>
+            <a:r>
+              <a:rPr lang="ru-RU" sz="2400" dirty="0" smtClean="0">
+                <a:latin typeface="+mj-lt"/>
+              </a:rPr>
+              <a:t>Возраст</a:t>
+            </a:r>
+            <a:endParaRPr lang="ru-RU" sz="2400" dirty="0">
+              <a:latin typeface="+mj-lt"/>
+            </a:endParaRPr>
+          </a:p>
+        </p:txBody>
+      </p:sp>
+      <p:sp>
+        <p:nvSpPr>
+          <p:cNvPr id="8" name="TextBox 7"/>
+          <p:cNvSpPr txBox="1"/>
+          <p:nvPr/>
+        </p:nvSpPr>
+        <p:spPr>
+          <a:xfrm>
+            <a:off x="5625296" y="2219882"/>
+            <a:ext cx="688715" cy="461665"/>
+          </a:xfrm>
+          <a:prstGeom prst="rect">
+            <a:avLst/>
+          </a:prstGeom>
+          <a:noFill/>
+        </p:spPr>
+        <p:txBody>
+          <a:bodyPr wrap="none" rtlCol="0">
+            <a:spAutoFit/>
+          </a:bodyPr>
+          <a:lstStyle/>
+          <a:p>
+            <a:r>
+              <a:rPr lang="ru-RU" sz="2400" dirty="0" smtClean="0">
+                <a:latin typeface="+mj-lt"/>
+              </a:rPr>
+              <a:t>Пол</a:t>
+            </a:r>
+            <a:endParaRPr lang="ru-RU" sz="2400" dirty="0">
+              <a:latin typeface="+mj-lt"/>
+            </a:endParaRPr>
+          </a:p>
+        </p:txBody>
+      </p:sp>
+      <p:sp>
+        <p:nvSpPr>
+          <p:cNvPr id="9" name="TextBox 8"/>
+          <p:cNvSpPr txBox="1"/>
+          <p:nvPr/>
+        </p:nvSpPr>
+        <p:spPr>
+          <a:xfrm>
+            <a:off x="5466151" y="1345919"/>
+            <a:ext cx="1007007" cy="461665"/>
+          </a:xfrm>
+          <a:prstGeom prst="rect">
+            <a:avLst/>
+          </a:prstGeom>
+          <a:noFill/>
+        </p:spPr>
+        <p:txBody>
+          <a:bodyPr wrap="none" rtlCol="0">
+            <a:spAutoFit/>
+          </a:bodyPr>
+          <a:lstStyle/>
+          <a:p>
+            <a:r>
+              <a:rPr lang="ru-RU" sz="2400" dirty="0" smtClean="0">
+                <a:latin typeface="+mj-lt"/>
+              </a:rPr>
+              <a:t>Время</a:t>
+            </a:r>
+            <a:endParaRPr lang="ru-RU" sz="2400" dirty="0">
+              <a:latin typeface="+mj-lt"/>
+            </a:endParaRPr>
+          </a:p>
+        </p:txBody>
+      </p:sp>
+      <p:sp>
+        <p:nvSpPr>
+          <p:cNvPr id="10" name="TextBox 9"/>
+          <p:cNvSpPr txBox="1"/>
+          <p:nvPr/>
+        </p:nvSpPr>
+        <p:spPr>
+          <a:xfrm>
+            <a:off x="6090873" y="1770503"/>
+            <a:ext cx="1034257" cy="461665"/>
+          </a:xfrm>
+          <a:prstGeom prst="rect">
+            <a:avLst/>
+          </a:prstGeom>
+          <a:noFill/>
+        </p:spPr>
+        <p:txBody>
+          <a:bodyPr wrap="none" rtlCol="0">
+            <a:spAutoFit/>
+          </a:bodyPr>
+          <a:lstStyle/>
+          <a:p>
+            <a:r>
+              <a:rPr lang="ru-RU" sz="2400" dirty="0" smtClean="0">
+                <a:latin typeface="+mj-lt"/>
+              </a:rPr>
+              <a:t>Услуги</a:t>
+            </a:r>
+            <a:endParaRPr lang="ru-RU" sz="2400" dirty="0">
+              <a:latin typeface="+mj-lt"/>
+            </a:endParaRPr>
+          </a:p>
+        </p:txBody>
+      </p:sp>
+      <p:sp>
+        <p:nvSpPr>
+          <p:cNvPr id="11" name="TextBox 10"/>
+          <p:cNvSpPr txBox="1"/>
+          <p:nvPr/>
+        </p:nvSpPr>
+        <p:spPr>
+          <a:xfrm>
+            <a:off x="4331767" y="5439178"/>
+            <a:ext cx="3275777" cy="830997"/>
+          </a:xfrm>
+          <a:prstGeom prst="rect">
+            <a:avLst/>
+          </a:prstGeom>
+          <a:noFill/>
+        </p:spPr>
+        <p:txBody>
+          <a:bodyPr wrap="square" rtlCol="0">
+            <a:spAutoFit/>
+          </a:bodyPr>
+          <a:lstStyle/>
+          <a:p>
+            <a:pPr algn="ctr"/>
+            <a:r>
+              <a:rPr lang="ru-RU" sz="2400" dirty="0" smtClean="0">
+                <a:solidFill>
+                  <a:schemeClr val="bg1"/>
+                </a:solidFill>
+                <a:latin typeface="+mj-lt"/>
+              </a:rPr>
+              <a:t>Повышение качества предоставляемых услуг</a:t>
+            </a:r>
+            <a:endParaRPr lang="ru-RU" sz="2400" dirty="0">
+              <a:solidFill>
+                <a:schemeClr val="bg1"/>
+              </a:solidFill>
+              <a:latin typeface="+mj-lt"/>
+            </a:endParaRPr>
+          </a:p>
+        </p:txBody>
+      </p:sp>
+      <p:sp>
+        <p:nvSpPr>
+          <p:cNvPr id="13" name="TextBox 12"/>
+          <p:cNvSpPr txBox="1"/>
+          <p:nvPr/>
+        </p:nvSpPr>
+        <p:spPr>
+          <a:xfrm>
+            <a:off x="6656540" y="3255466"/>
+            <a:ext cx="1569982" cy="461665"/>
+          </a:xfrm>
+          <a:prstGeom prst="rect">
+            <a:avLst/>
+          </a:prstGeom>
+          <a:noFill/>
+        </p:spPr>
+        <p:txBody>
+          <a:bodyPr wrap="none" rtlCol="0">
+            <a:spAutoFit/>
+          </a:bodyPr>
+          <a:lstStyle/>
+          <a:p>
+            <a:r>
+              <a:rPr lang="ru-RU" sz="2400" dirty="0" smtClean="0">
+                <a:latin typeface="+mj-lt"/>
+              </a:rPr>
+              <a:t>Аналитика</a:t>
+            </a:r>
+            <a:endParaRPr lang="ru-RU" sz="2400" dirty="0">
+              <a:latin typeface="+mj-lt"/>
+            </a:endParaRPr>
+          </a:p>
+        </p:txBody>
+      </p:sp>
+    </p:spTree>
+    <p:extLst>
+      <p:ext uri="{BB962C8B-B14F-4D97-AF65-F5344CB8AC3E}">
+        <p14:creationId xmlns:p14="http://schemas.microsoft.com/office/powerpoint/2010/main" val="1963864163"/>
+      </p:ext>
+    </p:extLst>
+  </p:cSld>
+  <p:clrMapOvr>
+    <a:masterClrMapping/>
+  </p:clrMapOvr>
+  <p:timing>
+    <p:tnLst>
+      <p:par>
+        <p:cTn id="1" dur="indefinite" restart="never" nodeType="tmRoot"/>
+      </p:par>
+    </p:tnLst>
+  </p:timing>
+</p:sld>
+</file>
+
+<file path=ppt/slides/slide5.xml><?xml version="1.0" encoding="utf-8"?>
+<p:sld xmlns:a="http://schemas.openxmlformats.org/drawingml/2006/main" xmlns:r="http://schemas.openxmlformats.org/officeDocument/2006/relationships" xmlns:p="http://schemas.openxmlformats.org/presentationml/2006/main">
+  <p:cSld>
+    <p:spTree>
+      <p:nvGrpSpPr>
+        <p:cNvPr id="1" name=""/>
+        <p:cNvGrpSpPr/>
+        <p:nvPr/>
+      </p:nvGrpSpPr>
+      <p:grpSpPr>
+        <a:xfrm>
+          <a:off x="0" y="0"/>
+          <a:ext cx="0" cy="0"/>
+          <a:chOff x="0" y="0"/>
+          <a:chExt cx="0" cy="0"/>
+        </a:xfrm>
+      </p:grpSpPr>
+      <p:pic>
+        <p:nvPicPr>
+          <p:cNvPr id="11" name="Рисунок 10"/>
+          <p:cNvPicPr>
+            <a:picLocks noChangeAspect="1"/>
+          </p:cNvPicPr>
+          <p:nvPr/>
+        </p:nvPicPr>
+        <p:blipFill>
+          <a:blip r:embed="rId2" cstate="print">
+            <a:extLst>
+              <a:ext uri="{28A0092B-C50C-407E-A947-70E740481C1C}">
+                <a14:useLocalDpi xmlns:a14="http://schemas.microsoft.com/office/drawing/2010/main" val="0"/>
+              </a:ext>
+            </a:extLst>
+          </a:blip>
+          <a:stretch>
+            <a:fillRect/>
+          </a:stretch>
+        </p:blipFill>
+        <p:spPr>
+          <a:xfrm>
+            <a:off x="1378617" y="257577"/>
+            <a:ext cx="9674053" cy="6483241"/>
+          </a:xfrm>
+          <a:prstGeom prst="rect">
+            <a:avLst/>
+          </a:prstGeom>
+        </p:spPr>
+      </p:pic>
+    </p:spTree>
+    <p:extLst>
+      <p:ext uri="{BB962C8B-B14F-4D97-AF65-F5344CB8AC3E}">
+        <p14:creationId xmlns:p14="http://schemas.microsoft.com/office/powerpoint/2010/main" val="1672002746"/>
+      </p:ext>
+    </p:extLst>
+  </p:cSld>
+  <p:clrMapOvr>
+    <a:masterClrMapping/>
+  </p:clrMapOvr>
+  <p:timing>
+    <p:tnLst>
+      <p:par>
+        <p:cTn id="1" dur="indefinite" restart="never" nodeType="tmRoot"/>
+      </p:par>
+    </p:tnLst>
+  </p:timing>
+</p:sld>
+</file>
+
+<file path=ppt/slides/slide6.xml><?xml version="1.0" encoding="utf-8"?>
+<p:sld xmlns:a="http://schemas.openxmlformats.org/drawingml/2006/main" xmlns:r="http://schemas.openxmlformats.org/officeDocument/2006/relationships" xmlns:p="http://schemas.openxmlformats.org/presentationml/2006/main">
+  <p:cSld>
+    <p:spTree>
+      <p:nvGrpSpPr>
+        <p:cNvPr id="1" name=""/>
+        <p:cNvGrpSpPr/>
+        <p:nvPr/>
+      </p:nvGrpSpPr>
+      <p:grpSpPr>
+        <a:xfrm>
+          <a:off x="0" y="0"/>
+          <a:ext cx="0" cy="0"/>
+          <a:chOff x="0" y="0"/>
+          <a:chExt cx="0" cy="0"/>
+        </a:xfrm>
+      </p:grpSpPr>
+      <p:pic>
+        <p:nvPicPr>
+          <p:cNvPr id="4" name="learn">
+            <a:hlinkClick r:id="" action="ppaction://media"/>
+          </p:cNvPr>
+          <p:cNvPicPr>
+            <a:picLocks noChangeAspect="1"/>
+          </p:cNvPicPr>
+          <p:nvPr>
+            <a:videoFile r:link="rId2"/>
+            <p:extLst>
+              <p:ext uri="{DAA4B4D4-6D71-4841-9C94-3DE7FCFB9230}">
+                <p14:media xmlns:p14="http://schemas.microsoft.com/office/powerpoint/2010/main" r:embed="rId1"/>
+              </p:ext>
+            </p:extLst>
+          </p:nvPr>
+        </p:nvPicPr>
+        <p:blipFill>
+          <a:blip r:embed="rId4"/>
+          <a:stretch>
+            <a:fillRect/>
+          </a:stretch>
+        </p:blipFill>
+        <p:spPr>
+          <a:xfrm>
+            <a:off x="2268267" y="710229"/>
+            <a:ext cx="7514772" cy="5009848"/>
+          </a:xfrm>
+          <a:prstGeom prst="rect">
+            <a:avLst/>
+          </a:prstGeom>
+          <a:ln>
+            <a:noFill/>
+          </a:ln>
+          <a:effectLst>
+            <a:softEdge rad="112500"/>
+          </a:effectLst>
+        </p:spPr>
+      </p:pic>
+      <p:sp>
+        <p:nvSpPr>
+          <p:cNvPr id="5" name="TextBox 4"/>
+          <p:cNvSpPr txBox="1"/>
+          <p:nvPr/>
+        </p:nvSpPr>
+        <p:spPr>
+          <a:xfrm>
+            <a:off x="597258" y="6221748"/>
+            <a:ext cx="776175" cy="369332"/>
+          </a:xfrm>
+          <a:prstGeom prst="rect">
+            <a:avLst/>
+          </a:prstGeom>
+          <a:noFill/>
+        </p:spPr>
+        <p:txBody>
+          <a:bodyPr wrap="none" rtlCol="0">
+            <a:spAutoFit/>
+          </a:bodyPr>
+          <a:lstStyle/>
+          <a:p>
+            <a:r>
+              <a:rPr lang="ru-RU" dirty="0" smtClean="0"/>
+              <a:t>* </a:t>
+            </a:r>
+            <a:r>
+              <a:rPr lang="en-US" dirty="0" smtClean="0"/>
+              <a:t>RNN</a:t>
+            </a:r>
+            <a:endParaRPr lang="ru-RU" dirty="0"/>
+          </a:p>
+        </p:txBody>
+      </p:sp>
+    </p:spTree>
+    <p:extLst>
+      <p:ext uri="{BB962C8B-B14F-4D97-AF65-F5344CB8AC3E}">
+        <p14:creationId xmlns:p14="http://schemas.microsoft.com/office/powerpoint/2010/main" val="4051166396"/>
+      </p:ext>
+    </p:extLst>
+  </p:cSld>
+  <p:clrMapOvr>
+    <a:masterClrMapping/>
+  </p:clrMapOvr>
+  <p:timing>
+    <p:tnLst>
+      <p:par>
+        <p:cTn id="1" dur="indefinite" restart="never" nodeType="tmRoot">
+          <p:childTnLst>
+            <p:seq concurrent="1" nextAc="seek">
+              <p:cTn id="2" dur="indefinite" nodeType="mainSeq">
+                <p:childTnLst>
+                  <p:par>
+                    <p:cTn id="3" fill="hold">
+                      <p:stCondLst>
+                        <p:cond delay="indefinite"/>
+                        <p:cond evt="onBegin" delay="0">
+                          <p:tn val="2"/>
+                        </p:cond>
+                      </p:stCondLst>
+                      <p:childTnLst>
+                        <p:par>
+                          <p:cTn id="4" fill="hold">
+                            <p:stCondLst>
+                              <p:cond delay="0"/>
+                            </p:stCondLst>
+                            <p:childTnLst>
+                              <p:par>
+                                <p:cTn id="5" presetID="1" presetClass="mediacall" presetSubtype="0" fill="hold" nodeType="afterEffect">
+                                  <p:stCondLst>
+                                    <p:cond delay="0"/>
+                                  </p:stCondLst>
+                                  <p:childTnLst>
+                                    <p:cmd type="call" cmd="playFrom(0.0)">
+                                      <p:cBhvr>
+                                        <p:cTn id="6" dur="10000" fill="hold"/>
+                                        <p:tgtEl>
+                                          <p:spTgt spid="4"/>
+                                        </p:tgtEl>
+                                      </p:cBhvr>
+                                    </p:cmd>
+                                  </p:childTnLst>
+                                </p:cTn>
+                              </p:par>
+                            </p:childTnLst>
+                          </p:cTn>
+                        </p:par>
+                      </p:childTnLst>
+                    </p:cTn>
+                  </p:par>
+                </p:childTnLst>
+              </p:cTn>
+              <p:prevCondLst>
+                <p:cond evt="onPrev" delay="0">
+                  <p:tgtEl>
+                    <p:sldTgt/>
+                  </p:tgtEl>
+                </p:cond>
+              </p:prevCondLst>
+              <p:nextCondLst>
+                <p:cond evt="onNext" delay="0">
+                  <p:tgtEl>
+                    <p:sldTgt/>
+                  </p:tgtEl>
+                </p:cond>
+              </p:nextCondLst>
+            </p:seq>
+            <p:video>
+              <p:cMediaNode vol="80000">
+                <p:cTn id="7" repeatCount="indefinite" fill="hold" display="0">
+                  <p:stCondLst>
+                    <p:cond delay="indefinite"/>
+                  </p:stCondLst>
+                </p:cTn>
+                <p:tgtEl>
+                  <p:spTgt spid="4"/>
+                </p:tgtEl>
+              </p:cMediaNode>
+            </p:video>
+            <p:seq concurrent="1" nextAc="seek">
+              <p:cTn id="8" restart="whenNotActive" fill="hold" evtFilter="cancelBubble" nodeType="interactiveSeq">
+                <p:stCondLst>
+                  <p:cond evt="onClick" delay="0">
+                    <p:tgtEl>
+                      <p:spTgt spid="4"/>
+                    </p:tgtEl>
+                  </p:cond>
+                </p:stCondLst>
+                <p:endSync evt="end" delay="0">
+                  <p:rtn val="all"/>
+                </p:endSync>
+                <p:childTnLst>
+                  <p:par>
+                    <p:cTn id="9" fill="hold">
+                      <p:stCondLst>
+                        <p:cond delay="0"/>
+                      </p:stCondLst>
+                      <p:childTnLst>
+                        <p:par>
+                          <p:cTn id="10" fill="hold">
+                            <p:stCondLst>
+                              <p:cond delay="0"/>
+                            </p:stCondLst>
+                            <p:childTnLst>
+                              <p:par>
+                                <p:cTn id="11" presetID="2" presetClass="mediacall" presetSubtype="0" fill="hold" nodeType="clickEffect">
+                                  <p:stCondLst>
+                                    <p:cond delay="0"/>
+                                  </p:stCondLst>
+                                  <p:childTnLst>
+                                    <p:cmd type="call" cmd="togglePause">
+                                      <p:cBhvr>
+                                        <p:cTn id="12" dur="1" fill="hold"/>
+                                        <p:tgtEl>
+                                          <p:spTgt spid="4"/>
+                                        </p:tgtEl>
+                                      </p:cBhvr>
+                                    </p:cmd>
+                                  </p:childTnLst>
+                                </p:cTn>
+                              </p:par>
+                            </p:childTnLst>
+                          </p:cTn>
+                        </p:par>
+                      </p:childTnLst>
+                    </p:cTn>
+                  </p:par>
+                </p:childTnLst>
+              </p:cTn>
+              <p:nextCondLst>
+                <p:cond evt="onClick" delay="0">
+                  <p:tgtEl>
+                    <p:spTgt spid="4"/>
+                  </p:tgtEl>
+                </p:cond>
+              </p:nextCondLst>
+            </p:seq>
+          </p:childTnLst>
+        </p:cTn>
+      </p:par>
+    </p:tnLst>
+  </p:timing>
+</p:sld>
+</file>
+
+<file path=ppt/slides/slide7.xml><?xml version="1.0" encoding="utf-8"?>
+<p:sld xmlns:a="http://schemas.openxmlformats.org/drawingml/2006/main" xmlns:r="http://schemas.openxmlformats.org/officeDocument/2006/relationships" xmlns:p="http://schemas.openxmlformats.org/presentationml/2006/main">
+  <p:cSld>
+    <p:spTree>
+      <p:nvGrpSpPr>
+        <p:cNvPr id="1" name=""/>
+        <p:cNvGrpSpPr/>
+        <p:nvPr/>
+      </p:nvGrpSpPr>
+      <p:grpSpPr>
+        <a:xfrm>
+          <a:off x="0" y="0"/>
+          <a:ext cx="0" cy="0"/>
+          <a:chOff x="0" y="0"/>
+          <a:chExt cx="0" cy="0"/>
+        </a:xfrm>
+      </p:grpSpPr>
+      <p:sp>
+        <p:nvSpPr>
+          <p:cNvPr id="2" name="Заголовок 1"/>
+          <p:cNvSpPr>
+            <a:spLocks noGrp="1"/>
+          </p:cNvSpPr>
+          <p:nvPr>
+            <p:ph type="title"/>
+          </p:nvPr>
+        </p:nvSpPr>
+        <p:spPr/>
+        <p:txBody>
+          <a:bodyPr/>
+          <a:lstStyle/>
+          <a:p>
+            <a:pPr algn="ctr"/>
+            <a:r>
+              <a:rPr lang="ru-RU" dirty="0" smtClean="0"/>
+              <a:t>Команда </a:t>
+            </a:r>
+            <a:br>
+              <a:rPr lang="ru-RU" dirty="0" smtClean="0"/>
+            </a:br>
+            <a:r>
+              <a:rPr lang="ru-RU" dirty="0" smtClean="0"/>
+              <a:t>404</a:t>
+            </a:r>
+            <a:endParaRPr lang="ru-RU" dirty="0"/>
+          </a:p>
+        </p:txBody>
+      </p:sp>
+      <p:pic>
+        <p:nvPicPr>
+          <p:cNvPr id="4" name="Рисунок 3"/>
+          <p:cNvPicPr>
+            <a:picLocks noChangeAspect="1"/>
+          </p:cNvPicPr>
+          <p:nvPr/>
+        </p:nvPicPr>
+        <p:blipFill>
+          <a:blip r:embed="rId2">
+            <a:extLst>
+              <a:ext uri="{28A0092B-C50C-407E-A947-70E740481C1C}">
+                <a14:useLocalDpi xmlns:a14="http://schemas.microsoft.com/office/drawing/2010/main" val="0"/>
+              </a:ext>
+            </a:extLst>
+          </a:blip>
+          <a:stretch>
+            <a:fillRect/>
+          </a:stretch>
+        </p:blipFill>
+        <p:spPr>
+          <a:xfrm>
+            <a:off x="845127" y="2441419"/>
+            <a:ext cx="7579000" cy="2473481"/>
+          </a:xfrm>
+          <a:prstGeom prst="rect">
+            <a:avLst/>
+          </a:prstGeom>
+        </p:spPr>
+      </p:pic>
+      <p:pic>
+        <p:nvPicPr>
+          <p:cNvPr id="5" name="Рисунок 4"/>
+          <p:cNvPicPr>
+            <a:picLocks noChangeAspect="1"/>
+          </p:cNvPicPr>
+          <p:nvPr/>
+        </p:nvPicPr>
+        <p:blipFill rotWithShape="1">
+          <a:blip r:embed="rId3">
+            <a:extLst>
+              <a:ext uri="{28A0092B-C50C-407E-A947-70E740481C1C}">
+                <a14:useLocalDpi xmlns:a14="http://schemas.microsoft.com/office/drawing/2010/main" val="0"/>
+              </a:ext>
+            </a:extLst>
+          </a:blip>
+          <a:srcRect t="5489" b="9810"/>
+          <a:stretch/>
+        </p:blipFill>
+        <p:spPr>
+          <a:xfrm>
+            <a:off x="8600312" y="2559663"/>
+            <a:ext cx="2231173" cy="2264102"/>
+          </a:xfrm>
+          <a:prstGeom prst="ellipse">
+            <a:avLst/>
+          </a:prstGeom>
+        </p:spPr>
+      </p:pic>
+      <p:sp>
+        <p:nvSpPr>
+          <p:cNvPr id="6" name="TextBox 5"/>
+          <p:cNvSpPr txBox="1"/>
+          <p:nvPr/>
+        </p:nvSpPr>
+        <p:spPr>
+          <a:xfrm>
+            <a:off x="1485900" y="5054600"/>
+            <a:ext cx="1045479" cy="461665"/>
+          </a:xfrm>
+          <a:prstGeom prst="rect">
+            <a:avLst/>
+          </a:prstGeom>
+          <a:noFill/>
+        </p:spPr>
+        <p:txBody>
+          <a:bodyPr wrap="none" rtlCol="0">
+            <a:spAutoFit/>
+          </a:bodyPr>
+          <a:lstStyle/>
+          <a:p>
+            <a:r>
+              <a:rPr lang="ru-RU" sz="2400" dirty="0" smtClean="0"/>
+              <a:t>Вадим</a:t>
+            </a:r>
+            <a:endParaRPr lang="ru-RU" sz="2400" dirty="0"/>
+          </a:p>
+        </p:txBody>
+      </p:sp>
+      <p:sp>
+        <p:nvSpPr>
+          <p:cNvPr id="7" name="TextBox 6"/>
+          <p:cNvSpPr txBox="1"/>
+          <p:nvPr/>
+        </p:nvSpPr>
+        <p:spPr>
+          <a:xfrm>
+            <a:off x="4002947" y="5054599"/>
+            <a:ext cx="1263359" cy="461665"/>
+          </a:xfrm>
+          <a:prstGeom prst="rect">
+            <a:avLst/>
+          </a:prstGeom>
+          <a:noFill/>
+        </p:spPr>
+        <p:txBody>
+          <a:bodyPr wrap="none" rtlCol="0">
+            <a:spAutoFit/>
+          </a:bodyPr>
+          <a:lstStyle/>
+          <a:p>
+            <a:r>
+              <a:rPr lang="ru-RU" sz="2400" dirty="0" smtClean="0"/>
+              <a:t>Алексей</a:t>
+            </a:r>
+            <a:endParaRPr lang="ru-RU" sz="2400" dirty="0"/>
+          </a:p>
+        </p:txBody>
+      </p:sp>
+      <p:sp>
+        <p:nvSpPr>
+          <p:cNvPr id="8" name="TextBox 7"/>
+          <p:cNvSpPr txBox="1"/>
+          <p:nvPr/>
+        </p:nvSpPr>
+        <p:spPr>
+          <a:xfrm>
+            <a:off x="6737874" y="5054598"/>
+            <a:ext cx="761491" cy="461665"/>
+          </a:xfrm>
+          <a:prstGeom prst="rect">
+            <a:avLst/>
+          </a:prstGeom>
+          <a:noFill/>
+        </p:spPr>
+        <p:txBody>
+          <a:bodyPr wrap="none" rtlCol="0">
+            <a:spAutoFit/>
+          </a:bodyPr>
+          <a:lstStyle/>
+          <a:p>
+            <a:r>
+              <a:rPr lang="ru-RU" sz="2400" dirty="0" smtClean="0"/>
+              <a:t>Егор</a:t>
+            </a:r>
+            <a:endParaRPr lang="ru-RU" sz="2400" dirty="0"/>
+          </a:p>
+        </p:txBody>
+      </p:sp>
+      <p:sp>
+        <p:nvSpPr>
+          <p:cNvPr id="9" name="TextBox 8"/>
+          <p:cNvSpPr txBox="1"/>
+          <p:nvPr/>
+        </p:nvSpPr>
+        <p:spPr>
+          <a:xfrm>
+            <a:off x="8950337" y="5054597"/>
+            <a:ext cx="1531125" cy="461665"/>
+          </a:xfrm>
+          <a:prstGeom prst="rect">
+            <a:avLst/>
+          </a:prstGeom>
+          <a:noFill/>
+        </p:spPr>
+        <p:txBody>
+          <a:bodyPr wrap="none" rtlCol="0">
+            <a:spAutoFit/>
+          </a:bodyPr>
+          <a:lstStyle/>
+          <a:p>
+            <a:r>
+              <a:rPr lang="ru-RU" sz="2400" dirty="0" smtClean="0"/>
+              <a:t>Екатерина</a:t>
+            </a:r>
+            <a:endParaRPr lang="ru-RU" sz="2400" dirty="0"/>
+          </a:p>
+        </p:txBody>
+      </p:sp>
+      <p:sp>
+        <p:nvSpPr>
+          <p:cNvPr id="10" name="TextBox 9"/>
+          <p:cNvSpPr txBox="1"/>
+          <p:nvPr/>
+        </p:nvSpPr>
+        <p:spPr>
+          <a:xfrm>
+            <a:off x="916353" y="5516262"/>
+            <a:ext cx="2184572" cy="400110"/>
+          </a:xfrm>
+          <a:prstGeom prst="rect">
+            <a:avLst/>
+          </a:prstGeom>
+          <a:noFill/>
+        </p:spPr>
+        <p:txBody>
+          <a:bodyPr wrap="none" rtlCol="0">
+            <a:spAutoFit/>
+          </a:bodyPr>
+          <a:lstStyle/>
+          <a:p>
+            <a:r>
+              <a:rPr lang="ru-RU" sz="2000" dirty="0" err="1" smtClean="0">
+                <a:solidFill>
+                  <a:schemeClr val="bg1">
+                    <a:lumMod val="50000"/>
+                  </a:schemeClr>
+                </a:solidFill>
+              </a:rPr>
+              <a:t>ГазИнформСервис</a:t>
+            </a:r>
+            <a:endParaRPr lang="ru-RU" sz="2000" dirty="0">
+              <a:solidFill>
+                <a:schemeClr val="bg1">
+                  <a:lumMod val="50000"/>
+                </a:schemeClr>
+              </a:solidFill>
+            </a:endParaRPr>
+          </a:p>
+        </p:txBody>
+      </p:sp>
+      <p:sp>
+        <p:nvSpPr>
+          <p:cNvPr id="11" name="TextBox 10"/>
+          <p:cNvSpPr txBox="1"/>
+          <p:nvPr/>
+        </p:nvSpPr>
+        <p:spPr>
+          <a:xfrm>
+            <a:off x="3300749" y="5516262"/>
+            <a:ext cx="2655727" cy="400110"/>
+          </a:xfrm>
+          <a:prstGeom prst="rect">
+            <a:avLst/>
+          </a:prstGeom>
+          <a:noFill/>
+        </p:spPr>
+        <p:txBody>
+          <a:bodyPr wrap="none" rtlCol="0">
+            <a:spAutoFit/>
+          </a:bodyPr>
+          <a:lstStyle/>
+          <a:p>
+            <a:r>
+              <a:rPr lang="en-US" sz="2000" dirty="0" smtClean="0">
+                <a:solidFill>
+                  <a:schemeClr val="bg1">
+                    <a:lumMod val="50000"/>
+                  </a:schemeClr>
+                </a:solidFill>
+              </a:rPr>
+              <a:t>Digital Security Services</a:t>
+            </a:r>
+          </a:p>
+        </p:txBody>
+      </p:sp>
+      <p:sp>
+        <p:nvSpPr>
+          <p:cNvPr id="12" name="TextBox 11"/>
+          <p:cNvSpPr txBox="1"/>
+          <p:nvPr/>
+        </p:nvSpPr>
+        <p:spPr>
+          <a:xfrm>
+            <a:off x="6218949" y="5516262"/>
+            <a:ext cx="1799339" cy="400110"/>
+          </a:xfrm>
+          <a:prstGeom prst="rect">
+            <a:avLst/>
+          </a:prstGeom>
+          <a:noFill/>
+        </p:spPr>
+        <p:txBody>
+          <a:bodyPr wrap="none" rtlCol="0">
+            <a:spAutoFit/>
+          </a:bodyPr>
+          <a:lstStyle/>
+          <a:p>
+            <a:r>
+              <a:rPr lang="en-US" sz="2000" dirty="0" smtClean="0">
+                <a:solidFill>
+                  <a:schemeClr val="bg1">
+                    <a:lumMod val="50000"/>
+                  </a:schemeClr>
+                </a:solidFill>
+              </a:rPr>
+              <a:t>Quest Software</a:t>
+            </a:r>
+            <a:endParaRPr lang="ru-RU" sz="2000" dirty="0">
+              <a:solidFill>
+                <a:schemeClr val="bg1">
+                  <a:lumMod val="50000"/>
+                </a:schemeClr>
+              </a:solidFill>
+            </a:endParaRPr>
+          </a:p>
+        </p:txBody>
+      </p:sp>
+      <p:sp>
+        <p:nvSpPr>
+          <p:cNvPr id="13" name="TextBox 12"/>
+          <p:cNvSpPr txBox="1"/>
+          <p:nvPr/>
+        </p:nvSpPr>
+        <p:spPr>
+          <a:xfrm>
+            <a:off x="8018288" y="5516262"/>
+            <a:ext cx="3395225" cy="400110"/>
+          </a:xfrm>
+          <a:prstGeom prst="rect">
+            <a:avLst/>
+          </a:prstGeom>
+          <a:noFill/>
+        </p:spPr>
+        <p:txBody>
+          <a:bodyPr wrap="none" rtlCol="0">
+            <a:spAutoFit/>
+          </a:bodyPr>
+          <a:lstStyle/>
+          <a:p>
+            <a:r>
+              <a:rPr lang="ru-RU" sz="2000" dirty="0" smtClean="0">
+                <a:solidFill>
+                  <a:schemeClr val="bg1">
+                    <a:lumMod val="50000"/>
+                  </a:schemeClr>
+                </a:solidFill>
+              </a:rPr>
+              <a:t>Институт Сетевых Технологий</a:t>
+            </a:r>
+            <a:endParaRPr lang="ru-RU" sz="2000" dirty="0">
+              <a:solidFill>
+                <a:schemeClr val="bg1">
+                  <a:lumMod val="50000"/>
+                </a:schemeClr>
+              </a:solidFill>
+            </a:endParaRPr>
+          </a:p>
+        </p:txBody>
+      </p:sp>
+      <p:pic>
+        <p:nvPicPr>
+          <p:cNvPr id="14" name="Рисунок 13"/>
+          <p:cNvPicPr>
+            <a:picLocks noChangeAspect="1"/>
+          </p:cNvPicPr>
+          <p:nvPr/>
+        </p:nvPicPr>
+        <p:blipFill>
+          <a:blip r:embed="rId4" cstate="print">
+            <a:extLst>
+              <a:ext uri="{28A0092B-C50C-407E-A947-70E740481C1C}">
+                <a14:useLocalDpi xmlns:a14="http://schemas.microsoft.com/office/drawing/2010/main" val="0"/>
+              </a:ext>
+            </a:extLst>
+          </a:blip>
+          <a:stretch>
+            <a:fillRect/>
+          </a:stretch>
+        </p:blipFill>
+        <p:spPr>
+          <a:xfrm>
+            <a:off x="5956476" y="2558811"/>
+            <a:ext cx="2313592" cy="2251399"/>
+          </a:xfrm>
+          <a:prstGeom prst="ellipse">
+            <a:avLst/>
+          </a:prstGeom>
+        </p:spPr>
+      </p:pic>
+    </p:spTree>
+    <p:extLst>
+      <p:ext uri="{BB962C8B-B14F-4D97-AF65-F5344CB8AC3E}">
+        <p14:creationId xmlns:p14="http://schemas.microsoft.com/office/powerpoint/2010/main" val="2388013125"/>
+      </p:ext>
+    </p:extLst>
+  </p:cSld>
+  <p:clrMapOvr>
+    <a:masterClrMapping/>
+  </p:clrMapOvr>
+  <p:timing>
+    <p:tnLst>
+      <p:par>
+        <p:cTn id="1" dur="indefinite" restart="never" nodeType="tmRoot"/>
+      </p:par>
+    </p:tnLst>
+  </p:timing>
+</p:sld>
+</file>
+
+<file path=ppt/slides/slide8.xml><?xml version="1.0" encoding="utf-8"?>
+<p:sld xmlns:a="http://schemas.openxmlformats.org/drawingml/2006/main" xmlns:r="http://schemas.openxmlformats.org/officeDocument/2006/relationships" xmlns:p="http://schemas.openxmlformats.org/presentationml/2006/main">
+  <p:cSld>
+    <p:spTree>
+      <p:nvGrpSpPr>
+        <p:cNvPr id="1" name=""/>
+        <p:cNvGrpSpPr/>
+        <p:nvPr/>
+      </p:nvGrpSpPr>
+      <p:grpSpPr>
+        <a:xfrm>
+          <a:off x="0" y="0"/>
+          <a:ext cx="0" cy="0"/>
+          <a:chOff x="0" y="0"/>
+          <a:chExt cx="0" cy="0"/>
+        </a:xfrm>
+      </p:grpSpPr>
+      <p:pic>
+        <p:nvPicPr>
+          <p:cNvPr id="2" name="Рисунок 1"/>
+          <p:cNvPicPr>
+            <a:picLocks noChangeAspect="1"/>
+          </p:cNvPicPr>
+          <p:nvPr/>
+        </p:nvPicPr>
+        <p:blipFill>
+          <a:blip r:embed="rId2">
+            <a:extLst>
+              <a:ext uri="{28A0092B-C50C-407E-A947-70E740481C1C}">
+                <a14:useLocalDpi xmlns:a14="http://schemas.microsoft.com/office/drawing/2010/main" val="0"/>
+              </a:ext>
+            </a:extLst>
+          </a:blip>
+          <a:stretch>
+            <a:fillRect/>
+          </a:stretch>
+        </p:blipFill>
+        <p:spPr>
+          <a:xfrm>
+            <a:off x="1160119" y="446081"/>
             <a:ext cx="9660393" cy="5088299"/>
           </a:xfrm>
           <a:prstGeom prst="rect">
@@ -9823,13 +9100,13 @@
       </p:cxnSp>
       <p:pic>
         <p:nvPicPr>
-          <p:cNvPr id="12" name="Рисунок 11"/>
+          <p:cNvPr id="27" name="Рисунок 26"/>
           <p:cNvPicPr>
             <a:picLocks noChangeAspect="1"/>
           </p:cNvPicPr>
           <p:nvPr/>
         </p:nvPicPr>
-        <p:blipFill>
+        <p:blipFill rotWithShape="1">
           <a:blip r:embed="rId4">
             <a:extLst>
               <a:ext uri="{28A0092B-C50C-407E-A947-70E740481C1C}">
@@ -9837,19 +9114,18 @@
               </a:ext>
             </a:extLst>
           </a:blip>
-          <a:stretch>
-            <a:fillRect/>
-          </a:stretch>
+          <a:srcRect b="13408"/>
+          <a:stretch/>
         </p:blipFill>
         <p:spPr>
           <a:xfrm>
-            <a:off x="7848644" y="4806951"/>
-            <a:ext cx="3258005" cy="1038370"/>
+            <a:off x="7980363" y="4806951"/>
+            <a:ext cx="3277057" cy="882649"/>
           </a:xfrm>
           <a:prstGeom prst="rect">
             <a:avLst/>
           </a:prstGeom>
-          <a:ln w="19050">
+          <a:ln>
             <a:solidFill>
               <a:srgbClr val="FF0000"/>
             </a:solidFill>
@@ -10069,7 +9345,7 @@
                                           </p:stCondLst>
                                         </p:cTn>
                                         <p:tgtEl>
-                                          <p:spTgt spid="12"/>
+                                          <p:spTgt spid="27"/>
                                         </p:tgtEl>
                                         <p:attrNameLst>
                                           <p:attrName>style.visibility</p:attrName>
@@ -10083,7 +9359,7 @@
                                       <p:cBhvr>
                                         <p:cTn id="20" dur="500"/>
                                         <p:tgtEl>
-                                          <p:spTgt spid="12"/>
+                                          <p:spTgt spid="27"/>
                                         </p:tgtEl>
                                       </p:cBhvr>
                                     </p:animEffect>
@@ -10120,945 +9396,6 @@
     <p:bldLst>
       <p:bldP spid="9" grpId="0" animBg="1"/>
     </p:bldLst>
-  </p:timing>
-</p:sld>
-</file>
-
-<file path=ppt/slides/slide6.xml><?xml version="1.0" encoding="utf-8"?>
-<p:sld xmlns:a="http://schemas.openxmlformats.org/drawingml/2006/main" xmlns:r="http://schemas.openxmlformats.org/officeDocument/2006/relationships" xmlns:p="http://schemas.openxmlformats.org/presentationml/2006/main">
-  <p:cSld>
-    <p:spTree>
-      <p:nvGrpSpPr>
-        <p:cNvPr id="1" name=""/>
-        <p:cNvGrpSpPr/>
-        <p:nvPr/>
-      </p:nvGrpSpPr>
-      <p:grpSpPr>
-        <a:xfrm>
-          <a:off x="0" y="0"/>
-          <a:ext cx="0" cy="0"/>
-          <a:chOff x="0" y="0"/>
-          <a:chExt cx="0" cy="0"/>
-        </a:xfrm>
-      </p:grpSpPr>
-      <p:sp>
-        <p:nvSpPr>
-          <p:cNvPr id="2" name="Заголовок 1"/>
-          <p:cNvSpPr>
-            <a:spLocks noGrp="1"/>
-          </p:cNvSpPr>
-          <p:nvPr>
-            <p:ph type="title"/>
-          </p:nvPr>
-        </p:nvSpPr>
-        <p:spPr/>
-        <p:txBody>
-          <a:bodyPr/>
-          <a:lstStyle/>
-          <a:p>
-            <a:r>
-              <a:rPr lang="ru-RU" dirty="0" smtClean="0"/>
-              <a:t>Анализ целевой аудитории</a:t>
-            </a:r>
-            <a:endParaRPr lang="ru-RU" dirty="0"/>
-          </a:p>
-        </p:txBody>
-      </p:sp>
-      <p:sp>
-        <p:nvSpPr>
-          <p:cNvPr id="5" name="Прямоугольник 4"/>
-          <p:cNvSpPr/>
-          <p:nvPr/>
-        </p:nvSpPr>
-        <p:spPr>
-          <a:xfrm>
-            <a:off x="1473958" y="1690688"/>
-            <a:ext cx="4831307" cy="2308106"/>
-          </a:xfrm>
-          <a:prstGeom prst="rect">
-            <a:avLst/>
-          </a:prstGeom>
-        </p:spPr>
-        <p:style>
-          <a:lnRef idx="2">
-            <a:schemeClr val="accent3"/>
-          </a:lnRef>
-          <a:fillRef idx="1">
-            <a:schemeClr val="lt1"/>
-          </a:fillRef>
-          <a:effectRef idx="0">
-            <a:schemeClr val="accent3"/>
-          </a:effectRef>
-          <a:fontRef idx="minor">
-            <a:schemeClr val="dk1"/>
-          </a:fontRef>
-        </p:style>
-        <p:txBody>
-          <a:bodyPr rtlCol="0" anchor="ctr"/>
-          <a:lstStyle/>
-          <a:p>
-            <a:pPr algn="ctr"/>
-            <a:r>
-              <a:rPr lang="ru-RU" dirty="0" smtClean="0"/>
-              <a:t>Количество людей по категориям</a:t>
-            </a:r>
-            <a:endParaRPr lang="ru-RU" dirty="0"/>
-          </a:p>
-        </p:txBody>
-      </p:sp>
-      <p:sp>
-        <p:nvSpPr>
-          <p:cNvPr id="6" name="Овал 5"/>
-          <p:cNvSpPr/>
-          <p:nvPr/>
-        </p:nvSpPr>
-        <p:spPr>
-          <a:xfrm>
-            <a:off x="7997587" y="1419366"/>
-            <a:ext cx="2579428" cy="2579428"/>
-          </a:xfrm>
-          <a:prstGeom prst="ellipse">
-            <a:avLst/>
-          </a:prstGeom>
-          <a:ln>
-            <a:solidFill>
-              <a:schemeClr val="accent1">
-                <a:lumMod val="60000"/>
-                <a:lumOff val="40000"/>
-              </a:schemeClr>
-            </a:solidFill>
-          </a:ln>
-        </p:spPr>
-        <p:style>
-          <a:lnRef idx="2">
-            <a:schemeClr val="accent3"/>
-          </a:lnRef>
-          <a:fillRef idx="1">
-            <a:schemeClr val="lt1"/>
-          </a:fillRef>
-          <a:effectRef idx="0">
-            <a:schemeClr val="accent3"/>
-          </a:effectRef>
-          <a:fontRef idx="minor">
-            <a:schemeClr val="dk1"/>
-          </a:fontRef>
-        </p:style>
-        <p:txBody>
-          <a:bodyPr rtlCol="0" anchor="ctr"/>
-          <a:lstStyle/>
-          <a:p>
-            <a:pPr algn="ctr"/>
-            <a:endParaRPr lang="ru-RU"/>
-          </a:p>
-        </p:txBody>
-      </p:sp>
-      <p:graphicFrame>
-        <p:nvGraphicFramePr>
-          <p:cNvPr id="10" name="Диаграмма 9"/>
-          <p:cNvGraphicFramePr/>
-          <p:nvPr>
-            <p:extLst>
-              <p:ext uri="{D42A27DB-BD31-4B8C-83A1-F6EECF244321}">
-                <p14:modId xmlns:p14="http://schemas.microsoft.com/office/powerpoint/2010/main" val="1040910059"/>
-              </p:ext>
-            </p:extLst>
-          </p:nvPr>
-        </p:nvGraphicFramePr>
-        <p:xfrm>
-          <a:off x="1050878" y="4218792"/>
-          <a:ext cx="10302921" cy="2334408"/>
-        </p:xfrm>
-        <a:graphic>
-          <a:graphicData uri="http://schemas.openxmlformats.org/drawingml/2006/chart">
-            <c:chart xmlns:c="http://schemas.openxmlformats.org/drawingml/2006/chart" xmlns:r="http://schemas.openxmlformats.org/officeDocument/2006/relationships" r:id="rId2"/>
-          </a:graphicData>
-        </a:graphic>
-      </p:graphicFrame>
-      <p:cxnSp>
-        <p:nvCxnSpPr>
-          <p:cNvPr id="12" name="Прямая соединительная линия 11"/>
-          <p:cNvCxnSpPr>
-            <a:stCxn id="6" idx="7"/>
-          </p:cNvCxnSpPr>
-          <p:nvPr/>
-        </p:nvCxnSpPr>
-        <p:spPr>
-          <a:xfrm flipH="1">
-            <a:off x="9287301" y="1797114"/>
-            <a:ext cx="911966" cy="911966"/>
-          </a:xfrm>
-          <a:prstGeom prst="line">
-            <a:avLst/>
-          </a:prstGeom>
-          <a:ln>
-            <a:solidFill>
-              <a:srgbClr val="E76376"/>
-            </a:solidFill>
-          </a:ln>
-        </p:spPr>
-        <p:style>
-          <a:lnRef idx="3">
-            <a:schemeClr val="accent2"/>
-          </a:lnRef>
-          <a:fillRef idx="0">
-            <a:schemeClr val="accent2"/>
-          </a:fillRef>
-          <a:effectRef idx="2">
-            <a:schemeClr val="accent2"/>
-          </a:effectRef>
-          <a:fontRef idx="minor">
-            <a:schemeClr val="tx1"/>
-          </a:fontRef>
-        </p:style>
-      </p:cxnSp>
-      <p:cxnSp>
-        <p:nvCxnSpPr>
-          <p:cNvPr id="14" name="Прямая соединительная линия 13"/>
-          <p:cNvCxnSpPr>
-            <a:stCxn id="6" idx="6"/>
-          </p:cNvCxnSpPr>
-          <p:nvPr/>
-        </p:nvCxnSpPr>
-        <p:spPr>
-          <a:xfrm flipH="1">
-            <a:off x="9287301" y="2709080"/>
-            <a:ext cx="1289714" cy="0"/>
-          </a:xfrm>
-          <a:prstGeom prst="line">
-            <a:avLst/>
-          </a:prstGeom>
-          <a:ln>
-            <a:solidFill>
-              <a:srgbClr val="E76376"/>
-            </a:solidFill>
-          </a:ln>
-        </p:spPr>
-        <p:style>
-          <a:lnRef idx="3">
-            <a:schemeClr val="accent3"/>
-          </a:lnRef>
-          <a:fillRef idx="0">
-            <a:schemeClr val="accent3"/>
-          </a:fillRef>
-          <a:effectRef idx="2">
-            <a:schemeClr val="accent3"/>
-          </a:effectRef>
-          <a:fontRef idx="minor">
-            <a:schemeClr val="tx1"/>
-          </a:fontRef>
-        </p:style>
-      </p:cxnSp>
-    </p:spTree>
-    <p:extLst>
-      <p:ext uri="{BB962C8B-B14F-4D97-AF65-F5344CB8AC3E}">
-        <p14:creationId xmlns:p14="http://schemas.microsoft.com/office/powerpoint/2010/main" val="1965330898"/>
-      </p:ext>
-    </p:extLst>
-  </p:cSld>
-  <p:clrMapOvr>
-    <a:masterClrMapping/>
-  </p:clrMapOvr>
-  <p:timing>
-    <p:tnLst>
-      <p:par>
-        <p:cTn id="1" dur="indefinite" restart="never" nodeType="tmRoot"/>
-      </p:par>
-    </p:tnLst>
-  </p:timing>
-</p:sld>
-</file>
-
-<file path=ppt/slides/slide7.xml><?xml version="1.0" encoding="utf-8"?>
-<p:sld xmlns:a="http://schemas.openxmlformats.org/drawingml/2006/main" xmlns:r="http://schemas.openxmlformats.org/officeDocument/2006/relationships" xmlns:p="http://schemas.openxmlformats.org/presentationml/2006/main">
-  <p:cSld>
-    <p:spTree>
-      <p:nvGrpSpPr>
-        <p:cNvPr id="1" name=""/>
-        <p:cNvGrpSpPr/>
-        <p:nvPr/>
-      </p:nvGrpSpPr>
-      <p:grpSpPr>
-        <a:xfrm>
-          <a:off x="0" y="0"/>
-          <a:ext cx="0" cy="0"/>
-          <a:chOff x="0" y="0"/>
-          <a:chExt cx="0" cy="0"/>
-        </a:xfrm>
-      </p:grpSpPr>
-      <p:sp>
-        <p:nvSpPr>
-          <p:cNvPr id="2" name="Заголовок 1"/>
-          <p:cNvSpPr>
-            <a:spLocks noGrp="1"/>
-          </p:cNvSpPr>
-          <p:nvPr>
-            <p:ph type="title"/>
-          </p:nvPr>
-        </p:nvSpPr>
-        <p:spPr/>
-        <p:txBody>
-          <a:bodyPr/>
-          <a:lstStyle/>
-          <a:p>
-            <a:r>
-              <a:rPr lang="en-US" dirty="0" smtClean="0"/>
-              <a:t>AI Analytics</a:t>
-            </a:r>
-            <a:endParaRPr lang="ru-RU" dirty="0"/>
-          </a:p>
-        </p:txBody>
-      </p:sp>
-      <p:pic>
-        <p:nvPicPr>
-          <p:cNvPr id="4" name="learn">
-            <a:hlinkClick r:id="" action="ppaction://media"/>
-          </p:cNvPr>
-          <p:cNvPicPr>
-            <a:picLocks noChangeAspect="1"/>
-          </p:cNvPicPr>
-          <p:nvPr>
-            <a:videoFile r:link="rId2"/>
-            <p:extLst>
-              <p:ext uri="{DAA4B4D4-6D71-4841-9C94-3DE7FCFB9230}">
-                <p14:media xmlns:p14="http://schemas.microsoft.com/office/powerpoint/2010/main" r:embed="rId1"/>
-              </p:ext>
-            </p:extLst>
-          </p:nvPr>
-        </p:nvPicPr>
-        <p:blipFill>
-          <a:blip r:embed="rId4"/>
-          <a:stretch>
-            <a:fillRect/>
-          </a:stretch>
-        </p:blipFill>
-        <p:spPr>
-          <a:xfrm>
-            <a:off x="2345541" y="1302657"/>
-            <a:ext cx="7514772" cy="5009848"/>
-          </a:xfrm>
-          <a:prstGeom prst="rect">
-            <a:avLst/>
-          </a:prstGeom>
-          <a:ln>
-            <a:noFill/>
-          </a:ln>
-          <a:effectLst>
-            <a:softEdge rad="112500"/>
-          </a:effectLst>
-        </p:spPr>
-      </p:pic>
-      <p:sp>
-        <p:nvSpPr>
-          <p:cNvPr id="5" name="TextBox 4"/>
-          <p:cNvSpPr txBox="1"/>
-          <p:nvPr/>
-        </p:nvSpPr>
-        <p:spPr>
-          <a:xfrm>
-            <a:off x="571500" y="6311900"/>
-            <a:ext cx="776175" cy="369332"/>
-          </a:xfrm>
-          <a:prstGeom prst="rect">
-            <a:avLst/>
-          </a:prstGeom>
-          <a:noFill/>
-        </p:spPr>
-        <p:txBody>
-          <a:bodyPr wrap="none" rtlCol="0">
-            <a:spAutoFit/>
-          </a:bodyPr>
-          <a:lstStyle/>
-          <a:p>
-            <a:r>
-              <a:rPr lang="ru-RU" dirty="0" smtClean="0"/>
-              <a:t>* </a:t>
-            </a:r>
-            <a:r>
-              <a:rPr lang="en-US" dirty="0" smtClean="0"/>
-              <a:t>RNN</a:t>
-            </a:r>
-            <a:endParaRPr lang="ru-RU" dirty="0"/>
-          </a:p>
-        </p:txBody>
-      </p:sp>
-    </p:spTree>
-    <p:extLst>
-      <p:ext uri="{BB962C8B-B14F-4D97-AF65-F5344CB8AC3E}">
-        <p14:creationId xmlns:p14="http://schemas.microsoft.com/office/powerpoint/2010/main" val="4051166396"/>
-      </p:ext>
-    </p:extLst>
-  </p:cSld>
-  <p:clrMapOvr>
-    <a:masterClrMapping/>
-  </p:clrMapOvr>
-  <p:timing>
-    <p:tnLst>
-      <p:par>
-        <p:cTn id="1" dur="indefinite" restart="never" nodeType="tmRoot">
-          <p:childTnLst>
-            <p:seq concurrent="1" nextAc="seek">
-              <p:cTn id="2" dur="indefinite" nodeType="mainSeq">
-                <p:childTnLst>
-                  <p:par>
-                    <p:cTn id="3" fill="hold">
-                      <p:stCondLst>
-                        <p:cond delay="indefinite"/>
-                        <p:cond evt="onBegin" delay="0">
-                          <p:tn val="2"/>
-                        </p:cond>
-                      </p:stCondLst>
-                      <p:childTnLst>
-                        <p:par>
-                          <p:cTn id="4" fill="hold">
-                            <p:stCondLst>
-                              <p:cond delay="0"/>
-                            </p:stCondLst>
-                            <p:childTnLst>
-                              <p:par>
-                                <p:cTn id="5" presetID="1" presetClass="mediacall" presetSubtype="0" fill="hold" nodeType="afterEffect">
-                                  <p:stCondLst>
-                                    <p:cond delay="0"/>
-                                  </p:stCondLst>
-                                  <p:childTnLst>
-                                    <p:cmd type="call" cmd="playFrom(0.0)">
-                                      <p:cBhvr>
-                                        <p:cTn id="6" dur="10000" fill="hold"/>
-                                        <p:tgtEl>
-                                          <p:spTgt spid="4"/>
-                                        </p:tgtEl>
-                                      </p:cBhvr>
-                                    </p:cmd>
-                                  </p:childTnLst>
-                                </p:cTn>
-                              </p:par>
-                            </p:childTnLst>
-                          </p:cTn>
-                        </p:par>
-                      </p:childTnLst>
-                    </p:cTn>
-                  </p:par>
-                </p:childTnLst>
-              </p:cTn>
-              <p:prevCondLst>
-                <p:cond evt="onPrev" delay="0">
-                  <p:tgtEl>
-                    <p:sldTgt/>
-                  </p:tgtEl>
-                </p:cond>
-              </p:prevCondLst>
-              <p:nextCondLst>
-                <p:cond evt="onNext" delay="0">
-                  <p:tgtEl>
-                    <p:sldTgt/>
-                  </p:tgtEl>
-                </p:cond>
-              </p:nextCondLst>
-            </p:seq>
-            <p:video>
-              <p:cMediaNode vol="80000">
-                <p:cTn id="7" repeatCount="indefinite" fill="hold" display="0">
-                  <p:stCondLst>
-                    <p:cond delay="indefinite"/>
-                  </p:stCondLst>
-                </p:cTn>
-                <p:tgtEl>
-                  <p:spTgt spid="4"/>
-                </p:tgtEl>
-              </p:cMediaNode>
-            </p:video>
-            <p:seq concurrent="1" nextAc="seek">
-              <p:cTn id="8" restart="whenNotActive" fill="hold" evtFilter="cancelBubble" nodeType="interactiveSeq">
-                <p:stCondLst>
-                  <p:cond evt="onClick" delay="0">
-                    <p:tgtEl>
-                      <p:spTgt spid="4"/>
-                    </p:tgtEl>
-                  </p:cond>
-                </p:stCondLst>
-                <p:endSync evt="end" delay="0">
-                  <p:rtn val="all"/>
-                </p:endSync>
-                <p:childTnLst>
-                  <p:par>
-                    <p:cTn id="9" fill="hold">
-                      <p:stCondLst>
-                        <p:cond delay="0"/>
-                      </p:stCondLst>
-                      <p:childTnLst>
-                        <p:par>
-                          <p:cTn id="10" fill="hold">
-                            <p:stCondLst>
-                              <p:cond delay="0"/>
-                            </p:stCondLst>
-                            <p:childTnLst>
-                              <p:par>
-                                <p:cTn id="11" presetID="2" presetClass="mediacall" presetSubtype="0" fill="hold" nodeType="clickEffect">
-                                  <p:stCondLst>
-                                    <p:cond delay="0"/>
-                                  </p:stCondLst>
-                                  <p:childTnLst>
-                                    <p:cmd type="call" cmd="togglePause">
-                                      <p:cBhvr>
-                                        <p:cTn id="12" dur="1" fill="hold"/>
-                                        <p:tgtEl>
-                                          <p:spTgt spid="4"/>
-                                        </p:tgtEl>
-                                      </p:cBhvr>
-                                    </p:cmd>
-                                  </p:childTnLst>
-                                </p:cTn>
-                              </p:par>
-                            </p:childTnLst>
-                          </p:cTn>
-                        </p:par>
-                      </p:childTnLst>
-                    </p:cTn>
-                  </p:par>
-                </p:childTnLst>
-              </p:cTn>
-              <p:nextCondLst>
-                <p:cond evt="onClick" delay="0">
-                  <p:tgtEl>
-                    <p:spTgt spid="4"/>
-                  </p:tgtEl>
-                </p:cond>
-              </p:nextCondLst>
-            </p:seq>
-          </p:childTnLst>
-        </p:cTn>
-      </p:par>
-    </p:tnLst>
-  </p:timing>
-</p:sld>
-</file>
-
-<file path=ppt/slides/slide8.xml><?xml version="1.0" encoding="utf-8"?>
-<p:sld xmlns:a="http://schemas.openxmlformats.org/drawingml/2006/main" xmlns:r="http://schemas.openxmlformats.org/officeDocument/2006/relationships" xmlns:p="http://schemas.openxmlformats.org/presentationml/2006/main">
-  <p:cSld>
-    <p:spTree>
-      <p:nvGrpSpPr>
-        <p:cNvPr id="1" name=""/>
-        <p:cNvGrpSpPr/>
-        <p:nvPr/>
-      </p:nvGrpSpPr>
-      <p:grpSpPr>
-        <a:xfrm>
-          <a:off x="0" y="0"/>
-          <a:ext cx="0" cy="0"/>
-          <a:chOff x="0" y="0"/>
-          <a:chExt cx="0" cy="0"/>
-        </a:xfrm>
-      </p:grpSpPr>
-      <p:sp>
-        <p:nvSpPr>
-          <p:cNvPr id="2" name="Заголовок 1"/>
-          <p:cNvSpPr>
-            <a:spLocks noGrp="1"/>
-          </p:cNvSpPr>
-          <p:nvPr>
-            <p:ph type="title"/>
-          </p:nvPr>
-        </p:nvSpPr>
-        <p:spPr/>
-        <p:txBody>
-          <a:bodyPr/>
-          <a:lstStyle/>
-          <a:p>
-            <a:pPr algn="ctr"/>
-            <a:r>
-              <a:rPr lang="ru-RU" dirty="0" smtClean="0"/>
-              <a:t>Команда 404</a:t>
-            </a:r>
-            <a:endParaRPr lang="ru-RU" dirty="0"/>
-          </a:p>
-        </p:txBody>
-      </p:sp>
-      <p:pic>
-        <p:nvPicPr>
-          <p:cNvPr id="4" name="Рисунок 3"/>
-          <p:cNvPicPr>
-            <a:picLocks noChangeAspect="1"/>
-          </p:cNvPicPr>
-          <p:nvPr/>
-        </p:nvPicPr>
-        <p:blipFill>
-          <a:blip r:embed="rId2">
-            <a:extLst>
-              <a:ext uri="{28A0092B-C50C-407E-A947-70E740481C1C}">
-                <a14:useLocalDpi xmlns:a14="http://schemas.microsoft.com/office/drawing/2010/main" val="0"/>
-              </a:ext>
-            </a:extLst>
-          </a:blip>
-          <a:stretch>
-            <a:fillRect/>
-          </a:stretch>
-        </p:blipFill>
-        <p:spPr>
-          <a:xfrm>
-            <a:off x="845127" y="2441419"/>
-            <a:ext cx="7579000" cy="2473481"/>
-          </a:xfrm>
-          <a:prstGeom prst="rect">
-            <a:avLst/>
-          </a:prstGeom>
-        </p:spPr>
-      </p:pic>
-      <p:pic>
-        <p:nvPicPr>
-          <p:cNvPr id="5" name="Рисунок 4"/>
-          <p:cNvPicPr>
-            <a:picLocks noChangeAspect="1"/>
-          </p:cNvPicPr>
-          <p:nvPr/>
-        </p:nvPicPr>
-        <p:blipFill rotWithShape="1">
-          <a:blip r:embed="rId3">
-            <a:extLst>
-              <a:ext uri="{28A0092B-C50C-407E-A947-70E740481C1C}">
-                <a14:useLocalDpi xmlns:a14="http://schemas.microsoft.com/office/drawing/2010/main" val="0"/>
-              </a:ext>
-            </a:extLst>
-          </a:blip>
-          <a:srcRect t="5489" b="9810"/>
-          <a:stretch/>
-        </p:blipFill>
-        <p:spPr>
-          <a:xfrm>
-            <a:off x="8600312" y="2559663"/>
-            <a:ext cx="2231173" cy="2264102"/>
-          </a:xfrm>
-          <a:prstGeom prst="ellipse">
-            <a:avLst/>
-          </a:prstGeom>
-        </p:spPr>
-      </p:pic>
-      <p:sp>
-        <p:nvSpPr>
-          <p:cNvPr id="6" name="TextBox 5"/>
-          <p:cNvSpPr txBox="1"/>
-          <p:nvPr/>
-        </p:nvSpPr>
-        <p:spPr>
-          <a:xfrm>
-            <a:off x="1485900" y="5054600"/>
-            <a:ext cx="1045479" cy="461665"/>
-          </a:xfrm>
-          <a:prstGeom prst="rect">
-            <a:avLst/>
-          </a:prstGeom>
-          <a:noFill/>
-        </p:spPr>
-        <p:txBody>
-          <a:bodyPr wrap="none" rtlCol="0">
-            <a:spAutoFit/>
-          </a:bodyPr>
-          <a:lstStyle/>
-          <a:p>
-            <a:r>
-              <a:rPr lang="ru-RU" sz="2400" dirty="0" smtClean="0"/>
-              <a:t>Вадим</a:t>
-            </a:r>
-            <a:endParaRPr lang="ru-RU" sz="2400" dirty="0"/>
-          </a:p>
-        </p:txBody>
-      </p:sp>
-      <p:sp>
-        <p:nvSpPr>
-          <p:cNvPr id="7" name="TextBox 6"/>
-          <p:cNvSpPr txBox="1"/>
-          <p:nvPr/>
-        </p:nvSpPr>
-        <p:spPr>
-          <a:xfrm>
-            <a:off x="4002947" y="5054599"/>
-            <a:ext cx="1263359" cy="461665"/>
-          </a:xfrm>
-          <a:prstGeom prst="rect">
-            <a:avLst/>
-          </a:prstGeom>
-          <a:noFill/>
-        </p:spPr>
-        <p:txBody>
-          <a:bodyPr wrap="none" rtlCol="0">
-            <a:spAutoFit/>
-          </a:bodyPr>
-          <a:lstStyle/>
-          <a:p>
-            <a:r>
-              <a:rPr lang="ru-RU" sz="2400" dirty="0" smtClean="0"/>
-              <a:t>Алексей</a:t>
-            </a:r>
-            <a:endParaRPr lang="ru-RU" sz="2400" dirty="0"/>
-          </a:p>
-        </p:txBody>
-      </p:sp>
-      <p:sp>
-        <p:nvSpPr>
-          <p:cNvPr id="8" name="TextBox 7"/>
-          <p:cNvSpPr txBox="1"/>
-          <p:nvPr/>
-        </p:nvSpPr>
-        <p:spPr>
-          <a:xfrm>
-            <a:off x="6737874" y="5054598"/>
-            <a:ext cx="761491" cy="461665"/>
-          </a:xfrm>
-          <a:prstGeom prst="rect">
-            <a:avLst/>
-          </a:prstGeom>
-          <a:noFill/>
-        </p:spPr>
-        <p:txBody>
-          <a:bodyPr wrap="none" rtlCol="0">
-            <a:spAutoFit/>
-          </a:bodyPr>
-          <a:lstStyle/>
-          <a:p>
-            <a:r>
-              <a:rPr lang="ru-RU" sz="2400" dirty="0" smtClean="0"/>
-              <a:t>Егор</a:t>
-            </a:r>
-            <a:endParaRPr lang="ru-RU" sz="2400" dirty="0"/>
-          </a:p>
-        </p:txBody>
-      </p:sp>
-      <p:sp>
-        <p:nvSpPr>
-          <p:cNvPr id="9" name="TextBox 8"/>
-          <p:cNvSpPr txBox="1"/>
-          <p:nvPr/>
-        </p:nvSpPr>
-        <p:spPr>
-          <a:xfrm>
-            <a:off x="8950337" y="5054597"/>
-            <a:ext cx="1531125" cy="461665"/>
-          </a:xfrm>
-          <a:prstGeom prst="rect">
-            <a:avLst/>
-          </a:prstGeom>
-          <a:noFill/>
-        </p:spPr>
-        <p:txBody>
-          <a:bodyPr wrap="none" rtlCol="0">
-            <a:spAutoFit/>
-          </a:bodyPr>
-          <a:lstStyle/>
-          <a:p>
-            <a:r>
-              <a:rPr lang="ru-RU" sz="2400" dirty="0" smtClean="0"/>
-              <a:t>Екатерина</a:t>
-            </a:r>
-            <a:endParaRPr lang="ru-RU" sz="2400" dirty="0"/>
-          </a:p>
-        </p:txBody>
-      </p:sp>
-      <p:sp>
-        <p:nvSpPr>
-          <p:cNvPr id="10" name="TextBox 9"/>
-          <p:cNvSpPr txBox="1"/>
-          <p:nvPr/>
-        </p:nvSpPr>
-        <p:spPr>
-          <a:xfrm>
-            <a:off x="916353" y="5516262"/>
-            <a:ext cx="2184572" cy="400110"/>
-          </a:xfrm>
-          <a:prstGeom prst="rect">
-            <a:avLst/>
-          </a:prstGeom>
-          <a:noFill/>
-        </p:spPr>
-        <p:txBody>
-          <a:bodyPr wrap="none" rtlCol="0">
-            <a:spAutoFit/>
-          </a:bodyPr>
-          <a:lstStyle/>
-          <a:p>
-            <a:r>
-              <a:rPr lang="ru-RU" sz="2000" dirty="0" err="1" smtClean="0">
-                <a:solidFill>
-                  <a:schemeClr val="bg1">
-                    <a:lumMod val="50000"/>
-                  </a:schemeClr>
-                </a:solidFill>
-              </a:rPr>
-              <a:t>ГазИнформСервис</a:t>
-            </a:r>
-            <a:endParaRPr lang="ru-RU" sz="2000" dirty="0">
-              <a:solidFill>
-                <a:schemeClr val="bg1">
-                  <a:lumMod val="50000"/>
-                </a:schemeClr>
-              </a:solidFill>
-            </a:endParaRPr>
-          </a:p>
-        </p:txBody>
-      </p:sp>
-      <p:sp>
-        <p:nvSpPr>
-          <p:cNvPr id="11" name="TextBox 10"/>
-          <p:cNvSpPr txBox="1"/>
-          <p:nvPr/>
-        </p:nvSpPr>
-        <p:spPr>
-          <a:xfrm>
-            <a:off x="3300749" y="5516262"/>
-            <a:ext cx="2655727" cy="400110"/>
-          </a:xfrm>
-          <a:prstGeom prst="rect">
-            <a:avLst/>
-          </a:prstGeom>
-          <a:noFill/>
-        </p:spPr>
-        <p:txBody>
-          <a:bodyPr wrap="none" rtlCol="0">
-            <a:spAutoFit/>
-          </a:bodyPr>
-          <a:lstStyle/>
-          <a:p>
-            <a:r>
-              <a:rPr lang="en-US" sz="2000" dirty="0" smtClean="0">
-                <a:solidFill>
-                  <a:schemeClr val="bg1">
-                    <a:lumMod val="50000"/>
-                  </a:schemeClr>
-                </a:solidFill>
-              </a:rPr>
-              <a:t>Digital Security Services</a:t>
-            </a:r>
-          </a:p>
-        </p:txBody>
-      </p:sp>
-      <p:sp>
-        <p:nvSpPr>
-          <p:cNvPr id="12" name="TextBox 11"/>
-          <p:cNvSpPr txBox="1"/>
-          <p:nvPr/>
-        </p:nvSpPr>
-        <p:spPr>
-          <a:xfrm>
-            <a:off x="6218949" y="5516262"/>
-            <a:ext cx="1799339" cy="400110"/>
-          </a:xfrm>
-          <a:prstGeom prst="rect">
-            <a:avLst/>
-          </a:prstGeom>
-          <a:noFill/>
-        </p:spPr>
-        <p:txBody>
-          <a:bodyPr wrap="none" rtlCol="0">
-            <a:spAutoFit/>
-          </a:bodyPr>
-          <a:lstStyle/>
-          <a:p>
-            <a:r>
-              <a:rPr lang="en-US" sz="2000" dirty="0" smtClean="0">
-                <a:solidFill>
-                  <a:schemeClr val="bg1">
-                    <a:lumMod val="50000"/>
-                  </a:schemeClr>
-                </a:solidFill>
-              </a:rPr>
-              <a:t>Quest Software</a:t>
-            </a:r>
-            <a:endParaRPr lang="ru-RU" sz="2000" dirty="0">
-              <a:solidFill>
-                <a:schemeClr val="bg1">
-                  <a:lumMod val="50000"/>
-                </a:schemeClr>
-              </a:solidFill>
-            </a:endParaRPr>
-          </a:p>
-        </p:txBody>
-      </p:sp>
-      <p:sp>
-        <p:nvSpPr>
-          <p:cNvPr id="13" name="TextBox 12"/>
-          <p:cNvSpPr txBox="1"/>
-          <p:nvPr/>
-        </p:nvSpPr>
-        <p:spPr>
-          <a:xfrm>
-            <a:off x="8018288" y="5516262"/>
-            <a:ext cx="3395225" cy="400110"/>
-          </a:xfrm>
-          <a:prstGeom prst="rect">
-            <a:avLst/>
-          </a:prstGeom>
-          <a:noFill/>
-        </p:spPr>
-        <p:txBody>
-          <a:bodyPr wrap="none" rtlCol="0">
-            <a:spAutoFit/>
-          </a:bodyPr>
-          <a:lstStyle/>
-          <a:p>
-            <a:r>
-              <a:rPr lang="ru-RU" sz="2000" dirty="0" smtClean="0">
-                <a:solidFill>
-                  <a:schemeClr val="bg1">
-                    <a:lumMod val="50000"/>
-                  </a:schemeClr>
-                </a:solidFill>
-              </a:rPr>
-              <a:t>Институт Сетевых Технологий</a:t>
-            </a:r>
-            <a:endParaRPr lang="ru-RU" sz="2000" dirty="0">
-              <a:solidFill>
-                <a:schemeClr val="bg1">
-                  <a:lumMod val="50000"/>
-                </a:schemeClr>
-              </a:solidFill>
-            </a:endParaRPr>
-          </a:p>
-        </p:txBody>
-      </p:sp>
-      <p:pic>
-        <p:nvPicPr>
-          <p:cNvPr id="14" name="Рисунок 13"/>
-          <p:cNvPicPr>
-            <a:picLocks noChangeAspect="1"/>
-          </p:cNvPicPr>
-          <p:nvPr/>
-        </p:nvPicPr>
-        <p:blipFill>
-          <a:blip r:embed="rId4" cstate="print">
-            <a:extLst>
-              <a:ext uri="{28A0092B-C50C-407E-A947-70E740481C1C}">
-                <a14:useLocalDpi xmlns:a14="http://schemas.microsoft.com/office/drawing/2010/main" val="0"/>
-              </a:ext>
-            </a:extLst>
-          </a:blip>
-          <a:stretch>
-            <a:fillRect/>
-          </a:stretch>
-        </p:blipFill>
-        <p:spPr>
-          <a:xfrm>
-            <a:off x="5956476" y="2558811"/>
-            <a:ext cx="2313592" cy="2251399"/>
-          </a:xfrm>
-          <a:prstGeom prst="ellipse">
-            <a:avLst/>
-          </a:prstGeom>
-        </p:spPr>
-      </p:pic>
-    </p:spTree>
-    <p:extLst>
-      <p:ext uri="{BB962C8B-B14F-4D97-AF65-F5344CB8AC3E}">
-        <p14:creationId xmlns:p14="http://schemas.microsoft.com/office/powerpoint/2010/main" val="2388013125"/>
-      </p:ext>
-    </p:extLst>
-  </p:cSld>
-  <p:clrMapOvr>
-    <a:masterClrMapping/>
-  </p:clrMapOvr>
-  <p:timing>
-    <p:tnLst>
-      <p:par>
-        <p:cTn id="1" dur="indefinite" restart="never" nodeType="tmRoot"/>
-      </p:par>
-    </p:tnLst>
   </p:timing>
 </p:sld>
 </file>
